--- a/Class-03-Presentation1/OCN479_Lecture03_SensorPresentations.pptx
+++ b/Class-03-Presentation1/OCN479_Lecture03_SensorPresentations.pptx
@@ -5,7 +5,7 @@
     <p:sldMasterId id="2147483660" r:id="rId1"/>
   </p:sldMasterIdLst>
   <p:notesMasterIdLst>
-    <p:notesMasterId r:id="rId8"/>
+    <p:notesMasterId r:id="rId7"/>
   </p:notesMasterIdLst>
   <p:sldIdLst>
     <p:sldId id="256" r:id="rId2"/>
@@ -13,7 +13,6 @@
     <p:sldId id="259" r:id="rId4"/>
     <p:sldId id="258" r:id="rId5"/>
     <p:sldId id="262" r:id="rId6"/>
-    <p:sldId id="261" r:id="rId7"/>
   </p:sldIdLst>
   <p:sldSz cx="12192000" cy="6858000"/>
   <p:notesSz cx="6858000" cy="9144000"/>
@@ -1824,11 +1823,11 @@
 </file>
 
 <file path=ppt/diagrams/colors3.xml><?xml version="1.0" encoding="utf-8"?>
-<dgm:colorsDef xmlns:dgm="http://schemas.openxmlformats.org/drawingml/2006/diagram" xmlns:a="http://schemas.openxmlformats.org/drawingml/2006/main" uniqueId="urn:microsoft.com/office/officeart/2005/8/colors/accent1_2">
+<dgm:colorsDef xmlns:dgm="http://schemas.openxmlformats.org/drawingml/2006/diagram" xmlns:a="http://schemas.openxmlformats.org/drawingml/2006/main" uniqueId="urn:microsoft.com/office/officeart/2018/5/colors/Iconchunking_neutralbg_colorful1">
   <dgm:title val=""/>
   <dgm:desc val=""/>
   <dgm:catLst>
-    <dgm:cat type="accent1" pri="11200"/>
+    <dgm:cat type="colorful" pri="10100"/>
   </dgm:catLst>
   <dgm:styleLbl name="node0">
     <dgm:fillClrLst meth="repeat">
@@ -1842,21 +1841,51 @@
     <dgm:txFillClrLst/>
     <dgm:txEffectClrLst/>
   </dgm:styleLbl>
-  <dgm:styleLbl name="alignNode1">
+  <dgm:styleLbl name="node1">
     <dgm:fillClrLst meth="repeat">
-      <a:schemeClr val="accent1"/>
+      <a:schemeClr val="accent2"/>
+      <a:schemeClr val="accent3"/>
+      <a:schemeClr val="accent4"/>
+      <a:schemeClr val="accent5"/>
+      <a:schemeClr val="accent6"/>
     </dgm:fillClrLst>
     <dgm:linClrLst meth="repeat">
-      <a:schemeClr val="accent1"/>
+      <a:schemeClr val="lt1">
+        <a:alpha val="0"/>
+      </a:schemeClr>
     </dgm:linClrLst>
     <dgm:effectClrLst/>
     <dgm:txLinClrLst/>
     <dgm:txFillClrLst/>
     <dgm:txEffectClrLst/>
   </dgm:styleLbl>
-  <dgm:styleLbl name="node1">
+  <dgm:styleLbl name="alignNode1">
     <dgm:fillClrLst meth="repeat">
-      <a:schemeClr val="accent1"/>
+      <a:schemeClr val="accent2"/>
+      <a:schemeClr val="accent3"/>
+      <a:schemeClr val="accent4"/>
+      <a:schemeClr val="accent5"/>
+      <a:schemeClr val="accent6"/>
+    </dgm:fillClrLst>
+    <dgm:linClrLst meth="repeat">
+      <a:schemeClr val="accent2"/>
+      <a:schemeClr val="accent3"/>
+      <a:schemeClr val="accent4"/>
+      <a:schemeClr val="accent5"/>
+      <a:schemeClr val="accent6"/>
+    </dgm:linClrLst>
+    <dgm:effectClrLst/>
+    <dgm:txLinClrLst/>
+    <dgm:txFillClrLst/>
+    <dgm:txEffectClrLst/>
+  </dgm:styleLbl>
+  <dgm:styleLbl name="lnNode1">
+    <dgm:fillClrLst meth="repeat">
+      <a:schemeClr val="accent2"/>
+      <a:schemeClr val="accent3"/>
+      <a:schemeClr val="accent4"/>
+      <a:schemeClr val="accent5"/>
+      <a:schemeClr val="accent6"/>
     </dgm:fillClrLst>
     <dgm:linClrLst meth="repeat">
       <a:schemeClr val="lt1"/>
@@ -1866,21 +1895,21 @@
     <dgm:txFillClrLst/>
     <dgm:txEffectClrLst/>
   </dgm:styleLbl>
-  <dgm:styleLbl name="lnNode1">
-    <dgm:fillClrLst meth="repeat">
-      <a:schemeClr val="accent1"/>
-    </dgm:fillClrLst>
-    <dgm:linClrLst meth="repeat">
-      <a:schemeClr val="lt1"/>
-    </dgm:linClrLst>
-    <dgm:effectClrLst/>
-    <dgm:txLinClrLst/>
-    <dgm:txFillClrLst/>
-    <dgm:txEffectClrLst/>
-  </dgm:styleLbl>
   <dgm:styleLbl name="vennNode1">
     <dgm:fillClrLst meth="repeat">
-      <a:schemeClr val="accent1">
+      <a:schemeClr val="accent2">
+        <a:alpha val="50000"/>
+      </a:schemeClr>
+      <a:schemeClr val="accent3">
+        <a:alpha val="50000"/>
+      </a:schemeClr>
+      <a:schemeClr val="accent4">
+        <a:alpha val="50000"/>
+      </a:schemeClr>
+      <a:schemeClr val="accent5">
+        <a:alpha val="50000"/>
+      </a:schemeClr>
+      <a:schemeClr val="accent6">
         <a:alpha val="50000"/>
       </a:schemeClr>
     </dgm:fillClrLst>
@@ -1893,8 +1922,8 @@
     <dgm:txEffectClrLst/>
   </dgm:styleLbl>
   <dgm:styleLbl name="node2">
-    <dgm:fillClrLst meth="repeat">
-      <a:schemeClr val="accent1"/>
+    <dgm:fillClrLst>
+      <a:schemeClr val="accent2"/>
     </dgm:fillClrLst>
     <dgm:linClrLst meth="repeat">
       <a:schemeClr val="lt1"/>
@@ -1905,8 +1934,8 @@
     <dgm:txEffectClrLst/>
   </dgm:styleLbl>
   <dgm:styleLbl name="node3">
-    <dgm:fillClrLst meth="repeat">
-      <a:schemeClr val="accent1"/>
+    <dgm:fillClrLst>
+      <a:schemeClr val="accent3"/>
     </dgm:fillClrLst>
     <dgm:linClrLst meth="repeat">
       <a:schemeClr val="lt1"/>
@@ -1917,8 +1946,8 @@
     <dgm:txEffectClrLst/>
   </dgm:styleLbl>
   <dgm:styleLbl name="node4">
-    <dgm:fillClrLst meth="repeat">
-      <a:schemeClr val="accent1"/>
+    <dgm:fillClrLst>
+      <a:schemeClr val="accent4"/>
     </dgm:fillClrLst>
     <dgm:linClrLst meth="repeat">
       <a:schemeClr val="lt1"/>
@@ -1930,7 +1959,19 @@
   </dgm:styleLbl>
   <dgm:styleLbl name="fgImgPlace1">
     <dgm:fillClrLst meth="repeat">
-      <a:schemeClr val="accent1">
+      <a:schemeClr val="accent2">
+        <a:tint val="50000"/>
+      </a:schemeClr>
+      <a:schemeClr val="accent3">
+        <a:tint val="50000"/>
+      </a:schemeClr>
+      <a:schemeClr val="accent4">
+        <a:tint val="50000"/>
+      </a:schemeClr>
+      <a:schemeClr val="accent5">
+        <a:tint val="50000"/>
+      </a:schemeClr>
+      <a:schemeClr val="accent6">
         <a:tint val="50000"/>
       </a:schemeClr>
     </dgm:fillClrLst>
@@ -1945,9 +1986,12 @@
     <dgm:txEffectClrLst/>
   </dgm:styleLbl>
   <dgm:styleLbl name="alignImgPlace1">
-    <dgm:fillClrLst meth="repeat">
+    <dgm:fillClrLst>
       <a:schemeClr val="accent1">
         <a:tint val="50000"/>
+      </a:schemeClr>
+      <a:schemeClr val="accent2">
+        <a:tint val="20000"/>
       </a:schemeClr>
     </dgm:fillClrLst>
     <dgm:linClrLst meth="repeat">
@@ -1961,9 +2005,12 @@
     <dgm:txEffectClrLst/>
   </dgm:styleLbl>
   <dgm:styleLbl name="bgImgPlace1">
-    <dgm:fillClrLst meth="repeat">
+    <dgm:fillClrLst>
       <a:schemeClr val="accent1">
         <a:tint val="50000"/>
+      </a:schemeClr>
+      <a:schemeClr val="accent2">
+        <a:tint val="20000"/>
       </a:schemeClr>
     </dgm:fillClrLst>
     <dgm:linClrLst meth="repeat">
@@ -1978,14 +2025,14 @@
   </dgm:styleLbl>
   <dgm:styleLbl name="sibTrans2D1">
     <dgm:fillClrLst meth="repeat">
-      <a:schemeClr val="accent1">
-        <a:tint val="60000"/>
-      </a:schemeClr>
+      <a:schemeClr val="accent2"/>
+      <a:schemeClr val="accent3"/>
+      <a:schemeClr val="accent4"/>
+      <a:schemeClr val="accent5"/>
+      <a:schemeClr val="accent6"/>
     </dgm:fillClrLst>
-    <dgm:linClrLst meth="repeat">
-      <a:schemeClr val="accent1">
-        <a:tint val="60000"/>
-      </a:schemeClr>
+    <dgm:linClrLst meth="cycle">
+      <a:schemeClr val="lt1"/>
     </dgm:linClrLst>
     <dgm:effectClrLst/>
     <dgm:txLinClrLst/>
@@ -1994,42 +2041,54 @@
   </dgm:styleLbl>
   <dgm:styleLbl name="fgSibTrans2D1">
     <dgm:fillClrLst meth="repeat">
-      <a:schemeClr val="accent1">
-        <a:tint val="60000"/>
-      </a:schemeClr>
+      <a:schemeClr val="accent2"/>
+      <a:schemeClr val="accent3"/>
+      <a:schemeClr val="accent4"/>
+      <a:schemeClr val="accent5"/>
+      <a:schemeClr val="accent6"/>
     </dgm:fillClrLst>
-    <dgm:linClrLst meth="repeat">
-      <a:schemeClr val="accent1">
-        <a:tint val="60000"/>
-      </a:schemeClr>
+    <dgm:linClrLst meth="cycle">
+      <a:schemeClr val="lt1"/>
     </dgm:linClrLst>
     <dgm:effectClrLst/>
     <dgm:txLinClrLst/>
-    <dgm:txFillClrLst/>
+    <dgm:txFillClrLst meth="repeat">
+      <a:schemeClr val="lt1"/>
+    </dgm:txFillClrLst>
     <dgm:txEffectClrLst/>
   </dgm:styleLbl>
   <dgm:styleLbl name="bgSibTrans2D1">
     <dgm:fillClrLst meth="repeat">
-      <a:schemeClr val="accent1">
-        <a:tint val="60000"/>
-      </a:schemeClr>
+      <a:schemeClr val="accent2"/>
+      <a:schemeClr val="accent3"/>
+      <a:schemeClr val="accent4"/>
+      <a:schemeClr val="accent5"/>
+      <a:schemeClr val="accent6"/>
     </dgm:fillClrLst>
-    <dgm:linClrLst meth="repeat">
-      <a:schemeClr val="accent1">
-        <a:tint val="60000"/>
-      </a:schemeClr>
+    <dgm:linClrLst meth="cycle">
+      <a:schemeClr val="lt1"/>
     </dgm:linClrLst>
     <dgm:effectClrLst/>
     <dgm:txLinClrLst/>
-    <dgm:txFillClrLst/>
+    <dgm:txFillClrLst meth="repeat">
+      <a:schemeClr val="lt1"/>
+    </dgm:txFillClrLst>
     <dgm:txEffectClrLst/>
   </dgm:styleLbl>
   <dgm:styleLbl name="sibTrans1D1">
     <dgm:fillClrLst meth="repeat">
-      <a:schemeClr val="accent1"/>
+      <a:schemeClr val="accent2"/>
+      <a:schemeClr val="accent3"/>
+      <a:schemeClr val="accent4"/>
+      <a:schemeClr val="accent5"/>
+      <a:schemeClr val="accent6"/>
     </dgm:fillClrLst>
     <dgm:linClrLst meth="repeat">
-      <a:schemeClr val="accent1"/>
+      <a:schemeClr val="accent2"/>
+      <a:schemeClr val="accent3"/>
+      <a:schemeClr val="accent4"/>
+      <a:schemeClr val="accent5"/>
+      <a:schemeClr val="accent6"/>
     </dgm:linClrLst>
     <dgm:effectClrLst/>
     <dgm:txLinClrLst/>
@@ -2040,10 +2099,10 @@
   </dgm:styleLbl>
   <dgm:styleLbl name="callout">
     <dgm:fillClrLst meth="repeat">
-      <a:schemeClr val="accent1"/>
+      <a:schemeClr val="accent2"/>
     </dgm:fillClrLst>
     <dgm:linClrLst meth="repeat">
-      <a:schemeClr val="accent1">
+      <a:schemeClr val="accent2">
         <a:tint val="50000"/>
       </a:schemeClr>
     </dgm:linClrLst>
@@ -2068,7 +2127,7 @@
   </dgm:styleLbl>
   <dgm:styleLbl name="asst1">
     <dgm:fillClrLst meth="repeat">
-      <a:schemeClr val="accent1"/>
+      <a:schemeClr val="accent2"/>
     </dgm:fillClrLst>
     <dgm:linClrLst meth="repeat">
       <a:schemeClr val="lt1"/>
@@ -2079,8 +2138,8 @@
     <dgm:txEffectClrLst/>
   </dgm:styleLbl>
   <dgm:styleLbl name="asst2">
-    <dgm:fillClrLst meth="repeat">
-      <a:schemeClr val="accent1"/>
+    <dgm:fillClrLst>
+      <a:schemeClr val="accent3"/>
     </dgm:fillClrLst>
     <dgm:linClrLst meth="repeat">
       <a:schemeClr val="lt1"/>
@@ -2091,8 +2150,8 @@
     <dgm:txEffectClrLst/>
   </dgm:styleLbl>
   <dgm:styleLbl name="asst3">
-    <dgm:fillClrLst meth="repeat">
-      <a:schemeClr val="accent1"/>
+    <dgm:fillClrLst>
+      <a:schemeClr val="accent4"/>
     </dgm:fillClrLst>
     <dgm:linClrLst meth="repeat">
       <a:schemeClr val="lt1"/>
@@ -2103,8 +2162,8 @@
     <dgm:txEffectClrLst/>
   </dgm:styleLbl>
   <dgm:styleLbl name="asst4">
-    <dgm:fillClrLst meth="repeat">
-      <a:schemeClr val="accent1"/>
+    <dgm:fillClrLst>
+      <a:schemeClr val="accent5"/>
     </dgm:fillClrLst>
     <dgm:linClrLst meth="repeat">
       <a:schemeClr val="lt1"/>
@@ -2116,14 +2175,10 @@
   </dgm:styleLbl>
   <dgm:styleLbl name="parChTrans2D1">
     <dgm:fillClrLst meth="repeat">
-      <a:schemeClr val="accent1">
-        <a:tint val="60000"/>
-      </a:schemeClr>
+      <a:schemeClr val="accent2"/>
     </dgm:fillClrLst>
     <dgm:linClrLst meth="repeat">
-      <a:schemeClr val="accent1">
-        <a:tint val="60000"/>
-      </a:schemeClr>
+      <a:schemeClr val="lt1"/>
     </dgm:linClrLst>
     <dgm:effectClrLst/>
     <dgm:txLinClrLst/>
@@ -2134,7 +2189,45 @@
   </dgm:styleLbl>
   <dgm:styleLbl name="parChTrans2D2">
     <dgm:fillClrLst meth="repeat">
-      <a:schemeClr val="accent1"/>
+      <a:schemeClr val="accent3"/>
+    </dgm:fillClrLst>
+    <dgm:linClrLst meth="repeat">
+      <a:schemeClr val="lt1"/>
+    </dgm:linClrLst>
+    <dgm:effectClrLst/>
+    <dgm:txLinClrLst/>
+    <dgm:txFillClrLst/>
+    <dgm:txEffectClrLst/>
+  </dgm:styleLbl>
+  <dgm:styleLbl name="parChTrans2D3">
+    <dgm:fillClrLst meth="repeat">
+      <a:schemeClr val="accent4"/>
+    </dgm:fillClrLst>
+    <dgm:linClrLst meth="repeat">
+      <a:schemeClr val="lt1"/>
+    </dgm:linClrLst>
+    <dgm:effectClrLst/>
+    <dgm:txLinClrLst/>
+    <dgm:txFillClrLst/>
+    <dgm:txEffectClrLst/>
+  </dgm:styleLbl>
+  <dgm:styleLbl name="parChTrans2D4">
+    <dgm:fillClrLst meth="repeat">
+      <a:schemeClr val="accent5"/>
+    </dgm:fillClrLst>
+    <dgm:linClrLst meth="repeat">
+      <a:schemeClr val="lt1"/>
+    </dgm:linClrLst>
+    <dgm:effectClrLst/>
+    <dgm:txLinClrLst/>
+    <dgm:txFillClrLst meth="repeat">
+      <a:schemeClr val="lt1"/>
+    </dgm:txFillClrLst>
+    <dgm:txEffectClrLst/>
+  </dgm:styleLbl>
+  <dgm:styleLbl name="parChTrans1D1">
+    <dgm:fillClrLst meth="repeat">
+      <a:schemeClr val="accent2"/>
     </dgm:fillClrLst>
     <dgm:linClrLst meth="repeat">
       <a:schemeClr val="accent1"/>
@@ -2142,46 +2235,18 @@
     <dgm:effectClrLst/>
     <dgm:txLinClrLst/>
     <dgm:txFillClrLst meth="repeat">
-      <a:schemeClr val="lt1"/>
+      <a:schemeClr val="tx1"/>
     </dgm:txFillClrLst>
     <dgm:txEffectClrLst/>
   </dgm:styleLbl>
-  <dgm:styleLbl name="parChTrans2D3">
+  <dgm:styleLbl name="parChTrans1D2">
     <dgm:fillClrLst meth="repeat">
-      <a:schemeClr val="accent1"/>
+      <a:schemeClr val="accent3">
+        <a:tint val="90000"/>
+      </a:schemeClr>
     </dgm:fillClrLst>
     <dgm:linClrLst meth="repeat">
-      <a:schemeClr val="accent1"/>
-    </dgm:linClrLst>
-    <dgm:effectClrLst/>
-    <dgm:txLinClrLst/>
-    <dgm:txFillClrLst meth="repeat">
-      <a:schemeClr val="lt1"/>
-    </dgm:txFillClrLst>
-    <dgm:txEffectClrLst/>
-  </dgm:styleLbl>
-  <dgm:styleLbl name="parChTrans2D4">
-    <dgm:fillClrLst meth="repeat">
-      <a:schemeClr val="accent1"/>
-    </dgm:fillClrLst>
-    <dgm:linClrLst meth="repeat">
-      <a:schemeClr val="accent1"/>
-    </dgm:linClrLst>
-    <dgm:effectClrLst/>
-    <dgm:txLinClrLst/>
-    <dgm:txFillClrLst meth="repeat">
-      <a:schemeClr val="lt1"/>
-    </dgm:txFillClrLst>
-    <dgm:txEffectClrLst/>
-  </dgm:styleLbl>
-  <dgm:styleLbl name="parChTrans1D1">
-    <dgm:fillClrLst meth="repeat">
-      <a:schemeClr val="accent1"/>
-    </dgm:fillClrLst>
-    <dgm:linClrLst meth="repeat">
-      <a:schemeClr val="accent1">
-        <a:shade val="60000"/>
-      </a:schemeClr>
+      <a:schemeClr val="accent2"/>
     </dgm:linClrLst>
     <dgm:effectClrLst/>
     <dgm:txLinClrLst/>
@@ -2190,14 +2255,14 @@
     </dgm:txFillClrLst>
     <dgm:txEffectClrLst/>
   </dgm:styleLbl>
-  <dgm:styleLbl name="parChTrans1D2">
+  <dgm:styleLbl name="parChTrans1D3">
     <dgm:fillClrLst meth="repeat">
-      <a:schemeClr val="accent1"/>
+      <a:schemeClr val="accent4">
+        <a:tint val="70000"/>
+      </a:schemeClr>
     </dgm:fillClrLst>
     <dgm:linClrLst meth="repeat">
-      <a:schemeClr val="accent1">
-        <a:shade val="60000"/>
-      </a:schemeClr>
+      <a:schemeClr val="accent3"/>
     </dgm:linClrLst>
     <dgm:effectClrLst/>
     <dgm:txLinClrLst/>
@@ -2206,14 +2271,14 @@
     </dgm:txFillClrLst>
     <dgm:txEffectClrLst/>
   </dgm:styleLbl>
-  <dgm:styleLbl name="parChTrans1D3">
+  <dgm:styleLbl name="parChTrans1D4">
     <dgm:fillClrLst meth="repeat">
-      <a:schemeClr val="accent1"/>
+      <a:schemeClr val="accent5">
+        <a:tint val="50000"/>
+      </a:schemeClr>
     </dgm:fillClrLst>
     <dgm:linClrLst meth="repeat">
-      <a:schemeClr val="accent1">
-        <a:shade val="80000"/>
-      </a:schemeClr>
+      <a:schemeClr val="accent4"/>
     </dgm:linClrLst>
     <dgm:effectClrLst/>
     <dgm:txLinClrLst/>
@@ -2222,22 +2287,6 @@
     </dgm:txFillClrLst>
     <dgm:txEffectClrLst/>
   </dgm:styleLbl>
-  <dgm:styleLbl name="parChTrans1D4">
-    <dgm:fillClrLst meth="repeat">
-      <a:schemeClr val="accent1"/>
-    </dgm:fillClrLst>
-    <dgm:linClrLst meth="repeat">
-      <a:schemeClr val="accent1">
-        <a:shade val="80000"/>
-      </a:schemeClr>
-    </dgm:linClrLst>
-    <dgm:effectClrLst/>
-    <dgm:txLinClrLst/>
-    <dgm:txFillClrLst meth="repeat">
-      <a:schemeClr val="tx1"/>
-    </dgm:txFillClrLst>
-    <dgm:txEffectClrLst/>
-  </dgm:styleLbl>
   <dgm:styleLbl name="fgAcc1">
     <dgm:fillClrLst meth="repeat">
       <a:schemeClr val="lt1">
@@ -2245,7 +2294,11 @@
       </a:schemeClr>
     </dgm:fillClrLst>
     <dgm:linClrLst meth="repeat">
-      <a:schemeClr val="accent1"/>
+      <a:schemeClr val="accent2"/>
+      <a:schemeClr val="accent3"/>
+      <a:schemeClr val="accent4"/>
+      <a:schemeClr val="accent5"/>
+      <a:schemeClr val="accent6"/>
     </dgm:linClrLst>
     <dgm:effectClrLst/>
     <dgm:txLinClrLst/>
@@ -2261,7 +2314,11 @@
       </a:schemeClr>
     </dgm:fillClrLst>
     <dgm:linClrLst meth="repeat">
-      <a:schemeClr val="accent1"/>
+      <a:schemeClr val="accent2"/>
+      <a:schemeClr val="accent3"/>
+      <a:schemeClr val="accent4"/>
+      <a:schemeClr val="accent5"/>
+      <a:schemeClr val="accent6"/>
     </dgm:linClrLst>
     <dgm:effectClrLst/>
     <dgm:txLinClrLst/>
@@ -2277,7 +2334,11 @@
       </a:schemeClr>
     </dgm:fillClrLst>
     <dgm:linClrLst meth="repeat">
-      <a:schemeClr val="accent1"/>
+      <a:schemeClr val="accent2"/>
+      <a:schemeClr val="accent3"/>
+      <a:schemeClr val="accent4"/>
+      <a:schemeClr val="accent5"/>
+      <a:schemeClr val="accent6"/>
     </dgm:linClrLst>
     <dgm:effectClrLst/>
     <dgm:txLinClrLst/>
@@ -2309,6 +2370,236 @@
       </a:schemeClr>
     </dgm:fillClrLst>
     <dgm:linClrLst meth="repeat">
+      <a:schemeClr val="accent2"/>
+      <a:schemeClr val="accent3"/>
+      <a:schemeClr val="accent4"/>
+      <a:schemeClr val="accent5"/>
+      <a:schemeClr val="accent6"/>
+    </dgm:linClrLst>
+    <dgm:effectClrLst/>
+    <dgm:txLinClrLst/>
+    <dgm:txFillClrLst meth="repeat">
+      <a:schemeClr val="dk1"/>
+    </dgm:txFillClrLst>
+    <dgm:txEffectClrLst/>
+  </dgm:styleLbl>
+  <dgm:styleLbl name="solidFgAcc1">
+    <dgm:fillClrLst meth="repeat">
+      <a:schemeClr val="lt1"/>
+    </dgm:fillClrLst>
+    <dgm:linClrLst meth="repeat">
+      <a:schemeClr val="accent2"/>
+      <a:schemeClr val="accent3"/>
+      <a:schemeClr val="accent4"/>
+      <a:schemeClr val="accent5"/>
+      <a:schemeClr val="accent6"/>
+    </dgm:linClrLst>
+    <dgm:effectClrLst/>
+    <dgm:txLinClrLst/>
+    <dgm:txFillClrLst meth="repeat">
+      <a:schemeClr val="dk1"/>
+    </dgm:txFillClrLst>
+    <dgm:txEffectClrLst/>
+  </dgm:styleLbl>
+  <dgm:styleLbl name="solidAlignAcc1">
+    <dgm:fillClrLst meth="repeat">
+      <a:schemeClr val="lt1"/>
+    </dgm:fillClrLst>
+    <dgm:linClrLst meth="repeat">
+      <a:schemeClr val="accent2"/>
+      <a:schemeClr val="accent3"/>
+      <a:schemeClr val="accent4"/>
+      <a:schemeClr val="accent5"/>
+      <a:schemeClr val="accent6"/>
+    </dgm:linClrLst>
+    <dgm:effectClrLst/>
+    <dgm:txLinClrLst/>
+    <dgm:txFillClrLst meth="repeat">
+      <a:schemeClr val="dk1"/>
+    </dgm:txFillClrLst>
+    <dgm:txEffectClrLst/>
+  </dgm:styleLbl>
+  <dgm:styleLbl name="solidBgAcc1">
+    <dgm:fillClrLst meth="repeat">
+      <a:schemeClr val="lt1"/>
+    </dgm:fillClrLst>
+    <dgm:linClrLst meth="repeat">
+      <a:schemeClr val="accent2"/>
+      <a:schemeClr val="accent3"/>
+      <a:schemeClr val="accent4"/>
+      <a:schemeClr val="accent5"/>
+      <a:schemeClr val="accent6"/>
+    </dgm:linClrLst>
+    <dgm:effectClrLst/>
+    <dgm:txLinClrLst/>
+    <dgm:txFillClrLst meth="repeat">
+      <a:schemeClr val="dk1"/>
+    </dgm:txFillClrLst>
+    <dgm:txEffectClrLst/>
+  </dgm:styleLbl>
+  <dgm:styleLbl name="fgAccFollowNode1">
+    <dgm:fillClrLst meth="repeat">
+      <a:schemeClr val="accent2">
+        <a:tint val="40000"/>
+        <a:alpha val="90000"/>
+      </a:schemeClr>
+      <a:schemeClr val="accent3">
+        <a:tint val="40000"/>
+        <a:alpha val="90000"/>
+      </a:schemeClr>
+      <a:schemeClr val="accent4">
+        <a:tint val="40000"/>
+        <a:alpha val="90000"/>
+      </a:schemeClr>
+      <a:schemeClr val="accent5">
+        <a:tint val="40000"/>
+        <a:alpha val="90000"/>
+      </a:schemeClr>
+      <a:schemeClr val="accent6">
+        <a:tint val="40000"/>
+        <a:alpha val="90000"/>
+      </a:schemeClr>
+    </dgm:fillClrLst>
+    <dgm:linClrLst meth="repeat">
+      <a:schemeClr val="accent2">
+        <a:tint val="40000"/>
+        <a:alpha val="90000"/>
+      </a:schemeClr>
+      <a:schemeClr val="accent3">
+        <a:tint val="40000"/>
+        <a:alpha val="90000"/>
+      </a:schemeClr>
+      <a:schemeClr val="accent4">
+        <a:tint val="40000"/>
+        <a:alpha val="90000"/>
+      </a:schemeClr>
+      <a:schemeClr val="accent5">
+        <a:tint val="40000"/>
+        <a:alpha val="90000"/>
+      </a:schemeClr>
+      <a:schemeClr val="accent6">
+        <a:tint val="40000"/>
+        <a:alpha val="90000"/>
+      </a:schemeClr>
+    </dgm:linClrLst>
+    <dgm:effectClrLst/>
+    <dgm:txLinClrLst/>
+    <dgm:txFillClrLst meth="repeat">
+      <a:schemeClr val="dk1"/>
+    </dgm:txFillClrLst>
+    <dgm:txEffectClrLst/>
+  </dgm:styleLbl>
+  <dgm:styleLbl name="alignAccFollowNode1">
+    <dgm:fillClrLst meth="repeat">
+      <a:schemeClr val="accent2">
+        <a:tint val="40000"/>
+        <a:alpha val="90000"/>
+      </a:schemeClr>
+      <a:schemeClr val="accent3">
+        <a:tint val="40000"/>
+        <a:alpha val="90000"/>
+      </a:schemeClr>
+      <a:schemeClr val="accent4">
+        <a:tint val="40000"/>
+        <a:alpha val="90000"/>
+      </a:schemeClr>
+      <a:schemeClr val="accent5">
+        <a:tint val="40000"/>
+        <a:alpha val="90000"/>
+      </a:schemeClr>
+      <a:schemeClr val="accent6">
+        <a:tint val="40000"/>
+        <a:alpha val="90000"/>
+      </a:schemeClr>
+    </dgm:fillClrLst>
+    <dgm:linClrLst meth="repeat">
+      <a:schemeClr val="accent2">
+        <a:tint val="40000"/>
+        <a:alpha val="90000"/>
+      </a:schemeClr>
+      <a:schemeClr val="accent3">
+        <a:tint val="40000"/>
+        <a:alpha val="90000"/>
+      </a:schemeClr>
+      <a:schemeClr val="accent4">
+        <a:tint val="40000"/>
+        <a:alpha val="90000"/>
+      </a:schemeClr>
+      <a:schemeClr val="accent5">
+        <a:tint val="40000"/>
+        <a:alpha val="90000"/>
+      </a:schemeClr>
+      <a:schemeClr val="accent6">
+        <a:tint val="40000"/>
+        <a:alpha val="90000"/>
+      </a:schemeClr>
+    </dgm:linClrLst>
+    <dgm:effectClrLst/>
+    <dgm:txLinClrLst/>
+    <dgm:txFillClrLst meth="repeat">
+      <a:schemeClr val="dk1"/>
+    </dgm:txFillClrLst>
+    <dgm:txEffectClrLst/>
+  </dgm:styleLbl>
+  <dgm:styleLbl name="bgAccFollowNode1">
+    <dgm:fillClrLst meth="repeat">
+      <a:schemeClr val="accent2">
+        <a:tint val="40000"/>
+        <a:alpha val="90000"/>
+      </a:schemeClr>
+      <a:schemeClr val="accent3">
+        <a:tint val="40000"/>
+        <a:alpha val="90000"/>
+      </a:schemeClr>
+      <a:schemeClr val="accent4">
+        <a:tint val="40000"/>
+        <a:alpha val="90000"/>
+      </a:schemeClr>
+      <a:schemeClr val="accent5">
+        <a:tint val="40000"/>
+        <a:alpha val="90000"/>
+      </a:schemeClr>
+      <a:schemeClr val="accent6">
+        <a:tint val="40000"/>
+        <a:alpha val="90000"/>
+      </a:schemeClr>
+    </dgm:fillClrLst>
+    <dgm:linClrLst meth="repeat">
+      <a:schemeClr val="accent2">
+        <a:tint val="40000"/>
+        <a:alpha val="90000"/>
+      </a:schemeClr>
+      <a:schemeClr val="accent3">
+        <a:tint val="40000"/>
+        <a:alpha val="90000"/>
+      </a:schemeClr>
+      <a:schemeClr val="accent4">
+        <a:tint val="40000"/>
+        <a:alpha val="90000"/>
+      </a:schemeClr>
+      <a:schemeClr val="accent5">
+        <a:tint val="40000"/>
+        <a:alpha val="90000"/>
+      </a:schemeClr>
+      <a:schemeClr val="accent6">
+        <a:tint val="40000"/>
+        <a:alpha val="90000"/>
+      </a:schemeClr>
+    </dgm:linClrLst>
+    <dgm:effectClrLst/>
+    <dgm:txLinClrLst/>
+    <dgm:txFillClrLst meth="repeat">
+      <a:schemeClr val="dk1"/>
+    </dgm:txFillClrLst>
+    <dgm:txEffectClrLst/>
+  </dgm:styleLbl>
+  <dgm:styleLbl name="fgAcc0">
+    <dgm:fillClrLst meth="repeat">
+      <a:schemeClr val="lt1">
+        <a:alpha val="90000"/>
+      </a:schemeClr>
+    </dgm:fillClrLst>
+    <dgm:linClrLst>
       <a:schemeClr val="accent1"/>
     </dgm:linClrLst>
     <dgm:effectClrLst/>
@@ -2318,12 +2609,14 @@
     </dgm:txFillClrLst>
     <dgm:txEffectClrLst/>
   </dgm:styleLbl>
-  <dgm:styleLbl name="solidFgAcc1">
+  <dgm:styleLbl name="fgAcc2">
     <dgm:fillClrLst meth="repeat">
-      <a:schemeClr val="lt1"/>
+      <a:schemeClr val="lt1">
+        <a:alpha val="90000"/>
+      </a:schemeClr>
     </dgm:fillClrLst>
-    <dgm:linClrLst meth="repeat">
-      <a:schemeClr val="accent1"/>
+    <dgm:linClrLst>
+      <a:schemeClr val="accent2"/>
     </dgm:linClrLst>
     <dgm:effectClrLst/>
     <dgm:txLinClrLst/>
@@ -2332,12 +2625,14 @@
     </dgm:txFillClrLst>
     <dgm:txEffectClrLst/>
   </dgm:styleLbl>
-  <dgm:styleLbl name="solidAlignAcc1">
+  <dgm:styleLbl name="fgAcc3">
     <dgm:fillClrLst meth="repeat">
-      <a:schemeClr val="lt1"/>
+      <a:schemeClr val="lt1">
+        <a:alpha val="90000"/>
+      </a:schemeClr>
     </dgm:fillClrLst>
-    <dgm:linClrLst meth="repeat">
-      <a:schemeClr val="accent1"/>
+    <dgm:linClrLst>
+      <a:schemeClr val="accent3"/>
     </dgm:linClrLst>
     <dgm:effectClrLst/>
     <dgm:txLinClrLst/>
@@ -2346,12 +2641,14 @@
     </dgm:txFillClrLst>
     <dgm:txEffectClrLst/>
   </dgm:styleLbl>
-  <dgm:styleLbl name="solidBgAcc1">
+  <dgm:styleLbl name="fgAcc4">
     <dgm:fillClrLst meth="repeat">
-      <a:schemeClr val="lt1"/>
+      <a:schemeClr val="lt1">
+        <a:alpha val="90000"/>
+      </a:schemeClr>
     </dgm:fillClrLst>
-    <dgm:linClrLst meth="repeat">
-      <a:schemeClr val="accent1"/>
+    <dgm:linClrLst>
+      <a:schemeClr val="accent4"/>
     </dgm:linClrLst>
     <dgm:effectClrLst/>
     <dgm:txLinClrLst/>
@@ -2360,18 +2657,14 @@
     </dgm:txFillClrLst>
     <dgm:txEffectClrLst/>
   </dgm:styleLbl>
-  <dgm:styleLbl name="fgAccFollowNode1">
+  <dgm:styleLbl name="bgShp">
     <dgm:fillClrLst meth="repeat">
-      <a:schemeClr val="accent1">
-        <a:alpha val="90000"/>
-        <a:tint val="40000"/>
+      <a:schemeClr val="bg1">
+        <a:lumMod val="95000"/>
       </a:schemeClr>
     </dgm:fillClrLst>
     <dgm:linClrLst meth="repeat">
-      <a:schemeClr val="accent1">
-        <a:alpha val="90000"/>
-        <a:tint val="40000"/>
-      </a:schemeClr>
+      <a:schemeClr val="dk1"/>
     </dgm:linClrLst>
     <dgm:effectClrLst/>
     <dgm:txLinClrLst/>
@@ -2380,134 +2673,14 @@
     </dgm:txFillClrLst>
     <dgm:txEffectClrLst/>
   </dgm:styleLbl>
-  <dgm:styleLbl name="alignAccFollowNode1">
+  <dgm:styleLbl name="dkBgShp">
     <dgm:fillClrLst meth="repeat">
-      <a:schemeClr val="accent1">
-        <a:alpha val="90000"/>
-        <a:tint val="40000"/>
+      <a:schemeClr val="accent2">
+        <a:shade val="90000"/>
       </a:schemeClr>
     </dgm:fillClrLst>
     <dgm:linClrLst meth="repeat">
-      <a:schemeClr val="accent1">
-        <a:alpha val="90000"/>
-        <a:tint val="40000"/>
-      </a:schemeClr>
-    </dgm:linClrLst>
-    <dgm:effectClrLst/>
-    <dgm:txLinClrLst/>
-    <dgm:txFillClrLst meth="repeat">
       <a:schemeClr val="dk1"/>
-    </dgm:txFillClrLst>
-    <dgm:txEffectClrLst/>
-  </dgm:styleLbl>
-  <dgm:styleLbl name="bgAccFollowNode1">
-    <dgm:fillClrLst meth="repeat">
-      <a:schemeClr val="accent1">
-        <a:alpha val="90000"/>
-        <a:tint val="40000"/>
-      </a:schemeClr>
-    </dgm:fillClrLst>
-    <dgm:linClrLst meth="repeat">
-      <a:schemeClr val="accent1">
-        <a:alpha val="90000"/>
-        <a:tint val="40000"/>
-      </a:schemeClr>
-    </dgm:linClrLst>
-    <dgm:effectClrLst/>
-    <dgm:txLinClrLst/>
-    <dgm:txFillClrLst meth="repeat">
-      <a:schemeClr val="dk1"/>
-    </dgm:txFillClrLst>
-    <dgm:txEffectClrLst/>
-  </dgm:styleLbl>
-  <dgm:styleLbl name="fgAcc0">
-    <dgm:fillClrLst meth="repeat">
-      <a:schemeClr val="lt1">
-        <a:alpha val="90000"/>
-      </a:schemeClr>
-    </dgm:fillClrLst>
-    <dgm:linClrLst meth="repeat">
-      <a:schemeClr val="accent1"/>
-    </dgm:linClrLst>
-    <dgm:effectClrLst/>
-    <dgm:txLinClrLst/>
-    <dgm:txFillClrLst meth="repeat">
-      <a:schemeClr val="dk1"/>
-    </dgm:txFillClrLst>
-    <dgm:txEffectClrLst/>
-  </dgm:styleLbl>
-  <dgm:styleLbl name="fgAcc2">
-    <dgm:fillClrLst meth="repeat">
-      <a:schemeClr val="lt1">
-        <a:alpha val="90000"/>
-      </a:schemeClr>
-    </dgm:fillClrLst>
-    <dgm:linClrLst meth="repeat">
-      <a:schemeClr val="accent1"/>
-    </dgm:linClrLst>
-    <dgm:effectClrLst/>
-    <dgm:txLinClrLst/>
-    <dgm:txFillClrLst meth="repeat">
-      <a:schemeClr val="dk1"/>
-    </dgm:txFillClrLst>
-    <dgm:txEffectClrLst/>
-  </dgm:styleLbl>
-  <dgm:styleLbl name="fgAcc3">
-    <dgm:fillClrLst meth="repeat">
-      <a:schemeClr val="lt1">
-        <a:alpha val="90000"/>
-      </a:schemeClr>
-    </dgm:fillClrLst>
-    <dgm:linClrLst meth="repeat">
-      <a:schemeClr val="accent1"/>
-    </dgm:linClrLst>
-    <dgm:effectClrLst/>
-    <dgm:txLinClrLst/>
-    <dgm:txFillClrLst meth="repeat">
-      <a:schemeClr val="dk1"/>
-    </dgm:txFillClrLst>
-    <dgm:txEffectClrLst/>
-  </dgm:styleLbl>
-  <dgm:styleLbl name="fgAcc4">
-    <dgm:fillClrLst meth="repeat">
-      <a:schemeClr val="lt1">
-        <a:alpha val="90000"/>
-      </a:schemeClr>
-    </dgm:fillClrLst>
-    <dgm:linClrLst meth="repeat">
-      <a:schemeClr val="accent1"/>
-    </dgm:linClrLst>
-    <dgm:effectClrLst/>
-    <dgm:txLinClrLst/>
-    <dgm:txFillClrLst meth="repeat">
-      <a:schemeClr val="dk1"/>
-    </dgm:txFillClrLst>
-    <dgm:txEffectClrLst/>
-  </dgm:styleLbl>
-  <dgm:styleLbl name="bgShp">
-    <dgm:fillClrLst meth="repeat">
-      <a:schemeClr val="accent1">
-        <a:tint val="40000"/>
-      </a:schemeClr>
-    </dgm:fillClrLst>
-    <dgm:linClrLst meth="repeat">
-      <a:schemeClr val="accent1"/>
-    </dgm:linClrLst>
-    <dgm:effectClrLst/>
-    <dgm:txLinClrLst/>
-    <dgm:txFillClrLst meth="repeat">
-      <a:schemeClr val="dk1"/>
-    </dgm:txFillClrLst>
-    <dgm:txEffectClrLst/>
-  </dgm:styleLbl>
-  <dgm:styleLbl name="dkBgShp">
-    <dgm:fillClrLst meth="repeat">
-      <a:schemeClr val="accent1">
-        <a:shade val="80000"/>
-      </a:schemeClr>
-    </dgm:fillClrLst>
-    <dgm:linClrLst meth="repeat">
-      <a:schemeClr val="accent1"/>
     </dgm:linClrLst>
     <dgm:effectClrLst/>
     <dgm:txLinClrLst/>
@@ -2524,7 +2697,7 @@
       </a:schemeClr>
     </dgm:fillClrLst>
     <dgm:linClrLst meth="repeat">
-      <a:schemeClr val="accent1"/>
+      <a:schemeClr val="accent2"/>
     </dgm:linClrLst>
     <dgm:effectClrLst/>
     <dgm:txLinClrLst/>
@@ -2535,755 +2708,8 @@
   </dgm:styleLbl>
   <dgm:styleLbl name="fgShp">
     <dgm:fillClrLst meth="repeat">
-      <a:schemeClr val="accent1">
-        <a:tint val="60000"/>
-      </a:schemeClr>
-    </dgm:fillClrLst>
-    <dgm:linClrLst meth="repeat">
-      <a:schemeClr val="lt1"/>
-    </dgm:linClrLst>
-    <dgm:effectClrLst/>
-    <dgm:txLinClrLst/>
-    <dgm:txFillClrLst meth="repeat">
-      <a:schemeClr val="dk1"/>
-    </dgm:txFillClrLst>
-    <dgm:txEffectClrLst/>
-  </dgm:styleLbl>
-  <dgm:styleLbl name="revTx">
-    <dgm:fillClrLst meth="repeat">
-      <a:schemeClr val="lt1">
-        <a:alpha val="0"/>
-      </a:schemeClr>
-    </dgm:fillClrLst>
-    <dgm:linClrLst meth="repeat">
-      <a:schemeClr val="dk1">
-        <a:alpha val="0"/>
-      </a:schemeClr>
-    </dgm:linClrLst>
-    <dgm:effectClrLst/>
-    <dgm:txLinClrLst/>
-    <dgm:txFillClrLst meth="repeat">
-      <a:schemeClr val="tx1"/>
-    </dgm:txFillClrLst>
-    <dgm:txEffectClrLst/>
-  </dgm:styleLbl>
-</dgm:colorsDef>
-</file>
-
-<file path=ppt/diagrams/colors4.xml><?xml version="1.0" encoding="utf-8"?>
-<dgm:colorsDef xmlns:dgm="http://schemas.openxmlformats.org/drawingml/2006/diagram" xmlns:a="http://schemas.openxmlformats.org/drawingml/2006/main" uniqueId="urn:microsoft.com/office/officeart/2005/8/colors/accent1_2">
-  <dgm:title val=""/>
-  <dgm:desc val=""/>
-  <dgm:catLst>
-    <dgm:cat type="accent1" pri="11200"/>
-  </dgm:catLst>
-  <dgm:styleLbl name="node0">
-    <dgm:fillClrLst meth="repeat">
-      <a:schemeClr val="accent1"/>
-    </dgm:fillClrLst>
-    <dgm:linClrLst meth="repeat">
-      <a:schemeClr val="lt1"/>
-    </dgm:linClrLst>
-    <dgm:effectClrLst/>
-    <dgm:txLinClrLst/>
-    <dgm:txFillClrLst/>
-    <dgm:txEffectClrLst/>
-  </dgm:styleLbl>
-  <dgm:styleLbl name="alignNode1">
-    <dgm:fillClrLst meth="repeat">
-      <a:schemeClr val="accent1"/>
-    </dgm:fillClrLst>
-    <dgm:linClrLst meth="repeat">
-      <a:schemeClr val="accent1"/>
-    </dgm:linClrLst>
-    <dgm:effectClrLst/>
-    <dgm:txLinClrLst/>
-    <dgm:txFillClrLst/>
-    <dgm:txEffectClrLst/>
-  </dgm:styleLbl>
-  <dgm:styleLbl name="node1">
-    <dgm:fillClrLst meth="repeat">
-      <a:schemeClr val="accent1"/>
-    </dgm:fillClrLst>
-    <dgm:linClrLst meth="repeat">
-      <a:schemeClr val="lt1"/>
-    </dgm:linClrLst>
-    <dgm:effectClrLst/>
-    <dgm:txLinClrLst/>
-    <dgm:txFillClrLst/>
-    <dgm:txEffectClrLst/>
-  </dgm:styleLbl>
-  <dgm:styleLbl name="lnNode1">
-    <dgm:fillClrLst meth="repeat">
-      <a:schemeClr val="accent1"/>
-    </dgm:fillClrLst>
-    <dgm:linClrLst meth="repeat">
-      <a:schemeClr val="lt1"/>
-    </dgm:linClrLst>
-    <dgm:effectClrLst/>
-    <dgm:txLinClrLst/>
-    <dgm:txFillClrLst/>
-    <dgm:txEffectClrLst/>
-  </dgm:styleLbl>
-  <dgm:styleLbl name="vennNode1">
-    <dgm:fillClrLst meth="repeat">
-      <a:schemeClr val="accent1">
-        <a:alpha val="50000"/>
-      </a:schemeClr>
-    </dgm:fillClrLst>
-    <dgm:linClrLst meth="repeat">
-      <a:schemeClr val="lt1"/>
-    </dgm:linClrLst>
-    <dgm:effectClrLst/>
-    <dgm:txLinClrLst/>
-    <dgm:txFillClrLst/>
-    <dgm:txEffectClrLst/>
-  </dgm:styleLbl>
-  <dgm:styleLbl name="node2">
-    <dgm:fillClrLst meth="repeat">
-      <a:schemeClr val="accent1"/>
-    </dgm:fillClrLst>
-    <dgm:linClrLst meth="repeat">
-      <a:schemeClr val="lt1"/>
-    </dgm:linClrLst>
-    <dgm:effectClrLst/>
-    <dgm:txLinClrLst/>
-    <dgm:txFillClrLst/>
-    <dgm:txEffectClrLst/>
-  </dgm:styleLbl>
-  <dgm:styleLbl name="node3">
-    <dgm:fillClrLst meth="repeat">
-      <a:schemeClr val="accent1"/>
-    </dgm:fillClrLst>
-    <dgm:linClrLst meth="repeat">
-      <a:schemeClr val="lt1"/>
-    </dgm:linClrLst>
-    <dgm:effectClrLst/>
-    <dgm:txLinClrLst/>
-    <dgm:txFillClrLst/>
-    <dgm:txEffectClrLst/>
-  </dgm:styleLbl>
-  <dgm:styleLbl name="node4">
-    <dgm:fillClrLst meth="repeat">
-      <a:schemeClr val="accent1"/>
-    </dgm:fillClrLst>
-    <dgm:linClrLst meth="repeat">
-      <a:schemeClr val="lt1"/>
-    </dgm:linClrLst>
-    <dgm:effectClrLst/>
-    <dgm:txLinClrLst/>
-    <dgm:txFillClrLst/>
-    <dgm:txEffectClrLst/>
-  </dgm:styleLbl>
-  <dgm:styleLbl name="fgImgPlace1">
-    <dgm:fillClrLst meth="repeat">
-      <a:schemeClr val="accent1">
-        <a:tint val="50000"/>
-      </a:schemeClr>
-    </dgm:fillClrLst>
-    <dgm:linClrLst meth="repeat">
-      <a:schemeClr val="lt1"/>
-    </dgm:linClrLst>
-    <dgm:effectClrLst/>
-    <dgm:txLinClrLst/>
-    <dgm:txFillClrLst meth="repeat">
-      <a:schemeClr val="lt1"/>
-    </dgm:txFillClrLst>
-    <dgm:txEffectClrLst/>
-  </dgm:styleLbl>
-  <dgm:styleLbl name="alignImgPlace1">
-    <dgm:fillClrLst meth="repeat">
-      <a:schemeClr val="accent1">
-        <a:tint val="50000"/>
-      </a:schemeClr>
-    </dgm:fillClrLst>
-    <dgm:linClrLst meth="repeat">
-      <a:schemeClr val="lt1"/>
-    </dgm:linClrLst>
-    <dgm:effectClrLst/>
-    <dgm:txLinClrLst/>
-    <dgm:txFillClrLst meth="repeat">
-      <a:schemeClr val="lt1"/>
-    </dgm:txFillClrLst>
-    <dgm:txEffectClrLst/>
-  </dgm:styleLbl>
-  <dgm:styleLbl name="bgImgPlace1">
-    <dgm:fillClrLst meth="repeat">
-      <a:schemeClr val="accent1">
-        <a:tint val="50000"/>
-      </a:schemeClr>
-    </dgm:fillClrLst>
-    <dgm:linClrLst meth="repeat">
-      <a:schemeClr val="lt1"/>
-    </dgm:linClrLst>
-    <dgm:effectClrLst/>
-    <dgm:txLinClrLst/>
-    <dgm:txFillClrLst meth="repeat">
-      <a:schemeClr val="lt1"/>
-    </dgm:txFillClrLst>
-    <dgm:txEffectClrLst/>
-  </dgm:styleLbl>
-  <dgm:styleLbl name="sibTrans2D1">
-    <dgm:fillClrLst meth="repeat">
-      <a:schemeClr val="accent1">
-        <a:tint val="60000"/>
-      </a:schemeClr>
-    </dgm:fillClrLst>
-    <dgm:linClrLst meth="repeat">
-      <a:schemeClr val="accent1">
-        <a:tint val="60000"/>
-      </a:schemeClr>
-    </dgm:linClrLst>
-    <dgm:effectClrLst/>
-    <dgm:txLinClrLst/>
-    <dgm:txFillClrLst/>
-    <dgm:txEffectClrLst/>
-  </dgm:styleLbl>
-  <dgm:styleLbl name="fgSibTrans2D1">
-    <dgm:fillClrLst meth="repeat">
-      <a:schemeClr val="accent1">
-        <a:tint val="60000"/>
-      </a:schemeClr>
-    </dgm:fillClrLst>
-    <dgm:linClrLst meth="repeat">
-      <a:schemeClr val="accent1">
-        <a:tint val="60000"/>
-      </a:schemeClr>
-    </dgm:linClrLst>
-    <dgm:effectClrLst/>
-    <dgm:txLinClrLst/>
-    <dgm:txFillClrLst/>
-    <dgm:txEffectClrLst/>
-  </dgm:styleLbl>
-  <dgm:styleLbl name="bgSibTrans2D1">
-    <dgm:fillClrLst meth="repeat">
-      <a:schemeClr val="accent1">
-        <a:tint val="60000"/>
-      </a:schemeClr>
-    </dgm:fillClrLst>
-    <dgm:linClrLst meth="repeat">
-      <a:schemeClr val="accent1">
-        <a:tint val="60000"/>
-      </a:schemeClr>
-    </dgm:linClrLst>
-    <dgm:effectClrLst/>
-    <dgm:txLinClrLst/>
-    <dgm:txFillClrLst/>
-    <dgm:txEffectClrLst/>
-  </dgm:styleLbl>
-  <dgm:styleLbl name="sibTrans1D1">
-    <dgm:fillClrLst meth="repeat">
-      <a:schemeClr val="accent1"/>
-    </dgm:fillClrLst>
-    <dgm:linClrLst meth="repeat">
-      <a:schemeClr val="accent1"/>
-    </dgm:linClrLst>
-    <dgm:effectClrLst/>
-    <dgm:txLinClrLst/>
-    <dgm:txFillClrLst meth="repeat">
-      <a:schemeClr val="tx1"/>
-    </dgm:txFillClrLst>
-    <dgm:txEffectClrLst/>
-  </dgm:styleLbl>
-  <dgm:styleLbl name="callout">
-    <dgm:fillClrLst meth="repeat">
-      <a:schemeClr val="accent1"/>
-    </dgm:fillClrLst>
-    <dgm:linClrLst meth="repeat">
-      <a:schemeClr val="accent1">
-        <a:tint val="50000"/>
-      </a:schemeClr>
-    </dgm:linClrLst>
-    <dgm:effectClrLst/>
-    <dgm:txLinClrLst/>
-    <dgm:txFillClrLst meth="repeat">
-      <a:schemeClr val="tx1"/>
-    </dgm:txFillClrLst>
-    <dgm:txEffectClrLst/>
-  </dgm:styleLbl>
-  <dgm:styleLbl name="asst0">
-    <dgm:fillClrLst meth="repeat">
-      <a:schemeClr val="accent1"/>
-    </dgm:fillClrLst>
-    <dgm:linClrLst meth="repeat">
-      <a:schemeClr val="lt1"/>
-    </dgm:linClrLst>
-    <dgm:effectClrLst/>
-    <dgm:txLinClrLst/>
-    <dgm:txFillClrLst/>
-    <dgm:txEffectClrLst/>
-  </dgm:styleLbl>
-  <dgm:styleLbl name="asst1">
-    <dgm:fillClrLst meth="repeat">
-      <a:schemeClr val="accent1"/>
-    </dgm:fillClrLst>
-    <dgm:linClrLst meth="repeat">
-      <a:schemeClr val="lt1"/>
-    </dgm:linClrLst>
-    <dgm:effectClrLst/>
-    <dgm:txLinClrLst/>
-    <dgm:txFillClrLst/>
-    <dgm:txEffectClrLst/>
-  </dgm:styleLbl>
-  <dgm:styleLbl name="asst2">
-    <dgm:fillClrLst meth="repeat">
-      <a:schemeClr val="accent1"/>
-    </dgm:fillClrLst>
-    <dgm:linClrLst meth="repeat">
-      <a:schemeClr val="lt1"/>
-    </dgm:linClrLst>
-    <dgm:effectClrLst/>
-    <dgm:txLinClrLst/>
-    <dgm:txFillClrLst/>
-    <dgm:txEffectClrLst/>
-  </dgm:styleLbl>
-  <dgm:styleLbl name="asst3">
-    <dgm:fillClrLst meth="repeat">
-      <a:schemeClr val="accent1"/>
-    </dgm:fillClrLst>
-    <dgm:linClrLst meth="repeat">
-      <a:schemeClr val="lt1"/>
-    </dgm:linClrLst>
-    <dgm:effectClrLst/>
-    <dgm:txLinClrLst/>
-    <dgm:txFillClrLst/>
-    <dgm:txEffectClrLst/>
-  </dgm:styleLbl>
-  <dgm:styleLbl name="asst4">
-    <dgm:fillClrLst meth="repeat">
-      <a:schemeClr val="accent1"/>
-    </dgm:fillClrLst>
-    <dgm:linClrLst meth="repeat">
-      <a:schemeClr val="lt1"/>
-    </dgm:linClrLst>
-    <dgm:effectClrLst/>
-    <dgm:txLinClrLst/>
-    <dgm:txFillClrLst/>
-    <dgm:txEffectClrLst/>
-  </dgm:styleLbl>
-  <dgm:styleLbl name="parChTrans2D1">
-    <dgm:fillClrLst meth="repeat">
-      <a:schemeClr val="accent1">
-        <a:tint val="60000"/>
-      </a:schemeClr>
-    </dgm:fillClrLst>
-    <dgm:linClrLst meth="repeat">
-      <a:schemeClr val="accent1">
-        <a:tint val="60000"/>
-      </a:schemeClr>
-    </dgm:linClrLst>
-    <dgm:effectClrLst/>
-    <dgm:txLinClrLst/>
-    <dgm:txFillClrLst meth="repeat">
-      <a:schemeClr val="lt1"/>
-    </dgm:txFillClrLst>
-    <dgm:txEffectClrLst/>
-  </dgm:styleLbl>
-  <dgm:styleLbl name="parChTrans2D2">
-    <dgm:fillClrLst meth="repeat">
-      <a:schemeClr val="accent1"/>
-    </dgm:fillClrLst>
-    <dgm:linClrLst meth="repeat">
-      <a:schemeClr val="accent1"/>
-    </dgm:linClrLst>
-    <dgm:effectClrLst/>
-    <dgm:txLinClrLst/>
-    <dgm:txFillClrLst meth="repeat">
-      <a:schemeClr val="lt1"/>
-    </dgm:txFillClrLst>
-    <dgm:txEffectClrLst/>
-  </dgm:styleLbl>
-  <dgm:styleLbl name="parChTrans2D3">
-    <dgm:fillClrLst meth="repeat">
-      <a:schemeClr val="accent1"/>
-    </dgm:fillClrLst>
-    <dgm:linClrLst meth="repeat">
-      <a:schemeClr val="accent1"/>
-    </dgm:linClrLst>
-    <dgm:effectClrLst/>
-    <dgm:txLinClrLst/>
-    <dgm:txFillClrLst meth="repeat">
-      <a:schemeClr val="lt1"/>
-    </dgm:txFillClrLst>
-    <dgm:txEffectClrLst/>
-  </dgm:styleLbl>
-  <dgm:styleLbl name="parChTrans2D4">
-    <dgm:fillClrLst meth="repeat">
-      <a:schemeClr val="accent1"/>
-    </dgm:fillClrLst>
-    <dgm:linClrLst meth="repeat">
-      <a:schemeClr val="accent1"/>
-    </dgm:linClrLst>
-    <dgm:effectClrLst/>
-    <dgm:txLinClrLst/>
-    <dgm:txFillClrLst meth="repeat">
-      <a:schemeClr val="lt1"/>
-    </dgm:txFillClrLst>
-    <dgm:txEffectClrLst/>
-  </dgm:styleLbl>
-  <dgm:styleLbl name="parChTrans1D1">
-    <dgm:fillClrLst meth="repeat">
-      <a:schemeClr val="accent1"/>
-    </dgm:fillClrLst>
-    <dgm:linClrLst meth="repeat">
-      <a:schemeClr val="accent1">
-        <a:shade val="60000"/>
-      </a:schemeClr>
-    </dgm:linClrLst>
-    <dgm:effectClrLst/>
-    <dgm:txLinClrLst/>
-    <dgm:txFillClrLst meth="repeat">
-      <a:schemeClr val="tx1"/>
-    </dgm:txFillClrLst>
-    <dgm:txEffectClrLst/>
-  </dgm:styleLbl>
-  <dgm:styleLbl name="parChTrans1D2">
-    <dgm:fillClrLst meth="repeat">
-      <a:schemeClr val="accent1"/>
-    </dgm:fillClrLst>
-    <dgm:linClrLst meth="repeat">
-      <a:schemeClr val="accent1">
-        <a:shade val="60000"/>
-      </a:schemeClr>
-    </dgm:linClrLst>
-    <dgm:effectClrLst/>
-    <dgm:txLinClrLst/>
-    <dgm:txFillClrLst meth="repeat">
-      <a:schemeClr val="tx1"/>
-    </dgm:txFillClrLst>
-    <dgm:txEffectClrLst/>
-  </dgm:styleLbl>
-  <dgm:styleLbl name="parChTrans1D3">
-    <dgm:fillClrLst meth="repeat">
-      <a:schemeClr val="accent1"/>
-    </dgm:fillClrLst>
-    <dgm:linClrLst meth="repeat">
-      <a:schemeClr val="accent1">
-        <a:shade val="80000"/>
-      </a:schemeClr>
-    </dgm:linClrLst>
-    <dgm:effectClrLst/>
-    <dgm:txLinClrLst/>
-    <dgm:txFillClrLst meth="repeat">
-      <a:schemeClr val="tx1"/>
-    </dgm:txFillClrLst>
-    <dgm:txEffectClrLst/>
-  </dgm:styleLbl>
-  <dgm:styleLbl name="parChTrans1D4">
-    <dgm:fillClrLst meth="repeat">
-      <a:schemeClr val="accent1"/>
-    </dgm:fillClrLst>
-    <dgm:linClrLst meth="repeat">
-      <a:schemeClr val="accent1">
-        <a:shade val="80000"/>
-      </a:schemeClr>
-    </dgm:linClrLst>
-    <dgm:effectClrLst/>
-    <dgm:txLinClrLst/>
-    <dgm:txFillClrLst meth="repeat">
-      <a:schemeClr val="tx1"/>
-    </dgm:txFillClrLst>
-    <dgm:txEffectClrLst/>
-  </dgm:styleLbl>
-  <dgm:styleLbl name="fgAcc1">
-    <dgm:fillClrLst meth="repeat">
-      <a:schemeClr val="lt1">
-        <a:alpha val="90000"/>
-      </a:schemeClr>
-    </dgm:fillClrLst>
-    <dgm:linClrLst meth="repeat">
-      <a:schemeClr val="accent1"/>
-    </dgm:linClrLst>
-    <dgm:effectClrLst/>
-    <dgm:txLinClrLst/>
-    <dgm:txFillClrLst meth="repeat">
-      <a:schemeClr val="dk1"/>
-    </dgm:txFillClrLst>
-    <dgm:txEffectClrLst/>
-  </dgm:styleLbl>
-  <dgm:styleLbl name="conFgAcc1">
-    <dgm:fillClrLst meth="repeat">
-      <a:schemeClr val="lt1">
-        <a:alpha val="90000"/>
-      </a:schemeClr>
-    </dgm:fillClrLst>
-    <dgm:linClrLst meth="repeat">
-      <a:schemeClr val="accent1"/>
-    </dgm:linClrLst>
-    <dgm:effectClrLst/>
-    <dgm:txLinClrLst/>
-    <dgm:txFillClrLst meth="repeat">
-      <a:schemeClr val="dk1"/>
-    </dgm:txFillClrLst>
-    <dgm:txEffectClrLst/>
-  </dgm:styleLbl>
-  <dgm:styleLbl name="alignAcc1">
-    <dgm:fillClrLst meth="repeat">
-      <a:schemeClr val="lt1">
-        <a:alpha val="90000"/>
-      </a:schemeClr>
-    </dgm:fillClrLst>
-    <dgm:linClrLst meth="repeat">
-      <a:schemeClr val="accent1"/>
-    </dgm:linClrLst>
-    <dgm:effectClrLst/>
-    <dgm:txLinClrLst/>
-    <dgm:txFillClrLst meth="repeat">
-      <a:schemeClr val="dk1"/>
-    </dgm:txFillClrLst>
-    <dgm:txEffectClrLst/>
-  </dgm:styleLbl>
-  <dgm:styleLbl name="trAlignAcc1">
-    <dgm:fillClrLst meth="repeat">
-      <a:schemeClr val="lt1">
-        <a:alpha val="40000"/>
-      </a:schemeClr>
-    </dgm:fillClrLst>
-    <dgm:linClrLst meth="repeat">
-      <a:schemeClr val="accent1"/>
-    </dgm:linClrLst>
-    <dgm:effectClrLst/>
-    <dgm:txLinClrLst/>
-    <dgm:txFillClrLst meth="repeat">
-      <a:schemeClr val="dk1"/>
-    </dgm:txFillClrLst>
-    <dgm:txEffectClrLst/>
-  </dgm:styleLbl>
-  <dgm:styleLbl name="bgAcc1">
-    <dgm:fillClrLst meth="repeat">
-      <a:schemeClr val="lt1">
-        <a:alpha val="90000"/>
-      </a:schemeClr>
-    </dgm:fillClrLst>
-    <dgm:linClrLst meth="repeat">
-      <a:schemeClr val="accent1"/>
-    </dgm:linClrLst>
-    <dgm:effectClrLst/>
-    <dgm:txLinClrLst/>
-    <dgm:txFillClrLst meth="repeat">
-      <a:schemeClr val="dk1"/>
-    </dgm:txFillClrLst>
-    <dgm:txEffectClrLst/>
-  </dgm:styleLbl>
-  <dgm:styleLbl name="solidFgAcc1">
-    <dgm:fillClrLst meth="repeat">
-      <a:schemeClr val="lt1"/>
-    </dgm:fillClrLst>
-    <dgm:linClrLst meth="repeat">
-      <a:schemeClr val="accent1"/>
-    </dgm:linClrLst>
-    <dgm:effectClrLst/>
-    <dgm:txLinClrLst/>
-    <dgm:txFillClrLst meth="repeat">
-      <a:schemeClr val="dk1"/>
-    </dgm:txFillClrLst>
-    <dgm:txEffectClrLst/>
-  </dgm:styleLbl>
-  <dgm:styleLbl name="solidAlignAcc1">
-    <dgm:fillClrLst meth="repeat">
-      <a:schemeClr val="lt1"/>
-    </dgm:fillClrLst>
-    <dgm:linClrLst meth="repeat">
-      <a:schemeClr val="accent1"/>
-    </dgm:linClrLst>
-    <dgm:effectClrLst/>
-    <dgm:txLinClrLst/>
-    <dgm:txFillClrLst meth="repeat">
-      <a:schemeClr val="dk1"/>
-    </dgm:txFillClrLst>
-    <dgm:txEffectClrLst/>
-  </dgm:styleLbl>
-  <dgm:styleLbl name="solidBgAcc1">
-    <dgm:fillClrLst meth="repeat">
-      <a:schemeClr val="lt1"/>
-    </dgm:fillClrLst>
-    <dgm:linClrLst meth="repeat">
-      <a:schemeClr val="accent1"/>
-    </dgm:linClrLst>
-    <dgm:effectClrLst/>
-    <dgm:txLinClrLst/>
-    <dgm:txFillClrLst meth="repeat">
-      <a:schemeClr val="dk1"/>
-    </dgm:txFillClrLst>
-    <dgm:txEffectClrLst/>
-  </dgm:styleLbl>
-  <dgm:styleLbl name="fgAccFollowNode1">
-    <dgm:fillClrLst meth="repeat">
-      <a:schemeClr val="accent1">
-        <a:alpha val="90000"/>
+      <a:schemeClr val="accent2">
         <a:tint val="40000"/>
-      </a:schemeClr>
-    </dgm:fillClrLst>
-    <dgm:linClrLst meth="repeat">
-      <a:schemeClr val="accent1">
-        <a:alpha val="90000"/>
-        <a:tint val="40000"/>
-      </a:schemeClr>
-    </dgm:linClrLst>
-    <dgm:effectClrLst/>
-    <dgm:txLinClrLst/>
-    <dgm:txFillClrLst meth="repeat">
-      <a:schemeClr val="dk1"/>
-    </dgm:txFillClrLst>
-    <dgm:txEffectClrLst/>
-  </dgm:styleLbl>
-  <dgm:styleLbl name="alignAccFollowNode1">
-    <dgm:fillClrLst meth="repeat">
-      <a:schemeClr val="accent1">
-        <a:alpha val="90000"/>
-        <a:tint val="40000"/>
-      </a:schemeClr>
-    </dgm:fillClrLst>
-    <dgm:linClrLst meth="repeat">
-      <a:schemeClr val="accent1">
-        <a:alpha val="90000"/>
-        <a:tint val="40000"/>
-      </a:schemeClr>
-    </dgm:linClrLst>
-    <dgm:effectClrLst/>
-    <dgm:txLinClrLst/>
-    <dgm:txFillClrLst meth="repeat">
-      <a:schemeClr val="dk1"/>
-    </dgm:txFillClrLst>
-    <dgm:txEffectClrLst/>
-  </dgm:styleLbl>
-  <dgm:styleLbl name="bgAccFollowNode1">
-    <dgm:fillClrLst meth="repeat">
-      <a:schemeClr val="accent1">
-        <a:alpha val="90000"/>
-        <a:tint val="40000"/>
-      </a:schemeClr>
-    </dgm:fillClrLst>
-    <dgm:linClrLst meth="repeat">
-      <a:schemeClr val="accent1">
-        <a:alpha val="90000"/>
-        <a:tint val="40000"/>
-      </a:schemeClr>
-    </dgm:linClrLst>
-    <dgm:effectClrLst/>
-    <dgm:txLinClrLst/>
-    <dgm:txFillClrLst meth="repeat">
-      <a:schemeClr val="dk1"/>
-    </dgm:txFillClrLst>
-    <dgm:txEffectClrLst/>
-  </dgm:styleLbl>
-  <dgm:styleLbl name="fgAcc0">
-    <dgm:fillClrLst meth="repeat">
-      <a:schemeClr val="lt1">
-        <a:alpha val="90000"/>
-      </a:schemeClr>
-    </dgm:fillClrLst>
-    <dgm:linClrLst meth="repeat">
-      <a:schemeClr val="accent1"/>
-    </dgm:linClrLst>
-    <dgm:effectClrLst/>
-    <dgm:txLinClrLst/>
-    <dgm:txFillClrLst meth="repeat">
-      <a:schemeClr val="dk1"/>
-    </dgm:txFillClrLst>
-    <dgm:txEffectClrLst/>
-  </dgm:styleLbl>
-  <dgm:styleLbl name="fgAcc2">
-    <dgm:fillClrLst meth="repeat">
-      <a:schemeClr val="lt1">
-        <a:alpha val="90000"/>
-      </a:schemeClr>
-    </dgm:fillClrLst>
-    <dgm:linClrLst meth="repeat">
-      <a:schemeClr val="accent1"/>
-    </dgm:linClrLst>
-    <dgm:effectClrLst/>
-    <dgm:txLinClrLst/>
-    <dgm:txFillClrLst meth="repeat">
-      <a:schemeClr val="dk1"/>
-    </dgm:txFillClrLst>
-    <dgm:txEffectClrLst/>
-  </dgm:styleLbl>
-  <dgm:styleLbl name="fgAcc3">
-    <dgm:fillClrLst meth="repeat">
-      <a:schemeClr val="lt1">
-        <a:alpha val="90000"/>
-      </a:schemeClr>
-    </dgm:fillClrLst>
-    <dgm:linClrLst meth="repeat">
-      <a:schemeClr val="accent1"/>
-    </dgm:linClrLst>
-    <dgm:effectClrLst/>
-    <dgm:txLinClrLst/>
-    <dgm:txFillClrLst meth="repeat">
-      <a:schemeClr val="dk1"/>
-    </dgm:txFillClrLst>
-    <dgm:txEffectClrLst/>
-  </dgm:styleLbl>
-  <dgm:styleLbl name="fgAcc4">
-    <dgm:fillClrLst meth="repeat">
-      <a:schemeClr val="lt1">
-        <a:alpha val="90000"/>
-      </a:schemeClr>
-    </dgm:fillClrLst>
-    <dgm:linClrLst meth="repeat">
-      <a:schemeClr val="accent1"/>
-    </dgm:linClrLst>
-    <dgm:effectClrLst/>
-    <dgm:txLinClrLst/>
-    <dgm:txFillClrLst meth="repeat">
-      <a:schemeClr val="dk1"/>
-    </dgm:txFillClrLst>
-    <dgm:txEffectClrLst/>
-  </dgm:styleLbl>
-  <dgm:styleLbl name="bgShp">
-    <dgm:fillClrLst meth="repeat">
-      <a:schemeClr val="accent1">
-        <a:tint val="40000"/>
-      </a:schemeClr>
-    </dgm:fillClrLst>
-    <dgm:linClrLst meth="repeat">
-      <a:schemeClr val="accent1"/>
-    </dgm:linClrLst>
-    <dgm:effectClrLst/>
-    <dgm:txLinClrLst/>
-    <dgm:txFillClrLst meth="repeat">
-      <a:schemeClr val="dk1"/>
-    </dgm:txFillClrLst>
-    <dgm:txEffectClrLst/>
-  </dgm:styleLbl>
-  <dgm:styleLbl name="dkBgShp">
-    <dgm:fillClrLst meth="repeat">
-      <a:schemeClr val="accent1">
-        <a:shade val="80000"/>
-      </a:schemeClr>
-    </dgm:fillClrLst>
-    <dgm:linClrLst meth="repeat">
-      <a:schemeClr val="accent1"/>
-    </dgm:linClrLst>
-    <dgm:effectClrLst/>
-    <dgm:txLinClrLst/>
-    <dgm:txFillClrLst meth="repeat">
-      <a:schemeClr val="lt1"/>
-    </dgm:txFillClrLst>
-    <dgm:txEffectClrLst/>
-  </dgm:styleLbl>
-  <dgm:styleLbl name="trBgShp">
-    <dgm:fillClrLst meth="repeat">
-      <a:schemeClr val="accent1">
-        <a:tint val="50000"/>
-        <a:alpha val="40000"/>
-      </a:schemeClr>
-    </dgm:fillClrLst>
-    <dgm:linClrLst meth="repeat">
-      <a:schemeClr val="accent1"/>
-    </dgm:linClrLst>
-    <dgm:effectClrLst/>
-    <dgm:txLinClrLst/>
-    <dgm:txFillClrLst meth="repeat">
-      <a:schemeClr val="lt1"/>
-    </dgm:txFillClrLst>
-    <dgm:txEffectClrLst/>
-  </dgm:styleLbl>
-  <dgm:styleLbl name="fgShp">
-    <dgm:fillClrLst meth="repeat">
-      <a:schemeClr val="accent1">
-        <a:tint val="60000"/>
       </a:schemeClr>
     </dgm:fillClrLst>
     <dgm:linClrLst meth="repeat">
@@ -3375,8 +2801,8 @@
         <a:lstStyle/>
         <a:p>
           <a:r>
-            <a:rPr lang="en-US"/>
-            <a:t>Review issues from first lab</a:t>
+            <a:rPr lang="en-US" dirty="0"/>
+            <a:t>Review issues from first two labs</a:t>
           </a:r>
         </a:p>
       </dgm:t>
@@ -3411,8 +2837,8 @@
         <a:lstStyle/>
         <a:p>
           <a:r>
-            <a:rPr lang="en-US"/>
-            <a:t>Complete second lab activity (building off first)</a:t>
+            <a:rPr lang="en-US" dirty="0"/>
+            <a:t>Complete third lab</a:t>
           </a:r>
         </a:p>
       </dgm:t>
@@ -3644,7 +3070,7 @@
 <dgm:dataModel xmlns:dgm="http://schemas.openxmlformats.org/drawingml/2006/diagram" xmlns:a="http://schemas.openxmlformats.org/drawingml/2006/main">
   <dgm:ptLst>
     <dgm:pt modelId="{4EF873BD-64B0-485D-AF40-C841A702F467}" type="doc">
-      <dgm:prSet loTypeId="urn:microsoft.com/office/officeart/2016/7/layout/BasicLinearProcessNumbered" loCatId="process" qsTypeId="urn:microsoft.com/office/officeart/2005/8/quickstyle/simple1" qsCatId="simple" csTypeId="urn:microsoft.com/office/officeart/2005/8/colors/colorful2" csCatId="colorful"/>
+      <dgm:prSet loTypeId="urn:microsoft.com/office/officeart/2016/7/layout/BasicLinearProcessNumbered" loCatId="process" qsTypeId="urn:microsoft.com/office/officeart/2005/8/quickstyle/simple1" qsCatId="simple" csTypeId="urn:microsoft.com/office/officeart/2005/8/colors/colorful2" csCatId="colorful" phldr="1"/>
       <dgm:spPr/>
       <dgm:t>
         <a:bodyPr/>
@@ -3662,8 +3088,8 @@
         <a:lstStyle/>
         <a:p>
           <a:r>
-            <a:rPr lang="en-US"/>
-            <a:t>Familiarize yourself with cutting-edge coastal technologies</a:t>
+            <a:rPr lang="en-US" dirty="0"/>
+            <a:t>Familiarize yourself with cutting-edge coastal technologies and data streams</a:t>
           </a:r>
         </a:p>
       </dgm:t>
@@ -3939,8 +3365,8 @@
 <file path=ppt/diagrams/data3.xml><?xml version="1.0" encoding="utf-8"?>
 <dgm:dataModel xmlns:dgm="http://schemas.openxmlformats.org/drawingml/2006/diagram" xmlns:a="http://schemas.openxmlformats.org/drawingml/2006/main">
   <dgm:ptLst>
-    <dgm:pt modelId="{188EA1EA-D995-4B91-BC43-87D7189DD7BE}" type="doc">
-      <dgm:prSet loTypeId="urn:microsoft.com/office/officeart/2005/8/layout/list1" loCatId="list" qsTypeId="urn:microsoft.com/office/officeart/2005/8/quickstyle/simple1" qsCatId="simple" csTypeId="urn:microsoft.com/office/officeart/2005/8/colors/accent1_2" csCatId="accent1" phldr="1"/>
+    <dgm:pt modelId="{44253810-8BDA-4890-A6AB-B4080F83E0AB}" type="doc">
+      <dgm:prSet loTypeId="urn:microsoft.com/office/officeart/2018/2/layout/IconVerticalSolidList" loCatId="icon" qsTypeId="urn:microsoft.com/office/officeart/2005/8/quickstyle/simple1" qsCatId="simple" csTypeId="urn:microsoft.com/office/officeart/2018/5/colors/Iconchunking_neutralbg_colorful1" csCatId="colorful" phldr="1"/>
       <dgm:spPr/>
       <dgm:t>
         <a:bodyPr/>
@@ -3950,18 +3376,21 @@
         </a:p>
       </dgm:t>
     </dgm:pt>
-    <dgm:pt modelId="{DCD25A44-1C24-4795-988E-CFE2689F1CBB}">
+    <dgm:pt modelId="{17D37B7D-AB48-494A-AA71-C45B65B5CFCE}">
       <dgm:prSet/>
       <dgm:spPr/>
       <dgm:t>
         <a:bodyPr/>
         <a:lstStyle/>
         <a:p>
-          <a:endParaRPr lang="en-US" dirty="0"/>
+          <a:r>
+            <a:rPr lang="en-US" strike="sngStrike" dirty="0"/>
+            <a:t>Presentations</a:t>
+          </a:r>
         </a:p>
       </dgm:t>
     </dgm:pt>
-    <dgm:pt modelId="{C7651EBE-81E5-4ED5-8B2E-BDF5467D1B15}" type="parTrans" cxnId="{659C4499-24E7-4E78-AF6B-A4EBD7737956}">
+    <dgm:pt modelId="{4A060CDC-01BE-4639-AD70-5F968B0CC889}" type="parTrans" cxnId="{F9B6DA4A-67F8-4813-9B0D-7B0D4867ACBD}">
       <dgm:prSet/>
       <dgm:spPr/>
       <dgm:t>
@@ -3972,7 +3401,7 @@
         </a:p>
       </dgm:t>
     </dgm:pt>
-    <dgm:pt modelId="{957F8315-4F94-41B1-B044-64DE3E7633DE}" type="sibTrans" cxnId="{659C4499-24E7-4E78-AF6B-A4EBD7737956}">
+    <dgm:pt modelId="{885BEA8D-D7CD-4013-A796-C10C582EE328}" type="sibTrans" cxnId="{F9B6DA4A-67F8-4813-9B0D-7B0D4867ACBD}">
       <dgm:prSet/>
       <dgm:spPr/>
       <dgm:t>
@@ -3983,18 +3412,21 @@
         </a:p>
       </dgm:t>
     </dgm:pt>
-    <dgm:pt modelId="{660C88C5-A9E8-42A2-A455-AC3E21400FCA}">
+    <dgm:pt modelId="{94416122-3836-4CC4-8E02-4F81A66A6314}">
       <dgm:prSet/>
       <dgm:spPr/>
       <dgm:t>
         <a:bodyPr/>
         <a:lstStyle/>
         <a:p>
-          <a:endParaRPr lang="en-US" dirty="0"/>
+          <a:r>
+            <a:rPr lang="en-US" dirty="0"/>
+            <a:t>Review issues from first two labs</a:t>
+          </a:r>
         </a:p>
       </dgm:t>
     </dgm:pt>
-    <dgm:pt modelId="{25229F27-F858-440D-8776-02BB0C48BF52}" type="parTrans" cxnId="{AD34983E-95F2-4C62-889C-F1839B51B083}">
+    <dgm:pt modelId="{2B0F529E-EF6A-4C46-B78A-5FCABC4DA0F8}" type="parTrans" cxnId="{A970B366-0DF2-419E-BD4B-FA91CC7EA20A}">
       <dgm:prSet/>
       <dgm:spPr/>
       <dgm:t>
@@ -4005,7 +3437,7 @@
         </a:p>
       </dgm:t>
     </dgm:pt>
-    <dgm:pt modelId="{9B4641F1-69AF-4091-BDCA-ABC83A603B59}" type="sibTrans" cxnId="{AD34983E-95F2-4C62-889C-F1839B51B083}">
+    <dgm:pt modelId="{44161273-2DC5-43EE-BD6A-4DD8E1A16879}" type="sibTrans" cxnId="{A970B366-0DF2-419E-BD4B-FA91CC7EA20A}">
       <dgm:prSet/>
       <dgm:spPr/>
       <dgm:t>
@@ -4016,18 +3448,21 @@
         </a:p>
       </dgm:t>
     </dgm:pt>
-    <dgm:pt modelId="{22FCD85F-C50B-4AC5-9DF5-FD510F935B66}">
+    <dgm:pt modelId="{DE2688C8-E0DE-48BD-AA97-DACCDEE61D3E}">
       <dgm:prSet/>
       <dgm:spPr/>
       <dgm:t>
         <a:bodyPr/>
         <a:lstStyle/>
         <a:p>
-          <a:endParaRPr lang="en-US" dirty="0"/>
+          <a:r>
+            <a:rPr lang="en-US" dirty="0"/>
+            <a:t>Complete third lab</a:t>
+          </a:r>
         </a:p>
       </dgm:t>
     </dgm:pt>
-    <dgm:pt modelId="{54111A76-8305-4857-8F74-BA127C55E5AC}" type="parTrans" cxnId="{D268EF0C-D25E-4EDF-B556-7649EA2A5186}">
+    <dgm:pt modelId="{C363977B-5163-4971-BC16-231729046CC5}" type="parTrans" cxnId="{869A8D15-78ED-4354-B4CD-C542A885D913}">
       <dgm:prSet/>
       <dgm:spPr/>
       <dgm:t>
@@ -4038,7 +3473,7 @@
         </a:p>
       </dgm:t>
     </dgm:pt>
-    <dgm:pt modelId="{B5A3DEFB-6BC9-4F64-BFC6-FB70AC361071}" type="sibTrans" cxnId="{D268EF0C-D25E-4EDF-B556-7649EA2A5186}">
+    <dgm:pt modelId="{31859F67-66B2-4E34-823F-A0E6678BAACE}" type="sibTrans" cxnId="{869A8D15-78ED-4354-B4CD-C542A885D913}">
       <dgm:prSet/>
       <dgm:spPr/>
       <dgm:t>
@@ -4049,498 +3484,8 @@
         </a:p>
       </dgm:t>
     </dgm:pt>
-    <dgm:pt modelId="{F4FD3A33-2B19-4365-A050-33D22724D3F3}">
-      <dgm:prSet/>
-      <dgm:spPr/>
-      <dgm:t>
-        <a:bodyPr/>
-        <a:lstStyle/>
-        <a:p>
-          <a:endParaRPr lang="en-US" dirty="0"/>
-        </a:p>
-      </dgm:t>
-    </dgm:pt>
-    <dgm:pt modelId="{020C9063-E92F-4E51-83F2-11BC5AC79330}" type="parTrans" cxnId="{EC207EB0-EE13-4CC5-AC1A-B4F75E41E483}">
-      <dgm:prSet/>
-      <dgm:spPr/>
-      <dgm:t>
-        <a:bodyPr/>
-        <a:lstStyle/>
-        <a:p>
-          <a:endParaRPr lang="en-US"/>
-        </a:p>
-      </dgm:t>
-    </dgm:pt>
-    <dgm:pt modelId="{59A758CD-81B0-454D-9473-EAF64B36FD1E}" type="sibTrans" cxnId="{EC207EB0-EE13-4CC5-AC1A-B4F75E41E483}">
-      <dgm:prSet/>
-      <dgm:spPr/>
-      <dgm:t>
-        <a:bodyPr/>
-        <a:lstStyle/>
-        <a:p>
-          <a:endParaRPr lang="en-US"/>
-        </a:p>
-      </dgm:t>
-    </dgm:pt>
-    <dgm:pt modelId="{2018B4B0-88B4-4A04-8648-CB9246BE2D3E}">
-      <dgm:prSet/>
-      <dgm:spPr/>
-      <dgm:t>
-        <a:bodyPr/>
-        <a:lstStyle/>
-        <a:p>
-          <a:endParaRPr lang="en-US" dirty="0"/>
-        </a:p>
-      </dgm:t>
-    </dgm:pt>
-    <dgm:pt modelId="{2B26B795-C9A6-4AA2-9AC2-8F084A2E42A4}" type="parTrans" cxnId="{90A3C83C-6D8C-44A6-9C87-74BAB4A02811}">
-      <dgm:prSet/>
-      <dgm:spPr/>
-      <dgm:t>
-        <a:bodyPr/>
-        <a:lstStyle/>
-        <a:p>
-          <a:endParaRPr lang="en-US"/>
-        </a:p>
-      </dgm:t>
-    </dgm:pt>
-    <dgm:pt modelId="{1D919323-52D3-4ED2-BBC6-198D740B01E1}" type="sibTrans" cxnId="{90A3C83C-6D8C-44A6-9C87-74BAB4A02811}">
-      <dgm:prSet/>
-      <dgm:spPr/>
-      <dgm:t>
-        <a:bodyPr/>
-        <a:lstStyle/>
-        <a:p>
-          <a:endParaRPr lang="en-US"/>
-        </a:p>
-      </dgm:t>
-    </dgm:pt>
-    <dgm:pt modelId="{920E685F-3F2C-FE4F-83F1-092CECACF8EF}" type="pres">
-      <dgm:prSet presAssocID="{188EA1EA-D995-4B91-BC43-87D7189DD7BE}" presName="linear" presStyleCnt="0">
-        <dgm:presLayoutVars>
-          <dgm:dir/>
-          <dgm:animLvl val="lvl"/>
-          <dgm:resizeHandles val="exact"/>
-        </dgm:presLayoutVars>
-      </dgm:prSet>
-      <dgm:spPr/>
-    </dgm:pt>
-    <dgm:pt modelId="{2A1FD967-48CE-D648-AF95-273CC8C7E3F6}" type="pres">
-      <dgm:prSet presAssocID="{DCD25A44-1C24-4795-988E-CFE2689F1CBB}" presName="parentLin" presStyleCnt="0"/>
-      <dgm:spPr/>
-    </dgm:pt>
-    <dgm:pt modelId="{0EF768C6-2817-D740-B501-BA5DBBA08D3B}" type="pres">
-      <dgm:prSet presAssocID="{DCD25A44-1C24-4795-988E-CFE2689F1CBB}" presName="parentLeftMargin" presStyleLbl="node1" presStyleIdx="0" presStyleCnt="5"/>
-      <dgm:spPr/>
-    </dgm:pt>
-    <dgm:pt modelId="{6574E2B3-FF35-EC48-A551-3331340671B3}" type="pres">
-      <dgm:prSet presAssocID="{DCD25A44-1C24-4795-988E-CFE2689F1CBB}" presName="parentText" presStyleLbl="node1" presStyleIdx="0" presStyleCnt="5">
-        <dgm:presLayoutVars>
-          <dgm:chMax val="0"/>
-          <dgm:bulletEnabled val="1"/>
-        </dgm:presLayoutVars>
-      </dgm:prSet>
-      <dgm:spPr/>
-    </dgm:pt>
-    <dgm:pt modelId="{F076622A-3A30-1F48-9897-E021B9DB086E}" type="pres">
-      <dgm:prSet presAssocID="{DCD25A44-1C24-4795-988E-CFE2689F1CBB}" presName="negativeSpace" presStyleCnt="0"/>
-      <dgm:spPr/>
-    </dgm:pt>
-    <dgm:pt modelId="{CE0C4F60-6729-404C-ABF4-0E9FBB360298}" type="pres">
-      <dgm:prSet presAssocID="{DCD25A44-1C24-4795-988E-CFE2689F1CBB}" presName="childText" presStyleLbl="conFgAcc1" presStyleIdx="0" presStyleCnt="5">
-        <dgm:presLayoutVars>
-          <dgm:bulletEnabled val="1"/>
-        </dgm:presLayoutVars>
-      </dgm:prSet>
-      <dgm:spPr/>
-    </dgm:pt>
-    <dgm:pt modelId="{1507A929-3235-664A-86CA-1698525CDCFB}" type="pres">
-      <dgm:prSet presAssocID="{957F8315-4F94-41B1-B044-64DE3E7633DE}" presName="spaceBetweenRectangles" presStyleCnt="0"/>
-      <dgm:spPr/>
-    </dgm:pt>
-    <dgm:pt modelId="{9AC23BE7-4E06-9A40-BFDE-18F4F29697E7}" type="pres">
-      <dgm:prSet presAssocID="{660C88C5-A9E8-42A2-A455-AC3E21400FCA}" presName="parentLin" presStyleCnt="0"/>
-      <dgm:spPr/>
-    </dgm:pt>
-    <dgm:pt modelId="{62728C5D-33A6-5343-9B78-112D3FB86BC3}" type="pres">
-      <dgm:prSet presAssocID="{660C88C5-A9E8-42A2-A455-AC3E21400FCA}" presName="parentLeftMargin" presStyleLbl="node1" presStyleIdx="0" presStyleCnt="5"/>
-      <dgm:spPr/>
-    </dgm:pt>
-    <dgm:pt modelId="{3A684E59-4C72-954B-8F73-17BECEAE80D7}" type="pres">
-      <dgm:prSet presAssocID="{660C88C5-A9E8-42A2-A455-AC3E21400FCA}" presName="parentText" presStyleLbl="node1" presStyleIdx="1" presStyleCnt="5">
-        <dgm:presLayoutVars>
-          <dgm:chMax val="0"/>
-          <dgm:bulletEnabled val="1"/>
-        </dgm:presLayoutVars>
-      </dgm:prSet>
-      <dgm:spPr/>
-    </dgm:pt>
-    <dgm:pt modelId="{8E1F1D03-00F2-3F4A-8F48-9F345B450263}" type="pres">
-      <dgm:prSet presAssocID="{660C88C5-A9E8-42A2-A455-AC3E21400FCA}" presName="negativeSpace" presStyleCnt="0"/>
-      <dgm:spPr/>
-    </dgm:pt>
-    <dgm:pt modelId="{CD8177D5-6227-2848-B3F3-F36BFD80CDCD}" type="pres">
-      <dgm:prSet presAssocID="{660C88C5-A9E8-42A2-A455-AC3E21400FCA}" presName="childText" presStyleLbl="conFgAcc1" presStyleIdx="1" presStyleCnt="5">
-        <dgm:presLayoutVars>
-          <dgm:bulletEnabled val="1"/>
-        </dgm:presLayoutVars>
-      </dgm:prSet>
-      <dgm:spPr/>
-    </dgm:pt>
-    <dgm:pt modelId="{AA4E354C-DC49-4949-B0CC-06EB657A47C1}" type="pres">
-      <dgm:prSet presAssocID="{9B4641F1-69AF-4091-BDCA-ABC83A603B59}" presName="spaceBetweenRectangles" presStyleCnt="0"/>
-      <dgm:spPr/>
-    </dgm:pt>
-    <dgm:pt modelId="{C2DDCC17-7958-AF46-9532-45106EC7150C}" type="pres">
-      <dgm:prSet presAssocID="{22FCD85F-C50B-4AC5-9DF5-FD510F935B66}" presName="parentLin" presStyleCnt="0"/>
-      <dgm:spPr/>
-    </dgm:pt>
-    <dgm:pt modelId="{9BAD7714-1333-4D4A-9A1B-F7108C6537AE}" type="pres">
-      <dgm:prSet presAssocID="{22FCD85F-C50B-4AC5-9DF5-FD510F935B66}" presName="parentLeftMargin" presStyleLbl="node1" presStyleIdx="1" presStyleCnt="5"/>
-      <dgm:spPr/>
-    </dgm:pt>
-    <dgm:pt modelId="{10537D88-248F-D34F-8366-AA427EE095D2}" type="pres">
-      <dgm:prSet presAssocID="{22FCD85F-C50B-4AC5-9DF5-FD510F935B66}" presName="parentText" presStyleLbl="node1" presStyleIdx="2" presStyleCnt="5">
-        <dgm:presLayoutVars>
-          <dgm:chMax val="0"/>
-          <dgm:bulletEnabled val="1"/>
-        </dgm:presLayoutVars>
-      </dgm:prSet>
-      <dgm:spPr/>
-    </dgm:pt>
-    <dgm:pt modelId="{7D6FF187-8DC7-F44A-830A-D5ACC41C3256}" type="pres">
-      <dgm:prSet presAssocID="{22FCD85F-C50B-4AC5-9DF5-FD510F935B66}" presName="negativeSpace" presStyleCnt="0"/>
-      <dgm:spPr/>
-    </dgm:pt>
-    <dgm:pt modelId="{5266CBC8-5E7B-A74F-9115-4A04A3F6A6AF}" type="pres">
-      <dgm:prSet presAssocID="{22FCD85F-C50B-4AC5-9DF5-FD510F935B66}" presName="childText" presStyleLbl="conFgAcc1" presStyleIdx="2" presStyleCnt="5">
-        <dgm:presLayoutVars>
-          <dgm:bulletEnabled val="1"/>
-        </dgm:presLayoutVars>
-      </dgm:prSet>
-      <dgm:spPr/>
-    </dgm:pt>
-    <dgm:pt modelId="{89DF1213-4D6E-0F4E-91A9-7701B71E3A2A}" type="pres">
-      <dgm:prSet presAssocID="{B5A3DEFB-6BC9-4F64-BFC6-FB70AC361071}" presName="spaceBetweenRectangles" presStyleCnt="0"/>
-      <dgm:spPr/>
-    </dgm:pt>
-    <dgm:pt modelId="{35E81A98-783B-264C-B10E-24E1CDB9778E}" type="pres">
-      <dgm:prSet presAssocID="{F4FD3A33-2B19-4365-A050-33D22724D3F3}" presName="parentLin" presStyleCnt="0"/>
-      <dgm:spPr/>
-    </dgm:pt>
-    <dgm:pt modelId="{E2D8BC09-38D8-7744-BCE7-39BA1A5E7A11}" type="pres">
-      <dgm:prSet presAssocID="{F4FD3A33-2B19-4365-A050-33D22724D3F3}" presName="parentLeftMargin" presStyleLbl="node1" presStyleIdx="2" presStyleCnt="5"/>
-      <dgm:spPr/>
-    </dgm:pt>
-    <dgm:pt modelId="{8EF357D3-4374-1D43-AB75-0D41F7293F45}" type="pres">
-      <dgm:prSet presAssocID="{F4FD3A33-2B19-4365-A050-33D22724D3F3}" presName="parentText" presStyleLbl="node1" presStyleIdx="3" presStyleCnt="5">
-        <dgm:presLayoutVars>
-          <dgm:chMax val="0"/>
-          <dgm:bulletEnabled val="1"/>
-        </dgm:presLayoutVars>
-      </dgm:prSet>
-      <dgm:spPr/>
-    </dgm:pt>
-    <dgm:pt modelId="{CDA83701-658A-424A-A2CD-5959D229ADB4}" type="pres">
-      <dgm:prSet presAssocID="{F4FD3A33-2B19-4365-A050-33D22724D3F3}" presName="negativeSpace" presStyleCnt="0"/>
-      <dgm:spPr/>
-    </dgm:pt>
-    <dgm:pt modelId="{607D60D9-3285-7647-95AA-D5FF0667673E}" type="pres">
-      <dgm:prSet presAssocID="{F4FD3A33-2B19-4365-A050-33D22724D3F3}" presName="childText" presStyleLbl="conFgAcc1" presStyleIdx="3" presStyleCnt="5">
-        <dgm:presLayoutVars>
-          <dgm:bulletEnabled val="1"/>
-        </dgm:presLayoutVars>
-      </dgm:prSet>
-      <dgm:spPr/>
-    </dgm:pt>
-    <dgm:pt modelId="{650135A7-29DF-B742-BBDB-32479AD6EA0D}" type="pres">
-      <dgm:prSet presAssocID="{59A758CD-81B0-454D-9473-EAF64B36FD1E}" presName="spaceBetweenRectangles" presStyleCnt="0"/>
-      <dgm:spPr/>
-    </dgm:pt>
-    <dgm:pt modelId="{D7E85D42-F63F-534A-86BC-43896BC1E3B8}" type="pres">
-      <dgm:prSet presAssocID="{2018B4B0-88B4-4A04-8648-CB9246BE2D3E}" presName="parentLin" presStyleCnt="0"/>
-      <dgm:spPr/>
-    </dgm:pt>
-    <dgm:pt modelId="{9F7442C2-447C-2D4C-8049-AAD2BE364701}" type="pres">
-      <dgm:prSet presAssocID="{2018B4B0-88B4-4A04-8648-CB9246BE2D3E}" presName="parentLeftMargin" presStyleLbl="node1" presStyleIdx="3" presStyleCnt="5"/>
-      <dgm:spPr/>
-    </dgm:pt>
-    <dgm:pt modelId="{54937C9E-EBD3-454D-9C15-EAB4636B52C0}" type="pres">
-      <dgm:prSet presAssocID="{2018B4B0-88B4-4A04-8648-CB9246BE2D3E}" presName="parentText" presStyleLbl="node1" presStyleIdx="4" presStyleCnt="5">
-        <dgm:presLayoutVars>
-          <dgm:chMax val="0"/>
-          <dgm:bulletEnabled val="1"/>
-        </dgm:presLayoutVars>
-      </dgm:prSet>
-      <dgm:spPr/>
-    </dgm:pt>
-    <dgm:pt modelId="{CE44909B-EC00-BF4A-8058-F2DF114622FD}" type="pres">
-      <dgm:prSet presAssocID="{2018B4B0-88B4-4A04-8648-CB9246BE2D3E}" presName="negativeSpace" presStyleCnt="0"/>
-      <dgm:spPr/>
-    </dgm:pt>
-    <dgm:pt modelId="{2A00EE39-45C8-1B43-AB1F-95F18309B7D5}" type="pres">
-      <dgm:prSet presAssocID="{2018B4B0-88B4-4A04-8648-CB9246BE2D3E}" presName="childText" presStyleLbl="conFgAcc1" presStyleIdx="4" presStyleCnt="5">
-        <dgm:presLayoutVars>
-          <dgm:bulletEnabled val="1"/>
-        </dgm:presLayoutVars>
-      </dgm:prSet>
-      <dgm:spPr/>
-    </dgm:pt>
-  </dgm:ptLst>
-  <dgm:cxnLst>
-    <dgm:cxn modelId="{AA45F60B-1ABA-7140-9CC7-6F6E3D203120}" type="presOf" srcId="{660C88C5-A9E8-42A2-A455-AC3E21400FCA}" destId="{3A684E59-4C72-954B-8F73-17BECEAE80D7}" srcOrd="1" destOrd="0" presId="urn:microsoft.com/office/officeart/2005/8/layout/list1"/>
-    <dgm:cxn modelId="{D268EF0C-D25E-4EDF-B556-7649EA2A5186}" srcId="{188EA1EA-D995-4B91-BC43-87D7189DD7BE}" destId="{22FCD85F-C50B-4AC5-9DF5-FD510F935B66}" srcOrd="2" destOrd="0" parTransId="{54111A76-8305-4857-8F74-BA127C55E5AC}" sibTransId="{B5A3DEFB-6BC9-4F64-BFC6-FB70AC361071}"/>
-    <dgm:cxn modelId="{E015620F-B28A-464D-B255-A2DD4E21691B}" type="presOf" srcId="{22FCD85F-C50B-4AC5-9DF5-FD510F935B66}" destId="{10537D88-248F-D34F-8366-AA427EE095D2}" srcOrd="1" destOrd="0" presId="urn:microsoft.com/office/officeart/2005/8/layout/list1"/>
-    <dgm:cxn modelId="{100DAE1B-5A3F-A647-872B-D7F9BDFC5A98}" type="presOf" srcId="{660C88C5-A9E8-42A2-A455-AC3E21400FCA}" destId="{62728C5D-33A6-5343-9B78-112D3FB86BC3}" srcOrd="0" destOrd="0" presId="urn:microsoft.com/office/officeart/2005/8/layout/list1"/>
-    <dgm:cxn modelId="{0F4B8825-6719-6748-89D2-B19EEF4ADDAA}" type="presOf" srcId="{F4FD3A33-2B19-4365-A050-33D22724D3F3}" destId="{8EF357D3-4374-1D43-AB75-0D41F7293F45}" srcOrd="1" destOrd="0" presId="urn:microsoft.com/office/officeart/2005/8/layout/list1"/>
-    <dgm:cxn modelId="{4AA2E529-DE8C-0341-B31B-E854D2224DA4}" type="presOf" srcId="{188EA1EA-D995-4B91-BC43-87D7189DD7BE}" destId="{920E685F-3F2C-FE4F-83F1-092CECACF8EF}" srcOrd="0" destOrd="0" presId="urn:microsoft.com/office/officeart/2005/8/layout/list1"/>
-    <dgm:cxn modelId="{90A3C83C-6D8C-44A6-9C87-74BAB4A02811}" srcId="{188EA1EA-D995-4B91-BC43-87D7189DD7BE}" destId="{2018B4B0-88B4-4A04-8648-CB9246BE2D3E}" srcOrd="4" destOrd="0" parTransId="{2B26B795-C9A6-4AA2-9AC2-8F084A2E42A4}" sibTransId="{1D919323-52D3-4ED2-BBC6-198D740B01E1}"/>
-    <dgm:cxn modelId="{AD34983E-95F2-4C62-889C-F1839B51B083}" srcId="{188EA1EA-D995-4B91-BC43-87D7189DD7BE}" destId="{660C88C5-A9E8-42A2-A455-AC3E21400FCA}" srcOrd="1" destOrd="0" parTransId="{25229F27-F858-440D-8776-02BB0C48BF52}" sibTransId="{9B4641F1-69AF-4091-BDCA-ABC83A603B59}"/>
-    <dgm:cxn modelId="{FFCB1E64-C5A5-AC43-A328-DA8BD645F023}" type="presOf" srcId="{2018B4B0-88B4-4A04-8648-CB9246BE2D3E}" destId="{9F7442C2-447C-2D4C-8049-AAD2BE364701}" srcOrd="0" destOrd="0" presId="urn:microsoft.com/office/officeart/2005/8/layout/list1"/>
-    <dgm:cxn modelId="{57951C65-117A-5143-8984-D8CE4BFF641F}" type="presOf" srcId="{F4FD3A33-2B19-4365-A050-33D22724D3F3}" destId="{E2D8BC09-38D8-7744-BCE7-39BA1A5E7A11}" srcOrd="0" destOrd="0" presId="urn:microsoft.com/office/officeart/2005/8/layout/list1"/>
-    <dgm:cxn modelId="{A29EC86F-0549-EE41-994A-33380245A689}" type="presOf" srcId="{22FCD85F-C50B-4AC5-9DF5-FD510F935B66}" destId="{9BAD7714-1333-4D4A-9A1B-F7108C6537AE}" srcOrd="0" destOrd="0" presId="urn:microsoft.com/office/officeart/2005/8/layout/list1"/>
-    <dgm:cxn modelId="{659C4499-24E7-4E78-AF6B-A4EBD7737956}" srcId="{188EA1EA-D995-4B91-BC43-87D7189DD7BE}" destId="{DCD25A44-1C24-4795-988E-CFE2689F1CBB}" srcOrd="0" destOrd="0" parTransId="{C7651EBE-81E5-4ED5-8B2E-BDF5467D1B15}" sibTransId="{957F8315-4F94-41B1-B044-64DE3E7633DE}"/>
-    <dgm:cxn modelId="{78BF3D9E-BBDB-F548-AEC0-3BDFE9B56AFB}" type="presOf" srcId="{DCD25A44-1C24-4795-988E-CFE2689F1CBB}" destId="{0EF768C6-2817-D740-B501-BA5DBBA08D3B}" srcOrd="0" destOrd="0" presId="urn:microsoft.com/office/officeart/2005/8/layout/list1"/>
-    <dgm:cxn modelId="{8DD23DA0-17F3-4E4F-BC5F-B8D4C8311CCE}" type="presOf" srcId="{2018B4B0-88B4-4A04-8648-CB9246BE2D3E}" destId="{54937C9E-EBD3-454D-9C15-EAB4636B52C0}" srcOrd="1" destOrd="0" presId="urn:microsoft.com/office/officeart/2005/8/layout/list1"/>
-    <dgm:cxn modelId="{EC207EB0-EE13-4CC5-AC1A-B4F75E41E483}" srcId="{188EA1EA-D995-4B91-BC43-87D7189DD7BE}" destId="{F4FD3A33-2B19-4365-A050-33D22724D3F3}" srcOrd="3" destOrd="0" parTransId="{020C9063-E92F-4E51-83F2-11BC5AC79330}" sibTransId="{59A758CD-81B0-454D-9473-EAF64B36FD1E}"/>
-    <dgm:cxn modelId="{814311F9-3000-2F43-9B64-AAE635FFA8CD}" type="presOf" srcId="{DCD25A44-1C24-4795-988E-CFE2689F1CBB}" destId="{6574E2B3-FF35-EC48-A551-3331340671B3}" srcOrd="1" destOrd="0" presId="urn:microsoft.com/office/officeart/2005/8/layout/list1"/>
-    <dgm:cxn modelId="{6B8B3C71-EA5A-9E44-891C-084AD9007B0B}" type="presParOf" srcId="{920E685F-3F2C-FE4F-83F1-092CECACF8EF}" destId="{2A1FD967-48CE-D648-AF95-273CC8C7E3F6}" srcOrd="0" destOrd="0" presId="urn:microsoft.com/office/officeart/2005/8/layout/list1"/>
-    <dgm:cxn modelId="{DB7C757C-B7BA-314E-89B6-080A93B972FE}" type="presParOf" srcId="{2A1FD967-48CE-D648-AF95-273CC8C7E3F6}" destId="{0EF768C6-2817-D740-B501-BA5DBBA08D3B}" srcOrd="0" destOrd="0" presId="urn:microsoft.com/office/officeart/2005/8/layout/list1"/>
-    <dgm:cxn modelId="{CB56D1EB-4F6A-1546-86BA-0B1001ED2EFE}" type="presParOf" srcId="{2A1FD967-48CE-D648-AF95-273CC8C7E3F6}" destId="{6574E2B3-FF35-EC48-A551-3331340671B3}" srcOrd="1" destOrd="0" presId="urn:microsoft.com/office/officeart/2005/8/layout/list1"/>
-    <dgm:cxn modelId="{7AF790B2-3C09-4341-BAB3-4CF1A9F1EF13}" type="presParOf" srcId="{920E685F-3F2C-FE4F-83F1-092CECACF8EF}" destId="{F076622A-3A30-1F48-9897-E021B9DB086E}" srcOrd="1" destOrd="0" presId="urn:microsoft.com/office/officeart/2005/8/layout/list1"/>
-    <dgm:cxn modelId="{DBB70B92-69BC-664A-92C0-5751E3AD5421}" type="presParOf" srcId="{920E685F-3F2C-FE4F-83F1-092CECACF8EF}" destId="{CE0C4F60-6729-404C-ABF4-0E9FBB360298}" srcOrd="2" destOrd="0" presId="urn:microsoft.com/office/officeart/2005/8/layout/list1"/>
-    <dgm:cxn modelId="{AA60C3E6-E722-7C45-9B1F-778C240AD67B}" type="presParOf" srcId="{920E685F-3F2C-FE4F-83F1-092CECACF8EF}" destId="{1507A929-3235-664A-86CA-1698525CDCFB}" srcOrd="3" destOrd="0" presId="urn:microsoft.com/office/officeart/2005/8/layout/list1"/>
-    <dgm:cxn modelId="{6435E6BC-BF19-F648-94A1-C9DE3B7CDBD0}" type="presParOf" srcId="{920E685F-3F2C-FE4F-83F1-092CECACF8EF}" destId="{9AC23BE7-4E06-9A40-BFDE-18F4F29697E7}" srcOrd="4" destOrd="0" presId="urn:microsoft.com/office/officeart/2005/8/layout/list1"/>
-    <dgm:cxn modelId="{44E8967F-2DCE-A14E-8EEC-3EF3D5F5DCF7}" type="presParOf" srcId="{9AC23BE7-4E06-9A40-BFDE-18F4F29697E7}" destId="{62728C5D-33A6-5343-9B78-112D3FB86BC3}" srcOrd="0" destOrd="0" presId="urn:microsoft.com/office/officeart/2005/8/layout/list1"/>
-    <dgm:cxn modelId="{44F48473-2E5C-E045-B2B6-F0A477063290}" type="presParOf" srcId="{9AC23BE7-4E06-9A40-BFDE-18F4F29697E7}" destId="{3A684E59-4C72-954B-8F73-17BECEAE80D7}" srcOrd="1" destOrd="0" presId="urn:microsoft.com/office/officeart/2005/8/layout/list1"/>
-    <dgm:cxn modelId="{61AD82DB-828A-EE42-AFF5-295383ED7727}" type="presParOf" srcId="{920E685F-3F2C-FE4F-83F1-092CECACF8EF}" destId="{8E1F1D03-00F2-3F4A-8F48-9F345B450263}" srcOrd="5" destOrd="0" presId="urn:microsoft.com/office/officeart/2005/8/layout/list1"/>
-    <dgm:cxn modelId="{717F5D79-E142-AC41-8B5C-3196937C33F0}" type="presParOf" srcId="{920E685F-3F2C-FE4F-83F1-092CECACF8EF}" destId="{CD8177D5-6227-2848-B3F3-F36BFD80CDCD}" srcOrd="6" destOrd="0" presId="urn:microsoft.com/office/officeart/2005/8/layout/list1"/>
-    <dgm:cxn modelId="{D1B2020B-6281-7C42-9F68-D60B003477B7}" type="presParOf" srcId="{920E685F-3F2C-FE4F-83F1-092CECACF8EF}" destId="{AA4E354C-DC49-4949-B0CC-06EB657A47C1}" srcOrd="7" destOrd="0" presId="urn:microsoft.com/office/officeart/2005/8/layout/list1"/>
-    <dgm:cxn modelId="{BC815A21-121E-E246-9FC5-824875B99BD5}" type="presParOf" srcId="{920E685F-3F2C-FE4F-83F1-092CECACF8EF}" destId="{C2DDCC17-7958-AF46-9532-45106EC7150C}" srcOrd="8" destOrd="0" presId="urn:microsoft.com/office/officeart/2005/8/layout/list1"/>
-    <dgm:cxn modelId="{44BF6E22-0AB2-0B47-95B0-6C40277F0A26}" type="presParOf" srcId="{C2DDCC17-7958-AF46-9532-45106EC7150C}" destId="{9BAD7714-1333-4D4A-9A1B-F7108C6537AE}" srcOrd="0" destOrd="0" presId="urn:microsoft.com/office/officeart/2005/8/layout/list1"/>
-    <dgm:cxn modelId="{D8EF499B-731E-D54E-BAAD-5FACC7B2A4BC}" type="presParOf" srcId="{C2DDCC17-7958-AF46-9532-45106EC7150C}" destId="{10537D88-248F-D34F-8366-AA427EE095D2}" srcOrd="1" destOrd="0" presId="urn:microsoft.com/office/officeart/2005/8/layout/list1"/>
-    <dgm:cxn modelId="{206177E9-A8E5-5042-A7BA-ED75ED529CF8}" type="presParOf" srcId="{920E685F-3F2C-FE4F-83F1-092CECACF8EF}" destId="{7D6FF187-8DC7-F44A-830A-D5ACC41C3256}" srcOrd="9" destOrd="0" presId="urn:microsoft.com/office/officeart/2005/8/layout/list1"/>
-    <dgm:cxn modelId="{58F44055-510F-D440-8256-7361DDE0C58A}" type="presParOf" srcId="{920E685F-3F2C-FE4F-83F1-092CECACF8EF}" destId="{5266CBC8-5E7B-A74F-9115-4A04A3F6A6AF}" srcOrd="10" destOrd="0" presId="urn:microsoft.com/office/officeart/2005/8/layout/list1"/>
-    <dgm:cxn modelId="{547EBDF2-BAF6-6C47-8B3D-4F6E96393C51}" type="presParOf" srcId="{920E685F-3F2C-FE4F-83F1-092CECACF8EF}" destId="{89DF1213-4D6E-0F4E-91A9-7701B71E3A2A}" srcOrd="11" destOrd="0" presId="urn:microsoft.com/office/officeart/2005/8/layout/list1"/>
-    <dgm:cxn modelId="{CEF8AA68-1ED1-C147-91BC-552722C71E79}" type="presParOf" srcId="{920E685F-3F2C-FE4F-83F1-092CECACF8EF}" destId="{35E81A98-783B-264C-B10E-24E1CDB9778E}" srcOrd="12" destOrd="0" presId="urn:microsoft.com/office/officeart/2005/8/layout/list1"/>
-    <dgm:cxn modelId="{036E7C57-8D1E-2B4A-9437-C8654D7812AB}" type="presParOf" srcId="{35E81A98-783B-264C-B10E-24E1CDB9778E}" destId="{E2D8BC09-38D8-7744-BCE7-39BA1A5E7A11}" srcOrd="0" destOrd="0" presId="urn:microsoft.com/office/officeart/2005/8/layout/list1"/>
-    <dgm:cxn modelId="{FDD666FA-C182-F445-94B6-050902E2D933}" type="presParOf" srcId="{35E81A98-783B-264C-B10E-24E1CDB9778E}" destId="{8EF357D3-4374-1D43-AB75-0D41F7293F45}" srcOrd="1" destOrd="0" presId="urn:microsoft.com/office/officeart/2005/8/layout/list1"/>
-    <dgm:cxn modelId="{2D03D990-789A-4D4C-B4E8-D74FA9624452}" type="presParOf" srcId="{920E685F-3F2C-FE4F-83F1-092CECACF8EF}" destId="{CDA83701-658A-424A-A2CD-5959D229ADB4}" srcOrd="13" destOrd="0" presId="urn:microsoft.com/office/officeart/2005/8/layout/list1"/>
-    <dgm:cxn modelId="{788E6F58-0723-0D45-9FB6-133A58B2CFC6}" type="presParOf" srcId="{920E685F-3F2C-FE4F-83F1-092CECACF8EF}" destId="{607D60D9-3285-7647-95AA-D5FF0667673E}" srcOrd="14" destOrd="0" presId="urn:microsoft.com/office/officeart/2005/8/layout/list1"/>
-    <dgm:cxn modelId="{564ACD75-BAE8-F349-AA20-2EDE3E5BEB56}" type="presParOf" srcId="{920E685F-3F2C-FE4F-83F1-092CECACF8EF}" destId="{650135A7-29DF-B742-BBDB-32479AD6EA0D}" srcOrd="15" destOrd="0" presId="urn:microsoft.com/office/officeart/2005/8/layout/list1"/>
-    <dgm:cxn modelId="{022C4CF8-0ED4-E248-BA1C-9749ACB36F8D}" type="presParOf" srcId="{920E685F-3F2C-FE4F-83F1-092CECACF8EF}" destId="{D7E85D42-F63F-534A-86BC-43896BC1E3B8}" srcOrd="16" destOrd="0" presId="urn:microsoft.com/office/officeart/2005/8/layout/list1"/>
-    <dgm:cxn modelId="{994DDAF6-AB0C-544C-9A7D-1CB9EB14E017}" type="presParOf" srcId="{D7E85D42-F63F-534A-86BC-43896BC1E3B8}" destId="{9F7442C2-447C-2D4C-8049-AAD2BE364701}" srcOrd="0" destOrd="0" presId="urn:microsoft.com/office/officeart/2005/8/layout/list1"/>
-    <dgm:cxn modelId="{21E31A04-9E53-234B-B80F-0D60FB031277}" type="presParOf" srcId="{D7E85D42-F63F-534A-86BC-43896BC1E3B8}" destId="{54937C9E-EBD3-454D-9C15-EAB4636B52C0}" srcOrd="1" destOrd="0" presId="urn:microsoft.com/office/officeart/2005/8/layout/list1"/>
-    <dgm:cxn modelId="{85752524-51AE-7246-AEDF-44AD7080A288}" type="presParOf" srcId="{920E685F-3F2C-FE4F-83F1-092CECACF8EF}" destId="{CE44909B-EC00-BF4A-8058-F2DF114622FD}" srcOrd="17" destOrd="0" presId="urn:microsoft.com/office/officeart/2005/8/layout/list1"/>
-    <dgm:cxn modelId="{7FEBAEBA-6E4D-9043-A5AB-9E107B918ACB}" type="presParOf" srcId="{920E685F-3F2C-FE4F-83F1-092CECACF8EF}" destId="{2A00EE39-45C8-1B43-AB1F-95F18309B7D5}" srcOrd="18" destOrd="0" presId="urn:microsoft.com/office/officeart/2005/8/layout/list1"/>
-  </dgm:cxnLst>
-  <dgm:bg/>
-  <dgm:whole/>
-  <dgm:extLst>
-    <a:ext uri="http://schemas.microsoft.com/office/drawing/2008/diagram">
-      <dsp:dataModelExt xmlns:dsp="http://schemas.microsoft.com/office/drawing/2008/diagram" relId="rId6" minVer="http://schemas.openxmlformats.org/drawingml/2006/diagram"/>
-    </a:ext>
-  </dgm:extLst>
-</dgm:dataModel>
-</file>
-
-<file path=ppt/diagrams/data4.xml><?xml version="1.0" encoding="utf-8"?>
-<dgm:dataModel xmlns:dgm="http://schemas.openxmlformats.org/drawingml/2006/diagram" xmlns:a="http://schemas.openxmlformats.org/drawingml/2006/main">
-  <dgm:ptLst>
-    <dgm:pt modelId="{55149DA2-42ED-41AC-8BDD-A0A3E4E2D54A}" type="doc">
-      <dgm:prSet loTypeId="urn:microsoft.com/office/officeart/2018/2/layout/IconVerticalSolidList" loCatId="icon" qsTypeId="urn:microsoft.com/office/officeart/2005/8/quickstyle/simple1" qsCatId="simple" csTypeId="urn:microsoft.com/office/officeart/2005/8/colors/accent1_2" csCatId="accent1" phldr="1"/>
-      <dgm:spPr/>
-      <dgm:t>
-        <a:bodyPr/>
-        <a:lstStyle/>
-        <a:p>
-          <a:endParaRPr lang="en-US"/>
-        </a:p>
-      </dgm:t>
-    </dgm:pt>
-    <dgm:pt modelId="{7773ADA1-FB33-4181-9F16-E90B712D3860}">
-      <dgm:prSet/>
-      <dgm:spPr/>
-      <dgm:t>
-        <a:bodyPr/>
-        <a:lstStyle/>
-        <a:p>
-          <a:pPr>
-            <a:lnSpc>
-              <a:spcPct val="100000"/>
-            </a:lnSpc>
-          </a:pPr>
-          <a:r>
-            <a:rPr lang="en-US" strike="sngStrike" dirty="0"/>
-            <a:t>Presentations</a:t>
-          </a:r>
-        </a:p>
-      </dgm:t>
-    </dgm:pt>
-    <dgm:pt modelId="{6BF47C74-E634-4A5B-BB49-8E18235E684D}" type="parTrans" cxnId="{0B4B56A1-1785-4FF1-9305-3F5DD980BF23}">
-      <dgm:prSet/>
-      <dgm:spPr/>
-      <dgm:t>
-        <a:bodyPr/>
-        <a:lstStyle/>
-        <a:p>
-          <a:endParaRPr lang="en-US"/>
-        </a:p>
-      </dgm:t>
-    </dgm:pt>
-    <dgm:pt modelId="{2A4F928F-C4BE-4B93-B742-3D98597DB503}" type="sibTrans" cxnId="{0B4B56A1-1785-4FF1-9305-3F5DD980BF23}">
-      <dgm:prSet/>
-      <dgm:spPr/>
-      <dgm:t>
-        <a:bodyPr/>
-        <a:lstStyle/>
-        <a:p>
-          <a:endParaRPr lang="en-US"/>
-        </a:p>
-      </dgm:t>
-    </dgm:pt>
-    <dgm:pt modelId="{E66BFAA5-BFB2-48CA-9E24-55C2B84F17A2}">
-      <dgm:prSet/>
-      <dgm:spPr/>
-      <dgm:t>
-        <a:bodyPr/>
-        <a:lstStyle/>
-        <a:p>
-          <a:pPr>
-            <a:lnSpc>
-              <a:spcPct val="100000"/>
-            </a:lnSpc>
-          </a:pPr>
-          <a:r>
-            <a:rPr lang="en-US"/>
-            <a:t>Review issues from first lab</a:t>
-          </a:r>
-        </a:p>
-      </dgm:t>
-    </dgm:pt>
-    <dgm:pt modelId="{6230C7E0-C01D-4DB7-BC18-8A2BE3B03C4A}" type="parTrans" cxnId="{6DF65BDA-EA58-4240-AA35-793B5BEFEF86}">
-      <dgm:prSet/>
-      <dgm:spPr/>
-      <dgm:t>
-        <a:bodyPr/>
-        <a:lstStyle/>
-        <a:p>
-          <a:endParaRPr lang="en-US"/>
-        </a:p>
-      </dgm:t>
-    </dgm:pt>
-    <dgm:pt modelId="{8489CD36-92D4-48B3-9473-32B0DBFB5236}" type="sibTrans" cxnId="{6DF65BDA-EA58-4240-AA35-793B5BEFEF86}">
-      <dgm:prSet/>
-      <dgm:spPr/>
-      <dgm:t>
-        <a:bodyPr/>
-        <a:lstStyle/>
-        <a:p>
-          <a:endParaRPr lang="en-US"/>
-        </a:p>
-      </dgm:t>
-    </dgm:pt>
-    <dgm:pt modelId="{6A495B13-9520-492F-AF10-F3B7F927BBDB}">
-      <dgm:prSet/>
-      <dgm:spPr/>
-      <dgm:t>
-        <a:bodyPr/>
-        <a:lstStyle/>
-        <a:p>
-          <a:pPr>
-            <a:lnSpc>
-              <a:spcPct val="100000"/>
-            </a:lnSpc>
-          </a:pPr>
-          <a:r>
-            <a:rPr lang="en-US"/>
-            <a:t>Complete second lab activity (building off first)</a:t>
-          </a:r>
-        </a:p>
-      </dgm:t>
-    </dgm:pt>
-    <dgm:pt modelId="{6FA7C329-D27A-409D-A01F-FF9637BB6C40}" type="parTrans" cxnId="{8AE5EEE4-2239-403B-AC23-1C3FAC86509F}">
-      <dgm:prSet/>
-      <dgm:spPr/>
-      <dgm:t>
-        <a:bodyPr/>
-        <a:lstStyle/>
-        <a:p>
-          <a:endParaRPr lang="en-US"/>
-        </a:p>
-      </dgm:t>
-    </dgm:pt>
-    <dgm:pt modelId="{6DD5D81E-1BBE-4343-98D3-8639110F9927}" type="sibTrans" cxnId="{8AE5EEE4-2239-403B-AC23-1C3FAC86509F}">
-      <dgm:prSet/>
-      <dgm:spPr/>
-      <dgm:t>
-        <a:bodyPr/>
-        <a:lstStyle/>
-        <a:p>
-          <a:endParaRPr lang="en-US"/>
-        </a:p>
-      </dgm:t>
-    </dgm:pt>
-    <dgm:pt modelId="{3846048F-7CCA-42C2-9660-73622F7A56DB}">
-      <dgm:prSet/>
-      <dgm:spPr/>
-      <dgm:t>
-        <a:bodyPr/>
-        <a:lstStyle/>
-        <a:p>
-          <a:pPr>
-            <a:lnSpc>
-              <a:spcPct val="100000"/>
-            </a:lnSpc>
-          </a:pPr>
-          <a:r>
-            <a:rPr lang="en-US" dirty="0"/>
-            <a:t>Start by visiting </a:t>
-          </a:r>
-          <a:r>
-            <a:rPr lang="en-US" dirty="0">
-              <a:hlinkClick xmlns:r="http://schemas.openxmlformats.org/officeDocument/2006/relationships" r:id="rId1"/>
-            </a:rPr>
-            <a:t>https://github.com/SUPScientist/Smart-Coasts</a:t>
-          </a:r>
-          <a:r>
-            <a:rPr lang="en-US" dirty="0"/>
-            <a:t> </a:t>
-          </a:r>
-          <a:br>
-            <a:rPr lang="en-US" dirty="0"/>
-          </a:br>
-          <a:r>
-            <a:rPr lang="en-US" dirty="0"/>
-            <a:t>(link also in Canvas)  </a:t>
-          </a:r>
-        </a:p>
-      </dgm:t>
-    </dgm:pt>
-    <dgm:pt modelId="{10D7561D-192E-4079-9565-40CEA15106C6}" type="parTrans" cxnId="{2123331F-CB59-4F1A-9C1E-02A7F9C50EB4}">
-      <dgm:prSet/>
-      <dgm:spPr/>
-      <dgm:t>
-        <a:bodyPr/>
-        <a:lstStyle/>
-        <a:p>
-          <a:endParaRPr lang="en-US"/>
-        </a:p>
-      </dgm:t>
-    </dgm:pt>
-    <dgm:pt modelId="{C2C2DDDA-5215-48B5-99BD-D9F718F870F5}" type="sibTrans" cxnId="{2123331F-CB59-4F1A-9C1E-02A7F9C50EB4}">
-      <dgm:prSet/>
-      <dgm:spPr/>
-      <dgm:t>
-        <a:bodyPr/>
-        <a:lstStyle/>
-        <a:p>
-          <a:endParaRPr lang="en-US"/>
-        </a:p>
-      </dgm:t>
-    </dgm:pt>
-    <dgm:pt modelId="{16EB26AF-88C5-43A3-B55B-992D90C3A1C8}" type="pres">
-      <dgm:prSet presAssocID="{55149DA2-42ED-41AC-8BDD-A0A3E4E2D54A}" presName="root" presStyleCnt="0">
+    <dgm:pt modelId="{5F6E6DCF-A864-46AD-80F0-F73F9D15C94F}" type="pres">
+      <dgm:prSet presAssocID="{44253810-8BDA-4890-A6AB-B4080F83E0AB}" presName="root" presStyleCnt="0">
         <dgm:presLayoutVars>
           <dgm:dir/>
           <dgm:resizeHandles val="exact"/>
@@ -4548,25 +3493,25 @@
       </dgm:prSet>
       <dgm:spPr/>
     </dgm:pt>
-    <dgm:pt modelId="{E4E5F3D3-9D17-4A86-997A-0AE17DEAF261}" type="pres">
-      <dgm:prSet presAssocID="{7773ADA1-FB33-4181-9F16-E90B712D3860}" presName="compNode" presStyleCnt="0"/>
+    <dgm:pt modelId="{1437064C-C0D4-42F3-AE98-1E407BE9D454}" type="pres">
+      <dgm:prSet presAssocID="{17D37B7D-AB48-494A-AA71-C45B65B5CFCE}" presName="compNode" presStyleCnt="0"/>
       <dgm:spPr/>
     </dgm:pt>
-    <dgm:pt modelId="{9397D545-F0EB-4CAC-BBBE-813F530EE4E7}" type="pres">
-      <dgm:prSet presAssocID="{7773ADA1-FB33-4181-9F16-E90B712D3860}" presName="bgRect" presStyleLbl="bgShp" presStyleIdx="0" presStyleCnt="4"/>
+    <dgm:pt modelId="{3D430581-D146-40B4-B440-819A18107163}" type="pres">
+      <dgm:prSet presAssocID="{17D37B7D-AB48-494A-AA71-C45B65B5CFCE}" presName="bgRect" presStyleLbl="bgShp" presStyleIdx="0" presStyleCnt="3"/>
       <dgm:spPr/>
     </dgm:pt>
-    <dgm:pt modelId="{03771E86-832B-492D-8707-27759052476A}" type="pres">
-      <dgm:prSet presAssocID="{7773ADA1-FB33-4181-9F16-E90B712D3860}" presName="iconRect" presStyleLbl="node1" presStyleIdx="0" presStyleCnt="4"/>
+    <dgm:pt modelId="{90FB9567-95DD-4229-B491-FED06F8892CA}" type="pres">
+      <dgm:prSet presAssocID="{17D37B7D-AB48-494A-AA71-C45B65B5CFCE}" presName="iconRect" presStyleLbl="node1" presStyleIdx="0" presStyleCnt="3"/>
       <dgm:spPr>
         <a:blipFill>
-          <a:blip xmlns:r="http://schemas.openxmlformats.org/officeDocument/2006/relationships" r:embed="rId2">
+          <a:blip xmlns:r="http://schemas.openxmlformats.org/officeDocument/2006/relationships" r:embed="rId1">
             <a:extLst>
               <a:ext uri="{28A0092B-C50C-407E-A947-70E740481C1C}">
                 <a14:useLocalDpi xmlns:a14="http://schemas.microsoft.com/office/drawing/2010/main" val="0"/>
               </a:ext>
               <a:ext uri="{96DAC541-7B7A-43D3-8B79-37D633B846F1}">
-                <asvg:svgBlip xmlns:asvg="http://schemas.microsoft.com/office/drawing/2016/SVG/main" r:embed="rId3"/>
+                <asvg:svgBlip xmlns:asvg="http://schemas.microsoft.com/office/drawing/2016/SVG/main" r:embed="rId2"/>
               </a:ext>
             </a:extLst>
           </a:blip>
@@ -4574,6 +3519,9 @@
             <a:fillRect/>
           </a:stretch>
         </a:blipFill>
+        <a:ln>
+          <a:noFill/>
+        </a:ln>
       </dgm:spPr>
       <dgm:extLst>
         <a:ext uri="{E40237B7-FDA0-4F09-8148-C483321AD2D9}">
@@ -4581,12 +3529,12 @@
         </a:ext>
       </dgm:extLst>
     </dgm:pt>
-    <dgm:pt modelId="{EC9ADEA6-C534-4FAF-9DAE-B2ED758AB8E4}" type="pres">
-      <dgm:prSet presAssocID="{7773ADA1-FB33-4181-9F16-E90B712D3860}" presName="spaceRect" presStyleCnt="0"/>
+    <dgm:pt modelId="{66203259-B3FD-4895-9667-0FEE467992C9}" type="pres">
+      <dgm:prSet presAssocID="{17D37B7D-AB48-494A-AA71-C45B65B5CFCE}" presName="spaceRect" presStyleCnt="0"/>
       <dgm:spPr/>
     </dgm:pt>
-    <dgm:pt modelId="{CBCF68AF-4F65-4C69-AB38-341DF9FA19A1}" type="pres">
-      <dgm:prSet presAssocID="{7773ADA1-FB33-4181-9F16-E90B712D3860}" presName="parTx" presStyleLbl="revTx" presStyleIdx="0" presStyleCnt="4">
+    <dgm:pt modelId="{4E5D4251-0280-4232-AEF8-A638E72AEBA8}" type="pres">
+      <dgm:prSet presAssocID="{17D37B7D-AB48-494A-AA71-C45B65B5CFCE}" presName="parTx" presStyleLbl="revTx" presStyleIdx="0" presStyleCnt="3">
         <dgm:presLayoutVars>
           <dgm:chMax val="0"/>
           <dgm:chPref val="0"/>
@@ -4594,29 +3542,29 @@
       </dgm:prSet>
       <dgm:spPr/>
     </dgm:pt>
-    <dgm:pt modelId="{49DA7CF3-2AB0-405E-A6D4-F1AA38A49955}" type="pres">
-      <dgm:prSet presAssocID="{2A4F928F-C4BE-4B93-B742-3D98597DB503}" presName="sibTrans" presStyleCnt="0"/>
+    <dgm:pt modelId="{1969B499-E4A8-4C86-8B9B-8A70D6470181}" type="pres">
+      <dgm:prSet presAssocID="{885BEA8D-D7CD-4013-A796-C10C582EE328}" presName="sibTrans" presStyleCnt="0"/>
       <dgm:spPr/>
     </dgm:pt>
-    <dgm:pt modelId="{CB7C4DD5-5878-47A7-B4B1-885BC28C3014}" type="pres">
-      <dgm:prSet presAssocID="{E66BFAA5-BFB2-48CA-9E24-55C2B84F17A2}" presName="compNode" presStyleCnt="0"/>
+    <dgm:pt modelId="{FB3DE282-176D-4428-B383-4EF078D4D397}" type="pres">
+      <dgm:prSet presAssocID="{94416122-3836-4CC4-8E02-4F81A66A6314}" presName="compNode" presStyleCnt="0"/>
       <dgm:spPr/>
     </dgm:pt>
-    <dgm:pt modelId="{26619581-CBA2-46F6-9EBC-19A8416F09F1}" type="pres">
-      <dgm:prSet presAssocID="{E66BFAA5-BFB2-48CA-9E24-55C2B84F17A2}" presName="bgRect" presStyleLbl="bgShp" presStyleIdx="1" presStyleCnt="4"/>
+    <dgm:pt modelId="{2AD8A881-3060-44D8-A80B-4BFBB60E3A4C}" type="pres">
+      <dgm:prSet presAssocID="{94416122-3836-4CC4-8E02-4F81A66A6314}" presName="bgRect" presStyleLbl="bgShp" presStyleIdx="1" presStyleCnt="3"/>
       <dgm:spPr/>
     </dgm:pt>
-    <dgm:pt modelId="{0D49F5BB-75FE-4986-A3BD-F4C0D8E780F9}" type="pres">
-      <dgm:prSet presAssocID="{E66BFAA5-BFB2-48CA-9E24-55C2B84F17A2}" presName="iconRect" presStyleLbl="node1" presStyleIdx="1" presStyleCnt="4"/>
+    <dgm:pt modelId="{9D3B4D98-EDBB-4AD3-B460-458B41345201}" type="pres">
+      <dgm:prSet presAssocID="{94416122-3836-4CC4-8E02-4F81A66A6314}" presName="iconRect" presStyleLbl="node1" presStyleIdx="1" presStyleCnt="3"/>
       <dgm:spPr>
         <a:blipFill>
-          <a:blip xmlns:r="http://schemas.openxmlformats.org/officeDocument/2006/relationships" r:embed="rId4">
+          <a:blip xmlns:r="http://schemas.openxmlformats.org/officeDocument/2006/relationships" r:embed="rId3">
             <a:extLst>
               <a:ext uri="{28A0092B-C50C-407E-A947-70E740481C1C}">
                 <a14:useLocalDpi xmlns:a14="http://schemas.microsoft.com/office/drawing/2010/main" val="0"/>
               </a:ext>
               <a:ext uri="{96DAC541-7B7A-43D3-8B79-37D633B846F1}">
-                <asvg:svgBlip xmlns:asvg="http://schemas.microsoft.com/office/drawing/2016/SVG/main" r:embed="rId5"/>
+                <asvg:svgBlip xmlns:asvg="http://schemas.microsoft.com/office/drawing/2016/SVG/main" r:embed="rId4"/>
               </a:ext>
             </a:extLst>
           </a:blip>
@@ -4624,6 +3572,9 @@
             <a:fillRect/>
           </a:stretch>
         </a:blipFill>
+        <a:ln>
+          <a:noFill/>
+        </a:ln>
       </dgm:spPr>
       <dgm:extLst>
         <a:ext uri="{E40237B7-FDA0-4F09-8148-C483321AD2D9}">
@@ -4631,12 +3582,12 @@
         </a:ext>
       </dgm:extLst>
     </dgm:pt>
-    <dgm:pt modelId="{FA0710B4-1BFA-4F93-AB31-7948825A3927}" type="pres">
-      <dgm:prSet presAssocID="{E66BFAA5-BFB2-48CA-9E24-55C2B84F17A2}" presName="spaceRect" presStyleCnt="0"/>
+    <dgm:pt modelId="{C06351E1-5006-4B18-993F-318824F56844}" type="pres">
+      <dgm:prSet presAssocID="{94416122-3836-4CC4-8E02-4F81A66A6314}" presName="spaceRect" presStyleCnt="0"/>
       <dgm:spPr/>
     </dgm:pt>
-    <dgm:pt modelId="{5C47FE5A-AC25-4BB1-97A3-905A2750DFC3}" type="pres">
-      <dgm:prSet presAssocID="{E66BFAA5-BFB2-48CA-9E24-55C2B84F17A2}" presName="parTx" presStyleLbl="revTx" presStyleIdx="1" presStyleCnt="4">
+    <dgm:pt modelId="{4EE866C1-79DA-4F31-8A06-38C068669DD1}" type="pres">
+      <dgm:prSet presAssocID="{94416122-3836-4CC4-8E02-4F81A66A6314}" presName="parTx" presStyleLbl="revTx" presStyleIdx="1" presStyleCnt="3">
         <dgm:presLayoutVars>
           <dgm:chMax val="0"/>
           <dgm:chPref val="0"/>
@@ -4644,29 +3595,29 @@
       </dgm:prSet>
       <dgm:spPr/>
     </dgm:pt>
-    <dgm:pt modelId="{080FC4AA-CCD6-4278-93C7-9CBDFC095854}" type="pres">
-      <dgm:prSet presAssocID="{8489CD36-92D4-48B3-9473-32B0DBFB5236}" presName="sibTrans" presStyleCnt="0"/>
+    <dgm:pt modelId="{5B11B7F9-1499-4341-B4B8-3A6A812FE2F8}" type="pres">
+      <dgm:prSet presAssocID="{44161273-2DC5-43EE-BD6A-4DD8E1A16879}" presName="sibTrans" presStyleCnt="0"/>
       <dgm:spPr/>
     </dgm:pt>
-    <dgm:pt modelId="{29D4C33D-A6DE-453C-802A-ADEF87E9EF22}" type="pres">
-      <dgm:prSet presAssocID="{6A495B13-9520-492F-AF10-F3B7F927BBDB}" presName="compNode" presStyleCnt="0"/>
+    <dgm:pt modelId="{2E430E43-1D4D-46FE-90A2-BB08166E76A9}" type="pres">
+      <dgm:prSet presAssocID="{DE2688C8-E0DE-48BD-AA97-DACCDEE61D3E}" presName="compNode" presStyleCnt="0"/>
       <dgm:spPr/>
     </dgm:pt>
-    <dgm:pt modelId="{8ACD943C-0673-4BA9-B6CB-FFDDFA33026B}" type="pres">
-      <dgm:prSet presAssocID="{6A495B13-9520-492F-AF10-F3B7F927BBDB}" presName="bgRect" presStyleLbl="bgShp" presStyleIdx="2" presStyleCnt="4"/>
+    <dgm:pt modelId="{97E6A3BE-A131-412D-AF9A-39CD29F54CB3}" type="pres">
+      <dgm:prSet presAssocID="{DE2688C8-E0DE-48BD-AA97-DACCDEE61D3E}" presName="bgRect" presStyleLbl="bgShp" presStyleIdx="2" presStyleCnt="3"/>
       <dgm:spPr/>
     </dgm:pt>
-    <dgm:pt modelId="{FDBB79B4-9301-4228-B5CD-8CC4643D4275}" type="pres">
-      <dgm:prSet presAssocID="{6A495B13-9520-492F-AF10-F3B7F927BBDB}" presName="iconRect" presStyleLbl="node1" presStyleIdx="2" presStyleCnt="4"/>
+    <dgm:pt modelId="{C86F8E98-948D-4409-AA6F-444440ADD01C}" type="pres">
+      <dgm:prSet presAssocID="{DE2688C8-E0DE-48BD-AA97-DACCDEE61D3E}" presName="iconRect" presStyleLbl="node1" presStyleIdx="2" presStyleCnt="3"/>
       <dgm:spPr>
         <a:blipFill>
-          <a:blip xmlns:r="http://schemas.openxmlformats.org/officeDocument/2006/relationships" r:embed="rId6">
+          <a:blip xmlns:r="http://schemas.openxmlformats.org/officeDocument/2006/relationships" r:embed="rId5">
             <a:extLst>
               <a:ext uri="{28A0092B-C50C-407E-A947-70E740481C1C}">
                 <a14:useLocalDpi xmlns:a14="http://schemas.microsoft.com/office/drawing/2010/main" val="0"/>
               </a:ext>
               <a:ext uri="{96DAC541-7B7A-43D3-8B79-37D633B846F1}">
-                <asvg:svgBlip xmlns:asvg="http://schemas.microsoft.com/office/drawing/2016/SVG/main" r:embed="rId7"/>
+                <asvg:svgBlip xmlns:asvg="http://schemas.microsoft.com/office/drawing/2016/SVG/main" r:embed="rId6"/>
               </a:ext>
             </a:extLst>
           </a:blip>
@@ -4674,6 +3625,9 @@
             <a:fillRect/>
           </a:stretch>
         </a:blipFill>
+        <a:ln>
+          <a:noFill/>
+        </a:ln>
       </dgm:spPr>
       <dgm:extLst>
         <a:ext uri="{E40237B7-FDA0-4F09-8148-C483321AD2D9}">
@@ -4681,62 +3635,12 @@
         </a:ext>
       </dgm:extLst>
     </dgm:pt>
-    <dgm:pt modelId="{536AA84E-2D9B-48DE-952E-15B1D2AB50D2}" type="pres">
-      <dgm:prSet presAssocID="{6A495B13-9520-492F-AF10-F3B7F927BBDB}" presName="spaceRect" presStyleCnt="0"/>
+    <dgm:pt modelId="{FE86F081-4718-46A1-BCF7-790B33E5B276}" type="pres">
+      <dgm:prSet presAssocID="{DE2688C8-E0DE-48BD-AA97-DACCDEE61D3E}" presName="spaceRect" presStyleCnt="0"/>
       <dgm:spPr/>
     </dgm:pt>
-    <dgm:pt modelId="{3514ABEC-04DD-4E8E-B639-F421996591BC}" type="pres">
-      <dgm:prSet presAssocID="{6A495B13-9520-492F-AF10-F3B7F927BBDB}" presName="parTx" presStyleLbl="revTx" presStyleIdx="2" presStyleCnt="4">
-        <dgm:presLayoutVars>
-          <dgm:chMax val="0"/>
-          <dgm:chPref val="0"/>
-        </dgm:presLayoutVars>
-      </dgm:prSet>
-      <dgm:spPr/>
-    </dgm:pt>
-    <dgm:pt modelId="{20F0C6EE-25A8-4AF4-B790-F51A4D0FA12D}" type="pres">
-      <dgm:prSet presAssocID="{6DD5D81E-1BBE-4343-98D3-8639110F9927}" presName="sibTrans" presStyleCnt="0"/>
-      <dgm:spPr/>
-    </dgm:pt>
-    <dgm:pt modelId="{182DEF14-3AE9-4CE1-8DAB-EB01AD114B3A}" type="pres">
-      <dgm:prSet presAssocID="{3846048F-7CCA-42C2-9660-73622F7A56DB}" presName="compNode" presStyleCnt="0"/>
-      <dgm:spPr/>
-    </dgm:pt>
-    <dgm:pt modelId="{F32BCCCC-E421-4F68-BB19-AC35C03BED7F}" type="pres">
-      <dgm:prSet presAssocID="{3846048F-7CCA-42C2-9660-73622F7A56DB}" presName="bgRect" presStyleLbl="bgShp" presStyleIdx="3" presStyleCnt="4"/>
-      <dgm:spPr/>
-    </dgm:pt>
-    <dgm:pt modelId="{EDF29486-1C06-490D-828D-5523E0824460}" type="pres">
-      <dgm:prSet presAssocID="{3846048F-7CCA-42C2-9660-73622F7A56DB}" presName="iconRect" presStyleLbl="node1" presStyleIdx="3" presStyleCnt="4"/>
-      <dgm:spPr>
-        <a:blipFill>
-          <a:blip xmlns:r="http://schemas.openxmlformats.org/officeDocument/2006/relationships" r:embed="rId8">
-            <a:extLst>
-              <a:ext uri="{28A0092B-C50C-407E-A947-70E740481C1C}">
-                <a14:useLocalDpi xmlns:a14="http://schemas.microsoft.com/office/drawing/2010/main" val="0"/>
-              </a:ext>
-              <a:ext uri="{96DAC541-7B7A-43D3-8B79-37D633B846F1}">
-                <asvg:svgBlip xmlns:asvg="http://schemas.microsoft.com/office/drawing/2016/SVG/main" r:embed="rId9"/>
-              </a:ext>
-            </a:extLst>
-          </a:blip>
-          <a:stretch>
-            <a:fillRect/>
-          </a:stretch>
-        </a:blipFill>
-      </dgm:spPr>
-      <dgm:extLst>
-        <a:ext uri="{E40237B7-FDA0-4F09-8148-C483321AD2D9}">
-          <dgm14:cNvPr xmlns:dgm14="http://schemas.microsoft.com/office/drawing/2010/diagram" id="0" name="" descr="Easel"/>
-        </a:ext>
-      </dgm:extLst>
-    </dgm:pt>
-    <dgm:pt modelId="{26762420-140E-4012-8A7E-153AF3117123}" type="pres">
-      <dgm:prSet presAssocID="{3846048F-7CCA-42C2-9660-73622F7A56DB}" presName="spaceRect" presStyleCnt="0"/>
-      <dgm:spPr/>
-    </dgm:pt>
-    <dgm:pt modelId="{47443E9A-5AF7-4829-8425-7DADFF6076F3}" type="pres">
-      <dgm:prSet presAssocID="{3846048F-7CCA-42C2-9660-73622F7A56DB}" presName="parTx" presStyleLbl="revTx" presStyleIdx="3" presStyleCnt="4">
+    <dgm:pt modelId="{317B1099-CFC9-49F8-9401-24716FFAABEF}" type="pres">
+      <dgm:prSet presAssocID="{DE2688C8-E0DE-48BD-AA97-DACCDEE61D3E}" presName="parTx" presStyleLbl="revTx" presStyleIdx="2" presStyleCnt="3">
         <dgm:presLayoutVars>
           <dgm:chMax val="0"/>
           <dgm:chPref val="0"/>
@@ -4746,38 +3650,30 @@
     </dgm:pt>
   </dgm:ptLst>
   <dgm:cxnLst>
-    <dgm:cxn modelId="{2123331F-CB59-4F1A-9C1E-02A7F9C50EB4}" srcId="{55149DA2-42ED-41AC-8BDD-A0A3E4E2D54A}" destId="{3846048F-7CCA-42C2-9660-73622F7A56DB}" srcOrd="3" destOrd="0" parTransId="{10D7561D-192E-4079-9565-40CEA15106C6}" sibTransId="{C2C2DDDA-5215-48B5-99BD-D9F718F870F5}"/>
-    <dgm:cxn modelId="{F97F6330-A52A-402E-B91E-5F0A8FF44A9A}" type="presOf" srcId="{E66BFAA5-BFB2-48CA-9E24-55C2B84F17A2}" destId="{5C47FE5A-AC25-4BB1-97A3-905A2750DFC3}" srcOrd="0" destOrd="0" presId="urn:microsoft.com/office/officeart/2018/2/layout/IconVerticalSolidList"/>
-    <dgm:cxn modelId="{7ED5E04D-A693-43F3-9BDE-E7BB8D64F38D}" type="presOf" srcId="{6A495B13-9520-492F-AF10-F3B7F927BBDB}" destId="{3514ABEC-04DD-4E8E-B639-F421996591BC}" srcOrd="0" destOrd="0" presId="urn:microsoft.com/office/officeart/2018/2/layout/IconVerticalSolidList"/>
-    <dgm:cxn modelId="{65E68A7F-9A19-4C0B-9A3D-012F9936C289}" type="presOf" srcId="{7773ADA1-FB33-4181-9F16-E90B712D3860}" destId="{CBCF68AF-4F65-4C69-AB38-341DF9FA19A1}" srcOrd="0" destOrd="0" presId="urn:microsoft.com/office/officeart/2018/2/layout/IconVerticalSolidList"/>
-    <dgm:cxn modelId="{0B4B56A1-1785-4FF1-9305-3F5DD980BF23}" srcId="{55149DA2-42ED-41AC-8BDD-A0A3E4E2D54A}" destId="{7773ADA1-FB33-4181-9F16-E90B712D3860}" srcOrd="0" destOrd="0" parTransId="{6BF47C74-E634-4A5B-BB49-8E18235E684D}" sibTransId="{2A4F928F-C4BE-4B93-B742-3D98597DB503}"/>
-    <dgm:cxn modelId="{E8C0EFD1-B2EE-42AD-8836-42911E43A2A9}" type="presOf" srcId="{3846048F-7CCA-42C2-9660-73622F7A56DB}" destId="{47443E9A-5AF7-4829-8425-7DADFF6076F3}" srcOrd="0" destOrd="0" presId="urn:microsoft.com/office/officeart/2018/2/layout/IconVerticalSolidList"/>
-    <dgm:cxn modelId="{6DF65BDA-EA58-4240-AA35-793B5BEFEF86}" srcId="{55149DA2-42ED-41AC-8BDD-A0A3E4E2D54A}" destId="{E66BFAA5-BFB2-48CA-9E24-55C2B84F17A2}" srcOrd="1" destOrd="0" parTransId="{6230C7E0-C01D-4DB7-BC18-8A2BE3B03C4A}" sibTransId="{8489CD36-92D4-48B3-9473-32B0DBFB5236}"/>
-    <dgm:cxn modelId="{8AE5EEE4-2239-403B-AC23-1C3FAC86509F}" srcId="{55149DA2-42ED-41AC-8BDD-A0A3E4E2D54A}" destId="{6A495B13-9520-492F-AF10-F3B7F927BBDB}" srcOrd="2" destOrd="0" parTransId="{6FA7C329-D27A-409D-A01F-FF9637BB6C40}" sibTransId="{6DD5D81E-1BBE-4343-98D3-8639110F9927}"/>
-    <dgm:cxn modelId="{9B6E78F8-970A-41DF-B3A0-8F82A1903D24}" type="presOf" srcId="{55149DA2-42ED-41AC-8BDD-A0A3E4E2D54A}" destId="{16EB26AF-88C5-43A3-B55B-992D90C3A1C8}" srcOrd="0" destOrd="0" presId="urn:microsoft.com/office/officeart/2018/2/layout/IconVerticalSolidList"/>
-    <dgm:cxn modelId="{7873DCA1-79A4-4393-85BC-BB0121C6E22A}" type="presParOf" srcId="{16EB26AF-88C5-43A3-B55B-992D90C3A1C8}" destId="{E4E5F3D3-9D17-4A86-997A-0AE17DEAF261}" srcOrd="0" destOrd="0" presId="urn:microsoft.com/office/officeart/2018/2/layout/IconVerticalSolidList"/>
-    <dgm:cxn modelId="{D2C6C75A-8004-4092-B8A6-84B53EEE143E}" type="presParOf" srcId="{E4E5F3D3-9D17-4A86-997A-0AE17DEAF261}" destId="{9397D545-F0EB-4CAC-BBBE-813F530EE4E7}" srcOrd="0" destOrd="0" presId="urn:microsoft.com/office/officeart/2018/2/layout/IconVerticalSolidList"/>
-    <dgm:cxn modelId="{734B85C8-7CD6-4041-9347-89EDCB4DE64B}" type="presParOf" srcId="{E4E5F3D3-9D17-4A86-997A-0AE17DEAF261}" destId="{03771E86-832B-492D-8707-27759052476A}" srcOrd="1" destOrd="0" presId="urn:microsoft.com/office/officeart/2018/2/layout/IconVerticalSolidList"/>
-    <dgm:cxn modelId="{7D6CE61F-32EE-47DC-8536-FCEBE11240A4}" type="presParOf" srcId="{E4E5F3D3-9D17-4A86-997A-0AE17DEAF261}" destId="{EC9ADEA6-C534-4FAF-9DAE-B2ED758AB8E4}" srcOrd="2" destOrd="0" presId="urn:microsoft.com/office/officeart/2018/2/layout/IconVerticalSolidList"/>
-    <dgm:cxn modelId="{F7F68F2E-407A-49AE-BB34-C194306443F1}" type="presParOf" srcId="{E4E5F3D3-9D17-4A86-997A-0AE17DEAF261}" destId="{CBCF68AF-4F65-4C69-AB38-341DF9FA19A1}" srcOrd="3" destOrd="0" presId="urn:microsoft.com/office/officeart/2018/2/layout/IconVerticalSolidList"/>
-    <dgm:cxn modelId="{7998B6A8-DA9B-4535-BC61-ED9347E6CDD7}" type="presParOf" srcId="{16EB26AF-88C5-43A3-B55B-992D90C3A1C8}" destId="{49DA7CF3-2AB0-405E-A6D4-F1AA38A49955}" srcOrd="1" destOrd="0" presId="urn:microsoft.com/office/officeart/2018/2/layout/IconVerticalSolidList"/>
-    <dgm:cxn modelId="{901170B2-3CD7-44EE-B201-6C86C0C1EDAA}" type="presParOf" srcId="{16EB26AF-88C5-43A3-B55B-992D90C3A1C8}" destId="{CB7C4DD5-5878-47A7-B4B1-885BC28C3014}" srcOrd="2" destOrd="0" presId="urn:microsoft.com/office/officeart/2018/2/layout/IconVerticalSolidList"/>
-    <dgm:cxn modelId="{97252502-6ECF-41A7-9599-CA1372DADECA}" type="presParOf" srcId="{CB7C4DD5-5878-47A7-B4B1-885BC28C3014}" destId="{26619581-CBA2-46F6-9EBC-19A8416F09F1}" srcOrd="0" destOrd="0" presId="urn:microsoft.com/office/officeart/2018/2/layout/IconVerticalSolidList"/>
-    <dgm:cxn modelId="{6CEC8B91-D8C9-4F93-88F0-C941E44E96C0}" type="presParOf" srcId="{CB7C4DD5-5878-47A7-B4B1-885BC28C3014}" destId="{0D49F5BB-75FE-4986-A3BD-F4C0D8E780F9}" srcOrd="1" destOrd="0" presId="urn:microsoft.com/office/officeart/2018/2/layout/IconVerticalSolidList"/>
-    <dgm:cxn modelId="{AF49C225-3514-4A9E-B7A6-865474F10FEA}" type="presParOf" srcId="{CB7C4DD5-5878-47A7-B4B1-885BC28C3014}" destId="{FA0710B4-1BFA-4F93-AB31-7948825A3927}" srcOrd="2" destOrd="0" presId="urn:microsoft.com/office/officeart/2018/2/layout/IconVerticalSolidList"/>
-    <dgm:cxn modelId="{C504C9F9-670B-4075-A07A-8490E4C172C3}" type="presParOf" srcId="{CB7C4DD5-5878-47A7-B4B1-885BC28C3014}" destId="{5C47FE5A-AC25-4BB1-97A3-905A2750DFC3}" srcOrd="3" destOrd="0" presId="urn:microsoft.com/office/officeart/2018/2/layout/IconVerticalSolidList"/>
-    <dgm:cxn modelId="{B03FAAE7-90EB-40C5-8611-578FD0CF0F88}" type="presParOf" srcId="{16EB26AF-88C5-43A3-B55B-992D90C3A1C8}" destId="{080FC4AA-CCD6-4278-93C7-9CBDFC095854}" srcOrd="3" destOrd="0" presId="urn:microsoft.com/office/officeart/2018/2/layout/IconVerticalSolidList"/>
-    <dgm:cxn modelId="{2D147369-4A6A-4C2A-B4FE-C3F316900E6E}" type="presParOf" srcId="{16EB26AF-88C5-43A3-B55B-992D90C3A1C8}" destId="{29D4C33D-A6DE-453C-802A-ADEF87E9EF22}" srcOrd="4" destOrd="0" presId="urn:microsoft.com/office/officeart/2018/2/layout/IconVerticalSolidList"/>
-    <dgm:cxn modelId="{250B0CCF-B501-4F46-AEA5-F9097A2F2487}" type="presParOf" srcId="{29D4C33D-A6DE-453C-802A-ADEF87E9EF22}" destId="{8ACD943C-0673-4BA9-B6CB-FFDDFA33026B}" srcOrd="0" destOrd="0" presId="urn:microsoft.com/office/officeart/2018/2/layout/IconVerticalSolidList"/>
-    <dgm:cxn modelId="{BA730E84-48D9-4550-8C79-314662439924}" type="presParOf" srcId="{29D4C33D-A6DE-453C-802A-ADEF87E9EF22}" destId="{FDBB79B4-9301-4228-B5CD-8CC4643D4275}" srcOrd="1" destOrd="0" presId="urn:microsoft.com/office/officeart/2018/2/layout/IconVerticalSolidList"/>
-    <dgm:cxn modelId="{355EC1DE-45B6-4DA2-8B25-D520F871C52A}" type="presParOf" srcId="{29D4C33D-A6DE-453C-802A-ADEF87E9EF22}" destId="{536AA84E-2D9B-48DE-952E-15B1D2AB50D2}" srcOrd="2" destOrd="0" presId="urn:microsoft.com/office/officeart/2018/2/layout/IconVerticalSolidList"/>
-    <dgm:cxn modelId="{3E7A6F4A-D641-48EF-A38D-3C594DB0CD60}" type="presParOf" srcId="{29D4C33D-A6DE-453C-802A-ADEF87E9EF22}" destId="{3514ABEC-04DD-4E8E-B639-F421996591BC}" srcOrd="3" destOrd="0" presId="urn:microsoft.com/office/officeart/2018/2/layout/IconVerticalSolidList"/>
-    <dgm:cxn modelId="{D64917AD-C157-4763-B977-FEC114675737}" type="presParOf" srcId="{16EB26AF-88C5-43A3-B55B-992D90C3A1C8}" destId="{20F0C6EE-25A8-4AF4-B790-F51A4D0FA12D}" srcOrd="5" destOrd="0" presId="urn:microsoft.com/office/officeart/2018/2/layout/IconVerticalSolidList"/>
-    <dgm:cxn modelId="{1AFEE9E9-9415-4EE8-B321-3ABEF0D4E8FE}" type="presParOf" srcId="{16EB26AF-88C5-43A3-B55B-992D90C3A1C8}" destId="{182DEF14-3AE9-4CE1-8DAB-EB01AD114B3A}" srcOrd="6" destOrd="0" presId="urn:microsoft.com/office/officeart/2018/2/layout/IconVerticalSolidList"/>
-    <dgm:cxn modelId="{246F8FAE-FAD7-4F8D-BDC3-A2EF8E8D938D}" type="presParOf" srcId="{182DEF14-3AE9-4CE1-8DAB-EB01AD114B3A}" destId="{F32BCCCC-E421-4F68-BB19-AC35C03BED7F}" srcOrd="0" destOrd="0" presId="urn:microsoft.com/office/officeart/2018/2/layout/IconVerticalSolidList"/>
-    <dgm:cxn modelId="{31848ED6-6D77-45D7-B104-9226378EB975}" type="presParOf" srcId="{182DEF14-3AE9-4CE1-8DAB-EB01AD114B3A}" destId="{EDF29486-1C06-490D-828D-5523E0824460}" srcOrd="1" destOrd="0" presId="urn:microsoft.com/office/officeart/2018/2/layout/IconVerticalSolidList"/>
-    <dgm:cxn modelId="{F0D89870-68EB-43FC-8869-A177C5EB54BB}" type="presParOf" srcId="{182DEF14-3AE9-4CE1-8DAB-EB01AD114B3A}" destId="{26762420-140E-4012-8A7E-153AF3117123}" srcOrd="2" destOrd="0" presId="urn:microsoft.com/office/officeart/2018/2/layout/IconVerticalSolidList"/>
-    <dgm:cxn modelId="{DFA95A1C-0B4C-4C97-A5F4-D89EECA6FCBB}" type="presParOf" srcId="{182DEF14-3AE9-4CE1-8DAB-EB01AD114B3A}" destId="{47443E9A-5AF7-4829-8425-7DADFF6076F3}" srcOrd="3" destOrd="0" presId="urn:microsoft.com/office/officeart/2018/2/layout/IconVerticalSolidList"/>
+    <dgm:cxn modelId="{869A8D15-78ED-4354-B4CD-C542A885D913}" srcId="{44253810-8BDA-4890-A6AB-B4080F83E0AB}" destId="{DE2688C8-E0DE-48BD-AA97-DACCDEE61D3E}" srcOrd="2" destOrd="0" parTransId="{C363977B-5163-4971-BC16-231729046CC5}" sibTransId="{31859F67-66B2-4E34-823F-A0E6678BAACE}"/>
+    <dgm:cxn modelId="{D83D3A48-A973-477F-B193-E7ECB3540915}" type="presOf" srcId="{94416122-3836-4CC4-8E02-4F81A66A6314}" destId="{4EE866C1-79DA-4F31-8A06-38C068669DD1}" srcOrd="0" destOrd="0" presId="urn:microsoft.com/office/officeart/2018/2/layout/IconVerticalSolidList"/>
+    <dgm:cxn modelId="{F9B6DA4A-67F8-4813-9B0D-7B0D4867ACBD}" srcId="{44253810-8BDA-4890-A6AB-B4080F83E0AB}" destId="{17D37B7D-AB48-494A-AA71-C45B65B5CFCE}" srcOrd="0" destOrd="0" parTransId="{4A060CDC-01BE-4639-AD70-5F968B0CC889}" sibTransId="{885BEA8D-D7CD-4013-A796-C10C582EE328}"/>
+    <dgm:cxn modelId="{A970B366-0DF2-419E-BD4B-FA91CC7EA20A}" srcId="{44253810-8BDA-4890-A6AB-B4080F83E0AB}" destId="{94416122-3836-4CC4-8E02-4F81A66A6314}" srcOrd="1" destOrd="0" parTransId="{2B0F529E-EF6A-4C46-B78A-5FCABC4DA0F8}" sibTransId="{44161273-2DC5-43EE-BD6A-4DD8E1A16879}"/>
+    <dgm:cxn modelId="{9AEAE68F-ABF5-43C0-BE5B-3C9525316A19}" type="presOf" srcId="{17D37B7D-AB48-494A-AA71-C45B65B5CFCE}" destId="{4E5D4251-0280-4232-AEF8-A638E72AEBA8}" srcOrd="0" destOrd="0" presId="urn:microsoft.com/office/officeart/2018/2/layout/IconVerticalSolidList"/>
+    <dgm:cxn modelId="{FBBCABB1-B649-4096-A16D-DAF906BADB32}" type="presOf" srcId="{DE2688C8-E0DE-48BD-AA97-DACCDEE61D3E}" destId="{317B1099-CFC9-49F8-9401-24716FFAABEF}" srcOrd="0" destOrd="0" presId="urn:microsoft.com/office/officeart/2018/2/layout/IconVerticalSolidList"/>
+    <dgm:cxn modelId="{730C66CB-0CDB-4C7E-9551-7055079C056A}" type="presOf" srcId="{44253810-8BDA-4890-A6AB-B4080F83E0AB}" destId="{5F6E6DCF-A864-46AD-80F0-F73F9D15C94F}" srcOrd="0" destOrd="0" presId="urn:microsoft.com/office/officeart/2018/2/layout/IconVerticalSolidList"/>
+    <dgm:cxn modelId="{A5B076AC-AE5B-48DC-B2EF-B5EE69079A4A}" type="presParOf" srcId="{5F6E6DCF-A864-46AD-80F0-F73F9D15C94F}" destId="{1437064C-C0D4-42F3-AE98-1E407BE9D454}" srcOrd="0" destOrd="0" presId="urn:microsoft.com/office/officeart/2018/2/layout/IconVerticalSolidList"/>
+    <dgm:cxn modelId="{551433DC-0C6A-42D4-848B-A3B28E51E5E1}" type="presParOf" srcId="{1437064C-C0D4-42F3-AE98-1E407BE9D454}" destId="{3D430581-D146-40B4-B440-819A18107163}" srcOrd="0" destOrd="0" presId="urn:microsoft.com/office/officeart/2018/2/layout/IconVerticalSolidList"/>
+    <dgm:cxn modelId="{27B6849E-CD3C-4F6D-A924-BB3B1E873382}" type="presParOf" srcId="{1437064C-C0D4-42F3-AE98-1E407BE9D454}" destId="{90FB9567-95DD-4229-B491-FED06F8892CA}" srcOrd="1" destOrd="0" presId="urn:microsoft.com/office/officeart/2018/2/layout/IconVerticalSolidList"/>
+    <dgm:cxn modelId="{3E53F716-1B35-436E-A510-4D19C3A379AF}" type="presParOf" srcId="{1437064C-C0D4-42F3-AE98-1E407BE9D454}" destId="{66203259-B3FD-4895-9667-0FEE467992C9}" srcOrd="2" destOrd="0" presId="urn:microsoft.com/office/officeart/2018/2/layout/IconVerticalSolidList"/>
+    <dgm:cxn modelId="{F3695033-2C64-4DDF-8309-EFFB854E8D6C}" type="presParOf" srcId="{1437064C-C0D4-42F3-AE98-1E407BE9D454}" destId="{4E5D4251-0280-4232-AEF8-A638E72AEBA8}" srcOrd="3" destOrd="0" presId="urn:microsoft.com/office/officeart/2018/2/layout/IconVerticalSolidList"/>
+    <dgm:cxn modelId="{3559BB01-7775-4B87-BFDA-3E9A4E9EED5E}" type="presParOf" srcId="{5F6E6DCF-A864-46AD-80F0-F73F9D15C94F}" destId="{1969B499-E4A8-4C86-8B9B-8A70D6470181}" srcOrd="1" destOrd="0" presId="urn:microsoft.com/office/officeart/2018/2/layout/IconVerticalSolidList"/>
+    <dgm:cxn modelId="{2608134D-AA44-45CC-B962-70740B0B800A}" type="presParOf" srcId="{5F6E6DCF-A864-46AD-80F0-F73F9D15C94F}" destId="{FB3DE282-176D-4428-B383-4EF078D4D397}" srcOrd="2" destOrd="0" presId="urn:microsoft.com/office/officeart/2018/2/layout/IconVerticalSolidList"/>
+    <dgm:cxn modelId="{91F2513C-C7D9-48EE-B070-1B0016A10B9E}" type="presParOf" srcId="{FB3DE282-176D-4428-B383-4EF078D4D397}" destId="{2AD8A881-3060-44D8-A80B-4BFBB60E3A4C}" srcOrd="0" destOrd="0" presId="urn:microsoft.com/office/officeart/2018/2/layout/IconVerticalSolidList"/>
+    <dgm:cxn modelId="{82266A2A-CB0F-4D50-A43E-D9D8ED1CE042}" type="presParOf" srcId="{FB3DE282-176D-4428-B383-4EF078D4D397}" destId="{9D3B4D98-EDBB-4AD3-B460-458B41345201}" srcOrd="1" destOrd="0" presId="urn:microsoft.com/office/officeart/2018/2/layout/IconVerticalSolidList"/>
+    <dgm:cxn modelId="{962B073F-3E91-4229-927B-77E378AD94F8}" type="presParOf" srcId="{FB3DE282-176D-4428-B383-4EF078D4D397}" destId="{C06351E1-5006-4B18-993F-318824F56844}" srcOrd="2" destOrd="0" presId="urn:microsoft.com/office/officeart/2018/2/layout/IconVerticalSolidList"/>
+    <dgm:cxn modelId="{3D72BE2A-3C68-4129-AA5F-3ED47036FCC5}" type="presParOf" srcId="{FB3DE282-176D-4428-B383-4EF078D4D397}" destId="{4EE866C1-79DA-4F31-8A06-38C068669DD1}" srcOrd="3" destOrd="0" presId="urn:microsoft.com/office/officeart/2018/2/layout/IconVerticalSolidList"/>
+    <dgm:cxn modelId="{EA810DA5-706D-4EAD-A9AA-EF2A893EF6F6}" type="presParOf" srcId="{5F6E6DCF-A864-46AD-80F0-F73F9D15C94F}" destId="{5B11B7F9-1499-4341-B4B8-3A6A812FE2F8}" srcOrd="3" destOrd="0" presId="urn:microsoft.com/office/officeart/2018/2/layout/IconVerticalSolidList"/>
+    <dgm:cxn modelId="{FF607794-D674-4B7B-B8F5-68B1DEF44E30}" type="presParOf" srcId="{5F6E6DCF-A864-46AD-80F0-F73F9D15C94F}" destId="{2E430E43-1D4D-46FE-90A2-BB08166E76A9}" srcOrd="4" destOrd="0" presId="urn:microsoft.com/office/officeart/2018/2/layout/IconVerticalSolidList"/>
+    <dgm:cxn modelId="{41BD4DCA-D274-4D81-8108-D8862735474F}" type="presParOf" srcId="{2E430E43-1D4D-46FE-90A2-BB08166E76A9}" destId="{97E6A3BE-A131-412D-AF9A-39CD29F54CB3}" srcOrd="0" destOrd="0" presId="urn:microsoft.com/office/officeart/2018/2/layout/IconVerticalSolidList"/>
+    <dgm:cxn modelId="{B3ECFCD9-033F-4659-A231-197DD0E644A9}" type="presParOf" srcId="{2E430E43-1D4D-46FE-90A2-BB08166E76A9}" destId="{C86F8E98-948D-4409-AA6F-444440ADD01C}" srcOrd="1" destOrd="0" presId="urn:microsoft.com/office/officeart/2018/2/layout/IconVerticalSolidList"/>
+    <dgm:cxn modelId="{3E25FEA1-A834-4B2A-88F6-5EA878405C2C}" type="presParOf" srcId="{2E430E43-1D4D-46FE-90A2-BB08166E76A9}" destId="{FE86F081-4718-46A1-BCF7-790B33E5B276}" srcOrd="2" destOrd="0" presId="urn:microsoft.com/office/officeart/2018/2/layout/IconVerticalSolidList"/>
+    <dgm:cxn modelId="{0EBEC27D-90C5-4C75-B59C-0F2488F6C614}" type="presParOf" srcId="{2E430E43-1D4D-46FE-90A2-BB08166E76A9}" destId="{317B1099-CFC9-49F8-9401-24716FFAABEF}" srcOrd="3" destOrd="0" presId="urn:microsoft.com/office/officeart/2018/2/layout/IconVerticalSolidList"/>
   </dgm:cxnLst>
   <dgm:bg/>
   <dgm:whole/>
@@ -5089,8 +3985,8 @@
             <a:buNone/>
           </a:pPr>
           <a:r>
-            <a:rPr lang="en-US" sz="2500" kern="1200"/>
-            <a:t>Review issues from first lab</a:t>
+            <a:rPr lang="en-US" sz="2500" kern="1200" dirty="0"/>
+            <a:t>Review issues from first two labs</a:t>
           </a:r>
         </a:p>
       </dsp:txBody>
@@ -5240,8 +4136,8 @@
             <a:buNone/>
           </a:pPr>
           <a:r>
-            <a:rPr lang="en-US" sz="2500" kern="1200"/>
-            <a:t>Complete second lab activity (building off first)</a:t>
+            <a:rPr lang="en-US" sz="2500" kern="1200" dirty="0"/>
+            <a:t>Complete third lab</a:t>
           </a:r>
         </a:p>
       </dsp:txBody>
@@ -5331,8 +4227,8 @@
             <a:buNone/>
           </a:pPr>
           <a:r>
-            <a:rPr lang="en-US" sz="1800" kern="1200"/>
-            <a:t>Familiarize yourself with cutting-edge coastal technologies</a:t>
+            <a:rPr lang="en-US" sz="1800" kern="1200" dirty="0"/>
+            <a:t>Familiarize yourself with cutting-edge coastal technologies and data streams</a:t>
           </a:r>
         </a:p>
       </dsp:txBody>
@@ -5484,7 +4380,7 @@
           <a:schemeClr val="accent2">
             <a:tint val="40000"/>
             <a:alpha val="90000"/>
-            <a:hueOff val="-2045920"/>
+            <a:hueOff val="-2045918"/>
             <a:satOff val="22554"/>
             <a:lumOff val="2148"/>
             <a:alphaOff val="0"/>
@@ -5495,7 +4391,7 @@
             <a:schemeClr val="accent2">
               <a:tint val="40000"/>
               <a:alpha val="90000"/>
-              <a:hueOff val="-2045920"/>
+              <a:hueOff val="-2045918"/>
               <a:satOff val="22554"/>
               <a:lumOff val="2148"/>
               <a:alphaOff val="0"/>
@@ -5689,7 +4585,7 @@
           <a:schemeClr val="accent2">
             <a:tint val="40000"/>
             <a:alpha val="90000"/>
-            <a:hueOff val="-4091839"/>
+            <a:hueOff val="-4091836"/>
             <a:satOff val="45107"/>
             <a:lumOff val="4296"/>
             <a:alphaOff val="0"/>
@@ -5700,7 +4596,7 @@
             <a:schemeClr val="accent2">
               <a:tint val="40000"/>
               <a:alpha val="90000"/>
-              <a:hueOff val="-4091839"/>
+              <a:hueOff val="-4091836"/>
               <a:satOff val="45107"/>
               <a:lumOff val="4296"/>
               <a:alphaOff val="0"/>
@@ -5889,637 +4785,15 @@
       <dsp:cNvGrpSpPr/>
     </dsp:nvGrpSpPr>
     <dsp:grpSpPr/>
-    <dsp:sp modelId="{CE0C4F60-6729-404C-ABF4-0E9FBB360298}">
+    <dsp:sp modelId="{3D430581-D146-40B4-B440-819A18107163}">
       <dsp:nvSpPr>
         <dsp:cNvPr id="0" name=""/>
         <dsp:cNvSpPr/>
       </dsp:nvSpPr>
       <dsp:spPr>
         <a:xfrm>
-          <a:off x="0" y="309406"/>
-          <a:ext cx="8596668" cy="428400"/>
-        </a:xfrm>
-        <a:prstGeom prst="rect">
-          <a:avLst/>
-        </a:prstGeom>
-        <a:solidFill>
-          <a:schemeClr val="lt1">
-            <a:alpha val="90000"/>
-            <a:hueOff val="0"/>
-            <a:satOff val="0"/>
-            <a:lumOff val="0"/>
-            <a:alphaOff val="0"/>
-          </a:schemeClr>
-        </a:solidFill>
-        <a:ln w="19050" cap="rnd" cmpd="sng" algn="ctr">
-          <a:solidFill>
-            <a:schemeClr val="accent1">
-              <a:hueOff val="0"/>
-              <a:satOff val="0"/>
-              <a:lumOff val="0"/>
-              <a:alphaOff val="0"/>
-            </a:schemeClr>
-          </a:solidFill>
-          <a:prstDash val="solid"/>
-        </a:ln>
-        <a:effectLst/>
-      </dsp:spPr>
-      <dsp:style>
-        <a:lnRef idx="2">
-          <a:scrgbClr r="0" g="0" b="0"/>
-        </a:lnRef>
-        <a:fillRef idx="1">
-          <a:scrgbClr r="0" g="0" b="0"/>
-        </a:fillRef>
-        <a:effectRef idx="0">
-          <a:scrgbClr r="0" g="0" b="0"/>
-        </a:effectRef>
-        <a:fontRef idx="minor"/>
-      </dsp:style>
-    </dsp:sp>
-    <dsp:sp modelId="{6574E2B3-FF35-EC48-A551-3331340671B3}">
-      <dsp:nvSpPr>
-        <dsp:cNvPr id="0" name=""/>
-        <dsp:cNvSpPr/>
-      </dsp:nvSpPr>
-      <dsp:spPr>
-        <a:xfrm>
-          <a:off x="429833" y="58486"/>
-          <a:ext cx="6017667" cy="501840"/>
-        </a:xfrm>
-        <a:prstGeom prst="roundRect">
-          <a:avLst/>
-        </a:prstGeom>
-        <a:solidFill>
-          <a:schemeClr val="accent1">
-            <a:hueOff val="0"/>
-            <a:satOff val="0"/>
-            <a:lumOff val="0"/>
-            <a:alphaOff val="0"/>
-          </a:schemeClr>
-        </a:solidFill>
-        <a:ln w="19050" cap="rnd" cmpd="sng" algn="ctr">
-          <a:solidFill>
-            <a:schemeClr val="lt1">
-              <a:hueOff val="0"/>
-              <a:satOff val="0"/>
-              <a:lumOff val="0"/>
-              <a:alphaOff val="0"/>
-            </a:schemeClr>
-          </a:solidFill>
-          <a:prstDash val="solid"/>
-        </a:ln>
-        <a:effectLst/>
-      </dsp:spPr>
-      <dsp:style>
-        <a:lnRef idx="2">
-          <a:scrgbClr r="0" g="0" b="0"/>
-        </a:lnRef>
-        <a:fillRef idx="1">
-          <a:scrgbClr r="0" g="0" b="0"/>
-        </a:fillRef>
-        <a:effectRef idx="0">
-          <a:scrgbClr r="0" g="0" b="0"/>
-        </a:effectRef>
-        <a:fontRef idx="minor">
-          <a:schemeClr val="lt1"/>
-        </a:fontRef>
-      </dsp:style>
-      <dsp:txBody>
-        <a:bodyPr spcFirstLastPara="0" vert="horz" wrap="square" lIns="227454" tIns="0" rIns="227454" bIns="0" numCol="1" spcCol="1270" anchor="ctr" anchorCtr="0">
-          <a:noAutofit/>
-        </a:bodyPr>
-        <a:lstStyle/>
-        <a:p>
-          <a:pPr marL="0" lvl="0" indent="0" algn="l" defTabSz="755650">
-            <a:lnSpc>
-              <a:spcPct val="90000"/>
-            </a:lnSpc>
-            <a:spcBef>
-              <a:spcPct val="0"/>
-            </a:spcBef>
-            <a:spcAft>
-              <a:spcPct val="35000"/>
-            </a:spcAft>
-            <a:buNone/>
-          </a:pPr>
-          <a:endParaRPr lang="en-US" sz="1700" kern="1200" dirty="0"/>
-        </a:p>
-      </dsp:txBody>
-      <dsp:txXfrm>
-        <a:off x="454331" y="82984"/>
-        <a:ext cx="5968671" cy="452844"/>
-      </dsp:txXfrm>
-    </dsp:sp>
-    <dsp:sp modelId="{CD8177D5-6227-2848-B3F3-F36BFD80CDCD}">
-      <dsp:nvSpPr>
-        <dsp:cNvPr id="0" name=""/>
-        <dsp:cNvSpPr/>
-      </dsp:nvSpPr>
-      <dsp:spPr>
-        <a:xfrm>
-          <a:off x="0" y="1080526"/>
-          <a:ext cx="8596668" cy="428400"/>
-        </a:xfrm>
-        <a:prstGeom prst="rect">
-          <a:avLst/>
-        </a:prstGeom>
-        <a:solidFill>
-          <a:schemeClr val="lt1">
-            <a:alpha val="90000"/>
-            <a:hueOff val="0"/>
-            <a:satOff val="0"/>
-            <a:lumOff val="0"/>
-            <a:alphaOff val="0"/>
-          </a:schemeClr>
-        </a:solidFill>
-        <a:ln w="19050" cap="rnd" cmpd="sng" algn="ctr">
-          <a:solidFill>
-            <a:schemeClr val="accent1">
-              <a:hueOff val="0"/>
-              <a:satOff val="0"/>
-              <a:lumOff val="0"/>
-              <a:alphaOff val="0"/>
-            </a:schemeClr>
-          </a:solidFill>
-          <a:prstDash val="solid"/>
-        </a:ln>
-        <a:effectLst/>
-      </dsp:spPr>
-      <dsp:style>
-        <a:lnRef idx="2">
-          <a:scrgbClr r="0" g="0" b="0"/>
-        </a:lnRef>
-        <a:fillRef idx="1">
-          <a:scrgbClr r="0" g="0" b="0"/>
-        </a:fillRef>
-        <a:effectRef idx="0">
-          <a:scrgbClr r="0" g="0" b="0"/>
-        </a:effectRef>
-        <a:fontRef idx="minor"/>
-      </dsp:style>
-    </dsp:sp>
-    <dsp:sp modelId="{3A684E59-4C72-954B-8F73-17BECEAE80D7}">
-      <dsp:nvSpPr>
-        <dsp:cNvPr id="0" name=""/>
-        <dsp:cNvSpPr/>
-      </dsp:nvSpPr>
-      <dsp:spPr>
-        <a:xfrm>
-          <a:off x="429833" y="829606"/>
-          <a:ext cx="6017667" cy="501840"/>
-        </a:xfrm>
-        <a:prstGeom prst="roundRect">
-          <a:avLst/>
-        </a:prstGeom>
-        <a:solidFill>
-          <a:schemeClr val="accent1">
-            <a:hueOff val="0"/>
-            <a:satOff val="0"/>
-            <a:lumOff val="0"/>
-            <a:alphaOff val="0"/>
-          </a:schemeClr>
-        </a:solidFill>
-        <a:ln w="19050" cap="rnd" cmpd="sng" algn="ctr">
-          <a:solidFill>
-            <a:schemeClr val="lt1">
-              <a:hueOff val="0"/>
-              <a:satOff val="0"/>
-              <a:lumOff val="0"/>
-              <a:alphaOff val="0"/>
-            </a:schemeClr>
-          </a:solidFill>
-          <a:prstDash val="solid"/>
-        </a:ln>
-        <a:effectLst/>
-      </dsp:spPr>
-      <dsp:style>
-        <a:lnRef idx="2">
-          <a:scrgbClr r="0" g="0" b="0"/>
-        </a:lnRef>
-        <a:fillRef idx="1">
-          <a:scrgbClr r="0" g="0" b="0"/>
-        </a:fillRef>
-        <a:effectRef idx="0">
-          <a:scrgbClr r="0" g="0" b="0"/>
-        </a:effectRef>
-        <a:fontRef idx="minor">
-          <a:schemeClr val="lt1"/>
-        </a:fontRef>
-      </dsp:style>
-      <dsp:txBody>
-        <a:bodyPr spcFirstLastPara="0" vert="horz" wrap="square" lIns="227454" tIns="0" rIns="227454" bIns="0" numCol="1" spcCol="1270" anchor="ctr" anchorCtr="0">
-          <a:noAutofit/>
-        </a:bodyPr>
-        <a:lstStyle/>
-        <a:p>
-          <a:pPr marL="0" lvl="0" indent="0" algn="l" defTabSz="755650">
-            <a:lnSpc>
-              <a:spcPct val="90000"/>
-            </a:lnSpc>
-            <a:spcBef>
-              <a:spcPct val="0"/>
-            </a:spcBef>
-            <a:spcAft>
-              <a:spcPct val="35000"/>
-            </a:spcAft>
-            <a:buNone/>
-          </a:pPr>
-          <a:endParaRPr lang="en-US" sz="1700" kern="1200" dirty="0"/>
-        </a:p>
-      </dsp:txBody>
-      <dsp:txXfrm>
-        <a:off x="454331" y="854104"/>
-        <a:ext cx="5968671" cy="452844"/>
-      </dsp:txXfrm>
-    </dsp:sp>
-    <dsp:sp modelId="{5266CBC8-5E7B-A74F-9115-4A04A3F6A6AF}">
-      <dsp:nvSpPr>
-        <dsp:cNvPr id="0" name=""/>
-        <dsp:cNvSpPr/>
-      </dsp:nvSpPr>
-      <dsp:spPr>
-        <a:xfrm>
-          <a:off x="0" y="1851646"/>
-          <a:ext cx="8596668" cy="428400"/>
-        </a:xfrm>
-        <a:prstGeom prst="rect">
-          <a:avLst/>
-        </a:prstGeom>
-        <a:solidFill>
-          <a:schemeClr val="lt1">
-            <a:alpha val="90000"/>
-            <a:hueOff val="0"/>
-            <a:satOff val="0"/>
-            <a:lumOff val="0"/>
-            <a:alphaOff val="0"/>
-          </a:schemeClr>
-        </a:solidFill>
-        <a:ln w="19050" cap="rnd" cmpd="sng" algn="ctr">
-          <a:solidFill>
-            <a:schemeClr val="accent1">
-              <a:hueOff val="0"/>
-              <a:satOff val="0"/>
-              <a:lumOff val="0"/>
-              <a:alphaOff val="0"/>
-            </a:schemeClr>
-          </a:solidFill>
-          <a:prstDash val="solid"/>
-        </a:ln>
-        <a:effectLst/>
-      </dsp:spPr>
-      <dsp:style>
-        <a:lnRef idx="2">
-          <a:scrgbClr r="0" g="0" b="0"/>
-        </a:lnRef>
-        <a:fillRef idx="1">
-          <a:scrgbClr r="0" g="0" b="0"/>
-        </a:fillRef>
-        <a:effectRef idx="0">
-          <a:scrgbClr r="0" g="0" b="0"/>
-        </a:effectRef>
-        <a:fontRef idx="minor"/>
-      </dsp:style>
-    </dsp:sp>
-    <dsp:sp modelId="{10537D88-248F-D34F-8366-AA427EE095D2}">
-      <dsp:nvSpPr>
-        <dsp:cNvPr id="0" name=""/>
-        <dsp:cNvSpPr/>
-      </dsp:nvSpPr>
-      <dsp:spPr>
-        <a:xfrm>
-          <a:off x="429833" y="1600726"/>
-          <a:ext cx="6017667" cy="501840"/>
-        </a:xfrm>
-        <a:prstGeom prst="roundRect">
-          <a:avLst/>
-        </a:prstGeom>
-        <a:solidFill>
-          <a:schemeClr val="accent1">
-            <a:hueOff val="0"/>
-            <a:satOff val="0"/>
-            <a:lumOff val="0"/>
-            <a:alphaOff val="0"/>
-          </a:schemeClr>
-        </a:solidFill>
-        <a:ln w="19050" cap="rnd" cmpd="sng" algn="ctr">
-          <a:solidFill>
-            <a:schemeClr val="lt1">
-              <a:hueOff val="0"/>
-              <a:satOff val="0"/>
-              <a:lumOff val="0"/>
-              <a:alphaOff val="0"/>
-            </a:schemeClr>
-          </a:solidFill>
-          <a:prstDash val="solid"/>
-        </a:ln>
-        <a:effectLst/>
-      </dsp:spPr>
-      <dsp:style>
-        <a:lnRef idx="2">
-          <a:scrgbClr r="0" g="0" b="0"/>
-        </a:lnRef>
-        <a:fillRef idx="1">
-          <a:scrgbClr r="0" g="0" b="0"/>
-        </a:fillRef>
-        <a:effectRef idx="0">
-          <a:scrgbClr r="0" g="0" b="0"/>
-        </a:effectRef>
-        <a:fontRef idx="minor">
-          <a:schemeClr val="lt1"/>
-        </a:fontRef>
-      </dsp:style>
-      <dsp:txBody>
-        <a:bodyPr spcFirstLastPara="0" vert="horz" wrap="square" lIns="227454" tIns="0" rIns="227454" bIns="0" numCol="1" spcCol="1270" anchor="ctr" anchorCtr="0">
-          <a:noAutofit/>
-        </a:bodyPr>
-        <a:lstStyle/>
-        <a:p>
-          <a:pPr marL="0" lvl="0" indent="0" algn="l" defTabSz="755650">
-            <a:lnSpc>
-              <a:spcPct val="90000"/>
-            </a:lnSpc>
-            <a:spcBef>
-              <a:spcPct val="0"/>
-            </a:spcBef>
-            <a:spcAft>
-              <a:spcPct val="35000"/>
-            </a:spcAft>
-            <a:buNone/>
-          </a:pPr>
-          <a:endParaRPr lang="en-US" sz="1700" kern="1200" dirty="0"/>
-        </a:p>
-      </dsp:txBody>
-      <dsp:txXfrm>
-        <a:off x="454331" y="1625224"/>
-        <a:ext cx="5968671" cy="452844"/>
-      </dsp:txXfrm>
-    </dsp:sp>
-    <dsp:sp modelId="{607D60D9-3285-7647-95AA-D5FF0667673E}">
-      <dsp:nvSpPr>
-        <dsp:cNvPr id="0" name=""/>
-        <dsp:cNvSpPr/>
-      </dsp:nvSpPr>
-      <dsp:spPr>
-        <a:xfrm>
-          <a:off x="0" y="2622766"/>
-          <a:ext cx="8596668" cy="428400"/>
-        </a:xfrm>
-        <a:prstGeom prst="rect">
-          <a:avLst/>
-        </a:prstGeom>
-        <a:solidFill>
-          <a:schemeClr val="lt1">
-            <a:alpha val="90000"/>
-            <a:hueOff val="0"/>
-            <a:satOff val="0"/>
-            <a:lumOff val="0"/>
-            <a:alphaOff val="0"/>
-          </a:schemeClr>
-        </a:solidFill>
-        <a:ln w="19050" cap="rnd" cmpd="sng" algn="ctr">
-          <a:solidFill>
-            <a:schemeClr val="accent1">
-              <a:hueOff val="0"/>
-              <a:satOff val="0"/>
-              <a:lumOff val="0"/>
-              <a:alphaOff val="0"/>
-            </a:schemeClr>
-          </a:solidFill>
-          <a:prstDash val="solid"/>
-        </a:ln>
-        <a:effectLst/>
-      </dsp:spPr>
-      <dsp:style>
-        <a:lnRef idx="2">
-          <a:scrgbClr r="0" g="0" b="0"/>
-        </a:lnRef>
-        <a:fillRef idx="1">
-          <a:scrgbClr r="0" g="0" b="0"/>
-        </a:fillRef>
-        <a:effectRef idx="0">
-          <a:scrgbClr r="0" g="0" b="0"/>
-        </a:effectRef>
-        <a:fontRef idx="minor"/>
-      </dsp:style>
-    </dsp:sp>
-    <dsp:sp modelId="{8EF357D3-4374-1D43-AB75-0D41F7293F45}">
-      <dsp:nvSpPr>
-        <dsp:cNvPr id="0" name=""/>
-        <dsp:cNvSpPr/>
-      </dsp:nvSpPr>
-      <dsp:spPr>
-        <a:xfrm>
-          <a:off x="429833" y="2371846"/>
-          <a:ext cx="6017667" cy="501840"/>
-        </a:xfrm>
-        <a:prstGeom prst="roundRect">
-          <a:avLst/>
-        </a:prstGeom>
-        <a:solidFill>
-          <a:schemeClr val="accent1">
-            <a:hueOff val="0"/>
-            <a:satOff val="0"/>
-            <a:lumOff val="0"/>
-            <a:alphaOff val="0"/>
-          </a:schemeClr>
-        </a:solidFill>
-        <a:ln w="19050" cap="rnd" cmpd="sng" algn="ctr">
-          <a:solidFill>
-            <a:schemeClr val="lt1">
-              <a:hueOff val="0"/>
-              <a:satOff val="0"/>
-              <a:lumOff val="0"/>
-              <a:alphaOff val="0"/>
-            </a:schemeClr>
-          </a:solidFill>
-          <a:prstDash val="solid"/>
-        </a:ln>
-        <a:effectLst/>
-      </dsp:spPr>
-      <dsp:style>
-        <a:lnRef idx="2">
-          <a:scrgbClr r="0" g="0" b="0"/>
-        </a:lnRef>
-        <a:fillRef idx="1">
-          <a:scrgbClr r="0" g="0" b="0"/>
-        </a:fillRef>
-        <a:effectRef idx="0">
-          <a:scrgbClr r="0" g="0" b="0"/>
-        </a:effectRef>
-        <a:fontRef idx="minor">
-          <a:schemeClr val="lt1"/>
-        </a:fontRef>
-      </dsp:style>
-      <dsp:txBody>
-        <a:bodyPr spcFirstLastPara="0" vert="horz" wrap="square" lIns="227454" tIns="0" rIns="227454" bIns="0" numCol="1" spcCol="1270" anchor="ctr" anchorCtr="0">
-          <a:noAutofit/>
-        </a:bodyPr>
-        <a:lstStyle/>
-        <a:p>
-          <a:pPr marL="0" lvl="0" indent="0" algn="l" defTabSz="755650">
-            <a:lnSpc>
-              <a:spcPct val="90000"/>
-            </a:lnSpc>
-            <a:spcBef>
-              <a:spcPct val="0"/>
-            </a:spcBef>
-            <a:spcAft>
-              <a:spcPct val="35000"/>
-            </a:spcAft>
-            <a:buNone/>
-          </a:pPr>
-          <a:endParaRPr lang="en-US" sz="1700" kern="1200" dirty="0"/>
-        </a:p>
-      </dsp:txBody>
-      <dsp:txXfrm>
-        <a:off x="454331" y="2396344"/>
-        <a:ext cx="5968671" cy="452844"/>
-      </dsp:txXfrm>
-    </dsp:sp>
-    <dsp:sp modelId="{2A00EE39-45C8-1B43-AB1F-95F18309B7D5}">
-      <dsp:nvSpPr>
-        <dsp:cNvPr id="0" name=""/>
-        <dsp:cNvSpPr/>
-      </dsp:nvSpPr>
-      <dsp:spPr>
-        <a:xfrm>
-          <a:off x="0" y="3393886"/>
-          <a:ext cx="8596668" cy="428400"/>
-        </a:xfrm>
-        <a:prstGeom prst="rect">
-          <a:avLst/>
-        </a:prstGeom>
-        <a:solidFill>
-          <a:schemeClr val="lt1">
-            <a:alpha val="90000"/>
-            <a:hueOff val="0"/>
-            <a:satOff val="0"/>
-            <a:lumOff val="0"/>
-            <a:alphaOff val="0"/>
-          </a:schemeClr>
-        </a:solidFill>
-        <a:ln w="19050" cap="rnd" cmpd="sng" algn="ctr">
-          <a:solidFill>
-            <a:schemeClr val="accent1">
-              <a:hueOff val="0"/>
-              <a:satOff val="0"/>
-              <a:lumOff val="0"/>
-              <a:alphaOff val="0"/>
-            </a:schemeClr>
-          </a:solidFill>
-          <a:prstDash val="solid"/>
-        </a:ln>
-        <a:effectLst/>
-      </dsp:spPr>
-      <dsp:style>
-        <a:lnRef idx="2">
-          <a:scrgbClr r="0" g="0" b="0"/>
-        </a:lnRef>
-        <a:fillRef idx="1">
-          <a:scrgbClr r="0" g="0" b="0"/>
-        </a:fillRef>
-        <a:effectRef idx="0">
-          <a:scrgbClr r="0" g="0" b="0"/>
-        </a:effectRef>
-        <a:fontRef idx="minor"/>
-      </dsp:style>
-    </dsp:sp>
-    <dsp:sp modelId="{54937C9E-EBD3-454D-9C15-EAB4636B52C0}">
-      <dsp:nvSpPr>
-        <dsp:cNvPr id="0" name=""/>
-        <dsp:cNvSpPr/>
-      </dsp:nvSpPr>
-      <dsp:spPr>
-        <a:xfrm>
-          <a:off x="429833" y="3142966"/>
-          <a:ext cx="6017667" cy="501840"/>
-        </a:xfrm>
-        <a:prstGeom prst="roundRect">
-          <a:avLst/>
-        </a:prstGeom>
-        <a:solidFill>
-          <a:schemeClr val="accent1">
-            <a:hueOff val="0"/>
-            <a:satOff val="0"/>
-            <a:lumOff val="0"/>
-            <a:alphaOff val="0"/>
-          </a:schemeClr>
-        </a:solidFill>
-        <a:ln w="19050" cap="rnd" cmpd="sng" algn="ctr">
-          <a:solidFill>
-            <a:schemeClr val="lt1">
-              <a:hueOff val="0"/>
-              <a:satOff val="0"/>
-              <a:lumOff val="0"/>
-              <a:alphaOff val="0"/>
-            </a:schemeClr>
-          </a:solidFill>
-          <a:prstDash val="solid"/>
-        </a:ln>
-        <a:effectLst/>
-      </dsp:spPr>
-      <dsp:style>
-        <a:lnRef idx="2">
-          <a:scrgbClr r="0" g="0" b="0"/>
-        </a:lnRef>
-        <a:fillRef idx="1">
-          <a:scrgbClr r="0" g="0" b="0"/>
-        </a:fillRef>
-        <a:effectRef idx="0">
-          <a:scrgbClr r="0" g="0" b="0"/>
-        </a:effectRef>
-        <a:fontRef idx="minor">
-          <a:schemeClr val="lt1"/>
-        </a:fontRef>
-      </dsp:style>
-      <dsp:txBody>
-        <a:bodyPr spcFirstLastPara="0" vert="horz" wrap="square" lIns="227454" tIns="0" rIns="227454" bIns="0" numCol="1" spcCol="1270" anchor="ctr" anchorCtr="0">
-          <a:noAutofit/>
-        </a:bodyPr>
-        <a:lstStyle/>
-        <a:p>
-          <a:pPr marL="0" lvl="0" indent="0" algn="l" defTabSz="755650">
-            <a:lnSpc>
-              <a:spcPct val="90000"/>
-            </a:lnSpc>
-            <a:spcBef>
-              <a:spcPct val="0"/>
-            </a:spcBef>
-            <a:spcAft>
-              <a:spcPct val="35000"/>
-            </a:spcAft>
-            <a:buNone/>
-          </a:pPr>
-          <a:endParaRPr lang="en-US" sz="1700" kern="1200" dirty="0"/>
-        </a:p>
-      </dsp:txBody>
-      <dsp:txXfrm>
-        <a:off x="454331" y="3167464"/>
-        <a:ext cx="5968671" cy="452844"/>
-      </dsp:txXfrm>
-    </dsp:sp>
-  </dsp:spTree>
-</dsp:drawing>
-</file>
-
-<file path=ppt/diagrams/drawing4.xml><?xml version="1.0" encoding="utf-8"?>
-<dsp:drawing xmlns:dgm="http://schemas.openxmlformats.org/drawingml/2006/diagram" xmlns:dsp="http://schemas.microsoft.com/office/drawing/2008/diagram" xmlns:a="http://schemas.openxmlformats.org/drawingml/2006/main">
-  <dsp:spTree>
-    <dsp:nvGrpSpPr>
-      <dsp:cNvPr id="0" name=""/>
-      <dsp:cNvGrpSpPr/>
-    </dsp:nvGrpSpPr>
-    <dsp:grpSpPr/>
-    <dsp:sp modelId="{9397D545-F0EB-4CAC-BBBE-813F530EE4E7}">
-      <dsp:nvSpPr>
-        <dsp:cNvPr id="0" name=""/>
-        <dsp:cNvSpPr/>
-      </dsp:nvSpPr>
-      <dsp:spPr>
-        <a:xfrm>
-          <a:off x="0" y="1610"/>
-          <a:ext cx="8596668" cy="816326"/>
+          <a:off x="0" y="607"/>
+          <a:ext cx="6628804" cy="1422390"/>
         </a:xfrm>
         <a:prstGeom prst="roundRect">
           <a:avLst>
@@ -6527,8 +4801,8 @@
           </a:avLst>
         </a:prstGeom>
         <a:solidFill>
-          <a:schemeClr val="accent1">
-            <a:tint val="40000"/>
+          <a:schemeClr val="bg1">
+            <a:lumMod val="95000"/>
             <a:hueOff val="0"/>
             <a:satOff val="0"/>
             <a:lumOff val="0"/>
@@ -6553,15 +4827,15 @@
         <a:fontRef idx="minor"/>
       </dsp:style>
     </dsp:sp>
-    <dsp:sp modelId="{03771E86-832B-492D-8707-27759052476A}">
+    <dsp:sp modelId="{90FB9567-95DD-4229-B491-FED06F8892CA}">
       <dsp:nvSpPr>
         <dsp:cNvPr id="0" name=""/>
         <dsp:cNvSpPr/>
       </dsp:nvSpPr>
       <dsp:spPr>
         <a:xfrm>
-          <a:off x="246938" y="185284"/>
-          <a:ext cx="448979" cy="448979"/>
+          <a:off x="430272" y="320645"/>
+          <a:ext cx="782314" cy="782314"/>
         </a:xfrm>
         <a:prstGeom prst="rect">
           <a:avLst/>
@@ -6582,14 +4856,7 @@
           </a:stretch>
         </a:blipFill>
         <a:ln w="19050" cap="rnd" cmpd="sng" algn="ctr">
-          <a:solidFill>
-            <a:schemeClr val="lt1">
-              <a:hueOff val="0"/>
-              <a:satOff val="0"/>
-              <a:lumOff val="0"/>
-              <a:alphaOff val="0"/>
-            </a:schemeClr>
-          </a:solidFill>
+          <a:noFill/>
           <a:prstDash val="solid"/>
         </a:ln>
         <a:effectLst/>
@@ -6609,15 +4876,15 @@
         </a:fontRef>
       </dsp:style>
     </dsp:sp>
-    <dsp:sp modelId="{CBCF68AF-4F65-4C69-AB38-341DF9FA19A1}">
+    <dsp:sp modelId="{4E5D4251-0280-4232-AEF8-A638E72AEBA8}">
       <dsp:nvSpPr>
         <dsp:cNvPr id="0" name=""/>
         <dsp:cNvSpPr/>
       </dsp:nvSpPr>
       <dsp:spPr>
         <a:xfrm>
-          <a:off x="942857" y="1610"/>
-          <a:ext cx="7653810" cy="816326"/>
+          <a:off x="1642860" y="607"/>
+          <a:ext cx="4985943" cy="1422390"/>
         </a:xfrm>
         <a:prstGeom prst="rect">
           <a:avLst/>
@@ -6641,14 +4908,14 @@
         <a:fontRef idx="minor"/>
       </dsp:style>
       <dsp:txBody>
-        <a:bodyPr spcFirstLastPara="0" vert="horz" wrap="square" lIns="86395" tIns="86395" rIns="86395" bIns="86395" numCol="1" spcCol="1270" anchor="ctr" anchorCtr="0">
+        <a:bodyPr spcFirstLastPara="0" vert="horz" wrap="square" lIns="150536" tIns="150536" rIns="150536" bIns="150536" numCol="1" spcCol="1270" anchor="ctr" anchorCtr="0">
           <a:noAutofit/>
         </a:bodyPr>
         <a:lstStyle/>
         <a:p>
-          <a:pPr marL="0" lvl="0" indent="0" algn="l" defTabSz="889000">
+          <a:pPr marL="0" lvl="0" indent="0" algn="l" defTabSz="1111250">
             <a:lnSpc>
-              <a:spcPct val="100000"/>
+              <a:spcPct val="90000"/>
             </a:lnSpc>
             <a:spcBef>
               <a:spcPct val="0"/>
@@ -6659,25 +4926,25 @@
             <a:buNone/>
           </a:pPr>
           <a:r>
-            <a:rPr lang="en-US" sz="2000" strike="sngStrike" kern="1200" dirty="0"/>
+            <a:rPr lang="en-US" sz="2500" strike="sngStrike" kern="1200" dirty="0"/>
             <a:t>Presentations</a:t>
           </a:r>
         </a:p>
       </dsp:txBody>
       <dsp:txXfrm>
-        <a:off x="942857" y="1610"/>
-        <a:ext cx="7653810" cy="816326"/>
+        <a:off x="1642860" y="607"/>
+        <a:ext cx="4985943" cy="1422390"/>
       </dsp:txXfrm>
     </dsp:sp>
-    <dsp:sp modelId="{26619581-CBA2-46F6-9EBC-19A8416F09F1}">
+    <dsp:sp modelId="{2AD8A881-3060-44D8-A80B-4BFBB60E3A4C}">
       <dsp:nvSpPr>
         <dsp:cNvPr id="0" name=""/>
         <dsp:cNvSpPr/>
       </dsp:nvSpPr>
       <dsp:spPr>
         <a:xfrm>
-          <a:off x="0" y="1022019"/>
-          <a:ext cx="8596668" cy="816326"/>
+          <a:off x="0" y="1778595"/>
+          <a:ext cx="6628804" cy="1422390"/>
         </a:xfrm>
         <a:prstGeom prst="roundRect">
           <a:avLst>
@@ -6685,8 +4952,8 @@
           </a:avLst>
         </a:prstGeom>
         <a:solidFill>
-          <a:schemeClr val="accent1">
-            <a:tint val="40000"/>
+          <a:schemeClr val="bg1">
+            <a:lumMod val="95000"/>
             <a:hueOff val="0"/>
             <a:satOff val="0"/>
             <a:lumOff val="0"/>
@@ -6711,15 +4978,15 @@
         <a:fontRef idx="minor"/>
       </dsp:style>
     </dsp:sp>
-    <dsp:sp modelId="{0D49F5BB-75FE-4986-A3BD-F4C0D8E780F9}">
+    <dsp:sp modelId="{9D3B4D98-EDBB-4AD3-B460-458B41345201}">
       <dsp:nvSpPr>
         <dsp:cNvPr id="0" name=""/>
         <dsp:cNvSpPr/>
       </dsp:nvSpPr>
       <dsp:spPr>
         <a:xfrm>
-          <a:off x="246938" y="1205692"/>
-          <a:ext cx="448979" cy="448979"/>
+          <a:off x="430272" y="2098633"/>
+          <a:ext cx="782314" cy="782314"/>
         </a:xfrm>
         <a:prstGeom prst="rect">
           <a:avLst/>
@@ -6740,14 +5007,7 @@
           </a:stretch>
         </a:blipFill>
         <a:ln w="19050" cap="rnd" cmpd="sng" algn="ctr">
-          <a:solidFill>
-            <a:schemeClr val="lt1">
-              <a:hueOff val="0"/>
-              <a:satOff val="0"/>
-              <a:lumOff val="0"/>
-              <a:alphaOff val="0"/>
-            </a:schemeClr>
-          </a:solidFill>
+          <a:noFill/>
           <a:prstDash val="solid"/>
         </a:ln>
         <a:effectLst/>
@@ -6767,15 +5027,15 @@
         </a:fontRef>
       </dsp:style>
     </dsp:sp>
-    <dsp:sp modelId="{5C47FE5A-AC25-4BB1-97A3-905A2750DFC3}">
+    <dsp:sp modelId="{4EE866C1-79DA-4F31-8A06-38C068669DD1}">
       <dsp:nvSpPr>
         <dsp:cNvPr id="0" name=""/>
         <dsp:cNvSpPr/>
       </dsp:nvSpPr>
       <dsp:spPr>
         <a:xfrm>
-          <a:off x="942857" y="1022019"/>
-          <a:ext cx="7653810" cy="816326"/>
+          <a:off x="1642860" y="1778595"/>
+          <a:ext cx="4985943" cy="1422390"/>
         </a:xfrm>
         <a:prstGeom prst="rect">
           <a:avLst/>
@@ -6799,14 +5059,14 @@
         <a:fontRef idx="minor"/>
       </dsp:style>
       <dsp:txBody>
-        <a:bodyPr spcFirstLastPara="0" vert="horz" wrap="square" lIns="86395" tIns="86395" rIns="86395" bIns="86395" numCol="1" spcCol="1270" anchor="ctr" anchorCtr="0">
+        <a:bodyPr spcFirstLastPara="0" vert="horz" wrap="square" lIns="150536" tIns="150536" rIns="150536" bIns="150536" numCol="1" spcCol="1270" anchor="ctr" anchorCtr="0">
           <a:noAutofit/>
         </a:bodyPr>
         <a:lstStyle/>
         <a:p>
-          <a:pPr marL="0" lvl="0" indent="0" algn="l" defTabSz="889000">
+          <a:pPr marL="0" lvl="0" indent="0" algn="l" defTabSz="1111250">
             <a:lnSpc>
-              <a:spcPct val="100000"/>
+              <a:spcPct val="90000"/>
             </a:lnSpc>
             <a:spcBef>
               <a:spcPct val="0"/>
@@ -6817,25 +5077,25 @@
             <a:buNone/>
           </a:pPr>
           <a:r>
-            <a:rPr lang="en-US" sz="2000" kern="1200"/>
-            <a:t>Review issues from first lab</a:t>
+            <a:rPr lang="en-US" sz="2500" kern="1200" dirty="0"/>
+            <a:t>Review issues from first two labs</a:t>
           </a:r>
         </a:p>
       </dsp:txBody>
       <dsp:txXfrm>
-        <a:off x="942857" y="1022019"/>
-        <a:ext cx="7653810" cy="816326"/>
+        <a:off x="1642860" y="1778595"/>
+        <a:ext cx="4985943" cy="1422390"/>
       </dsp:txXfrm>
     </dsp:sp>
-    <dsp:sp modelId="{8ACD943C-0673-4BA9-B6CB-FFDDFA33026B}">
+    <dsp:sp modelId="{97E6A3BE-A131-412D-AF9A-39CD29F54CB3}">
       <dsp:nvSpPr>
         <dsp:cNvPr id="0" name=""/>
         <dsp:cNvSpPr/>
       </dsp:nvSpPr>
       <dsp:spPr>
         <a:xfrm>
-          <a:off x="0" y="2042427"/>
-          <a:ext cx="8596668" cy="816326"/>
+          <a:off x="0" y="3556583"/>
+          <a:ext cx="6628804" cy="1422390"/>
         </a:xfrm>
         <a:prstGeom prst="roundRect">
           <a:avLst>
@@ -6843,8 +5103,8 @@
           </a:avLst>
         </a:prstGeom>
         <a:solidFill>
-          <a:schemeClr val="accent1">
-            <a:tint val="40000"/>
+          <a:schemeClr val="bg1">
+            <a:lumMod val="95000"/>
             <a:hueOff val="0"/>
             <a:satOff val="0"/>
             <a:lumOff val="0"/>
@@ -6869,15 +5129,15 @@
         <a:fontRef idx="minor"/>
       </dsp:style>
     </dsp:sp>
-    <dsp:sp modelId="{FDBB79B4-9301-4228-B5CD-8CC4643D4275}">
+    <dsp:sp modelId="{C86F8E98-948D-4409-AA6F-444440ADD01C}">
       <dsp:nvSpPr>
         <dsp:cNvPr id="0" name=""/>
         <dsp:cNvSpPr/>
       </dsp:nvSpPr>
       <dsp:spPr>
         <a:xfrm>
-          <a:off x="246938" y="2226100"/>
-          <a:ext cx="448979" cy="448979"/>
+          <a:off x="430272" y="3876620"/>
+          <a:ext cx="782314" cy="782314"/>
         </a:xfrm>
         <a:prstGeom prst="rect">
           <a:avLst/>
@@ -6898,14 +5158,7 @@
           </a:stretch>
         </a:blipFill>
         <a:ln w="19050" cap="rnd" cmpd="sng" algn="ctr">
-          <a:solidFill>
-            <a:schemeClr val="lt1">
-              <a:hueOff val="0"/>
-              <a:satOff val="0"/>
-              <a:lumOff val="0"/>
-              <a:alphaOff val="0"/>
-            </a:schemeClr>
-          </a:solidFill>
+          <a:noFill/>
           <a:prstDash val="solid"/>
         </a:ln>
         <a:effectLst/>
@@ -6925,15 +5178,15 @@
         </a:fontRef>
       </dsp:style>
     </dsp:sp>
-    <dsp:sp modelId="{3514ABEC-04DD-4E8E-B639-F421996591BC}">
+    <dsp:sp modelId="{317B1099-CFC9-49F8-9401-24716FFAABEF}">
       <dsp:nvSpPr>
         <dsp:cNvPr id="0" name=""/>
         <dsp:cNvSpPr/>
       </dsp:nvSpPr>
       <dsp:spPr>
         <a:xfrm>
-          <a:off x="942857" y="2042427"/>
-          <a:ext cx="7653810" cy="816326"/>
+          <a:off x="1642860" y="3556583"/>
+          <a:ext cx="4985943" cy="1422390"/>
         </a:xfrm>
         <a:prstGeom prst="rect">
           <a:avLst/>
@@ -6957,14 +5210,14 @@
         <a:fontRef idx="minor"/>
       </dsp:style>
       <dsp:txBody>
-        <a:bodyPr spcFirstLastPara="0" vert="horz" wrap="square" lIns="86395" tIns="86395" rIns="86395" bIns="86395" numCol="1" spcCol="1270" anchor="ctr" anchorCtr="0">
+        <a:bodyPr spcFirstLastPara="0" vert="horz" wrap="square" lIns="150536" tIns="150536" rIns="150536" bIns="150536" numCol="1" spcCol="1270" anchor="ctr" anchorCtr="0">
           <a:noAutofit/>
         </a:bodyPr>
         <a:lstStyle/>
         <a:p>
-          <a:pPr marL="0" lvl="0" indent="0" algn="l" defTabSz="889000">
+          <a:pPr marL="0" lvl="0" indent="0" algn="l" defTabSz="1111250">
             <a:lnSpc>
-              <a:spcPct val="100000"/>
+              <a:spcPct val="90000"/>
             </a:lnSpc>
             <a:spcBef>
               <a:spcPct val="0"/>
@@ -6975,189 +5228,14 @@
             <a:buNone/>
           </a:pPr>
           <a:r>
-            <a:rPr lang="en-US" sz="2000" kern="1200"/>
-            <a:t>Complete second lab activity (building off first)</a:t>
+            <a:rPr lang="en-US" sz="2500" kern="1200" dirty="0"/>
+            <a:t>Complete third lab</a:t>
           </a:r>
         </a:p>
       </dsp:txBody>
       <dsp:txXfrm>
-        <a:off x="942857" y="2042427"/>
-        <a:ext cx="7653810" cy="816326"/>
-      </dsp:txXfrm>
-    </dsp:sp>
-    <dsp:sp modelId="{F32BCCCC-E421-4F68-BB19-AC35C03BED7F}">
-      <dsp:nvSpPr>
-        <dsp:cNvPr id="0" name=""/>
-        <dsp:cNvSpPr/>
-      </dsp:nvSpPr>
-      <dsp:spPr>
-        <a:xfrm>
-          <a:off x="0" y="3062835"/>
-          <a:ext cx="8596668" cy="816326"/>
-        </a:xfrm>
-        <a:prstGeom prst="roundRect">
-          <a:avLst>
-            <a:gd name="adj" fmla="val 10000"/>
-          </a:avLst>
-        </a:prstGeom>
-        <a:solidFill>
-          <a:schemeClr val="accent1">
-            <a:tint val="40000"/>
-            <a:hueOff val="0"/>
-            <a:satOff val="0"/>
-            <a:lumOff val="0"/>
-            <a:alphaOff val="0"/>
-          </a:schemeClr>
-        </a:solidFill>
-        <a:ln>
-          <a:noFill/>
-        </a:ln>
-        <a:effectLst/>
-      </dsp:spPr>
-      <dsp:style>
-        <a:lnRef idx="0">
-          <a:scrgbClr r="0" g="0" b="0"/>
-        </a:lnRef>
-        <a:fillRef idx="1">
-          <a:scrgbClr r="0" g="0" b="0"/>
-        </a:fillRef>
-        <a:effectRef idx="0">
-          <a:scrgbClr r="0" g="0" b="0"/>
-        </a:effectRef>
-        <a:fontRef idx="minor"/>
-      </dsp:style>
-    </dsp:sp>
-    <dsp:sp modelId="{EDF29486-1C06-490D-828D-5523E0824460}">
-      <dsp:nvSpPr>
-        <dsp:cNvPr id="0" name=""/>
-        <dsp:cNvSpPr/>
-      </dsp:nvSpPr>
-      <dsp:spPr>
-        <a:xfrm>
-          <a:off x="246938" y="3246509"/>
-          <a:ext cx="448979" cy="448979"/>
-        </a:xfrm>
-        <a:prstGeom prst="rect">
-          <a:avLst/>
-        </a:prstGeom>
-        <a:blipFill>
-          <a:blip xmlns:r="http://schemas.openxmlformats.org/officeDocument/2006/relationships" r:embed="rId7">
-            <a:extLst>
-              <a:ext uri="{28A0092B-C50C-407E-A947-70E740481C1C}">
-                <a14:useLocalDpi xmlns:a14="http://schemas.microsoft.com/office/drawing/2010/main" val="0"/>
-              </a:ext>
-              <a:ext uri="{96DAC541-7B7A-43D3-8B79-37D633B846F1}">
-                <asvg:svgBlip xmlns:asvg="http://schemas.microsoft.com/office/drawing/2016/SVG/main" r:embed="rId8"/>
-              </a:ext>
-            </a:extLst>
-          </a:blip>
-          <a:stretch>
-            <a:fillRect/>
-          </a:stretch>
-        </a:blipFill>
-        <a:ln w="19050" cap="rnd" cmpd="sng" algn="ctr">
-          <a:solidFill>
-            <a:schemeClr val="lt1">
-              <a:hueOff val="0"/>
-              <a:satOff val="0"/>
-              <a:lumOff val="0"/>
-              <a:alphaOff val="0"/>
-            </a:schemeClr>
-          </a:solidFill>
-          <a:prstDash val="solid"/>
-        </a:ln>
-        <a:effectLst/>
-      </dsp:spPr>
-      <dsp:style>
-        <a:lnRef idx="2">
-          <a:scrgbClr r="0" g="0" b="0"/>
-        </a:lnRef>
-        <a:fillRef idx="1">
-          <a:scrgbClr r="0" g="0" b="0"/>
-        </a:fillRef>
-        <a:effectRef idx="0">
-          <a:scrgbClr r="0" g="0" b="0"/>
-        </a:effectRef>
-        <a:fontRef idx="minor">
-          <a:schemeClr val="lt1"/>
-        </a:fontRef>
-      </dsp:style>
-    </dsp:sp>
-    <dsp:sp modelId="{47443E9A-5AF7-4829-8425-7DADFF6076F3}">
-      <dsp:nvSpPr>
-        <dsp:cNvPr id="0" name=""/>
-        <dsp:cNvSpPr/>
-      </dsp:nvSpPr>
-      <dsp:spPr>
-        <a:xfrm>
-          <a:off x="942857" y="3062835"/>
-          <a:ext cx="7653810" cy="816326"/>
-        </a:xfrm>
-        <a:prstGeom prst="rect">
-          <a:avLst/>
-        </a:prstGeom>
-        <a:noFill/>
-        <a:ln>
-          <a:noFill/>
-        </a:ln>
-        <a:effectLst/>
-      </dsp:spPr>
-      <dsp:style>
-        <a:lnRef idx="0">
-          <a:scrgbClr r="0" g="0" b="0"/>
-        </a:lnRef>
-        <a:fillRef idx="0">
-          <a:scrgbClr r="0" g="0" b="0"/>
-        </a:fillRef>
-        <a:effectRef idx="0">
-          <a:scrgbClr r="0" g="0" b="0"/>
-        </a:effectRef>
-        <a:fontRef idx="minor"/>
-      </dsp:style>
-      <dsp:txBody>
-        <a:bodyPr spcFirstLastPara="0" vert="horz" wrap="square" lIns="86395" tIns="86395" rIns="86395" bIns="86395" numCol="1" spcCol="1270" anchor="ctr" anchorCtr="0">
-          <a:noAutofit/>
-        </a:bodyPr>
-        <a:lstStyle/>
-        <a:p>
-          <a:pPr marL="0" lvl="0" indent="0" algn="l" defTabSz="889000">
-            <a:lnSpc>
-              <a:spcPct val="100000"/>
-            </a:lnSpc>
-            <a:spcBef>
-              <a:spcPct val="0"/>
-            </a:spcBef>
-            <a:spcAft>
-              <a:spcPct val="35000"/>
-            </a:spcAft>
-            <a:buNone/>
-          </a:pPr>
-          <a:r>
-            <a:rPr lang="en-US" sz="2000" kern="1200" dirty="0"/>
-            <a:t>Start by visiting </a:t>
-          </a:r>
-          <a:r>
-            <a:rPr lang="en-US" sz="2000" kern="1200" dirty="0">
-              <a:hlinkClick xmlns:r="http://schemas.openxmlformats.org/officeDocument/2006/relationships" r:id="rId9"/>
-            </a:rPr>
-            <a:t>https://github.com/SUPScientist/Smart-Coasts</a:t>
-          </a:r>
-          <a:r>
-            <a:rPr lang="en-US" sz="2000" kern="1200" dirty="0"/>
-            <a:t> </a:t>
-          </a:r>
-          <a:br>
-            <a:rPr lang="en-US" sz="2000" kern="1200" dirty="0"/>
-          </a:br>
-          <a:r>
-            <a:rPr lang="en-US" sz="2000" kern="1200" dirty="0"/>
-            <a:t>(link also in Canvas)  </a:t>
-          </a:r>
-        </a:p>
-      </dsp:txBody>
-      <dsp:txXfrm>
-        <a:off x="942857" y="3062835"/>
-        <a:ext cx="7653810" cy="816326"/>
+        <a:off x="1642860" y="3556583"/>
+        <a:ext cx="4985943" cy="1422390"/>
       </dsp:txXfrm>
     </dsp:sp>
   </dsp:spTree>
@@ -7736,231 +5814,6 @@
 </file>
 
 <file path=ppt/diagrams/layout3.xml><?xml version="1.0" encoding="utf-8"?>
-<dgm:layoutDef xmlns:dgm="http://schemas.openxmlformats.org/drawingml/2006/diagram" xmlns:a="http://schemas.openxmlformats.org/drawingml/2006/main" uniqueId="urn:microsoft.com/office/officeart/2005/8/layout/list1">
-  <dgm:title val=""/>
-  <dgm:desc val=""/>
-  <dgm:catLst>
-    <dgm:cat type="list" pri="4000"/>
-  </dgm:catLst>
-  <dgm:sampData>
-    <dgm:dataModel>
-      <dgm:ptLst>
-        <dgm:pt modelId="0" type="doc"/>
-        <dgm:pt modelId="1">
-          <dgm:prSet phldr="1"/>
-        </dgm:pt>
-        <dgm:pt modelId="2">
-          <dgm:prSet phldr="1"/>
-        </dgm:pt>
-        <dgm:pt modelId="3">
-          <dgm:prSet phldr="1"/>
-        </dgm:pt>
-      </dgm:ptLst>
-      <dgm:cxnLst>
-        <dgm:cxn modelId="4" srcId="0" destId="1" srcOrd="0" destOrd="0"/>
-        <dgm:cxn modelId="5" srcId="0" destId="2" srcOrd="1" destOrd="0"/>
-        <dgm:cxn modelId="6" srcId="0" destId="3" srcOrd="2" destOrd="0"/>
-      </dgm:cxnLst>
-      <dgm:bg/>
-      <dgm:whole/>
-    </dgm:dataModel>
-  </dgm:sampData>
-  <dgm:styleData>
-    <dgm:dataModel>
-      <dgm:ptLst>
-        <dgm:pt modelId="0" type="doc"/>
-        <dgm:pt modelId="1"/>
-        <dgm:pt modelId="2"/>
-      </dgm:ptLst>
-      <dgm:cxnLst>
-        <dgm:cxn modelId="4" srcId="0" destId="1" srcOrd="0" destOrd="0"/>
-        <dgm:cxn modelId="5" srcId="0" destId="2" srcOrd="1" destOrd="0"/>
-      </dgm:cxnLst>
-      <dgm:bg/>
-      <dgm:whole/>
-    </dgm:dataModel>
-  </dgm:styleData>
-  <dgm:clrData>
-    <dgm:dataModel>
-      <dgm:ptLst>
-        <dgm:pt modelId="0" type="doc"/>
-        <dgm:pt modelId="1"/>
-        <dgm:pt modelId="2"/>
-        <dgm:pt modelId="3"/>
-        <dgm:pt modelId="4"/>
-      </dgm:ptLst>
-      <dgm:cxnLst>
-        <dgm:cxn modelId="5" srcId="0" destId="1" srcOrd="0" destOrd="0"/>
-        <dgm:cxn modelId="6" srcId="0" destId="2" srcOrd="1" destOrd="0"/>
-        <dgm:cxn modelId="7" srcId="0" destId="3" srcOrd="2" destOrd="0"/>
-        <dgm:cxn modelId="8" srcId="0" destId="4" srcOrd="3" destOrd="0"/>
-      </dgm:cxnLst>
-      <dgm:bg/>
-      <dgm:whole/>
-    </dgm:dataModel>
-  </dgm:clrData>
-  <dgm:layoutNode name="linear">
-    <dgm:varLst>
-      <dgm:dir/>
-      <dgm:animLvl val="lvl"/>
-      <dgm:resizeHandles val="exact"/>
-    </dgm:varLst>
-    <dgm:choose name="Name0">
-      <dgm:if name="Name1" func="var" arg="dir" op="equ" val="norm">
-        <dgm:alg type="lin">
-          <dgm:param type="linDir" val="fromT"/>
-          <dgm:param type="vertAlign" val="mid"/>
-          <dgm:param type="horzAlign" val="l"/>
-          <dgm:param type="nodeHorzAlign" val="l"/>
-        </dgm:alg>
-      </dgm:if>
-      <dgm:else name="Name2">
-        <dgm:alg type="lin">
-          <dgm:param type="linDir" val="fromT"/>
-          <dgm:param type="vertAlign" val="mid"/>
-          <dgm:param type="horzAlign" val="r"/>
-          <dgm:param type="nodeHorzAlign" val="r"/>
-        </dgm:alg>
-      </dgm:else>
-    </dgm:choose>
-    <dgm:shape xmlns:r="http://schemas.openxmlformats.org/officeDocument/2006/relationships" r:blip="">
-      <dgm:adjLst/>
-    </dgm:shape>
-    <dgm:presOf/>
-    <dgm:constrLst>
-      <dgm:constr type="w" for="ch" forName="parentLin" refType="w"/>
-      <dgm:constr type="h" for="ch" forName="parentLin" val="INF"/>
-      <dgm:constr type="w" for="des" forName="parentLeftMargin" refType="w" fact="0.05"/>
-      <dgm:constr type="w" for="des" forName="parentText" refType="w" fact="0.7"/>
-      <dgm:constr type="h" for="des" forName="parentText" refType="primFontSz" refFor="des" refForName="parentText" fact="0.82"/>
-      <dgm:constr type="h" for="ch" forName="negativeSpace" refType="primFontSz" refFor="des" refForName="parentText" fact="-0.41"/>
-      <dgm:constr type="h" for="ch" forName="negativeSpace" refType="h" refFor="des" refForName="parentText" op="lte" fact="-0.82"/>
-      <dgm:constr type="h" for="ch" forName="negativeSpace" refType="h" refFor="des" refForName="parentText" op="gte" fact="-0.82"/>
-      <dgm:constr type="w" for="ch" forName="childText" refType="w"/>
-      <dgm:constr type="h" for="ch" forName="childText" refType="primFontSz" refFor="des" refForName="parentText" fact="0.7"/>
-      <dgm:constr type="primFontSz" for="des" forName="parentText" val="65"/>
-      <dgm:constr type="primFontSz" for="ch" forName="childText" refType="primFontSz" refFor="des" refForName="parentText"/>
-      <dgm:constr type="tMarg" for="ch" forName="childText" refType="primFontSz" refFor="des" refForName="parentText" fact="1.64"/>
-      <dgm:constr type="tMarg" for="ch" forName="childText" refType="h" refFor="des" refForName="parentText" op="lte" fact="3.28"/>
-      <dgm:constr type="tMarg" for="ch" forName="childText" refType="h" refFor="des" refForName="parentText" op="gte" fact="3.28"/>
-      <dgm:constr type="lMarg" for="ch" forName="childText" refType="w" fact="0.22"/>
-      <dgm:constr type="rMarg" for="ch" forName="childText" refType="lMarg" refFor="ch" refForName="childText"/>
-      <dgm:constr type="lMarg" for="des" forName="parentText" refType="w" fact="0.075"/>
-      <dgm:constr type="rMarg" for="des" forName="parentText" refType="lMarg" refFor="des" refForName="parentText"/>
-      <dgm:constr type="h" for="ch" forName="spaceBetweenRectangles" refType="primFontSz" refFor="des" refForName="parentText" fact="0.15"/>
-    </dgm:constrLst>
-    <dgm:ruleLst>
-      <dgm:rule type="primFontSz" for="des" forName="parentText" val="5" fact="NaN" max="NaN"/>
-    </dgm:ruleLst>
-    <dgm:forEach name="Name3" axis="ch" ptType="node">
-      <dgm:layoutNode name="parentLin">
-        <dgm:choose name="Name4">
-          <dgm:if name="Name5" func="var" arg="dir" op="equ" val="norm">
-            <dgm:alg type="lin">
-              <dgm:param type="linDir" val="fromL"/>
-              <dgm:param type="horzAlign" val="l"/>
-              <dgm:param type="nodeHorzAlign" val="l"/>
-            </dgm:alg>
-          </dgm:if>
-          <dgm:else name="Name6">
-            <dgm:alg type="lin">
-              <dgm:param type="linDir" val="fromR"/>
-              <dgm:param type="horzAlign" val="r"/>
-              <dgm:param type="nodeHorzAlign" val="r"/>
-            </dgm:alg>
-          </dgm:else>
-        </dgm:choose>
-        <dgm:shape xmlns:r="http://schemas.openxmlformats.org/officeDocument/2006/relationships" r:blip="">
-          <dgm:adjLst/>
-        </dgm:shape>
-        <dgm:presOf/>
-        <dgm:constrLst/>
-        <dgm:ruleLst/>
-        <dgm:layoutNode name="parentLeftMargin">
-          <dgm:alg type="sp"/>
-          <dgm:shape xmlns:r="http://schemas.openxmlformats.org/officeDocument/2006/relationships" type="rect" r:blip="" hideGeom="1">
-            <dgm:adjLst/>
-          </dgm:shape>
-          <dgm:presOf axis="self"/>
-          <dgm:constrLst>
-            <dgm:constr type="h"/>
-          </dgm:constrLst>
-          <dgm:ruleLst/>
-        </dgm:layoutNode>
-        <dgm:layoutNode name="parentText" styleLbl="node1">
-          <dgm:varLst>
-            <dgm:chMax val="0"/>
-            <dgm:bulletEnabled val="1"/>
-          </dgm:varLst>
-          <dgm:choose name="Name7">
-            <dgm:if name="Name8" func="var" arg="dir" op="equ" val="norm">
-              <dgm:alg type="tx">
-                <dgm:param type="parTxLTRAlign" val="l"/>
-                <dgm:param type="parTxRTLAlign" val="l"/>
-              </dgm:alg>
-            </dgm:if>
-            <dgm:else name="Name9">
-              <dgm:alg type="tx">
-                <dgm:param type="parTxLTRAlign" val="r"/>
-                <dgm:param type="parTxRTLAlign" val="r"/>
-              </dgm:alg>
-            </dgm:else>
-          </dgm:choose>
-          <dgm:shape xmlns:r="http://schemas.openxmlformats.org/officeDocument/2006/relationships" type="roundRect" r:blip="">
-            <dgm:adjLst/>
-          </dgm:shape>
-          <dgm:presOf axis="self" ptType="node"/>
-          <dgm:constrLst>
-            <dgm:constr type="tMarg"/>
-            <dgm:constr type="bMarg"/>
-          </dgm:constrLst>
-          <dgm:ruleLst/>
-        </dgm:layoutNode>
-      </dgm:layoutNode>
-      <dgm:layoutNode name="negativeSpace">
-        <dgm:alg type="sp"/>
-        <dgm:shape xmlns:r="http://schemas.openxmlformats.org/officeDocument/2006/relationships" r:blip="">
-          <dgm:adjLst/>
-        </dgm:shape>
-        <dgm:presOf/>
-        <dgm:constrLst/>
-        <dgm:ruleLst/>
-      </dgm:layoutNode>
-      <dgm:layoutNode name="childText" styleLbl="conFgAcc1">
-        <dgm:varLst>
-          <dgm:bulletEnabled val="1"/>
-        </dgm:varLst>
-        <dgm:alg type="tx">
-          <dgm:param type="stBulletLvl" val="1"/>
-        </dgm:alg>
-        <dgm:shape xmlns:r="http://schemas.openxmlformats.org/officeDocument/2006/relationships" type="rect" r:blip="" zOrderOff="-2">
-          <dgm:adjLst/>
-        </dgm:shape>
-        <dgm:presOf axis="des" ptType="node"/>
-        <dgm:constrLst>
-          <dgm:constr type="secFontSz" refType="primFontSz"/>
-        </dgm:constrLst>
-        <dgm:ruleLst>
-          <dgm:rule type="h" val="INF" fact="NaN" max="NaN"/>
-        </dgm:ruleLst>
-      </dgm:layoutNode>
-      <dgm:forEach name="Name10" axis="followSib" ptType="sibTrans" cnt="1">
-        <dgm:layoutNode name="spaceBetweenRectangles">
-          <dgm:alg type="sp"/>
-          <dgm:shape xmlns:r="http://schemas.openxmlformats.org/officeDocument/2006/relationships" r:blip="">
-            <dgm:adjLst/>
-          </dgm:shape>
-          <dgm:presOf/>
-          <dgm:constrLst/>
-          <dgm:ruleLst/>
-        </dgm:layoutNode>
-      </dgm:forEach>
-    </dgm:forEach>
-  </dgm:layoutNode>
-</dgm:layoutDef>
-</file>
-
-<file path=ppt/diagrams/layout4.xml><?xml version="1.0" encoding="utf-8"?>
 <dgm:layoutDef xmlns:dgm="http://schemas.openxmlformats.org/drawingml/2006/diagram" xmlns:a="http://schemas.openxmlformats.org/drawingml/2006/main" uniqueId="urn:microsoft.com/office/officeart/2018/2/layout/IconVerticalSolidList">
   <dgm:title val="Icon Vertical Solid List"/>
   <dgm:desc val="Use to show a series of visuals from top to bottom with Level 1 or Level 1 and Level 2 text grouped in a shape. Works best with icons or small pictures with lengthier descriptions."/>
@@ -11356,1040 +9209,6 @@
 </dgm:styleDef>
 </file>
 
-<file path=ppt/diagrams/quickStyle4.xml><?xml version="1.0" encoding="utf-8"?>
-<dgm:styleDef xmlns:dgm="http://schemas.openxmlformats.org/drawingml/2006/diagram" xmlns:a="http://schemas.openxmlformats.org/drawingml/2006/main" uniqueId="urn:microsoft.com/office/officeart/2005/8/quickstyle/simple1">
-  <dgm:title val=""/>
-  <dgm:desc val=""/>
-  <dgm:catLst>
-    <dgm:cat type="simple" pri="10100"/>
-  </dgm:catLst>
-  <dgm:scene3d>
-    <a:camera prst="orthographicFront"/>
-    <a:lightRig rig="threePt" dir="t"/>
-  </dgm:scene3d>
-  <dgm:styleLbl name="node0">
-    <dgm:scene3d>
-      <a:camera prst="orthographicFront"/>
-      <a:lightRig rig="threePt" dir="t"/>
-    </dgm:scene3d>
-    <dgm:sp3d/>
-    <dgm:txPr/>
-    <dgm:style>
-      <a:lnRef idx="2">
-        <a:scrgbClr r="0" g="0" b="0"/>
-      </a:lnRef>
-      <a:fillRef idx="1">
-        <a:scrgbClr r="0" g="0" b="0"/>
-      </a:fillRef>
-      <a:effectRef idx="0">
-        <a:scrgbClr r="0" g="0" b="0"/>
-      </a:effectRef>
-      <a:fontRef idx="minor">
-        <a:schemeClr val="lt1"/>
-      </a:fontRef>
-    </dgm:style>
-  </dgm:styleLbl>
-  <dgm:styleLbl name="lnNode1">
-    <dgm:scene3d>
-      <a:camera prst="orthographicFront"/>
-      <a:lightRig rig="threePt" dir="t"/>
-    </dgm:scene3d>
-    <dgm:sp3d/>
-    <dgm:txPr/>
-    <dgm:style>
-      <a:lnRef idx="2">
-        <a:scrgbClr r="0" g="0" b="0"/>
-      </a:lnRef>
-      <a:fillRef idx="1">
-        <a:scrgbClr r="0" g="0" b="0"/>
-      </a:fillRef>
-      <a:effectRef idx="0">
-        <a:scrgbClr r="0" g="0" b="0"/>
-      </a:effectRef>
-      <a:fontRef idx="minor">
-        <a:schemeClr val="lt1"/>
-      </a:fontRef>
-    </dgm:style>
-  </dgm:styleLbl>
-  <dgm:styleLbl name="vennNode1">
-    <dgm:scene3d>
-      <a:camera prst="orthographicFront"/>
-      <a:lightRig rig="threePt" dir="t"/>
-    </dgm:scene3d>
-    <dgm:sp3d/>
-    <dgm:txPr/>
-    <dgm:style>
-      <a:lnRef idx="2">
-        <a:scrgbClr r="0" g="0" b="0"/>
-      </a:lnRef>
-      <a:fillRef idx="1">
-        <a:scrgbClr r="0" g="0" b="0"/>
-      </a:fillRef>
-      <a:effectRef idx="0">
-        <a:scrgbClr r="0" g="0" b="0"/>
-      </a:effectRef>
-      <a:fontRef idx="minor">
-        <a:schemeClr val="tx1"/>
-      </a:fontRef>
-    </dgm:style>
-  </dgm:styleLbl>
-  <dgm:styleLbl name="alignNode1">
-    <dgm:scene3d>
-      <a:camera prst="orthographicFront"/>
-      <a:lightRig rig="threePt" dir="t"/>
-    </dgm:scene3d>
-    <dgm:sp3d/>
-    <dgm:txPr/>
-    <dgm:style>
-      <a:lnRef idx="2">
-        <a:scrgbClr r="0" g="0" b="0"/>
-      </a:lnRef>
-      <a:fillRef idx="1">
-        <a:scrgbClr r="0" g="0" b="0"/>
-      </a:fillRef>
-      <a:effectRef idx="0">
-        <a:scrgbClr r="0" g="0" b="0"/>
-      </a:effectRef>
-      <a:fontRef idx="minor">
-        <a:schemeClr val="lt1"/>
-      </a:fontRef>
-    </dgm:style>
-  </dgm:styleLbl>
-  <dgm:styleLbl name="node1">
-    <dgm:scene3d>
-      <a:camera prst="orthographicFront"/>
-      <a:lightRig rig="threePt" dir="t"/>
-    </dgm:scene3d>
-    <dgm:sp3d/>
-    <dgm:txPr/>
-    <dgm:style>
-      <a:lnRef idx="2">
-        <a:scrgbClr r="0" g="0" b="0"/>
-      </a:lnRef>
-      <a:fillRef idx="1">
-        <a:scrgbClr r="0" g="0" b="0"/>
-      </a:fillRef>
-      <a:effectRef idx="0">
-        <a:scrgbClr r="0" g="0" b="0"/>
-      </a:effectRef>
-      <a:fontRef idx="minor">
-        <a:schemeClr val="lt1"/>
-      </a:fontRef>
-    </dgm:style>
-  </dgm:styleLbl>
-  <dgm:styleLbl name="node2">
-    <dgm:scene3d>
-      <a:camera prst="orthographicFront"/>
-      <a:lightRig rig="threePt" dir="t"/>
-    </dgm:scene3d>
-    <dgm:sp3d/>
-    <dgm:txPr/>
-    <dgm:style>
-      <a:lnRef idx="2">
-        <a:scrgbClr r="0" g="0" b="0"/>
-      </a:lnRef>
-      <a:fillRef idx="1">
-        <a:scrgbClr r="0" g="0" b="0"/>
-      </a:fillRef>
-      <a:effectRef idx="0">
-        <a:scrgbClr r="0" g="0" b="0"/>
-      </a:effectRef>
-      <a:fontRef idx="minor">
-        <a:schemeClr val="lt1"/>
-      </a:fontRef>
-    </dgm:style>
-  </dgm:styleLbl>
-  <dgm:styleLbl name="node3">
-    <dgm:scene3d>
-      <a:camera prst="orthographicFront"/>
-      <a:lightRig rig="threePt" dir="t"/>
-    </dgm:scene3d>
-    <dgm:sp3d/>
-    <dgm:txPr/>
-    <dgm:style>
-      <a:lnRef idx="2">
-        <a:scrgbClr r="0" g="0" b="0"/>
-      </a:lnRef>
-      <a:fillRef idx="1">
-        <a:scrgbClr r="0" g="0" b="0"/>
-      </a:fillRef>
-      <a:effectRef idx="0">
-        <a:scrgbClr r="0" g="0" b="0"/>
-      </a:effectRef>
-      <a:fontRef idx="minor">
-        <a:schemeClr val="lt1"/>
-      </a:fontRef>
-    </dgm:style>
-  </dgm:styleLbl>
-  <dgm:styleLbl name="node4">
-    <dgm:scene3d>
-      <a:camera prst="orthographicFront"/>
-      <a:lightRig rig="threePt" dir="t"/>
-    </dgm:scene3d>
-    <dgm:sp3d/>
-    <dgm:txPr/>
-    <dgm:style>
-      <a:lnRef idx="2">
-        <a:scrgbClr r="0" g="0" b="0"/>
-      </a:lnRef>
-      <a:fillRef idx="1">
-        <a:scrgbClr r="0" g="0" b="0"/>
-      </a:fillRef>
-      <a:effectRef idx="0">
-        <a:scrgbClr r="0" g="0" b="0"/>
-      </a:effectRef>
-      <a:fontRef idx="minor">
-        <a:schemeClr val="lt1"/>
-      </a:fontRef>
-    </dgm:style>
-  </dgm:styleLbl>
-  <dgm:styleLbl name="fgImgPlace1">
-    <dgm:scene3d>
-      <a:camera prst="orthographicFront"/>
-      <a:lightRig rig="threePt" dir="t"/>
-    </dgm:scene3d>
-    <dgm:sp3d/>
-    <dgm:txPr/>
-    <dgm:style>
-      <a:lnRef idx="2">
-        <a:scrgbClr r="0" g="0" b="0"/>
-      </a:lnRef>
-      <a:fillRef idx="1">
-        <a:scrgbClr r="0" g="0" b="0"/>
-      </a:fillRef>
-      <a:effectRef idx="0">
-        <a:scrgbClr r="0" g="0" b="0"/>
-      </a:effectRef>
-      <a:fontRef idx="minor"/>
-    </dgm:style>
-  </dgm:styleLbl>
-  <dgm:styleLbl name="alignImgPlace1">
-    <dgm:scene3d>
-      <a:camera prst="orthographicFront"/>
-      <a:lightRig rig="threePt" dir="t"/>
-    </dgm:scene3d>
-    <dgm:sp3d/>
-    <dgm:txPr/>
-    <dgm:style>
-      <a:lnRef idx="2">
-        <a:scrgbClr r="0" g="0" b="0"/>
-      </a:lnRef>
-      <a:fillRef idx="1">
-        <a:scrgbClr r="0" g="0" b="0"/>
-      </a:fillRef>
-      <a:effectRef idx="0">
-        <a:scrgbClr r="0" g="0" b="0"/>
-      </a:effectRef>
-      <a:fontRef idx="minor"/>
-    </dgm:style>
-  </dgm:styleLbl>
-  <dgm:styleLbl name="bgImgPlace1">
-    <dgm:scene3d>
-      <a:camera prst="orthographicFront"/>
-      <a:lightRig rig="threePt" dir="t"/>
-    </dgm:scene3d>
-    <dgm:sp3d/>
-    <dgm:txPr/>
-    <dgm:style>
-      <a:lnRef idx="2">
-        <a:scrgbClr r="0" g="0" b="0"/>
-      </a:lnRef>
-      <a:fillRef idx="1">
-        <a:scrgbClr r="0" g="0" b="0"/>
-      </a:fillRef>
-      <a:effectRef idx="0">
-        <a:scrgbClr r="0" g="0" b="0"/>
-      </a:effectRef>
-      <a:fontRef idx="minor"/>
-    </dgm:style>
-  </dgm:styleLbl>
-  <dgm:styleLbl name="sibTrans2D1">
-    <dgm:scene3d>
-      <a:camera prst="orthographicFront"/>
-      <a:lightRig rig="threePt" dir="t"/>
-    </dgm:scene3d>
-    <dgm:sp3d/>
-    <dgm:txPr/>
-    <dgm:style>
-      <a:lnRef idx="0">
-        <a:scrgbClr r="0" g="0" b="0"/>
-      </a:lnRef>
-      <a:fillRef idx="1">
-        <a:scrgbClr r="0" g="0" b="0"/>
-      </a:fillRef>
-      <a:effectRef idx="0">
-        <a:scrgbClr r="0" g="0" b="0"/>
-      </a:effectRef>
-      <a:fontRef idx="minor">
-        <a:schemeClr val="lt1"/>
-      </a:fontRef>
-    </dgm:style>
-  </dgm:styleLbl>
-  <dgm:styleLbl name="fgSibTrans2D1">
-    <dgm:scene3d>
-      <a:camera prst="orthographicFront"/>
-      <a:lightRig rig="threePt" dir="t"/>
-    </dgm:scene3d>
-    <dgm:sp3d/>
-    <dgm:txPr/>
-    <dgm:style>
-      <a:lnRef idx="0">
-        <a:scrgbClr r="0" g="0" b="0"/>
-      </a:lnRef>
-      <a:fillRef idx="1">
-        <a:scrgbClr r="0" g="0" b="0"/>
-      </a:fillRef>
-      <a:effectRef idx="0">
-        <a:scrgbClr r="0" g="0" b="0"/>
-      </a:effectRef>
-      <a:fontRef idx="minor">
-        <a:schemeClr val="lt1"/>
-      </a:fontRef>
-    </dgm:style>
-  </dgm:styleLbl>
-  <dgm:styleLbl name="bgSibTrans2D1">
-    <dgm:scene3d>
-      <a:camera prst="orthographicFront"/>
-      <a:lightRig rig="threePt" dir="t"/>
-    </dgm:scene3d>
-    <dgm:sp3d/>
-    <dgm:txPr/>
-    <dgm:style>
-      <a:lnRef idx="0">
-        <a:scrgbClr r="0" g="0" b="0"/>
-      </a:lnRef>
-      <a:fillRef idx="1">
-        <a:scrgbClr r="0" g="0" b="0"/>
-      </a:fillRef>
-      <a:effectRef idx="0">
-        <a:scrgbClr r="0" g="0" b="0"/>
-      </a:effectRef>
-      <a:fontRef idx="minor">
-        <a:schemeClr val="lt1"/>
-      </a:fontRef>
-    </dgm:style>
-  </dgm:styleLbl>
-  <dgm:styleLbl name="sibTrans1D1">
-    <dgm:scene3d>
-      <a:camera prst="orthographicFront"/>
-      <a:lightRig rig="threePt" dir="t"/>
-    </dgm:scene3d>
-    <dgm:sp3d/>
-    <dgm:txPr/>
-    <dgm:style>
-      <a:lnRef idx="1">
-        <a:scrgbClr r="0" g="0" b="0"/>
-      </a:lnRef>
-      <a:fillRef idx="0">
-        <a:scrgbClr r="0" g="0" b="0"/>
-      </a:fillRef>
-      <a:effectRef idx="0">
-        <a:scrgbClr r="0" g="0" b="0"/>
-      </a:effectRef>
-      <a:fontRef idx="minor"/>
-    </dgm:style>
-  </dgm:styleLbl>
-  <dgm:styleLbl name="callout">
-    <dgm:scene3d>
-      <a:camera prst="orthographicFront"/>
-      <a:lightRig rig="threePt" dir="t"/>
-    </dgm:scene3d>
-    <dgm:sp3d/>
-    <dgm:txPr/>
-    <dgm:style>
-      <a:lnRef idx="2">
-        <a:scrgbClr r="0" g="0" b="0"/>
-      </a:lnRef>
-      <a:fillRef idx="1">
-        <a:scrgbClr r="0" g="0" b="0"/>
-      </a:fillRef>
-      <a:effectRef idx="0">
-        <a:scrgbClr r="0" g="0" b="0"/>
-      </a:effectRef>
-      <a:fontRef idx="minor"/>
-    </dgm:style>
-  </dgm:styleLbl>
-  <dgm:styleLbl name="asst0">
-    <dgm:scene3d>
-      <a:camera prst="orthographicFront"/>
-      <a:lightRig rig="threePt" dir="t"/>
-    </dgm:scene3d>
-    <dgm:sp3d/>
-    <dgm:txPr/>
-    <dgm:style>
-      <a:lnRef idx="2">
-        <a:scrgbClr r="0" g="0" b="0"/>
-      </a:lnRef>
-      <a:fillRef idx="1">
-        <a:scrgbClr r="0" g="0" b="0"/>
-      </a:fillRef>
-      <a:effectRef idx="0">
-        <a:scrgbClr r="0" g="0" b="0"/>
-      </a:effectRef>
-      <a:fontRef idx="minor">
-        <a:schemeClr val="lt1"/>
-      </a:fontRef>
-    </dgm:style>
-  </dgm:styleLbl>
-  <dgm:styleLbl name="asst1">
-    <dgm:scene3d>
-      <a:camera prst="orthographicFront"/>
-      <a:lightRig rig="threePt" dir="t"/>
-    </dgm:scene3d>
-    <dgm:sp3d/>
-    <dgm:txPr/>
-    <dgm:style>
-      <a:lnRef idx="2">
-        <a:scrgbClr r="0" g="0" b="0"/>
-      </a:lnRef>
-      <a:fillRef idx="1">
-        <a:scrgbClr r="0" g="0" b="0"/>
-      </a:fillRef>
-      <a:effectRef idx="0">
-        <a:scrgbClr r="0" g="0" b="0"/>
-      </a:effectRef>
-      <a:fontRef idx="minor">
-        <a:schemeClr val="lt1"/>
-      </a:fontRef>
-    </dgm:style>
-  </dgm:styleLbl>
-  <dgm:styleLbl name="asst2">
-    <dgm:scene3d>
-      <a:camera prst="orthographicFront"/>
-      <a:lightRig rig="threePt" dir="t"/>
-    </dgm:scene3d>
-    <dgm:sp3d/>
-    <dgm:txPr/>
-    <dgm:style>
-      <a:lnRef idx="2">
-        <a:scrgbClr r="0" g="0" b="0"/>
-      </a:lnRef>
-      <a:fillRef idx="1">
-        <a:scrgbClr r="0" g="0" b="0"/>
-      </a:fillRef>
-      <a:effectRef idx="0">
-        <a:scrgbClr r="0" g="0" b="0"/>
-      </a:effectRef>
-      <a:fontRef idx="minor">
-        <a:schemeClr val="lt1"/>
-      </a:fontRef>
-    </dgm:style>
-  </dgm:styleLbl>
-  <dgm:styleLbl name="asst3">
-    <dgm:scene3d>
-      <a:camera prst="orthographicFront"/>
-      <a:lightRig rig="threePt" dir="t"/>
-    </dgm:scene3d>
-    <dgm:sp3d/>
-    <dgm:txPr/>
-    <dgm:style>
-      <a:lnRef idx="2">
-        <a:scrgbClr r="0" g="0" b="0"/>
-      </a:lnRef>
-      <a:fillRef idx="1">
-        <a:scrgbClr r="0" g="0" b="0"/>
-      </a:fillRef>
-      <a:effectRef idx="0">
-        <a:scrgbClr r="0" g="0" b="0"/>
-      </a:effectRef>
-      <a:fontRef idx="minor">
-        <a:schemeClr val="lt1"/>
-      </a:fontRef>
-    </dgm:style>
-  </dgm:styleLbl>
-  <dgm:styleLbl name="asst4">
-    <dgm:scene3d>
-      <a:camera prst="orthographicFront"/>
-      <a:lightRig rig="threePt" dir="t"/>
-    </dgm:scene3d>
-    <dgm:sp3d/>
-    <dgm:txPr/>
-    <dgm:style>
-      <a:lnRef idx="2">
-        <a:scrgbClr r="0" g="0" b="0"/>
-      </a:lnRef>
-      <a:fillRef idx="1">
-        <a:scrgbClr r="0" g="0" b="0"/>
-      </a:fillRef>
-      <a:effectRef idx="0">
-        <a:scrgbClr r="0" g="0" b="0"/>
-      </a:effectRef>
-      <a:fontRef idx="minor">
-        <a:schemeClr val="lt1"/>
-      </a:fontRef>
-    </dgm:style>
-  </dgm:styleLbl>
-  <dgm:styleLbl name="parChTrans2D1">
-    <dgm:scene3d>
-      <a:camera prst="orthographicFront"/>
-      <a:lightRig rig="threePt" dir="t"/>
-    </dgm:scene3d>
-    <dgm:sp3d/>
-    <dgm:txPr/>
-    <dgm:style>
-      <a:lnRef idx="2">
-        <a:scrgbClr r="0" g="0" b="0"/>
-      </a:lnRef>
-      <a:fillRef idx="1">
-        <a:scrgbClr r="0" g="0" b="0"/>
-      </a:fillRef>
-      <a:effectRef idx="0">
-        <a:scrgbClr r="0" g="0" b="0"/>
-      </a:effectRef>
-      <a:fontRef idx="minor">
-        <a:schemeClr val="lt1"/>
-      </a:fontRef>
-    </dgm:style>
-  </dgm:styleLbl>
-  <dgm:styleLbl name="parChTrans2D2">
-    <dgm:scene3d>
-      <a:camera prst="orthographicFront"/>
-      <a:lightRig rig="threePt" dir="t"/>
-    </dgm:scene3d>
-    <dgm:sp3d/>
-    <dgm:txPr/>
-    <dgm:style>
-      <a:lnRef idx="2">
-        <a:scrgbClr r="0" g="0" b="0"/>
-      </a:lnRef>
-      <a:fillRef idx="1">
-        <a:scrgbClr r="0" g="0" b="0"/>
-      </a:fillRef>
-      <a:effectRef idx="0">
-        <a:scrgbClr r="0" g="0" b="0"/>
-      </a:effectRef>
-      <a:fontRef idx="minor">
-        <a:schemeClr val="lt1"/>
-      </a:fontRef>
-    </dgm:style>
-  </dgm:styleLbl>
-  <dgm:styleLbl name="parChTrans2D3">
-    <dgm:scene3d>
-      <a:camera prst="orthographicFront"/>
-      <a:lightRig rig="threePt" dir="t"/>
-    </dgm:scene3d>
-    <dgm:sp3d/>
-    <dgm:txPr/>
-    <dgm:style>
-      <a:lnRef idx="2">
-        <a:scrgbClr r="0" g="0" b="0"/>
-      </a:lnRef>
-      <a:fillRef idx="1">
-        <a:scrgbClr r="0" g="0" b="0"/>
-      </a:fillRef>
-      <a:effectRef idx="0">
-        <a:scrgbClr r="0" g="0" b="0"/>
-      </a:effectRef>
-      <a:fontRef idx="minor">
-        <a:schemeClr val="lt1"/>
-      </a:fontRef>
-    </dgm:style>
-  </dgm:styleLbl>
-  <dgm:styleLbl name="parChTrans2D4">
-    <dgm:scene3d>
-      <a:camera prst="orthographicFront"/>
-      <a:lightRig rig="threePt" dir="t"/>
-    </dgm:scene3d>
-    <dgm:sp3d/>
-    <dgm:txPr/>
-    <dgm:style>
-      <a:lnRef idx="2">
-        <a:scrgbClr r="0" g="0" b="0"/>
-      </a:lnRef>
-      <a:fillRef idx="1">
-        <a:scrgbClr r="0" g="0" b="0"/>
-      </a:fillRef>
-      <a:effectRef idx="0">
-        <a:scrgbClr r="0" g="0" b="0"/>
-      </a:effectRef>
-      <a:fontRef idx="minor">
-        <a:schemeClr val="lt1"/>
-      </a:fontRef>
-    </dgm:style>
-  </dgm:styleLbl>
-  <dgm:styleLbl name="parChTrans1D1">
-    <dgm:scene3d>
-      <a:camera prst="orthographicFront"/>
-      <a:lightRig rig="threePt" dir="t"/>
-    </dgm:scene3d>
-    <dgm:sp3d/>
-    <dgm:txPr/>
-    <dgm:style>
-      <a:lnRef idx="2">
-        <a:scrgbClr r="0" g="0" b="0"/>
-      </a:lnRef>
-      <a:fillRef idx="0">
-        <a:scrgbClr r="0" g="0" b="0"/>
-      </a:fillRef>
-      <a:effectRef idx="0">
-        <a:scrgbClr r="0" g="0" b="0"/>
-      </a:effectRef>
-      <a:fontRef idx="minor"/>
-    </dgm:style>
-  </dgm:styleLbl>
-  <dgm:styleLbl name="parChTrans1D2">
-    <dgm:scene3d>
-      <a:camera prst="orthographicFront"/>
-      <a:lightRig rig="threePt" dir="t"/>
-    </dgm:scene3d>
-    <dgm:sp3d/>
-    <dgm:txPr/>
-    <dgm:style>
-      <a:lnRef idx="2">
-        <a:scrgbClr r="0" g="0" b="0"/>
-      </a:lnRef>
-      <a:fillRef idx="0">
-        <a:scrgbClr r="0" g="0" b="0"/>
-      </a:fillRef>
-      <a:effectRef idx="0">
-        <a:scrgbClr r="0" g="0" b="0"/>
-      </a:effectRef>
-      <a:fontRef idx="minor"/>
-    </dgm:style>
-  </dgm:styleLbl>
-  <dgm:styleLbl name="parChTrans1D3">
-    <dgm:scene3d>
-      <a:camera prst="orthographicFront"/>
-      <a:lightRig rig="threePt" dir="t"/>
-    </dgm:scene3d>
-    <dgm:sp3d/>
-    <dgm:txPr/>
-    <dgm:style>
-      <a:lnRef idx="2">
-        <a:scrgbClr r="0" g="0" b="0"/>
-      </a:lnRef>
-      <a:fillRef idx="0">
-        <a:scrgbClr r="0" g="0" b="0"/>
-      </a:fillRef>
-      <a:effectRef idx="0">
-        <a:scrgbClr r="0" g="0" b="0"/>
-      </a:effectRef>
-      <a:fontRef idx="minor"/>
-    </dgm:style>
-  </dgm:styleLbl>
-  <dgm:styleLbl name="parChTrans1D4">
-    <dgm:scene3d>
-      <a:camera prst="orthographicFront"/>
-      <a:lightRig rig="threePt" dir="t"/>
-    </dgm:scene3d>
-    <dgm:sp3d/>
-    <dgm:txPr/>
-    <dgm:style>
-      <a:lnRef idx="2">
-        <a:scrgbClr r="0" g="0" b="0"/>
-      </a:lnRef>
-      <a:fillRef idx="0">
-        <a:scrgbClr r="0" g="0" b="0"/>
-      </a:fillRef>
-      <a:effectRef idx="0">
-        <a:scrgbClr r="0" g="0" b="0"/>
-      </a:effectRef>
-      <a:fontRef idx="minor"/>
-    </dgm:style>
-  </dgm:styleLbl>
-  <dgm:styleLbl name="fgAcc1">
-    <dgm:scene3d>
-      <a:camera prst="orthographicFront"/>
-      <a:lightRig rig="threePt" dir="t"/>
-    </dgm:scene3d>
-    <dgm:sp3d/>
-    <dgm:txPr/>
-    <dgm:style>
-      <a:lnRef idx="2">
-        <a:scrgbClr r="0" g="0" b="0"/>
-      </a:lnRef>
-      <a:fillRef idx="1">
-        <a:scrgbClr r="0" g="0" b="0"/>
-      </a:fillRef>
-      <a:effectRef idx="0">
-        <a:scrgbClr r="0" g="0" b="0"/>
-      </a:effectRef>
-      <a:fontRef idx="minor"/>
-    </dgm:style>
-  </dgm:styleLbl>
-  <dgm:styleLbl name="conFgAcc1">
-    <dgm:scene3d>
-      <a:camera prst="orthographicFront"/>
-      <a:lightRig rig="threePt" dir="t"/>
-    </dgm:scene3d>
-    <dgm:sp3d/>
-    <dgm:txPr/>
-    <dgm:style>
-      <a:lnRef idx="2">
-        <a:scrgbClr r="0" g="0" b="0"/>
-      </a:lnRef>
-      <a:fillRef idx="1">
-        <a:scrgbClr r="0" g="0" b="0"/>
-      </a:fillRef>
-      <a:effectRef idx="0">
-        <a:scrgbClr r="0" g="0" b="0"/>
-      </a:effectRef>
-      <a:fontRef idx="minor"/>
-    </dgm:style>
-  </dgm:styleLbl>
-  <dgm:styleLbl name="alignAcc1">
-    <dgm:scene3d>
-      <a:camera prst="orthographicFront"/>
-      <a:lightRig rig="threePt" dir="t"/>
-    </dgm:scene3d>
-    <dgm:sp3d/>
-    <dgm:txPr/>
-    <dgm:style>
-      <a:lnRef idx="2">
-        <a:scrgbClr r="0" g="0" b="0"/>
-      </a:lnRef>
-      <a:fillRef idx="1">
-        <a:scrgbClr r="0" g="0" b="0"/>
-      </a:fillRef>
-      <a:effectRef idx="0">
-        <a:scrgbClr r="0" g="0" b="0"/>
-      </a:effectRef>
-      <a:fontRef idx="minor"/>
-    </dgm:style>
-  </dgm:styleLbl>
-  <dgm:styleLbl name="trAlignAcc1">
-    <dgm:scene3d>
-      <a:camera prst="orthographicFront"/>
-      <a:lightRig rig="threePt" dir="t"/>
-    </dgm:scene3d>
-    <dgm:sp3d/>
-    <dgm:txPr/>
-    <dgm:style>
-      <a:lnRef idx="1">
-        <a:scrgbClr r="0" g="0" b="0"/>
-      </a:lnRef>
-      <a:fillRef idx="1">
-        <a:scrgbClr r="0" g="0" b="0"/>
-      </a:fillRef>
-      <a:effectRef idx="0">
-        <a:scrgbClr r="0" g="0" b="0"/>
-      </a:effectRef>
-      <a:fontRef idx="minor"/>
-    </dgm:style>
-  </dgm:styleLbl>
-  <dgm:styleLbl name="bgAcc1">
-    <dgm:scene3d>
-      <a:camera prst="orthographicFront"/>
-      <a:lightRig rig="threePt" dir="t"/>
-    </dgm:scene3d>
-    <dgm:sp3d/>
-    <dgm:txPr/>
-    <dgm:style>
-      <a:lnRef idx="2">
-        <a:scrgbClr r="0" g="0" b="0"/>
-      </a:lnRef>
-      <a:fillRef idx="1">
-        <a:scrgbClr r="0" g="0" b="0"/>
-      </a:fillRef>
-      <a:effectRef idx="0">
-        <a:scrgbClr r="0" g="0" b="0"/>
-      </a:effectRef>
-      <a:fontRef idx="minor"/>
-    </dgm:style>
-  </dgm:styleLbl>
-  <dgm:styleLbl name="solidFgAcc1">
-    <dgm:scene3d>
-      <a:camera prst="orthographicFront"/>
-      <a:lightRig rig="threePt" dir="t"/>
-    </dgm:scene3d>
-    <dgm:sp3d/>
-    <dgm:txPr/>
-    <dgm:style>
-      <a:lnRef idx="2">
-        <a:scrgbClr r="0" g="0" b="0"/>
-      </a:lnRef>
-      <a:fillRef idx="1">
-        <a:scrgbClr r="0" g="0" b="0"/>
-      </a:fillRef>
-      <a:effectRef idx="0">
-        <a:scrgbClr r="0" g="0" b="0"/>
-      </a:effectRef>
-      <a:fontRef idx="minor"/>
-    </dgm:style>
-  </dgm:styleLbl>
-  <dgm:styleLbl name="solidAlignAcc1">
-    <dgm:scene3d>
-      <a:camera prst="orthographicFront"/>
-      <a:lightRig rig="threePt" dir="t"/>
-    </dgm:scene3d>
-    <dgm:sp3d/>
-    <dgm:txPr/>
-    <dgm:style>
-      <a:lnRef idx="2">
-        <a:scrgbClr r="0" g="0" b="0"/>
-      </a:lnRef>
-      <a:fillRef idx="1">
-        <a:scrgbClr r="0" g="0" b="0"/>
-      </a:fillRef>
-      <a:effectRef idx="0">
-        <a:scrgbClr r="0" g="0" b="0"/>
-      </a:effectRef>
-      <a:fontRef idx="minor"/>
-    </dgm:style>
-  </dgm:styleLbl>
-  <dgm:styleLbl name="solidBgAcc1">
-    <dgm:scene3d>
-      <a:camera prst="orthographicFront"/>
-      <a:lightRig rig="threePt" dir="t"/>
-    </dgm:scene3d>
-    <dgm:sp3d/>
-    <dgm:txPr/>
-    <dgm:style>
-      <a:lnRef idx="2">
-        <a:scrgbClr r="0" g="0" b="0"/>
-      </a:lnRef>
-      <a:fillRef idx="1">
-        <a:scrgbClr r="0" g="0" b="0"/>
-      </a:fillRef>
-      <a:effectRef idx="0">
-        <a:scrgbClr r="0" g="0" b="0"/>
-      </a:effectRef>
-      <a:fontRef idx="minor"/>
-    </dgm:style>
-  </dgm:styleLbl>
-  <dgm:styleLbl name="fgAccFollowNode1">
-    <dgm:scene3d>
-      <a:camera prst="orthographicFront"/>
-      <a:lightRig rig="threePt" dir="t"/>
-    </dgm:scene3d>
-    <dgm:sp3d/>
-    <dgm:txPr/>
-    <dgm:style>
-      <a:lnRef idx="2">
-        <a:scrgbClr r="0" g="0" b="0"/>
-      </a:lnRef>
-      <a:fillRef idx="1">
-        <a:scrgbClr r="0" g="0" b="0"/>
-      </a:fillRef>
-      <a:effectRef idx="0">
-        <a:scrgbClr r="0" g="0" b="0"/>
-      </a:effectRef>
-      <a:fontRef idx="minor"/>
-    </dgm:style>
-  </dgm:styleLbl>
-  <dgm:styleLbl name="alignAccFollowNode1">
-    <dgm:scene3d>
-      <a:camera prst="orthographicFront"/>
-      <a:lightRig rig="threePt" dir="t"/>
-    </dgm:scene3d>
-    <dgm:sp3d/>
-    <dgm:txPr/>
-    <dgm:style>
-      <a:lnRef idx="2">
-        <a:scrgbClr r="0" g="0" b="0"/>
-      </a:lnRef>
-      <a:fillRef idx="1">
-        <a:scrgbClr r="0" g="0" b="0"/>
-      </a:fillRef>
-      <a:effectRef idx="0">
-        <a:scrgbClr r="0" g="0" b="0"/>
-      </a:effectRef>
-      <a:fontRef idx="minor"/>
-    </dgm:style>
-  </dgm:styleLbl>
-  <dgm:styleLbl name="bgAccFollowNode1">
-    <dgm:scene3d>
-      <a:camera prst="orthographicFront"/>
-      <a:lightRig rig="threePt" dir="t"/>
-    </dgm:scene3d>
-    <dgm:sp3d/>
-    <dgm:txPr/>
-    <dgm:style>
-      <a:lnRef idx="2">
-        <a:scrgbClr r="0" g="0" b="0"/>
-      </a:lnRef>
-      <a:fillRef idx="1">
-        <a:scrgbClr r="0" g="0" b="0"/>
-      </a:fillRef>
-      <a:effectRef idx="0">
-        <a:scrgbClr r="0" g="0" b="0"/>
-      </a:effectRef>
-      <a:fontRef idx="minor"/>
-    </dgm:style>
-  </dgm:styleLbl>
-  <dgm:styleLbl name="fgAcc0">
-    <dgm:scene3d>
-      <a:camera prst="orthographicFront"/>
-      <a:lightRig rig="threePt" dir="t"/>
-    </dgm:scene3d>
-    <dgm:sp3d/>
-    <dgm:txPr/>
-    <dgm:style>
-      <a:lnRef idx="2">
-        <a:scrgbClr r="0" g="0" b="0"/>
-      </a:lnRef>
-      <a:fillRef idx="1">
-        <a:scrgbClr r="0" g="0" b="0"/>
-      </a:fillRef>
-      <a:effectRef idx="0">
-        <a:scrgbClr r="0" g="0" b="0"/>
-      </a:effectRef>
-      <a:fontRef idx="minor"/>
-    </dgm:style>
-  </dgm:styleLbl>
-  <dgm:styleLbl name="fgAcc2">
-    <dgm:scene3d>
-      <a:camera prst="orthographicFront"/>
-      <a:lightRig rig="threePt" dir="t"/>
-    </dgm:scene3d>
-    <dgm:sp3d/>
-    <dgm:txPr/>
-    <dgm:style>
-      <a:lnRef idx="2">
-        <a:scrgbClr r="0" g="0" b="0"/>
-      </a:lnRef>
-      <a:fillRef idx="1">
-        <a:scrgbClr r="0" g="0" b="0"/>
-      </a:fillRef>
-      <a:effectRef idx="0">
-        <a:scrgbClr r="0" g="0" b="0"/>
-      </a:effectRef>
-      <a:fontRef idx="minor"/>
-    </dgm:style>
-  </dgm:styleLbl>
-  <dgm:styleLbl name="fgAcc3">
-    <dgm:scene3d>
-      <a:camera prst="orthographicFront"/>
-      <a:lightRig rig="threePt" dir="t"/>
-    </dgm:scene3d>
-    <dgm:sp3d/>
-    <dgm:txPr/>
-    <dgm:style>
-      <a:lnRef idx="2">
-        <a:scrgbClr r="0" g="0" b="0"/>
-      </a:lnRef>
-      <a:fillRef idx="1">
-        <a:scrgbClr r="0" g="0" b="0"/>
-      </a:fillRef>
-      <a:effectRef idx="0">
-        <a:scrgbClr r="0" g="0" b="0"/>
-      </a:effectRef>
-      <a:fontRef idx="minor"/>
-    </dgm:style>
-  </dgm:styleLbl>
-  <dgm:styleLbl name="fgAcc4">
-    <dgm:scene3d>
-      <a:camera prst="orthographicFront"/>
-      <a:lightRig rig="threePt" dir="t"/>
-    </dgm:scene3d>
-    <dgm:sp3d/>
-    <dgm:txPr/>
-    <dgm:style>
-      <a:lnRef idx="2">
-        <a:scrgbClr r="0" g="0" b="0"/>
-      </a:lnRef>
-      <a:fillRef idx="1">
-        <a:scrgbClr r="0" g="0" b="0"/>
-      </a:fillRef>
-      <a:effectRef idx="0">
-        <a:scrgbClr r="0" g="0" b="0"/>
-      </a:effectRef>
-      <a:fontRef idx="minor"/>
-    </dgm:style>
-  </dgm:styleLbl>
-  <dgm:styleLbl name="bgShp">
-    <dgm:scene3d>
-      <a:camera prst="orthographicFront"/>
-      <a:lightRig rig="threePt" dir="t"/>
-    </dgm:scene3d>
-    <dgm:sp3d/>
-    <dgm:txPr/>
-    <dgm:style>
-      <a:lnRef idx="0">
-        <a:scrgbClr r="0" g="0" b="0"/>
-      </a:lnRef>
-      <a:fillRef idx="1">
-        <a:scrgbClr r="0" g="0" b="0"/>
-      </a:fillRef>
-      <a:effectRef idx="0">
-        <a:scrgbClr r="0" g="0" b="0"/>
-      </a:effectRef>
-      <a:fontRef idx="minor"/>
-    </dgm:style>
-  </dgm:styleLbl>
-  <dgm:styleLbl name="dkBgShp">
-    <dgm:scene3d>
-      <a:camera prst="orthographicFront"/>
-      <a:lightRig rig="threePt" dir="t"/>
-    </dgm:scene3d>
-    <dgm:sp3d/>
-    <dgm:txPr/>
-    <dgm:style>
-      <a:lnRef idx="0">
-        <a:scrgbClr r="0" g="0" b="0"/>
-      </a:lnRef>
-      <a:fillRef idx="1">
-        <a:scrgbClr r="0" g="0" b="0"/>
-      </a:fillRef>
-      <a:effectRef idx="0">
-        <a:scrgbClr r="0" g="0" b="0"/>
-      </a:effectRef>
-      <a:fontRef idx="minor"/>
-    </dgm:style>
-  </dgm:styleLbl>
-  <dgm:styleLbl name="trBgShp">
-    <dgm:scene3d>
-      <a:camera prst="orthographicFront"/>
-      <a:lightRig rig="threePt" dir="t"/>
-    </dgm:scene3d>
-    <dgm:sp3d/>
-    <dgm:txPr/>
-    <dgm:style>
-      <a:lnRef idx="0">
-        <a:scrgbClr r="0" g="0" b="0"/>
-      </a:lnRef>
-      <a:fillRef idx="1">
-        <a:scrgbClr r="0" g="0" b="0"/>
-      </a:fillRef>
-      <a:effectRef idx="0">
-        <a:scrgbClr r="0" g="0" b="0"/>
-      </a:effectRef>
-      <a:fontRef idx="minor"/>
-    </dgm:style>
-  </dgm:styleLbl>
-  <dgm:styleLbl name="fgShp">
-    <dgm:scene3d>
-      <a:camera prst="orthographicFront"/>
-      <a:lightRig rig="threePt" dir="t"/>
-    </dgm:scene3d>
-    <dgm:sp3d/>
-    <dgm:txPr/>
-    <dgm:style>
-      <a:lnRef idx="2">
-        <a:scrgbClr r="0" g="0" b="0"/>
-      </a:lnRef>
-      <a:fillRef idx="1">
-        <a:scrgbClr r="0" g="0" b="0"/>
-      </a:fillRef>
-      <a:effectRef idx="0">
-        <a:scrgbClr r="0" g="0" b="0"/>
-      </a:effectRef>
-      <a:fontRef idx="minor"/>
-    </dgm:style>
-  </dgm:styleLbl>
-  <dgm:styleLbl name="revTx">
-    <dgm:scene3d>
-      <a:camera prst="orthographicFront"/>
-      <a:lightRig rig="threePt" dir="t"/>
-    </dgm:scene3d>
-    <dgm:sp3d/>
-    <dgm:txPr/>
-    <dgm:style>
-      <a:lnRef idx="0">
-        <a:scrgbClr r="0" g="0" b="0"/>
-      </a:lnRef>
-      <a:fillRef idx="0">
-        <a:scrgbClr r="0" g="0" b="0"/>
-      </a:fillRef>
-      <a:effectRef idx="0">
-        <a:scrgbClr r="0" g="0" b="0"/>
-      </a:effectRef>
-      <a:fontRef idx="minor"/>
-    </dgm:style>
-  </dgm:styleLbl>
-</dgm:styleDef>
-</file>
-
 <file path=ppt/notesMasters/notesMaster1.xml><?xml version="1.0" encoding="utf-8"?>
 <p:notesMaster xmlns:a="http://schemas.openxmlformats.org/drawingml/2006/main" xmlns:r="http://schemas.openxmlformats.org/officeDocument/2006/relationships" xmlns:p="http://schemas.openxmlformats.org/presentationml/2006/main">
   <p:cSld>
@@ -12472,7 +9291,7 @@
           <a:p>
             <a:fld id="{0940B6BF-36C2-FE40-9D87-74A6571A2F6B}" type="datetimeFigureOut">
               <a:rPr lang="en-US" smtClean="0"/>
-              <a:t>9/22/22</a:t>
+              <a:t>9/16/24</a:t>
             </a:fld>
             <a:endParaRPr lang="en-US"/>
           </a:p>
@@ -13461,7 +10280,7 @@
           <a:p>
             <a:fld id="{170D5C3A-A955-5A40-9462-01A264051331}" type="datetimeFigureOut">
               <a:rPr lang="en-US" smtClean="0"/>
-              <a:t>9/22/22</a:t>
+              <a:t>9/16/24</a:t>
             </a:fld>
             <a:endParaRPr lang="en-US"/>
           </a:p>
@@ -13712,7 +10531,7 @@
           <a:p>
             <a:fld id="{170D5C3A-A955-5A40-9462-01A264051331}" type="datetimeFigureOut">
               <a:rPr lang="en-US" smtClean="0"/>
-              <a:t>9/22/22</a:t>
+              <a:t>9/16/24</a:t>
             </a:fld>
             <a:endParaRPr lang="en-US"/>
           </a:p>
@@ -14026,7 +10845,7 @@
           <a:p>
             <a:fld id="{170D5C3A-A955-5A40-9462-01A264051331}" type="datetimeFigureOut">
               <a:rPr lang="en-US" smtClean="0"/>
-              <a:t>9/22/22</a:t>
+              <a:t>9/16/24</a:t>
             </a:fld>
             <a:endParaRPr lang="en-US"/>
           </a:p>
@@ -14367,7 +11186,7 @@
           <a:p>
             <a:fld id="{170D5C3A-A955-5A40-9462-01A264051331}" type="datetimeFigureOut">
               <a:rPr lang="en-US" smtClean="0"/>
-              <a:t>9/22/22</a:t>
+              <a:t>9/16/24</a:t>
             </a:fld>
             <a:endParaRPr lang="en-US"/>
           </a:p>
@@ -14681,7 +11500,7 @@
           <a:p>
             <a:fld id="{170D5C3A-A955-5A40-9462-01A264051331}" type="datetimeFigureOut">
               <a:rPr lang="en-US" smtClean="0"/>
-              <a:t>9/22/22</a:t>
+              <a:t>9/16/24</a:t>
             </a:fld>
             <a:endParaRPr lang="en-US"/>
           </a:p>
@@ -15074,7 +11893,7 @@
           <a:p>
             <a:fld id="{170D5C3A-A955-5A40-9462-01A264051331}" type="datetimeFigureOut">
               <a:rPr lang="en-US" smtClean="0"/>
-              <a:t>9/22/22</a:t>
+              <a:t>9/16/24</a:t>
             </a:fld>
             <a:endParaRPr lang="en-US"/>
           </a:p>
@@ -15244,7 +12063,7 @@
           <a:p>
             <a:fld id="{170D5C3A-A955-5A40-9462-01A264051331}" type="datetimeFigureOut">
               <a:rPr lang="en-US" smtClean="0"/>
-              <a:t>9/22/22</a:t>
+              <a:t>9/16/24</a:t>
             </a:fld>
             <a:endParaRPr lang="en-US"/>
           </a:p>
@@ -15424,7 +12243,7 @@
           <a:p>
             <a:fld id="{170D5C3A-A955-5A40-9462-01A264051331}" type="datetimeFigureOut">
               <a:rPr lang="en-US" smtClean="0"/>
-              <a:t>9/22/22</a:t>
+              <a:t>9/16/24</a:t>
             </a:fld>
             <a:endParaRPr lang="en-US"/>
           </a:p>
@@ -15600,7 +12419,7 @@
           <a:p>
             <a:fld id="{170D5C3A-A955-5A40-9462-01A264051331}" type="datetimeFigureOut">
               <a:rPr lang="en-US" smtClean="0"/>
-              <a:t>9/22/22</a:t>
+              <a:t>9/16/24</a:t>
             </a:fld>
             <a:endParaRPr lang="en-US"/>
           </a:p>
@@ -15847,7 +12666,7 @@
           <a:p>
             <a:fld id="{170D5C3A-A955-5A40-9462-01A264051331}" type="datetimeFigureOut">
               <a:rPr lang="en-US" smtClean="0"/>
-              <a:t>9/22/22</a:t>
+              <a:t>9/16/24</a:t>
             </a:fld>
             <a:endParaRPr lang="en-US"/>
           </a:p>
@@ -16079,7 +12898,7 @@
           <a:p>
             <a:fld id="{170D5C3A-A955-5A40-9462-01A264051331}" type="datetimeFigureOut">
               <a:rPr lang="en-US" smtClean="0"/>
-              <a:t>9/22/22</a:t>
+              <a:t>9/16/24</a:t>
             </a:fld>
             <a:endParaRPr lang="en-US"/>
           </a:p>
@@ -16453,7 +13272,7 @@
           <a:p>
             <a:fld id="{170D5C3A-A955-5A40-9462-01A264051331}" type="datetimeFigureOut">
               <a:rPr lang="en-US" smtClean="0"/>
-              <a:t>9/22/22</a:t>
+              <a:t>9/16/24</a:t>
             </a:fld>
             <a:endParaRPr lang="en-US"/>
           </a:p>
@@ -16576,7 +13395,7 @@
           <a:p>
             <a:fld id="{170D5C3A-A955-5A40-9462-01A264051331}" type="datetimeFigureOut">
               <a:rPr lang="en-US" smtClean="0"/>
-              <a:t>9/22/22</a:t>
+              <a:t>9/16/24</a:t>
             </a:fld>
             <a:endParaRPr lang="en-US"/>
           </a:p>
@@ -16671,7 +13490,7 @@
           <a:p>
             <a:fld id="{170D5C3A-A955-5A40-9462-01A264051331}" type="datetimeFigureOut">
               <a:rPr lang="en-US" smtClean="0"/>
-              <a:t>9/22/22</a:t>
+              <a:t>9/16/24</a:t>
             </a:fld>
             <a:endParaRPr lang="en-US"/>
           </a:p>
@@ -16926,7 +13745,7 @@
           <a:p>
             <a:fld id="{170D5C3A-A955-5A40-9462-01A264051331}" type="datetimeFigureOut">
               <a:rPr lang="en-US" smtClean="0"/>
-              <a:t>9/22/22</a:t>
+              <a:t>9/16/24</a:t>
             </a:fld>
             <a:endParaRPr lang="en-US"/>
           </a:p>
@@ -17189,7 +14008,7 @@
           <a:p>
             <a:fld id="{170D5C3A-A955-5A40-9462-01A264051331}" type="datetimeFigureOut">
               <a:rPr lang="en-US" smtClean="0"/>
-              <a:t>9/22/22</a:t>
+              <a:t>9/16/24</a:t>
             </a:fld>
             <a:endParaRPr lang="en-US"/>
           </a:p>
@@ -17932,7 +14751,7 @@
           <a:p>
             <a:fld id="{170D5C3A-A955-5A40-9462-01A264051331}" type="datetimeFigureOut">
               <a:rPr lang="en-US" smtClean="0"/>
-              <a:t>9/22/22</a:t>
+              <a:t>9/16/24</a:t>
             </a:fld>
             <a:endParaRPr lang="en-US"/>
           </a:p>
@@ -18558,6 +15377,13 @@
             <a:schemeClr val="lt1"/>
           </a:fontRef>
         </p:style>
+        <p:txBody>
+          <a:bodyPr/>
+          <a:lstStyle/>
+          <a:p>
+            <a:endParaRPr lang="en-US"/>
+          </a:p>
+        </p:txBody>
       </p:sp>
       <p:sp>
         <p:nvSpPr>
@@ -18812,6 +15638,13 @@
             <a:schemeClr val="lt1"/>
           </a:fontRef>
         </p:style>
+        <p:txBody>
+          <a:bodyPr/>
+          <a:lstStyle/>
+          <a:p>
+            <a:endParaRPr lang="en-US"/>
+          </a:p>
+        </p:txBody>
       </p:sp>
       <p:sp>
         <p:nvSpPr>
@@ -18892,6 +15725,13 @@
             <a:schemeClr val="lt1"/>
           </a:fontRef>
         </p:style>
+        <p:txBody>
+          <a:bodyPr/>
+          <a:lstStyle/>
+          <a:p>
+            <a:endParaRPr lang="en-US"/>
+          </a:p>
+        </p:txBody>
       </p:sp>
       <p:sp>
         <p:nvSpPr>
@@ -18950,6 +15790,13 @@
             <a:schemeClr val="lt1"/>
           </a:fontRef>
         </p:style>
+        <p:txBody>
+          <a:bodyPr/>
+          <a:lstStyle/>
+          <a:p>
+            <a:endParaRPr lang="en-US"/>
+          </a:p>
+        </p:txBody>
       </p:sp>
       <p:sp>
         <p:nvSpPr>
@@ -19104,6 +15951,13 @@
             <a:schemeClr val="lt1"/>
           </a:fontRef>
         </p:style>
+        <p:txBody>
+          <a:bodyPr/>
+          <a:lstStyle/>
+          <a:p>
+            <a:endParaRPr lang="en-US"/>
+          </a:p>
+        </p:txBody>
       </p:sp>
       <p:sp>
         <p:nvSpPr>
@@ -19186,6 +16040,13 @@
             <a:schemeClr val="lt1"/>
           </a:fontRef>
         </p:style>
+        <p:txBody>
+          <a:bodyPr/>
+          <a:lstStyle/>
+          <a:p>
+            <a:endParaRPr lang="en-US"/>
+          </a:p>
+        </p:txBody>
       </p:sp>
       <p:sp>
         <p:nvSpPr>
@@ -19266,6 +16127,13 @@
             <a:schemeClr val="lt1"/>
           </a:fontRef>
         </p:style>
+        <p:txBody>
+          <a:bodyPr/>
+          <a:lstStyle/>
+          <a:p>
+            <a:endParaRPr lang="en-US"/>
+          </a:p>
+        </p:txBody>
       </p:sp>
       <p:sp>
         <p:nvSpPr>
@@ -19324,6 +16192,13 @@
             <a:schemeClr val="lt1"/>
           </a:fontRef>
         </p:style>
+        <p:txBody>
+          <a:bodyPr/>
+          <a:lstStyle/>
+          <a:p>
+            <a:endParaRPr lang="en-US"/>
+          </a:p>
+        </p:txBody>
       </p:sp>
     </p:spTree>
     <p:extLst>
@@ -19670,6 +16545,13 @@
               <a:schemeClr val="lt1"/>
             </a:fontRef>
           </p:style>
+          <p:txBody>
+            <a:bodyPr/>
+            <a:lstStyle/>
+            <a:p>
+              <a:endParaRPr lang="en-US"/>
+            </a:p>
+          </p:txBody>
         </p:sp>
         <p:sp>
           <p:nvSpPr>
@@ -19748,6 +16630,13 @@
               <a:schemeClr val="lt1"/>
             </a:fontRef>
           </p:style>
+          <p:txBody>
+            <a:bodyPr/>
+            <a:lstStyle/>
+            <a:p>
+              <a:endParaRPr lang="en-US"/>
+            </a:p>
+          </p:txBody>
         </p:sp>
         <p:sp>
           <p:nvSpPr>
@@ -19804,6 +16693,13 @@
               <a:schemeClr val="lt1"/>
             </a:fontRef>
           </p:style>
+          <p:txBody>
+            <a:bodyPr/>
+            <a:lstStyle/>
+            <a:p>
+              <a:endParaRPr lang="en-US"/>
+            </a:p>
+          </p:txBody>
         </p:sp>
         <p:sp>
           <p:nvSpPr>
@@ -19883,6 +16779,13 @@
               <a:schemeClr val="lt1"/>
             </a:fontRef>
           </p:style>
+          <p:txBody>
+            <a:bodyPr/>
+            <a:lstStyle/>
+            <a:p>
+              <a:endParaRPr lang="en-US"/>
+            </a:p>
+          </p:txBody>
         </p:sp>
         <p:sp>
           <p:nvSpPr>
@@ -19963,6 +16866,13 @@
               <a:schemeClr val="lt1"/>
             </a:fontRef>
           </p:style>
+          <p:txBody>
+            <a:bodyPr/>
+            <a:lstStyle/>
+            <a:p>
+              <a:endParaRPr lang="en-US"/>
+            </a:p>
+          </p:txBody>
         </p:sp>
         <p:sp>
           <p:nvSpPr>
@@ -20041,6 +16951,13 @@
               <a:schemeClr val="lt1"/>
             </a:fontRef>
           </p:style>
+          <p:txBody>
+            <a:bodyPr/>
+            <a:lstStyle/>
+            <a:p>
+              <a:endParaRPr lang="en-US"/>
+            </a:p>
+          </p:txBody>
         </p:sp>
         <p:sp>
           <p:nvSpPr>
@@ -20097,6 +17014,13 @@
               <a:schemeClr val="lt1"/>
             </a:fontRef>
           </p:style>
+          <p:txBody>
+            <a:bodyPr/>
+            <a:lstStyle/>
+            <a:p>
+              <a:endParaRPr lang="en-US"/>
+            </a:p>
+          </p:txBody>
         </p:sp>
       </p:grpSp>
       <p:sp>
@@ -20175,7 +17099,7 @@
             <p:ph idx="1"/>
             <p:extLst>
               <p:ext uri="{D42A27DB-BD31-4B8C-83A1-F6EECF244321}">
-                <p14:modId xmlns:p14="http://schemas.microsoft.com/office/powerpoint/2010/main" val="1338778397"/>
+                <p14:modId xmlns:p14="http://schemas.microsoft.com/office/powerpoint/2010/main" val="1959931362"/>
               </p:ext>
             </p:extLst>
           </p:nvPr>
@@ -20380,6 +17304,13 @@
             <a:schemeClr val="lt1"/>
           </a:fontRef>
         </p:style>
+        <p:txBody>
+          <a:bodyPr/>
+          <a:lstStyle/>
+          <a:p>
+            <a:endParaRPr lang="en-US"/>
+          </a:p>
+        </p:txBody>
       </p:sp>
       <p:sp>
         <p:nvSpPr>
@@ -20438,6 +17369,13 @@
             <a:schemeClr val="lt1"/>
           </a:fontRef>
         </p:style>
+        <p:txBody>
+          <a:bodyPr/>
+          <a:lstStyle/>
+          <a:p>
+            <a:endParaRPr lang="en-US"/>
+          </a:p>
+        </p:txBody>
       </p:sp>
       <p:graphicFrame>
         <p:nvGraphicFramePr>
@@ -20455,7 +17393,7 @@
             <p:ph idx="1"/>
             <p:extLst>
               <p:ext uri="{D42A27DB-BD31-4B8C-83A1-F6EECF244321}">
-                <p14:modId xmlns:p14="http://schemas.microsoft.com/office/powerpoint/2010/main" val="1616956450"/>
+                <p14:modId xmlns:p14="http://schemas.microsoft.com/office/powerpoint/2010/main" val="2825285919"/>
               </p:ext>
             </p:extLst>
           </p:nvPr>
@@ -20513,7 +17451,7 @@
           <p:cNvPr id="8" name="Rectangle 7">
             <a:extLst>
               <a:ext uri="{FF2B5EF4-FFF2-40B4-BE49-F238E27FC236}">
-                <a16:creationId xmlns:a16="http://schemas.microsoft.com/office/drawing/2014/main" id="{A65AC7D1-EAA9-48F5-B509-60A7F50BF703}"/>
+                <a16:creationId xmlns:a16="http://schemas.microsoft.com/office/drawing/2014/main" id="{86C16C40-7C29-4ACC-B851-7E08E459B596}"/>
               </a:ext>
               <a:ext uri="{C183D7F6-B498-43B3-948B-1728B52AA6E4}">
                 <adec:decorative xmlns:adec="http://schemas.microsoft.com/office/drawing/2017/decorative" val="1"/>
@@ -20563,17 +17501,1216 @@
           <a:bodyPr rtlCol="0" anchor="ctr"/>
           <a:lstStyle/>
           <a:p>
-            <a:pPr algn="ctr"/>
+            <a:pPr marL="0" marR="0" lvl="0" indent="0" algn="ctr" defTabSz="914400" rtl="0" eaLnBrk="1" fontAlgn="auto" latinLnBrk="0" hangingPunct="1">
+              <a:lnSpc>
+                <a:spcPct val="100000"/>
+              </a:lnSpc>
+              <a:spcBef>
+                <a:spcPts val="0"/>
+              </a:spcBef>
+              <a:spcAft>
+                <a:spcPts val="0"/>
+              </a:spcAft>
+              <a:buClrTx/>
+              <a:buSzTx/>
+              <a:buFontTx/>
+              <a:buNone/>
+              <a:tabLst/>
+              <a:defRPr/>
+            </a:pPr>
+            <a:endParaRPr kumimoji="0" lang="en-US" sz="1800" b="0" i="0" u="none" strike="noStrike" kern="1200" cap="none" spc="0" normalizeH="0" baseline="0" noProof="0">
+              <a:ln>
+                <a:noFill/>
+              </a:ln>
+              <a:solidFill>
+                <a:prstClr val="white"/>
+              </a:solidFill>
+              <a:effectLst/>
+              <a:uLnTx/>
+              <a:uFillTx/>
+              <a:latin typeface="Trebuchet MS" panose="020B0603020202020204"/>
+              <a:ea typeface="+mn-ea"/>
+              <a:cs typeface="+mn-cs"/>
+            </a:endParaRPr>
+          </a:p>
+        </p:txBody>
+      </p:sp>
+      <p:grpSp>
+        <p:nvGrpSpPr>
+          <p:cNvPr id="10" name="Group 9">
+            <a:extLst>
+              <a:ext uri="{FF2B5EF4-FFF2-40B4-BE49-F238E27FC236}">
+                <a16:creationId xmlns:a16="http://schemas.microsoft.com/office/drawing/2014/main" id="{CDD733AE-DD5E-4C77-8BCD-72BF12A06BB1}"/>
+              </a:ext>
+              <a:ext uri="{C183D7F6-B498-43B3-948B-1728B52AA6E4}">
+                <adec:decorative xmlns:adec="http://schemas.microsoft.com/office/drawing/2017/decorative" val="1"/>
+              </a:ext>
+            </a:extLst>
+          </p:cNvPr>
+          <p:cNvGrpSpPr>
+            <a:grpSpLocks noGrp="1" noUngrp="1" noRot="1" noChangeAspect="1" noMove="1" noResize="1"/>
+          </p:cNvGrpSpPr>
+          <p:nvPr>
+            <p:extLst>
+              <p:ext uri="{386F3935-93C4-4BCD-93E2-E3B085C9AB24}">
+                <p16:designElem xmlns:p16="http://schemas.microsoft.com/office/powerpoint/2015/main" val="1"/>
+              </p:ext>
+            </p:extLst>
+          </p:nvPr>
+        </p:nvGrpSpPr>
+        <p:grpSpPr>
+          <a:xfrm>
+            <a:off x="0" y="-8467"/>
+            <a:ext cx="12192000" cy="6866467"/>
+            <a:chOff x="0" y="-8467"/>
+            <a:chExt cx="12192000" cy="6866467"/>
+          </a:xfrm>
+        </p:grpSpPr>
+        <p:cxnSp>
+          <p:nvCxnSpPr>
+            <p:cNvPr id="11" name="Straight Connector 10">
+              <a:extLst>
+                <a:ext uri="{FF2B5EF4-FFF2-40B4-BE49-F238E27FC236}">
+                  <a16:creationId xmlns:a16="http://schemas.microsoft.com/office/drawing/2014/main" id="{51DE90A4-932E-4370-BA07-30F43254C01B}"/>
+                </a:ext>
+                <a:ext uri="{C183D7F6-B498-43B3-948B-1728B52AA6E4}">
+                  <adec:decorative xmlns:adec="http://schemas.microsoft.com/office/drawing/2017/decorative" val="1"/>
+                </a:ext>
+              </a:extLst>
+            </p:cNvPr>
+            <p:cNvCxnSpPr/>
+            <p:nvPr>
+              <p:extLst>
+                <p:ext uri="{386F3935-93C4-4BCD-93E2-E3B085C9AB24}">
+                  <p16:designElem xmlns:p16="http://schemas.microsoft.com/office/powerpoint/2015/main" val="1"/>
+                </p:ext>
+              </p:extLst>
+            </p:nvPr>
+          </p:nvCxnSpPr>
+          <p:spPr>
+            <a:xfrm>
+              <a:off x="9371012" y="0"/>
+              <a:ext cx="1219200" cy="6858000"/>
+            </a:xfrm>
+            <a:prstGeom prst="line">
+              <a:avLst/>
+            </a:prstGeom>
+            <a:ln w="9525">
+              <a:solidFill>
+                <a:srgbClr val="FFFFFF"/>
+              </a:solidFill>
+            </a:ln>
+          </p:spPr>
+          <p:style>
+            <a:lnRef idx="2">
+              <a:schemeClr val="accent1"/>
+            </a:lnRef>
+            <a:fillRef idx="0">
+              <a:schemeClr val="accent1"/>
+            </a:fillRef>
+            <a:effectRef idx="1">
+              <a:schemeClr val="accent1"/>
+            </a:effectRef>
+            <a:fontRef idx="minor">
+              <a:schemeClr val="tx1"/>
+            </a:fontRef>
+          </p:style>
+        </p:cxnSp>
+        <p:cxnSp>
+          <p:nvCxnSpPr>
+            <p:cNvPr id="12" name="Straight Connector 11">
+              <a:extLst>
+                <a:ext uri="{FF2B5EF4-FFF2-40B4-BE49-F238E27FC236}">
+                  <a16:creationId xmlns:a16="http://schemas.microsoft.com/office/drawing/2014/main" id="{6A19CA4A-B208-452A-8BE4-BC6940D33D40}"/>
+                </a:ext>
+                <a:ext uri="{C183D7F6-B498-43B3-948B-1728B52AA6E4}">
+                  <adec:decorative xmlns:adec="http://schemas.microsoft.com/office/drawing/2017/decorative" val="1"/>
+                </a:ext>
+              </a:extLst>
+            </p:cNvPr>
+            <p:cNvCxnSpPr/>
+            <p:nvPr>
+              <p:extLst>
+                <p:ext uri="{386F3935-93C4-4BCD-93E2-E3B085C9AB24}">
+                  <p16:designElem xmlns:p16="http://schemas.microsoft.com/office/powerpoint/2015/main" val="1"/>
+                </p:ext>
+              </p:extLst>
+            </p:nvPr>
+          </p:nvCxnSpPr>
+          <p:spPr>
+            <a:xfrm flipH="1">
+              <a:off x="7425267" y="3681413"/>
+              <a:ext cx="4763558" cy="3176587"/>
+            </a:xfrm>
+            <a:prstGeom prst="line">
+              <a:avLst/>
+            </a:prstGeom>
+            <a:ln w="9525">
+              <a:solidFill>
+                <a:srgbClr val="FFFFFF"/>
+              </a:solidFill>
+            </a:ln>
+          </p:spPr>
+          <p:style>
+            <a:lnRef idx="2">
+              <a:schemeClr val="accent1"/>
+            </a:lnRef>
+            <a:fillRef idx="0">
+              <a:schemeClr val="accent1"/>
+            </a:fillRef>
+            <a:effectRef idx="1">
+              <a:schemeClr val="accent1"/>
+            </a:effectRef>
+            <a:fontRef idx="minor">
+              <a:schemeClr val="tx1"/>
+            </a:fontRef>
+          </p:style>
+        </p:cxnSp>
+        <p:sp>
+          <p:nvSpPr>
+            <p:cNvPr id="13" name="Rectangle 23">
+              <a:extLst>
+                <a:ext uri="{FF2B5EF4-FFF2-40B4-BE49-F238E27FC236}">
+                  <a16:creationId xmlns:a16="http://schemas.microsoft.com/office/drawing/2014/main" id="{B74F8D3E-E618-4DE3-A0CC-B4904BB5D5AB}"/>
+                </a:ext>
+                <a:ext uri="{C183D7F6-B498-43B3-948B-1728B52AA6E4}">
+                  <adec:decorative xmlns:adec="http://schemas.microsoft.com/office/drawing/2017/decorative" val="1"/>
+                </a:ext>
+              </a:extLst>
+            </p:cNvPr>
+            <p:cNvSpPr/>
+            <p:nvPr>
+              <p:extLst>
+                <p:ext uri="{386F3935-93C4-4BCD-93E2-E3B085C9AB24}">
+                  <p16:designElem xmlns:p16="http://schemas.microsoft.com/office/powerpoint/2015/main" val="1"/>
+                </p:ext>
+              </p:extLst>
+            </p:nvPr>
+          </p:nvSpPr>
+          <p:spPr>
+            <a:xfrm>
+              <a:off x="9181476" y="-8467"/>
+              <a:ext cx="3007349" cy="6866467"/>
+            </a:xfrm>
+            <a:custGeom>
+              <a:avLst/>
+              <a:gdLst/>
+              <a:ahLst/>
+              <a:cxnLst/>
+              <a:rect l="l" t="t" r="r" b="b"/>
+              <a:pathLst>
+                <a:path w="3007349" h="6866467">
+                  <a:moveTo>
+                    <a:pt x="2045532" y="0"/>
+                  </a:moveTo>
+                  <a:lnTo>
+                    <a:pt x="3007349" y="0"/>
+                  </a:lnTo>
+                  <a:lnTo>
+                    <a:pt x="3007349" y="6866467"/>
+                  </a:lnTo>
+                  <a:lnTo>
+                    <a:pt x="0" y="6866467"/>
+                  </a:lnTo>
+                  <a:lnTo>
+                    <a:pt x="2045532" y="0"/>
+                  </a:lnTo>
+                  <a:close/>
+                </a:path>
+              </a:pathLst>
+            </a:custGeom>
+            <a:solidFill>
+              <a:schemeClr val="accent1">
+                <a:alpha val="30000"/>
+              </a:schemeClr>
+            </a:solidFill>
+            <a:ln>
+              <a:noFill/>
+            </a:ln>
+            <a:effectLst/>
+          </p:spPr>
+          <p:style>
+            <a:lnRef idx="1">
+              <a:schemeClr val="accent1"/>
+            </a:lnRef>
+            <a:fillRef idx="3">
+              <a:schemeClr val="accent1"/>
+            </a:fillRef>
+            <a:effectRef idx="2">
+              <a:schemeClr val="accent1"/>
+            </a:effectRef>
+            <a:fontRef idx="minor">
+              <a:schemeClr val="lt1"/>
+            </a:fontRef>
+          </p:style>
+          <p:txBody>
+            <a:bodyPr/>
+            <a:lstStyle/>
+            <a:p>
+              <a:pPr marL="0" marR="0" lvl="0" indent="0" algn="l" defTabSz="914400" rtl="0" eaLnBrk="1" fontAlgn="auto" latinLnBrk="0" hangingPunct="1">
+                <a:lnSpc>
+                  <a:spcPct val="100000"/>
+                </a:lnSpc>
+                <a:spcBef>
+                  <a:spcPts val="0"/>
+                </a:spcBef>
+                <a:spcAft>
+                  <a:spcPts val="0"/>
+                </a:spcAft>
+                <a:buClrTx/>
+                <a:buSzTx/>
+                <a:buFontTx/>
+                <a:buNone/>
+                <a:tabLst/>
+                <a:defRPr/>
+              </a:pPr>
+              <a:endParaRPr kumimoji="0" lang="en-US" sz="1800" b="0" i="0" u="none" strike="noStrike" kern="1200" cap="none" spc="0" normalizeH="0" baseline="0" noProof="0">
+                <a:ln>
+                  <a:noFill/>
+                </a:ln>
+                <a:solidFill>
+                  <a:prstClr val="white"/>
+                </a:solidFill>
+                <a:effectLst/>
+                <a:uLnTx/>
+                <a:uFillTx/>
+                <a:latin typeface="Trebuchet MS" panose="020B0603020202020204"/>
+                <a:ea typeface="+mn-ea"/>
+                <a:cs typeface="+mn-cs"/>
+              </a:endParaRPr>
+            </a:p>
+          </p:txBody>
+        </p:sp>
+        <p:sp>
+          <p:nvSpPr>
+            <p:cNvPr id="14" name="Rectangle 25">
+              <a:extLst>
+                <a:ext uri="{FF2B5EF4-FFF2-40B4-BE49-F238E27FC236}">
+                  <a16:creationId xmlns:a16="http://schemas.microsoft.com/office/drawing/2014/main" id="{299DA406-C54B-4E31-867D-FAF8DCE7045F}"/>
+                </a:ext>
+                <a:ext uri="{C183D7F6-B498-43B3-948B-1728B52AA6E4}">
+                  <adec:decorative xmlns:adec="http://schemas.microsoft.com/office/drawing/2017/decorative" val="1"/>
+                </a:ext>
+              </a:extLst>
+            </p:cNvPr>
+            <p:cNvSpPr/>
+            <p:nvPr>
+              <p:extLst>
+                <p:ext uri="{386F3935-93C4-4BCD-93E2-E3B085C9AB24}">
+                  <p16:designElem xmlns:p16="http://schemas.microsoft.com/office/powerpoint/2015/main" val="1"/>
+                </p:ext>
+              </p:extLst>
+            </p:nvPr>
+          </p:nvSpPr>
+          <p:spPr>
+            <a:xfrm>
+              <a:off x="9603442" y="-8467"/>
+              <a:ext cx="2588558" cy="6866467"/>
+            </a:xfrm>
+            <a:custGeom>
+              <a:avLst/>
+              <a:gdLst/>
+              <a:ahLst/>
+              <a:cxnLst/>
+              <a:rect l="l" t="t" r="r" b="b"/>
+              <a:pathLst>
+                <a:path w="2573311" h="6866467">
+                  <a:moveTo>
+                    <a:pt x="0" y="0"/>
+                  </a:moveTo>
+                  <a:lnTo>
+                    <a:pt x="2573311" y="0"/>
+                  </a:lnTo>
+                  <a:lnTo>
+                    <a:pt x="2573311" y="6866467"/>
+                  </a:lnTo>
+                  <a:lnTo>
+                    <a:pt x="1202336" y="6866467"/>
+                  </a:lnTo>
+                  <a:lnTo>
+                    <a:pt x="0" y="0"/>
+                  </a:lnTo>
+                  <a:close/>
+                </a:path>
+              </a:pathLst>
+            </a:custGeom>
+            <a:solidFill>
+              <a:schemeClr val="accent1">
+                <a:alpha val="20000"/>
+              </a:schemeClr>
+            </a:solidFill>
+            <a:ln>
+              <a:noFill/>
+            </a:ln>
+            <a:effectLst/>
+          </p:spPr>
+          <p:style>
+            <a:lnRef idx="1">
+              <a:schemeClr val="accent1"/>
+            </a:lnRef>
+            <a:fillRef idx="3">
+              <a:schemeClr val="accent1"/>
+            </a:fillRef>
+            <a:effectRef idx="2">
+              <a:schemeClr val="accent1"/>
+            </a:effectRef>
+            <a:fontRef idx="minor">
+              <a:schemeClr val="lt1"/>
+            </a:fontRef>
+          </p:style>
+          <p:txBody>
+            <a:bodyPr/>
+            <a:lstStyle/>
+            <a:p>
+              <a:pPr marL="0" marR="0" lvl="0" indent="0" algn="l" defTabSz="914400" rtl="0" eaLnBrk="1" fontAlgn="auto" latinLnBrk="0" hangingPunct="1">
+                <a:lnSpc>
+                  <a:spcPct val="100000"/>
+                </a:lnSpc>
+                <a:spcBef>
+                  <a:spcPts val="0"/>
+                </a:spcBef>
+                <a:spcAft>
+                  <a:spcPts val="0"/>
+                </a:spcAft>
+                <a:buClrTx/>
+                <a:buSzTx/>
+                <a:buFontTx/>
+                <a:buNone/>
+                <a:tabLst/>
+                <a:defRPr/>
+              </a:pPr>
+              <a:endParaRPr kumimoji="0" lang="en-US" sz="1800" b="0" i="0" u="none" strike="noStrike" kern="1200" cap="none" spc="0" normalizeH="0" baseline="0" noProof="0">
+                <a:ln>
+                  <a:noFill/>
+                </a:ln>
+                <a:solidFill>
+                  <a:prstClr val="white"/>
+                </a:solidFill>
+                <a:effectLst/>
+                <a:uLnTx/>
+                <a:uFillTx/>
+                <a:latin typeface="Trebuchet MS" panose="020B0603020202020204"/>
+                <a:ea typeface="+mn-ea"/>
+                <a:cs typeface="+mn-cs"/>
+              </a:endParaRPr>
+            </a:p>
+          </p:txBody>
+        </p:sp>
+        <p:sp>
+          <p:nvSpPr>
+            <p:cNvPr id="15" name="Isosceles Triangle 14">
+              <a:extLst>
+                <a:ext uri="{FF2B5EF4-FFF2-40B4-BE49-F238E27FC236}">
+                  <a16:creationId xmlns:a16="http://schemas.microsoft.com/office/drawing/2014/main" id="{A1E16883-5140-47C4-A9AD-AD6598AC3EE6}"/>
+                </a:ext>
+                <a:ext uri="{C183D7F6-B498-43B3-948B-1728B52AA6E4}">
+                  <adec:decorative xmlns:adec="http://schemas.microsoft.com/office/drawing/2017/decorative" val="1"/>
+                </a:ext>
+              </a:extLst>
+            </p:cNvPr>
+            <p:cNvSpPr/>
+            <p:nvPr>
+              <p:extLst>
+                <p:ext uri="{386F3935-93C4-4BCD-93E2-E3B085C9AB24}">
+                  <p16:designElem xmlns:p16="http://schemas.microsoft.com/office/powerpoint/2015/main" val="1"/>
+                </p:ext>
+              </p:extLst>
+            </p:nvPr>
+          </p:nvSpPr>
+          <p:spPr>
+            <a:xfrm>
+              <a:off x="8932333" y="3048000"/>
+              <a:ext cx="3259667" cy="3810000"/>
+            </a:xfrm>
+            <a:prstGeom prst="triangle">
+              <a:avLst>
+                <a:gd name="adj" fmla="val 100000"/>
+              </a:avLst>
+            </a:prstGeom>
+            <a:solidFill>
+              <a:schemeClr val="accent2">
+                <a:alpha val="72000"/>
+              </a:schemeClr>
+            </a:solidFill>
+            <a:ln>
+              <a:noFill/>
+            </a:ln>
+            <a:effectLst/>
+          </p:spPr>
+          <p:style>
+            <a:lnRef idx="1">
+              <a:schemeClr val="accent1"/>
+            </a:lnRef>
+            <a:fillRef idx="3">
+              <a:schemeClr val="accent1"/>
+            </a:fillRef>
+            <a:effectRef idx="2">
+              <a:schemeClr val="accent1"/>
+            </a:effectRef>
+            <a:fontRef idx="minor">
+              <a:schemeClr val="lt1"/>
+            </a:fontRef>
+          </p:style>
+          <p:txBody>
+            <a:bodyPr/>
+            <a:lstStyle/>
+            <a:p>
+              <a:pPr marL="0" marR="0" lvl="0" indent="0" algn="l" defTabSz="914400" rtl="0" eaLnBrk="1" fontAlgn="auto" latinLnBrk="0" hangingPunct="1">
+                <a:lnSpc>
+                  <a:spcPct val="100000"/>
+                </a:lnSpc>
+                <a:spcBef>
+                  <a:spcPts val="0"/>
+                </a:spcBef>
+                <a:spcAft>
+                  <a:spcPts val="0"/>
+                </a:spcAft>
+                <a:buClrTx/>
+                <a:buSzTx/>
+                <a:buFontTx/>
+                <a:buNone/>
+                <a:tabLst/>
+                <a:defRPr/>
+              </a:pPr>
+              <a:endParaRPr kumimoji="0" lang="en-US" sz="1800" b="0" i="0" u="none" strike="noStrike" kern="1200" cap="none" spc="0" normalizeH="0" baseline="0" noProof="0">
+                <a:ln>
+                  <a:noFill/>
+                </a:ln>
+                <a:solidFill>
+                  <a:prstClr val="white"/>
+                </a:solidFill>
+                <a:effectLst/>
+                <a:uLnTx/>
+                <a:uFillTx/>
+                <a:latin typeface="Trebuchet MS" panose="020B0603020202020204"/>
+                <a:ea typeface="+mn-ea"/>
+                <a:cs typeface="+mn-cs"/>
+              </a:endParaRPr>
+            </a:p>
+          </p:txBody>
+        </p:sp>
+        <p:sp>
+          <p:nvSpPr>
+            <p:cNvPr id="16" name="Rectangle 27">
+              <a:extLst>
+                <a:ext uri="{FF2B5EF4-FFF2-40B4-BE49-F238E27FC236}">
+                  <a16:creationId xmlns:a16="http://schemas.microsoft.com/office/drawing/2014/main" id="{4CD848DC-8A2A-4093-9BDD-7AF4B6A27814}"/>
+                </a:ext>
+                <a:ext uri="{C183D7F6-B498-43B3-948B-1728B52AA6E4}">
+                  <adec:decorative xmlns:adec="http://schemas.microsoft.com/office/drawing/2017/decorative" val="1"/>
+                </a:ext>
+              </a:extLst>
+            </p:cNvPr>
+            <p:cNvSpPr/>
+            <p:nvPr>
+              <p:extLst>
+                <p:ext uri="{386F3935-93C4-4BCD-93E2-E3B085C9AB24}">
+                  <p16:designElem xmlns:p16="http://schemas.microsoft.com/office/powerpoint/2015/main" val="1"/>
+                </p:ext>
+              </p:extLst>
+            </p:nvPr>
+          </p:nvSpPr>
+          <p:spPr>
+            <a:xfrm>
+              <a:off x="9334500" y="-8467"/>
+              <a:ext cx="2854326" cy="6866467"/>
+            </a:xfrm>
+            <a:custGeom>
+              <a:avLst/>
+              <a:gdLst/>
+              <a:ahLst/>
+              <a:cxnLst/>
+              <a:rect l="l" t="t" r="r" b="b"/>
+              <a:pathLst>
+                <a:path w="2858013" h="6866467">
+                  <a:moveTo>
+                    <a:pt x="0" y="0"/>
+                  </a:moveTo>
+                  <a:lnTo>
+                    <a:pt x="2858013" y="0"/>
+                  </a:lnTo>
+                  <a:lnTo>
+                    <a:pt x="2858013" y="6866467"/>
+                  </a:lnTo>
+                  <a:lnTo>
+                    <a:pt x="2473942" y="6866467"/>
+                  </a:lnTo>
+                  <a:lnTo>
+                    <a:pt x="0" y="0"/>
+                  </a:lnTo>
+                  <a:close/>
+                </a:path>
+              </a:pathLst>
+            </a:custGeom>
+            <a:solidFill>
+              <a:schemeClr val="accent2">
+                <a:lumMod val="75000"/>
+                <a:alpha val="70000"/>
+              </a:schemeClr>
+            </a:solidFill>
+            <a:ln>
+              <a:noFill/>
+            </a:ln>
+            <a:effectLst/>
+          </p:spPr>
+          <p:style>
+            <a:lnRef idx="1">
+              <a:schemeClr val="accent1"/>
+            </a:lnRef>
+            <a:fillRef idx="3">
+              <a:schemeClr val="accent1"/>
+            </a:fillRef>
+            <a:effectRef idx="2">
+              <a:schemeClr val="accent1"/>
+            </a:effectRef>
+            <a:fontRef idx="minor">
+              <a:schemeClr val="lt1"/>
+            </a:fontRef>
+          </p:style>
+          <p:txBody>
+            <a:bodyPr/>
+            <a:lstStyle/>
+            <a:p>
+              <a:pPr marL="0" marR="0" lvl="0" indent="0" algn="l" defTabSz="914400" rtl="0" eaLnBrk="1" fontAlgn="auto" latinLnBrk="0" hangingPunct="1">
+                <a:lnSpc>
+                  <a:spcPct val="100000"/>
+                </a:lnSpc>
+                <a:spcBef>
+                  <a:spcPts val="0"/>
+                </a:spcBef>
+                <a:spcAft>
+                  <a:spcPts val="0"/>
+                </a:spcAft>
+                <a:buClrTx/>
+                <a:buSzTx/>
+                <a:buFontTx/>
+                <a:buNone/>
+                <a:tabLst/>
+                <a:defRPr/>
+              </a:pPr>
+              <a:endParaRPr kumimoji="0" lang="en-US" sz="1800" b="0" i="0" u="none" strike="noStrike" kern="1200" cap="none" spc="0" normalizeH="0" baseline="0" noProof="0">
+                <a:ln>
+                  <a:noFill/>
+                </a:ln>
+                <a:solidFill>
+                  <a:prstClr val="white"/>
+                </a:solidFill>
+                <a:effectLst/>
+                <a:uLnTx/>
+                <a:uFillTx/>
+                <a:latin typeface="Trebuchet MS" panose="020B0603020202020204"/>
+                <a:ea typeface="+mn-ea"/>
+                <a:cs typeface="+mn-cs"/>
+              </a:endParaRPr>
+            </a:p>
+          </p:txBody>
+        </p:sp>
+        <p:sp>
+          <p:nvSpPr>
+            <p:cNvPr id="17" name="Rectangle 28">
+              <a:extLst>
+                <a:ext uri="{FF2B5EF4-FFF2-40B4-BE49-F238E27FC236}">
+                  <a16:creationId xmlns:a16="http://schemas.microsoft.com/office/drawing/2014/main" id="{34635A4D-E9CE-4B78-912A-479EA4512B14}"/>
+                </a:ext>
+                <a:ext uri="{C183D7F6-B498-43B3-948B-1728B52AA6E4}">
+                  <adec:decorative xmlns:adec="http://schemas.microsoft.com/office/drawing/2017/decorative" val="1"/>
+                </a:ext>
+              </a:extLst>
+            </p:cNvPr>
+            <p:cNvSpPr/>
+            <p:nvPr>
+              <p:extLst>
+                <p:ext uri="{386F3935-93C4-4BCD-93E2-E3B085C9AB24}">
+                  <p16:designElem xmlns:p16="http://schemas.microsoft.com/office/powerpoint/2015/main" val="1"/>
+                </p:ext>
+              </p:extLst>
+            </p:nvPr>
+          </p:nvSpPr>
+          <p:spPr>
+            <a:xfrm>
+              <a:off x="10898730" y="-8467"/>
+              <a:ext cx="1290094" cy="6866467"/>
+            </a:xfrm>
+            <a:custGeom>
+              <a:avLst/>
+              <a:gdLst/>
+              <a:ahLst/>
+              <a:cxnLst/>
+              <a:rect l="l" t="t" r="r" b="b"/>
+              <a:pathLst>
+                <a:path w="1290094" h="6858000">
+                  <a:moveTo>
+                    <a:pt x="1019735" y="0"/>
+                  </a:moveTo>
+                  <a:lnTo>
+                    <a:pt x="1290094" y="0"/>
+                  </a:lnTo>
+                  <a:lnTo>
+                    <a:pt x="1290094" y="6858000"/>
+                  </a:lnTo>
+                  <a:lnTo>
+                    <a:pt x="0" y="6858000"/>
+                  </a:lnTo>
+                  <a:lnTo>
+                    <a:pt x="1019735" y="0"/>
+                  </a:lnTo>
+                  <a:close/>
+                </a:path>
+              </a:pathLst>
+            </a:custGeom>
+            <a:solidFill>
+              <a:schemeClr val="accent1">
+                <a:lumMod val="60000"/>
+                <a:lumOff val="40000"/>
+                <a:alpha val="70000"/>
+              </a:schemeClr>
+            </a:solidFill>
+            <a:ln>
+              <a:noFill/>
+            </a:ln>
+            <a:effectLst/>
+          </p:spPr>
+          <p:style>
+            <a:lnRef idx="1">
+              <a:schemeClr val="accent1"/>
+            </a:lnRef>
+            <a:fillRef idx="3">
+              <a:schemeClr val="accent1"/>
+            </a:fillRef>
+            <a:effectRef idx="2">
+              <a:schemeClr val="accent1"/>
+            </a:effectRef>
+            <a:fontRef idx="minor">
+              <a:schemeClr val="lt1"/>
+            </a:fontRef>
+          </p:style>
+          <p:txBody>
+            <a:bodyPr/>
+            <a:lstStyle/>
+            <a:p>
+              <a:pPr marL="0" marR="0" lvl="0" indent="0" algn="l" defTabSz="914400" rtl="0" eaLnBrk="1" fontAlgn="auto" latinLnBrk="0" hangingPunct="1">
+                <a:lnSpc>
+                  <a:spcPct val="100000"/>
+                </a:lnSpc>
+                <a:spcBef>
+                  <a:spcPts val="0"/>
+                </a:spcBef>
+                <a:spcAft>
+                  <a:spcPts val="0"/>
+                </a:spcAft>
+                <a:buClrTx/>
+                <a:buSzTx/>
+                <a:buFontTx/>
+                <a:buNone/>
+                <a:tabLst/>
+                <a:defRPr/>
+              </a:pPr>
+              <a:endParaRPr kumimoji="0" lang="en-US" sz="1800" b="0" i="0" u="none" strike="noStrike" kern="1200" cap="none" spc="0" normalizeH="0" baseline="0" noProof="0">
+                <a:ln>
+                  <a:noFill/>
+                </a:ln>
+                <a:solidFill>
+                  <a:prstClr val="white"/>
+                </a:solidFill>
+                <a:effectLst/>
+                <a:uLnTx/>
+                <a:uFillTx/>
+                <a:latin typeface="Trebuchet MS" panose="020B0603020202020204"/>
+                <a:ea typeface="+mn-ea"/>
+                <a:cs typeface="+mn-cs"/>
+              </a:endParaRPr>
+            </a:p>
+          </p:txBody>
+        </p:sp>
+        <p:sp>
+          <p:nvSpPr>
+            <p:cNvPr id="18" name="Rectangle 29">
+              <a:extLst>
+                <a:ext uri="{FF2B5EF4-FFF2-40B4-BE49-F238E27FC236}">
+                  <a16:creationId xmlns:a16="http://schemas.microsoft.com/office/drawing/2014/main" id="{D663A5EE-5581-44F3-8F98-688755F63EA2}"/>
+                </a:ext>
+                <a:ext uri="{C183D7F6-B498-43B3-948B-1728B52AA6E4}">
+                  <adec:decorative xmlns:adec="http://schemas.microsoft.com/office/drawing/2017/decorative" val="1"/>
+                </a:ext>
+              </a:extLst>
+            </p:cNvPr>
+            <p:cNvSpPr/>
+            <p:nvPr>
+              <p:extLst>
+                <p:ext uri="{386F3935-93C4-4BCD-93E2-E3B085C9AB24}">
+                  <p16:designElem xmlns:p16="http://schemas.microsoft.com/office/powerpoint/2015/main" val="1"/>
+                </p:ext>
+              </p:extLst>
+            </p:nvPr>
+          </p:nvSpPr>
+          <p:spPr>
+            <a:xfrm>
+              <a:off x="10938999" y="-8467"/>
+              <a:ext cx="1249825" cy="6866467"/>
+            </a:xfrm>
+            <a:custGeom>
+              <a:avLst/>
+              <a:gdLst/>
+              <a:ahLst/>
+              <a:cxnLst/>
+              <a:rect l="l" t="t" r="r" b="b"/>
+              <a:pathLst>
+                <a:path w="1249825" h="6858000">
+                  <a:moveTo>
+                    <a:pt x="0" y="0"/>
+                  </a:moveTo>
+                  <a:lnTo>
+                    <a:pt x="1249825" y="0"/>
+                  </a:lnTo>
+                  <a:lnTo>
+                    <a:pt x="1249825" y="6858000"/>
+                  </a:lnTo>
+                  <a:lnTo>
+                    <a:pt x="1109382" y="6858000"/>
+                  </a:lnTo>
+                  <a:lnTo>
+                    <a:pt x="0" y="0"/>
+                  </a:lnTo>
+                  <a:close/>
+                </a:path>
+              </a:pathLst>
+            </a:custGeom>
+            <a:solidFill>
+              <a:schemeClr val="accent1">
+                <a:alpha val="65000"/>
+              </a:schemeClr>
+            </a:solidFill>
+            <a:ln>
+              <a:noFill/>
+            </a:ln>
+            <a:effectLst/>
+          </p:spPr>
+          <p:style>
+            <a:lnRef idx="1">
+              <a:schemeClr val="accent1"/>
+            </a:lnRef>
+            <a:fillRef idx="3">
+              <a:schemeClr val="accent1"/>
+            </a:fillRef>
+            <a:effectRef idx="2">
+              <a:schemeClr val="accent1"/>
+            </a:effectRef>
+            <a:fontRef idx="minor">
+              <a:schemeClr val="lt1"/>
+            </a:fontRef>
+          </p:style>
+          <p:txBody>
+            <a:bodyPr/>
+            <a:lstStyle/>
+            <a:p>
+              <a:pPr marL="0" marR="0" lvl="0" indent="0" algn="l" defTabSz="914400" rtl="0" eaLnBrk="1" fontAlgn="auto" latinLnBrk="0" hangingPunct="1">
+                <a:lnSpc>
+                  <a:spcPct val="100000"/>
+                </a:lnSpc>
+                <a:spcBef>
+                  <a:spcPts val="0"/>
+                </a:spcBef>
+                <a:spcAft>
+                  <a:spcPts val="0"/>
+                </a:spcAft>
+                <a:buClrTx/>
+                <a:buSzTx/>
+                <a:buFontTx/>
+                <a:buNone/>
+                <a:tabLst/>
+                <a:defRPr/>
+              </a:pPr>
+              <a:endParaRPr kumimoji="0" lang="en-US" sz="1800" b="0" i="0" u="none" strike="noStrike" kern="1200" cap="none" spc="0" normalizeH="0" baseline="0" noProof="0">
+                <a:ln>
+                  <a:noFill/>
+                </a:ln>
+                <a:solidFill>
+                  <a:prstClr val="white"/>
+                </a:solidFill>
+                <a:effectLst/>
+                <a:uLnTx/>
+                <a:uFillTx/>
+                <a:latin typeface="Trebuchet MS" panose="020B0603020202020204"/>
+                <a:ea typeface="+mn-ea"/>
+                <a:cs typeface="+mn-cs"/>
+              </a:endParaRPr>
+            </a:p>
+          </p:txBody>
+        </p:sp>
+        <p:sp>
+          <p:nvSpPr>
+            <p:cNvPr id="19" name="Isosceles Triangle 18">
+              <a:extLst>
+                <a:ext uri="{FF2B5EF4-FFF2-40B4-BE49-F238E27FC236}">
+                  <a16:creationId xmlns:a16="http://schemas.microsoft.com/office/drawing/2014/main" id="{B1E84E6A-F5AE-4F4D-98F2-82FE4FCC2656}"/>
+                </a:ext>
+                <a:ext uri="{C183D7F6-B498-43B3-948B-1728B52AA6E4}">
+                  <adec:decorative xmlns:adec="http://schemas.microsoft.com/office/drawing/2017/decorative" val="1"/>
+                </a:ext>
+              </a:extLst>
+            </p:cNvPr>
+            <p:cNvSpPr/>
+            <p:nvPr>
+              <p:extLst>
+                <p:ext uri="{386F3935-93C4-4BCD-93E2-E3B085C9AB24}">
+                  <p16:designElem xmlns:p16="http://schemas.microsoft.com/office/powerpoint/2015/main" val="1"/>
+                </p:ext>
+              </p:extLst>
+            </p:nvPr>
+          </p:nvSpPr>
+          <p:spPr>
+            <a:xfrm>
+              <a:off x="10371666" y="3589867"/>
+              <a:ext cx="1817159" cy="3268133"/>
+            </a:xfrm>
+            <a:prstGeom prst="triangle">
+              <a:avLst>
+                <a:gd name="adj" fmla="val 100000"/>
+              </a:avLst>
+            </a:prstGeom>
+            <a:solidFill>
+              <a:schemeClr val="accent1">
+                <a:alpha val="80000"/>
+              </a:schemeClr>
+            </a:solidFill>
+            <a:ln>
+              <a:noFill/>
+            </a:ln>
+            <a:effectLst/>
+          </p:spPr>
+          <p:style>
+            <a:lnRef idx="1">
+              <a:schemeClr val="accent1"/>
+            </a:lnRef>
+            <a:fillRef idx="3">
+              <a:schemeClr val="accent1"/>
+            </a:fillRef>
+            <a:effectRef idx="2">
+              <a:schemeClr val="accent1"/>
+            </a:effectRef>
+            <a:fontRef idx="minor">
+              <a:schemeClr val="lt1"/>
+            </a:fontRef>
+          </p:style>
+          <p:txBody>
+            <a:bodyPr/>
+            <a:lstStyle/>
+            <a:p>
+              <a:pPr marL="0" marR="0" lvl="0" indent="0" algn="l" defTabSz="914400" rtl="0" eaLnBrk="1" fontAlgn="auto" latinLnBrk="0" hangingPunct="1">
+                <a:lnSpc>
+                  <a:spcPct val="100000"/>
+                </a:lnSpc>
+                <a:spcBef>
+                  <a:spcPts val="0"/>
+                </a:spcBef>
+                <a:spcAft>
+                  <a:spcPts val="0"/>
+                </a:spcAft>
+                <a:buClrTx/>
+                <a:buSzTx/>
+                <a:buFontTx/>
+                <a:buNone/>
+                <a:tabLst/>
+                <a:defRPr/>
+              </a:pPr>
+              <a:endParaRPr kumimoji="0" lang="en-US" sz="1800" b="0" i="0" u="none" strike="noStrike" kern="1200" cap="none" spc="0" normalizeH="0" baseline="0" noProof="0">
+                <a:ln>
+                  <a:noFill/>
+                </a:ln>
+                <a:solidFill>
+                  <a:prstClr val="white"/>
+                </a:solidFill>
+                <a:effectLst/>
+                <a:uLnTx/>
+                <a:uFillTx/>
+                <a:latin typeface="Trebuchet MS" panose="020B0603020202020204"/>
+                <a:ea typeface="+mn-ea"/>
+                <a:cs typeface="+mn-cs"/>
+              </a:endParaRPr>
+            </a:p>
+          </p:txBody>
+        </p:sp>
+        <p:sp>
+          <p:nvSpPr>
+            <p:cNvPr id="20" name="Isosceles Triangle 19">
+              <a:extLst>
+                <a:ext uri="{FF2B5EF4-FFF2-40B4-BE49-F238E27FC236}">
+                  <a16:creationId xmlns:a16="http://schemas.microsoft.com/office/drawing/2014/main" id="{DDE7DDC9-17D4-4686-833D-48F8733B49EE}"/>
+                </a:ext>
+                <a:ext uri="{C183D7F6-B498-43B3-948B-1728B52AA6E4}">
+                  <adec:decorative xmlns:adec="http://schemas.microsoft.com/office/drawing/2017/decorative" val="1"/>
+                </a:ext>
+              </a:extLst>
+            </p:cNvPr>
+            <p:cNvSpPr/>
+            <p:nvPr>
+              <p:extLst>
+                <p:ext uri="{386F3935-93C4-4BCD-93E2-E3B085C9AB24}">
+                  <p16:designElem xmlns:p16="http://schemas.microsoft.com/office/powerpoint/2015/main" val="1"/>
+                </p:ext>
+              </p:extLst>
+            </p:nvPr>
+          </p:nvSpPr>
+          <p:spPr>
+            <a:xfrm>
+              <a:off x="0" y="4013200"/>
+              <a:ext cx="448733" cy="2844800"/>
+            </a:xfrm>
+            <a:prstGeom prst="triangle">
+              <a:avLst>
+                <a:gd name="adj" fmla="val 0"/>
+              </a:avLst>
+            </a:prstGeom>
+            <a:solidFill>
+              <a:schemeClr val="accent1">
+                <a:alpha val="85000"/>
+              </a:schemeClr>
+            </a:solidFill>
+            <a:ln>
+              <a:noFill/>
+            </a:ln>
+            <a:effectLst/>
+          </p:spPr>
+          <p:style>
+            <a:lnRef idx="1">
+              <a:schemeClr val="accent1"/>
+            </a:lnRef>
+            <a:fillRef idx="3">
+              <a:schemeClr val="accent1"/>
+            </a:fillRef>
+            <a:effectRef idx="2">
+              <a:schemeClr val="accent1"/>
+            </a:effectRef>
+            <a:fontRef idx="minor">
+              <a:schemeClr val="lt1"/>
+            </a:fontRef>
+          </p:style>
+          <p:txBody>
+            <a:bodyPr/>
+            <a:lstStyle/>
+            <a:p>
+              <a:pPr marL="0" marR="0" lvl="0" indent="0" algn="l" defTabSz="914400" rtl="0" eaLnBrk="1" fontAlgn="auto" latinLnBrk="0" hangingPunct="1">
+                <a:lnSpc>
+                  <a:spcPct val="100000"/>
+                </a:lnSpc>
+                <a:spcBef>
+                  <a:spcPts val="0"/>
+                </a:spcBef>
+                <a:spcAft>
+                  <a:spcPts val="0"/>
+                </a:spcAft>
+                <a:buClrTx/>
+                <a:buSzTx/>
+                <a:buFontTx/>
+                <a:buNone/>
+                <a:tabLst/>
+                <a:defRPr/>
+              </a:pPr>
+              <a:endParaRPr kumimoji="0" lang="en-US" sz="1800" b="0" i="0" u="none" strike="noStrike" kern="1200" cap="none" spc="0" normalizeH="0" baseline="0" noProof="0">
+                <a:ln>
+                  <a:noFill/>
+                </a:ln>
+                <a:solidFill>
+                  <a:prstClr val="white"/>
+                </a:solidFill>
+                <a:effectLst/>
+                <a:uLnTx/>
+                <a:uFillTx/>
+                <a:latin typeface="Trebuchet MS" panose="020B0603020202020204"/>
+                <a:ea typeface="+mn-ea"/>
+                <a:cs typeface="+mn-cs"/>
+              </a:endParaRPr>
+            </a:p>
+          </p:txBody>
+        </p:sp>
+      </p:grpSp>
+      <p:sp>
+        <p:nvSpPr>
+          <p:cNvPr id="2" name="Title 1">
+            <a:extLst>
+              <a:ext uri="{FF2B5EF4-FFF2-40B4-BE49-F238E27FC236}">
+                <a16:creationId xmlns:a16="http://schemas.microsoft.com/office/drawing/2014/main" id="{B6FF3B1F-E0DA-764D-F813-255D8D0D11D1}"/>
+              </a:ext>
+            </a:extLst>
+          </p:cNvPr>
+          <p:cNvSpPr>
+            <a:spLocks noGrp="1"/>
+          </p:cNvSpPr>
+          <p:nvPr>
+            <p:ph type="title"/>
+          </p:nvPr>
+        </p:nvSpPr>
+        <p:spPr>
+          <a:xfrm>
+            <a:off x="677334" y="609600"/>
+            <a:ext cx="8596668" cy="1320800"/>
+          </a:xfrm>
+        </p:spPr>
+        <p:txBody>
+          <a:bodyPr>
+            <a:normAutofit/>
+          </a:bodyPr>
+          <a:lstStyle/>
+          <a:p>
+            <a:r>
+              <a:rPr lang="en-US" dirty="0"/>
+              <a:t>Presentation guidelines</a:t>
+            </a:r>
+          </a:p>
+        </p:txBody>
+      </p:sp>
+      <p:sp>
+        <p:nvSpPr>
+          <p:cNvPr id="3" name="Content Placeholder 2">
+            <a:extLst>
+              <a:ext uri="{FF2B5EF4-FFF2-40B4-BE49-F238E27FC236}">
+                <a16:creationId xmlns:a16="http://schemas.microsoft.com/office/drawing/2014/main" id="{C8254388-EC98-31E1-D491-A076CE8F4667}"/>
+              </a:ext>
+            </a:extLst>
+          </p:cNvPr>
+          <p:cNvSpPr>
+            <a:spLocks noGrp="1"/>
+          </p:cNvSpPr>
+          <p:nvPr>
+            <p:ph idx="1"/>
+          </p:nvPr>
+        </p:nvSpPr>
+        <p:spPr>
+          <a:xfrm>
+            <a:off x="677334" y="2160589"/>
+            <a:ext cx="8596668" cy="3880773"/>
+          </a:xfrm>
+        </p:spPr>
+        <p:txBody>
+          <a:bodyPr>
+            <a:normAutofit fontScale="92500" lnSpcReduction="20000"/>
+          </a:bodyPr>
+          <a:lstStyle/>
+          <a:p>
+            <a:r>
+              <a:rPr lang="en-US" dirty="0"/>
+              <a:t>Team up with one other person (last week’s lab teammate) and pick your favorite dataset on </a:t>
+            </a:r>
+            <a:r>
+              <a:rPr lang="en-US" dirty="0">
+                <a:hlinkClick r:id="rId2"/>
+              </a:rPr>
+              <a:t>https://cormp.org/</a:t>
+            </a:r>
+            <a:r>
+              <a:rPr lang="en-US" dirty="0"/>
+              <a:t>. Give a short (3–5 minutes) presentation in class next week on the following:</a:t>
+            </a:r>
+          </a:p>
+          <a:p>
+            <a:pPr lvl="1"/>
+            <a:r>
+              <a:rPr lang="en-US" dirty="0"/>
+              <a:t>What the parameter(s) is(are)</a:t>
+            </a:r>
+          </a:p>
+          <a:p>
+            <a:pPr lvl="1"/>
+            <a:r>
+              <a:rPr lang="en-US" dirty="0"/>
+              <a:t>What they look like (e.g., time-series plot (screenshot))</a:t>
+            </a:r>
+          </a:p>
+          <a:p>
+            <a:pPr lvl="1"/>
+            <a:r>
+              <a:rPr lang="en-US" dirty="0"/>
+              <a:t>How they were measured (look up sensors that measure your parameter)</a:t>
+            </a:r>
+          </a:p>
+          <a:p>
+            <a:pPr lvl="1"/>
+            <a:r>
+              <a:rPr lang="en-US" dirty="0"/>
+              <a:t>What studies it would likely be used for</a:t>
+            </a:r>
+          </a:p>
+          <a:p>
+            <a:pPr lvl="1"/>
+            <a:r>
+              <a:rPr lang="en-US" dirty="0"/>
+              <a:t>Important technical specifications (look up on website and/or product datasheets)</a:t>
+            </a:r>
+          </a:p>
+          <a:p>
+            <a:pPr lvl="1"/>
+            <a:r>
+              <a:rPr lang="en-US" dirty="0"/>
+              <a:t>Why you picked it</a:t>
+            </a:r>
+          </a:p>
+          <a:p>
+            <a:r>
+              <a:rPr lang="en-US" dirty="0"/>
+              <a:t>Your presentation should be no more than two or three slides which you will submit on Canvas (via the Assignment post)</a:t>
+            </a:r>
+          </a:p>
+          <a:p>
+            <a:r>
+              <a:rPr lang="en-US" dirty="0"/>
+              <a:t>You will also deliver presentation in class next week or following week, time-dependent</a:t>
+            </a:r>
+          </a:p>
+          <a:p>
             <a:endParaRPr lang="en-US" dirty="0"/>
           </a:p>
         </p:txBody>
       </p:sp>
+    </p:spTree>
+    <p:extLst>
+      <p:ext uri="{BB962C8B-B14F-4D97-AF65-F5344CB8AC3E}">
+        <p14:creationId xmlns:p14="http://schemas.microsoft.com/office/powerpoint/2010/main" val="802729723"/>
+      </p:ext>
+    </p:extLst>
+  </p:cSld>
+  <p:clrMapOvr>
+    <a:overrideClrMapping bg1="dk1" tx1="lt1" bg2="dk2" tx2="lt2" accent1="accent1" accent2="accent2" accent3="accent3" accent4="accent4" accent5="accent5" accent6="accent6" hlink="hlink" folHlink="folHlink"/>
+  </p:clrMapOvr>
+</p:sld>
+</file>
+
+<file path=ppt/slides/slide5.xml><?xml version="1.0" encoding="utf-8"?>
+<p:sld xmlns:a="http://schemas.openxmlformats.org/drawingml/2006/main" xmlns:r="http://schemas.openxmlformats.org/officeDocument/2006/relationships" xmlns:p="http://schemas.openxmlformats.org/presentationml/2006/main">
+  <p:cSld>
+    <p:bg>
+      <p:bgPr>
+        <a:solidFill>
+          <a:schemeClr val="bg1"/>
+        </a:solidFill>
+        <a:effectLst/>
+      </p:bgPr>
+    </p:bg>
+    <p:spTree>
+      <p:nvGrpSpPr>
+        <p:cNvPr id="1" name="">
+          <a:extLst>
+            <a:ext uri="{FF2B5EF4-FFF2-40B4-BE49-F238E27FC236}">
+              <a16:creationId xmlns:a16="http://schemas.microsoft.com/office/drawing/2014/main" id="{2BF6379D-8C14-565D-76E4-97CAD14E0E1A}"/>
+            </a:ext>
+          </a:extLst>
+        </p:cNvPr>
+        <p:cNvGrpSpPr/>
+        <p:nvPr/>
+      </p:nvGrpSpPr>
+      <p:grpSpPr>
+        <a:xfrm>
+          <a:off x="0" y="0"/>
+          <a:ext cx="0" cy="0"/>
+          <a:chOff x="0" y="0"/>
+          <a:chExt cx="0" cy="0"/>
+        </a:xfrm>
+      </p:grpSpPr>
       <p:sp useBgFill="1">
         <p:nvSpPr>
-          <p:cNvPr id="10" name="Rectangle 9">
+          <p:cNvPr id="9" name="Rectangle 8">
             <a:extLst>
               <a:ext uri="{FF2B5EF4-FFF2-40B4-BE49-F238E27FC236}">
-                <a16:creationId xmlns:a16="http://schemas.microsoft.com/office/drawing/2014/main" id="{D6320AF9-619A-4175-865B-5663E1AEF4C5}"/>
+                <a16:creationId xmlns:a16="http://schemas.microsoft.com/office/drawing/2014/main" id="{AC2BA059-D61F-C299-B78B-52D11A180272}"/>
               </a:ext>
               <a:ext uri="{C183D7F6-B498-43B3-948B-1728B52AA6E4}">
                 <adec:decorative xmlns:adec="http://schemas.microsoft.com/office/drawing/2017/decorative" val="1"/>
@@ -20623,26 +18760,90 @@
           <a:bodyPr rtlCol="0" anchor="ctr"/>
           <a:lstStyle/>
           <a:p>
-            <a:pPr algn="ctr"/>
-            <a:endParaRPr lang="en-US"/>
+            <a:pPr marL="0" marR="0" lvl="0" indent="0" algn="ctr" defTabSz="914400" rtl="0" eaLnBrk="1" fontAlgn="auto" latinLnBrk="0" hangingPunct="1">
+              <a:lnSpc>
+                <a:spcPct val="100000"/>
+              </a:lnSpc>
+              <a:spcBef>
+                <a:spcPts val="0"/>
+              </a:spcBef>
+              <a:spcAft>
+                <a:spcPts val="0"/>
+              </a:spcAft>
+              <a:buClrTx/>
+              <a:buSzTx/>
+              <a:buFontTx/>
+              <a:buNone/>
+              <a:tabLst/>
+              <a:defRPr/>
+            </a:pPr>
+            <a:endParaRPr kumimoji="0" lang="en-US" sz="1800" b="0" i="0" u="none" strike="noStrike" kern="1200" cap="none" spc="0" normalizeH="0" baseline="0" noProof="0">
+              <a:ln>
+                <a:noFill/>
+              </a:ln>
+              <a:solidFill>
+                <a:prstClr val="white"/>
+              </a:solidFill>
+              <a:effectLst/>
+              <a:uLnTx/>
+              <a:uFillTx/>
+              <a:latin typeface="Trebuchet MS" panose="020B0603020202020204"/>
+              <a:ea typeface="+mn-ea"/>
+              <a:cs typeface="+mn-cs"/>
+            </a:endParaRPr>
           </a:p>
         </p:txBody>
       </p:sp>
-      <p:cxnSp>
-        <p:nvCxnSpPr>
-          <p:cNvPr id="12" name="Straight Connector 11">
+      <p:sp>
+        <p:nvSpPr>
+          <p:cNvPr id="2" name="Title 1">
             <a:extLst>
               <a:ext uri="{FF2B5EF4-FFF2-40B4-BE49-F238E27FC236}">
-                <a16:creationId xmlns:a16="http://schemas.microsoft.com/office/drawing/2014/main" id="{063B6EC6-D752-4EE7-908B-F8F19E8C7FEA}"/>
+                <a16:creationId xmlns:a16="http://schemas.microsoft.com/office/drawing/2014/main" id="{108620A6-B542-00FB-64A3-51B3549B304D}"/>
+              </a:ext>
+            </a:extLst>
+          </p:cNvPr>
+          <p:cNvSpPr>
+            <a:spLocks noGrp="1"/>
+          </p:cNvSpPr>
+          <p:nvPr>
+            <p:ph type="title"/>
+          </p:nvPr>
+        </p:nvSpPr>
+        <p:spPr>
+          <a:xfrm>
+            <a:off x="652481" y="1382486"/>
+            <a:ext cx="3547581" cy="4093028"/>
+          </a:xfrm>
+        </p:spPr>
+        <p:txBody>
+          <a:bodyPr anchor="ctr">
+            <a:normAutofit/>
+          </a:bodyPr>
+          <a:lstStyle/>
+          <a:p>
+            <a:r>
+              <a:rPr lang="en-US" sz="4400"/>
+              <a:t>Today’s plan</a:t>
+            </a:r>
+          </a:p>
+        </p:txBody>
+      </p:sp>
+      <p:grpSp>
+        <p:nvGrpSpPr>
+          <p:cNvPr id="11" name="Group 10">
+            <a:extLst>
+              <a:ext uri="{FF2B5EF4-FFF2-40B4-BE49-F238E27FC236}">
+                <a16:creationId xmlns:a16="http://schemas.microsoft.com/office/drawing/2014/main" id="{5B54B4CF-F5B1-3744-F875-BBC1A3DF23B6}"/>
               </a:ext>
               <a:ext uri="{C183D7F6-B498-43B3-948B-1728B52AA6E4}">
                 <adec:decorative xmlns:adec="http://schemas.microsoft.com/office/drawing/2017/decorative" val="1"/>
               </a:ext>
             </a:extLst>
           </p:cNvPr>
-          <p:cNvCxnSpPr>
-            <a:cxnSpLocks noGrp="1" noRot="1" noChangeAspect="1" noMove="1" noResize="1" noEditPoints="1" noAdjustHandles="1" noChangeArrowheads="1" noChangeShapeType="1"/>
-          </p:cNvCxnSpPr>
+          <p:cNvGrpSpPr>
+            <a:grpSpLocks noGrp="1" noUngrp="1" noRot="1" noChangeAspect="1" noMove="1" noResize="1"/>
+          </p:cNvGrpSpPr>
           <p:nvPr>
             <p:extLst>
               <p:ext uri="{386F3935-93C4-4BCD-93E2-E3B085C9AB24}">
@@ -20650,100 +18851,890 @@
               </p:ext>
             </p:extLst>
           </p:nvPr>
-        </p:nvCxnSpPr>
-        <p:spPr>
+        </p:nvGrpSpPr>
+        <p:grpSpPr>
           <a:xfrm>
-            <a:off x="3953376" y="0"/>
-            <a:ext cx="1219200" cy="6858000"/>
+            <a:off x="1329267" y="-8467"/>
+            <a:ext cx="4766733" cy="6866467"/>
+            <a:chOff x="7425267" y="-8467"/>
+            <a:chExt cx="4766733" cy="6866467"/>
           </a:xfrm>
-          <a:prstGeom prst="line">
-            <a:avLst/>
-          </a:prstGeom>
-          <a:ln w="9525">
+        </p:grpSpPr>
+        <p:cxnSp>
+          <p:nvCxnSpPr>
+            <p:cNvPr id="12" name="Straight Connector 11">
+              <a:extLst>
+                <a:ext uri="{FF2B5EF4-FFF2-40B4-BE49-F238E27FC236}">
+                  <a16:creationId xmlns:a16="http://schemas.microsoft.com/office/drawing/2014/main" id="{2AFCD2F3-822F-C2C6-A339-382A9BEFE236}"/>
+                </a:ext>
+                <a:ext uri="{C183D7F6-B498-43B3-948B-1728B52AA6E4}">
+                  <adec:decorative xmlns:adec="http://schemas.microsoft.com/office/drawing/2017/decorative" val="1"/>
+                </a:ext>
+              </a:extLst>
+            </p:cNvPr>
+            <p:cNvCxnSpPr/>
+            <p:nvPr>
+              <p:extLst>
+                <p:ext uri="{386F3935-93C4-4BCD-93E2-E3B085C9AB24}">
+                  <p16:designElem xmlns:p16="http://schemas.microsoft.com/office/powerpoint/2015/main" val="1"/>
+                </p:ext>
+              </p:extLst>
+            </p:nvPr>
+          </p:nvCxnSpPr>
+          <p:spPr>
+            <a:xfrm>
+              <a:off x="9371012" y="0"/>
+              <a:ext cx="1219200" cy="6858000"/>
+            </a:xfrm>
+            <a:prstGeom prst="line">
+              <a:avLst/>
+            </a:prstGeom>
+            <a:ln w="9525">
+              <a:solidFill>
+                <a:srgbClr val="BFBFBF">
+                  <a:alpha val="75000"/>
+                </a:srgbClr>
+              </a:solidFill>
+            </a:ln>
+          </p:spPr>
+          <p:style>
+            <a:lnRef idx="2">
+              <a:schemeClr val="accent1"/>
+            </a:lnRef>
+            <a:fillRef idx="0">
+              <a:schemeClr val="accent1"/>
+            </a:fillRef>
+            <a:effectRef idx="1">
+              <a:schemeClr val="accent1"/>
+            </a:effectRef>
+            <a:fontRef idx="minor">
+              <a:schemeClr val="tx1"/>
+            </a:fontRef>
+          </p:style>
+        </p:cxnSp>
+        <p:cxnSp>
+          <p:nvCxnSpPr>
+            <p:cNvPr id="13" name="Straight Connector 12">
+              <a:extLst>
+                <a:ext uri="{FF2B5EF4-FFF2-40B4-BE49-F238E27FC236}">
+                  <a16:creationId xmlns:a16="http://schemas.microsoft.com/office/drawing/2014/main" id="{C87F98AA-E7E5-70FC-044E-86703DA39B75}"/>
+                </a:ext>
+                <a:ext uri="{C183D7F6-B498-43B3-948B-1728B52AA6E4}">
+                  <adec:decorative xmlns:adec="http://schemas.microsoft.com/office/drawing/2017/decorative" val="1"/>
+                </a:ext>
+              </a:extLst>
+            </p:cNvPr>
+            <p:cNvCxnSpPr/>
+            <p:nvPr>
+              <p:extLst>
+                <p:ext uri="{386F3935-93C4-4BCD-93E2-E3B085C9AB24}">
+                  <p16:designElem xmlns:p16="http://schemas.microsoft.com/office/powerpoint/2015/main" val="1"/>
+                </p:ext>
+              </p:extLst>
+            </p:nvPr>
+          </p:nvCxnSpPr>
+          <p:spPr>
+            <a:xfrm flipH="1">
+              <a:off x="7425267" y="3681413"/>
+              <a:ext cx="4763558" cy="3176587"/>
+            </a:xfrm>
+            <a:prstGeom prst="line">
+              <a:avLst/>
+            </a:prstGeom>
+            <a:ln w="9525">
+              <a:solidFill>
+                <a:srgbClr val="BFBFBF">
+                  <a:alpha val="80000"/>
+                </a:srgbClr>
+              </a:solidFill>
+            </a:ln>
+          </p:spPr>
+          <p:style>
+            <a:lnRef idx="2">
+              <a:schemeClr val="accent1"/>
+            </a:lnRef>
+            <a:fillRef idx="0">
+              <a:schemeClr val="accent1"/>
+            </a:fillRef>
+            <a:effectRef idx="1">
+              <a:schemeClr val="accent1"/>
+            </a:effectRef>
+            <a:fontRef idx="minor">
+              <a:schemeClr val="tx1"/>
+            </a:fontRef>
+          </p:style>
+        </p:cxnSp>
+        <p:sp>
+          <p:nvSpPr>
+            <p:cNvPr id="14" name="Rectangle 23">
+              <a:extLst>
+                <a:ext uri="{FF2B5EF4-FFF2-40B4-BE49-F238E27FC236}">
+                  <a16:creationId xmlns:a16="http://schemas.microsoft.com/office/drawing/2014/main" id="{0CF21180-E925-A966-AC8E-7724251F74D0}"/>
+                </a:ext>
+                <a:ext uri="{C183D7F6-B498-43B3-948B-1728B52AA6E4}">
+                  <adec:decorative xmlns:adec="http://schemas.microsoft.com/office/drawing/2017/decorative" val="1"/>
+                </a:ext>
+              </a:extLst>
+            </p:cNvPr>
+            <p:cNvSpPr/>
+            <p:nvPr>
+              <p:extLst>
+                <p:ext uri="{386F3935-93C4-4BCD-93E2-E3B085C9AB24}">
+                  <p16:designElem xmlns:p16="http://schemas.microsoft.com/office/powerpoint/2015/main" val="1"/>
+                </p:ext>
+              </p:extLst>
+            </p:nvPr>
+          </p:nvSpPr>
+          <p:spPr>
+            <a:xfrm>
+              <a:off x="9181476" y="-8467"/>
+              <a:ext cx="3007349" cy="6866467"/>
+            </a:xfrm>
+            <a:custGeom>
+              <a:avLst/>
+              <a:gdLst/>
+              <a:ahLst/>
+              <a:cxnLst/>
+              <a:rect l="l" t="t" r="r" b="b"/>
+              <a:pathLst>
+                <a:path w="3007349" h="6866467">
+                  <a:moveTo>
+                    <a:pt x="2045532" y="0"/>
+                  </a:moveTo>
+                  <a:lnTo>
+                    <a:pt x="3007349" y="0"/>
+                  </a:lnTo>
+                  <a:lnTo>
+                    <a:pt x="3007349" y="6866467"/>
+                  </a:lnTo>
+                  <a:lnTo>
+                    <a:pt x="0" y="6866467"/>
+                  </a:lnTo>
+                  <a:lnTo>
+                    <a:pt x="2045532" y="0"/>
+                  </a:lnTo>
+                  <a:close/>
+                </a:path>
+              </a:pathLst>
+            </a:custGeom>
             <a:solidFill>
               <a:schemeClr val="accent1">
-                <a:lumMod val="75000"/>
+                <a:alpha val="30000"/>
               </a:schemeClr>
             </a:solidFill>
-          </a:ln>
-        </p:spPr>
-        <p:style>
-          <a:lnRef idx="2">
-            <a:schemeClr val="accent1"/>
-          </a:lnRef>
-          <a:fillRef idx="0">
-            <a:schemeClr val="accent1"/>
-          </a:fillRef>
-          <a:effectRef idx="1">
-            <a:schemeClr val="accent1"/>
-          </a:effectRef>
-          <a:fontRef idx="minor">
-            <a:schemeClr val="tx1"/>
-          </a:fontRef>
-        </p:style>
-      </p:cxnSp>
-      <p:cxnSp>
-        <p:nvCxnSpPr>
-          <p:cNvPr id="14" name="Straight Connector 13">
-            <a:extLst>
-              <a:ext uri="{FF2B5EF4-FFF2-40B4-BE49-F238E27FC236}">
-                <a16:creationId xmlns:a16="http://schemas.microsoft.com/office/drawing/2014/main" id="{EFECD4E8-AD3E-4228-82A2-9461958EA94D}"/>
-              </a:ext>
-              <a:ext uri="{C183D7F6-B498-43B3-948B-1728B52AA6E4}">
-                <adec:decorative xmlns:adec="http://schemas.microsoft.com/office/drawing/2017/decorative" val="1"/>
-              </a:ext>
-            </a:extLst>
-          </p:cNvPr>
-          <p:cNvCxnSpPr>
-            <a:cxnSpLocks noGrp="1" noRot="1" noChangeAspect="1" noMove="1" noResize="1" noEditPoints="1" noAdjustHandles="1" noChangeArrowheads="1" noChangeShapeType="1"/>
-          </p:cNvCxnSpPr>
-          <p:nvPr>
-            <p:extLst>
-              <p:ext uri="{386F3935-93C4-4BCD-93E2-E3B085C9AB24}">
-                <p16:designElem xmlns:p16="http://schemas.microsoft.com/office/powerpoint/2015/main" val="1"/>
-              </p:ext>
-            </p:extLst>
-          </p:nvPr>
-        </p:nvCxnSpPr>
-        <p:spPr>
-          <a:xfrm flipH="1">
-            <a:off x="2133042" y="3681413"/>
-            <a:ext cx="4763558" cy="3176587"/>
-          </a:xfrm>
-          <a:prstGeom prst="line">
-            <a:avLst/>
-          </a:prstGeom>
-          <a:ln w="9525">
+            <a:ln>
+              <a:noFill/>
+            </a:ln>
+            <a:effectLst/>
+          </p:spPr>
+          <p:style>
+            <a:lnRef idx="1">
+              <a:schemeClr val="accent1"/>
+            </a:lnRef>
+            <a:fillRef idx="3">
+              <a:schemeClr val="accent1"/>
+            </a:fillRef>
+            <a:effectRef idx="2">
+              <a:schemeClr val="accent1"/>
+            </a:effectRef>
+            <a:fontRef idx="minor">
+              <a:schemeClr val="lt1"/>
+            </a:fontRef>
+          </p:style>
+          <p:txBody>
+            <a:bodyPr/>
+            <a:lstStyle/>
+            <a:p>
+              <a:pPr marL="0" marR="0" lvl="0" indent="0" algn="l" defTabSz="914400" rtl="0" eaLnBrk="1" fontAlgn="auto" latinLnBrk="0" hangingPunct="1">
+                <a:lnSpc>
+                  <a:spcPct val="100000"/>
+                </a:lnSpc>
+                <a:spcBef>
+                  <a:spcPts val="0"/>
+                </a:spcBef>
+                <a:spcAft>
+                  <a:spcPts val="0"/>
+                </a:spcAft>
+                <a:buClrTx/>
+                <a:buSzTx/>
+                <a:buFontTx/>
+                <a:buNone/>
+                <a:tabLst/>
+                <a:defRPr/>
+              </a:pPr>
+              <a:endParaRPr kumimoji="0" lang="en-US" sz="1800" b="0" i="0" u="none" strike="noStrike" kern="1200" cap="none" spc="0" normalizeH="0" baseline="0" noProof="0">
+                <a:ln>
+                  <a:noFill/>
+                </a:ln>
+                <a:solidFill>
+                  <a:prstClr val="white"/>
+                </a:solidFill>
+                <a:effectLst/>
+                <a:uLnTx/>
+                <a:uFillTx/>
+                <a:latin typeface="Trebuchet MS" panose="020B0603020202020204"/>
+                <a:ea typeface="+mn-ea"/>
+                <a:cs typeface="+mn-cs"/>
+              </a:endParaRPr>
+            </a:p>
+          </p:txBody>
+        </p:sp>
+        <p:sp>
+          <p:nvSpPr>
+            <p:cNvPr id="15" name="Rectangle 25">
+              <a:extLst>
+                <a:ext uri="{FF2B5EF4-FFF2-40B4-BE49-F238E27FC236}">
+                  <a16:creationId xmlns:a16="http://schemas.microsoft.com/office/drawing/2014/main" id="{D3FD0824-B523-6CCC-9A94-C64058D2EA25}"/>
+                </a:ext>
+                <a:ext uri="{C183D7F6-B498-43B3-948B-1728B52AA6E4}">
+                  <adec:decorative xmlns:adec="http://schemas.microsoft.com/office/drawing/2017/decorative" val="1"/>
+                </a:ext>
+              </a:extLst>
+            </p:cNvPr>
+            <p:cNvSpPr/>
+            <p:nvPr>
+              <p:extLst>
+                <p:ext uri="{386F3935-93C4-4BCD-93E2-E3B085C9AB24}">
+                  <p16:designElem xmlns:p16="http://schemas.microsoft.com/office/powerpoint/2015/main" val="1"/>
+                </p:ext>
+              </p:extLst>
+            </p:nvPr>
+          </p:nvSpPr>
+          <p:spPr>
+            <a:xfrm>
+              <a:off x="9603442" y="-8467"/>
+              <a:ext cx="2588558" cy="6866467"/>
+            </a:xfrm>
+            <a:custGeom>
+              <a:avLst/>
+              <a:gdLst/>
+              <a:ahLst/>
+              <a:cxnLst/>
+              <a:rect l="l" t="t" r="r" b="b"/>
+              <a:pathLst>
+                <a:path w="2573311" h="6866467">
+                  <a:moveTo>
+                    <a:pt x="0" y="0"/>
+                  </a:moveTo>
+                  <a:lnTo>
+                    <a:pt x="2573311" y="0"/>
+                  </a:lnTo>
+                  <a:lnTo>
+                    <a:pt x="2573311" y="6866467"/>
+                  </a:lnTo>
+                  <a:lnTo>
+                    <a:pt x="1202336" y="6866467"/>
+                  </a:lnTo>
+                  <a:lnTo>
+                    <a:pt x="0" y="0"/>
+                  </a:lnTo>
+                  <a:close/>
+                </a:path>
+              </a:pathLst>
+            </a:custGeom>
             <a:solidFill>
-              <a:schemeClr val="tx1">
-                <a:lumMod val="50000"/>
-                <a:lumOff val="50000"/>
+              <a:schemeClr val="accent1">
+                <a:alpha val="20000"/>
+              </a:schemeClr>
+            </a:solidFill>
+            <a:ln>
+              <a:noFill/>
+            </a:ln>
+            <a:effectLst/>
+          </p:spPr>
+          <p:style>
+            <a:lnRef idx="1">
+              <a:schemeClr val="accent1"/>
+            </a:lnRef>
+            <a:fillRef idx="3">
+              <a:schemeClr val="accent1"/>
+            </a:fillRef>
+            <a:effectRef idx="2">
+              <a:schemeClr val="accent1"/>
+            </a:effectRef>
+            <a:fontRef idx="minor">
+              <a:schemeClr val="lt1"/>
+            </a:fontRef>
+          </p:style>
+          <p:txBody>
+            <a:bodyPr/>
+            <a:lstStyle/>
+            <a:p>
+              <a:pPr marL="0" marR="0" lvl="0" indent="0" algn="l" defTabSz="914400" rtl="0" eaLnBrk="1" fontAlgn="auto" latinLnBrk="0" hangingPunct="1">
+                <a:lnSpc>
+                  <a:spcPct val="100000"/>
+                </a:lnSpc>
+                <a:spcBef>
+                  <a:spcPts val="0"/>
+                </a:spcBef>
+                <a:spcAft>
+                  <a:spcPts val="0"/>
+                </a:spcAft>
+                <a:buClrTx/>
+                <a:buSzTx/>
+                <a:buFontTx/>
+                <a:buNone/>
+                <a:tabLst/>
+                <a:defRPr/>
+              </a:pPr>
+              <a:endParaRPr kumimoji="0" lang="en-US" sz="1800" b="0" i="0" u="none" strike="noStrike" kern="1200" cap="none" spc="0" normalizeH="0" baseline="0" noProof="0">
+                <a:ln>
+                  <a:noFill/>
+                </a:ln>
+                <a:solidFill>
+                  <a:prstClr val="white"/>
+                </a:solidFill>
+                <a:effectLst/>
+                <a:uLnTx/>
+                <a:uFillTx/>
+                <a:latin typeface="Trebuchet MS" panose="020B0603020202020204"/>
+                <a:ea typeface="+mn-ea"/>
+                <a:cs typeface="+mn-cs"/>
+              </a:endParaRPr>
+            </a:p>
+          </p:txBody>
+        </p:sp>
+        <p:sp>
+          <p:nvSpPr>
+            <p:cNvPr id="16" name="Isosceles Triangle 15">
+              <a:extLst>
+                <a:ext uri="{FF2B5EF4-FFF2-40B4-BE49-F238E27FC236}">
+                  <a16:creationId xmlns:a16="http://schemas.microsoft.com/office/drawing/2014/main" id="{EFE98A9F-C034-044D-292C-C15EB10A2DC1}"/>
+                </a:ext>
+                <a:ext uri="{C183D7F6-B498-43B3-948B-1728B52AA6E4}">
+                  <adec:decorative xmlns:adec="http://schemas.microsoft.com/office/drawing/2017/decorative" val="1"/>
+                </a:ext>
+              </a:extLst>
+            </p:cNvPr>
+            <p:cNvSpPr/>
+            <p:nvPr>
+              <p:extLst>
+                <p:ext uri="{386F3935-93C4-4BCD-93E2-E3B085C9AB24}">
+                  <p16:designElem xmlns:p16="http://schemas.microsoft.com/office/powerpoint/2015/main" val="1"/>
+                </p:ext>
+              </p:extLst>
+            </p:nvPr>
+          </p:nvSpPr>
+          <p:spPr>
+            <a:xfrm>
+              <a:off x="8932333" y="3048000"/>
+              <a:ext cx="3259667" cy="3810000"/>
+            </a:xfrm>
+            <a:prstGeom prst="triangle">
+              <a:avLst>
+                <a:gd name="adj" fmla="val 100000"/>
+              </a:avLst>
+            </a:prstGeom>
+            <a:solidFill>
+              <a:schemeClr val="accent2">
+                <a:alpha val="72000"/>
+              </a:schemeClr>
+            </a:solidFill>
+            <a:ln>
+              <a:noFill/>
+            </a:ln>
+            <a:effectLst/>
+          </p:spPr>
+          <p:style>
+            <a:lnRef idx="1">
+              <a:schemeClr val="accent1"/>
+            </a:lnRef>
+            <a:fillRef idx="3">
+              <a:schemeClr val="accent1"/>
+            </a:fillRef>
+            <a:effectRef idx="2">
+              <a:schemeClr val="accent1"/>
+            </a:effectRef>
+            <a:fontRef idx="minor">
+              <a:schemeClr val="lt1"/>
+            </a:fontRef>
+          </p:style>
+          <p:txBody>
+            <a:bodyPr/>
+            <a:lstStyle/>
+            <a:p>
+              <a:pPr marL="0" marR="0" lvl="0" indent="0" algn="l" defTabSz="914400" rtl="0" eaLnBrk="1" fontAlgn="auto" latinLnBrk="0" hangingPunct="1">
+                <a:lnSpc>
+                  <a:spcPct val="100000"/>
+                </a:lnSpc>
+                <a:spcBef>
+                  <a:spcPts val="0"/>
+                </a:spcBef>
+                <a:spcAft>
+                  <a:spcPts val="0"/>
+                </a:spcAft>
+                <a:buClrTx/>
+                <a:buSzTx/>
+                <a:buFontTx/>
+                <a:buNone/>
+                <a:tabLst/>
+                <a:defRPr/>
+              </a:pPr>
+              <a:endParaRPr kumimoji="0" lang="en-US" sz="1800" b="0" i="0" u="none" strike="noStrike" kern="1200" cap="none" spc="0" normalizeH="0" baseline="0" noProof="0">
+                <a:ln>
+                  <a:noFill/>
+                </a:ln>
+                <a:solidFill>
+                  <a:prstClr val="white"/>
+                </a:solidFill>
+                <a:effectLst/>
+                <a:uLnTx/>
+                <a:uFillTx/>
+                <a:latin typeface="Trebuchet MS" panose="020B0603020202020204"/>
+                <a:ea typeface="+mn-ea"/>
+                <a:cs typeface="+mn-cs"/>
+              </a:endParaRPr>
+            </a:p>
+          </p:txBody>
+        </p:sp>
+        <p:sp>
+          <p:nvSpPr>
+            <p:cNvPr id="17" name="Rectangle 27">
+              <a:extLst>
+                <a:ext uri="{FF2B5EF4-FFF2-40B4-BE49-F238E27FC236}">
+                  <a16:creationId xmlns:a16="http://schemas.microsoft.com/office/drawing/2014/main" id="{0C2E497E-3766-F9C2-F487-D0ABCAEF6F68}"/>
+                </a:ext>
+                <a:ext uri="{C183D7F6-B498-43B3-948B-1728B52AA6E4}">
+                  <adec:decorative xmlns:adec="http://schemas.microsoft.com/office/drawing/2017/decorative" val="1"/>
+                </a:ext>
+              </a:extLst>
+            </p:cNvPr>
+            <p:cNvSpPr/>
+            <p:nvPr>
+              <p:extLst>
+                <p:ext uri="{386F3935-93C4-4BCD-93E2-E3B085C9AB24}">
+                  <p16:designElem xmlns:p16="http://schemas.microsoft.com/office/powerpoint/2015/main" val="1"/>
+                </p:ext>
+              </p:extLst>
+            </p:nvPr>
+          </p:nvSpPr>
+          <p:spPr>
+            <a:xfrm>
+              <a:off x="9334500" y="-8467"/>
+              <a:ext cx="2854326" cy="6866467"/>
+            </a:xfrm>
+            <a:custGeom>
+              <a:avLst/>
+              <a:gdLst/>
+              <a:ahLst/>
+              <a:cxnLst/>
+              <a:rect l="l" t="t" r="r" b="b"/>
+              <a:pathLst>
+                <a:path w="2858013" h="6866467">
+                  <a:moveTo>
+                    <a:pt x="0" y="0"/>
+                  </a:moveTo>
+                  <a:lnTo>
+                    <a:pt x="2858013" y="0"/>
+                  </a:lnTo>
+                  <a:lnTo>
+                    <a:pt x="2858013" y="6866467"/>
+                  </a:lnTo>
+                  <a:lnTo>
+                    <a:pt x="2473942" y="6866467"/>
+                  </a:lnTo>
+                  <a:lnTo>
+                    <a:pt x="0" y="0"/>
+                  </a:lnTo>
+                  <a:close/>
+                </a:path>
+              </a:pathLst>
+            </a:custGeom>
+            <a:solidFill>
+              <a:schemeClr val="accent2">
+                <a:lumMod val="75000"/>
+                <a:alpha val="70000"/>
+              </a:schemeClr>
+            </a:solidFill>
+            <a:ln>
+              <a:noFill/>
+            </a:ln>
+            <a:effectLst/>
+          </p:spPr>
+          <p:style>
+            <a:lnRef idx="1">
+              <a:schemeClr val="accent1"/>
+            </a:lnRef>
+            <a:fillRef idx="3">
+              <a:schemeClr val="accent1"/>
+            </a:fillRef>
+            <a:effectRef idx="2">
+              <a:schemeClr val="accent1"/>
+            </a:effectRef>
+            <a:fontRef idx="minor">
+              <a:schemeClr val="lt1"/>
+            </a:fontRef>
+          </p:style>
+          <p:txBody>
+            <a:bodyPr/>
+            <a:lstStyle/>
+            <a:p>
+              <a:pPr marL="0" marR="0" lvl="0" indent="0" algn="l" defTabSz="914400" rtl="0" eaLnBrk="1" fontAlgn="auto" latinLnBrk="0" hangingPunct="1">
+                <a:lnSpc>
+                  <a:spcPct val="100000"/>
+                </a:lnSpc>
+                <a:spcBef>
+                  <a:spcPts val="0"/>
+                </a:spcBef>
+                <a:spcAft>
+                  <a:spcPts val="0"/>
+                </a:spcAft>
+                <a:buClrTx/>
+                <a:buSzTx/>
+                <a:buFontTx/>
+                <a:buNone/>
+                <a:tabLst/>
+                <a:defRPr/>
+              </a:pPr>
+              <a:endParaRPr kumimoji="0" lang="en-US" sz="1800" b="0" i="0" u="none" strike="noStrike" kern="1200" cap="none" spc="0" normalizeH="0" baseline="0" noProof="0">
+                <a:ln>
+                  <a:noFill/>
+                </a:ln>
+                <a:solidFill>
+                  <a:prstClr val="white"/>
+                </a:solidFill>
+                <a:effectLst/>
+                <a:uLnTx/>
+                <a:uFillTx/>
+                <a:latin typeface="Trebuchet MS" panose="020B0603020202020204"/>
+                <a:ea typeface="+mn-ea"/>
+                <a:cs typeface="+mn-cs"/>
+              </a:endParaRPr>
+            </a:p>
+          </p:txBody>
+        </p:sp>
+        <p:sp>
+          <p:nvSpPr>
+            <p:cNvPr id="18" name="Rectangle 28">
+              <a:extLst>
+                <a:ext uri="{FF2B5EF4-FFF2-40B4-BE49-F238E27FC236}">
+                  <a16:creationId xmlns:a16="http://schemas.microsoft.com/office/drawing/2014/main" id="{5B8412BC-6D8B-A4C4-AB24-FFE1C9B5FA2D}"/>
+                </a:ext>
+                <a:ext uri="{C183D7F6-B498-43B3-948B-1728B52AA6E4}">
+                  <adec:decorative xmlns:adec="http://schemas.microsoft.com/office/drawing/2017/decorative" val="1"/>
+                </a:ext>
+              </a:extLst>
+            </p:cNvPr>
+            <p:cNvSpPr/>
+            <p:nvPr>
+              <p:extLst>
+                <p:ext uri="{386F3935-93C4-4BCD-93E2-E3B085C9AB24}">
+                  <p16:designElem xmlns:p16="http://schemas.microsoft.com/office/powerpoint/2015/main" val="1"/>
+                </p:ext>
+              </p:extLst>
+            </p:nvPr>
+          </p:nvSpPr>
+          <p:spPr>
+            <a:xfrm>
+              <a:off x="10898730" y="-8467"/>
+              <a:ext cx="1290094" cy="6866467"/>
+            </a:xfrm>
+            <a:custGeom>
+              <a:avLst/>
+              <a:gdLst/>
+              <a:ahLst/>
+              <a:cxnLst/>
+              <a:rect l="l" t="t" r="r" b="b"/>
+              <a:pathLst>
+                <a:path w="1290094" h="6858000">
+                  <a:moveTo>
+                    <a:pt x="1019735" y="0"/>
+                  </a:moveTo>
+                  <a:lnTo>
+                    <a:pt x="1290094" y="0"/>
+                  </a:lnTo>
+                  <a:lnTo>
+                    <a:pt x="1290094" y="6858000"/>
+                  </a:lnTo>
+                  <a:lnTo>
+                    <a:pt x="0" y="6858000"/>
+                  </a:lnTo>
+                  <a:lnTo>
+                    <a:pt x="1019735" y="0"/>
+                  </a:lnTo>
+                  <a:close/>
+                </a:path>
+              </a:pathLst>
+            </a:custGeom>
+            <a:solidFill>
+              <a:schemeClr val="accent1">
+                <a:lumMod val="60000"/>
+                <a:lumOff val="40000"/>
+                <a:alpha val="70000"/>
+              </a:schemeClr>
+            </a:solidFill>
+            <a:ln>
+              <a:noFill/>
+            </a:ln>
+            <a:effectLst/>
+          </p:spPr>
+          <p:style>
+            <a:lnRef idx="1">
+              <a:schemeClr val="accent1"/>
+            </a:lnRef>
+            <a:fillRef idx="3">
+              <a:schemeClr val="accent1"/>
+            </a:fillRef>
+            <a:effectRef idx="2">
+              <a:schemeClr val="accent1"/>
+            </a:effectRef>
+            <a:fontRef idx="minor">
+              <a:schemeClr val="lt1"/>
+            </a:fontRef>
+          </p:style>
+          <p:txBody>
+            <a:bodyPr/>
+            <a:lstStyle/>
+            <a:p>
+              <a:pPr marL="0" marR="0" lvl="0" indent="0" algn="l" defTabSz="914400" rtl="0" eaLnBrk="1" fontAlgn="auto" latinLnBrk="0" hangingPunct="1">
+                <a:lnSpc>
+                  <a:spcPct val="100000"/>
+                </a:lnSpc>
+                <a:spcBef>
+                  <a:spcPts val="0"/>
+                </a:spcBef>
+                <a:spcAft>
+                  <a:spcPts val="0"/>
+                </a:spcAft>
+                <a:buClrTx/>
+                <a:buSzTx/>
+                <a:buFontTx/>
+                <a:buNone/>
+                <a:tabLst/>
+                <a:defRPr/>
+              </a:pPr>
+              <a:endParaRPr kumimoji="0" lang="en-US" sz="1800" b="0" i="0" u="none" strike="noStrike" kern="1200" cap="none" spc="0" normalizeH="0" baseline="0" noProof="0">
+                <a:ln>
+                  <a:noFill/>
+                </a:ln>
+                <a:solidFill>
+                  <a:prstClr val="white"/>
+                </a:solidFill>
+                <a:effectLst/>
+                <a:uLnTx/>
+                <a:uFillTx/>
+                <a:latin typeface="Trebuchet MS" panose="020B0603020202020204"/>
+                <a:ea typeface="+mn-ea"/>
+                <a:cs typeface="+mn-cs"/>
+              </a:endParaRPr>
+            </a:p>
+          </p:txBody>
+        </p:sp>
+        <p:sp>
+          <p:nvSpPr>
+            <p:cNvPr id="19" name="Rectangle 29">
+              <a:extLst>
+                <a:ext uri="{FF2B5EF4-FFF2-40B4-BE49-F238E27FC236}">
+                  <a16:creationId xmlns:a16="http://schemas.microsoft.com/office/drawing/2014/main" id="{28ABBCBB-78D3-CF2E-1B66-DAB361C97C29}"/>
+                </a:ext>
+                <a:ext uri="{C183D7F6-B498-43B3-948B-1728B52AA6E4}">
+                  <adec:decorative xmlns:adec="http://schemas.microsoft.com/office/drawing/2017/decorative" val="1"/>
+                </a:ext>
+              </a:extLst>
+            </p:cNvPr>
+            <p:cNvSpPr/>
+            <p:nvPr>
+              <p:extLst>
+                <p:ext uri="{386F3935-93C4-4BCD-93E2-E3B085C9AB24}">
+                  <p16:designElem xmlns:p16="http://schemas.microsoft.com/office/powerpoint/2015/main" val="1"/>
+                </p:ext>
+              </p:extLst>
+            </p:nvPr>
+          </p:nvSpPr>
+          <p:spPr>
+            <a:xfrm>
+              <a:off x="10938999" y="-8467"/>
+              <a:ext cx="1249825" cy="6866467"/>
+            </a:xfrm>
+            <a:custGeom>
+              <a:avLst/>
+              <a:gdLst/>
+              <a:ahLst/>
+              <a:cxnLst/>
+              <a:rect l="l" t="t" r="r" b="b"/>
+              <a:pathLst>
+                <a:path w="1249825" h="6858000">
+                  <a:moveTo>
+                    <a:pt x="0" y="0"/>
+                  </a:moveTo>
+                  <a:lnTo>
+                    <a:pt x="1249825" y="0"/>
+                  </a:lnTo>
+                  <a:lnTo>
+                    <a:pt x="1249825" y="6858000"/>
+                  </a:lnTo>
+                  <a:lnTo>
+                    <a:pt x="1109382" y="6858000"/>
+                  </a:lnTo>
+                  <a:lnTo>
+                    <a:pt x="0" y="0"/>
+                  </a:lnTo>
+                  <a:close/>
+                </a:path>
+              </a:pathLst>
+            </a:custGeom>
+            <a:solidFill>
+              <a:schemeClr val="accent1">
+                <a:alpha val="65000"/>
+              </a:schemeClr>
+            </a:solidFill>
+            <a:ln>
+              <a:noFill/>
+            </a:ln>
+            <a:effectLst/>
+          </p:spPr>
+          <p:style>
+            <a:lnRef idx="1">
+              <a:schemeClr val="accent1"/>
+            </a:lnRef>
+            <a:fillRef idx="3">
+              <a:schemeClr val="accent1"/>
+            </a:fillRef>
+            <a:effectRef idx="2">
+              <a:schemeClr val="accent1"/>
+            </a:effectRef>
+            <a:fontRef idx="minor">
+              <a:schemeClr val="lt1"/>
+            </a:fontRef>
+          </p:style>
+          <p:txBody>
+            <a:bodyPr/>
+            <a:lstStyle/>
+            <a:p>
+              <a:pPr marL="0" marR="0" lvl="0" indent="0" algn="l" defTabSz="914400" rtl="0" eaLnBrk="1" fontAlgn="auto" latinLnBrk="0" hangingPunct="1">
+                <a:lnSpc>
+                  <a:spcPct val="100000"/>
+                </a:lnSpc>
+                <a:spcBef>
+                  <a:spcPts val="0"/>
+                </a:spcBef>
+                <a:spcAft>
+                  <a:spcPts val="0"/>
+                </a:spcAft>
+                <a:buClrTx/>
+                <a:buSzTx/>
+                <a:buFontTx/>
+                <a:buNone/>
+                <a:tabLst/>
+                <a:defRPr/>
+              </a:pPr>
+              <a:endParaRPr kumimoji="0" lang="en-US" sz="1800" b="0" i="0" u="none" strike="noStrike" kern="1200" cap="none" spc="0" normalizeH="0" baseline="0" noProof="0">
+                <a:ln>
+                  <a:noFill/>
+                </a:ln>
+                <a:solidFill>
+                  <a:prstClr val="white"/>
+                </a:solidFill>
+                <a:effectLst/>
+                <a:uLnTx/>
+                <a:uFillTx/>
+                <a:latin typeface="Trebuchet MS" panose="020B0603020202020204"/>
+                <a:ea typeface="+mn-ea"/>
+                <a:cs typeface="+mn-cs"/>
+              </a:endParaRPr>
+            </a:p>
+          </p:txBody>
+        </p:sp>
+        <p:sp>
+          <p:nvSpPr>
+            <p:cNvPr id="20" name="Isosceles Triangle 19">
+              <a:extLst>
+                <a:ext uri="{FF2B5EF4-FFF2-40B4-BE49-F238E27FC236}">
+                  <a16:creationId xmlns:a16="http://schemas.microsoft.com/office/drawing/2014/main" id="{0750AB68-4A14-264C-1279-9A6C3D0D39B1}"/>
+                </a:ext>
+                <a:ext uri="{C183D7F6-B498-43B3-948B-1728B52AA6E4}">
+                  <adec:decorative xmlns:adec="http://schemas.microsoft.com/office/drawing/2017/decorative" val="1"/>
+                </a:ext>
+              </a:extLst>
+            </p:cNvPr>
+            <p:cNvSpPr/>
+            <p:nvPr>
+              <p:extLst>
+                <p:ext uri="{386F3935-93C4-4BCD-93E2-E3B085C9AB24}">
+                  <p16:designElem xmlns:p16="http://schemas.microsoft.com/office/powerpoint/2015/main" val="1"/>
+                </p:ext>
+              </p:extLst>
+            </p:nvPr>
+          </p:nvSpPr>
+          <p:spPr>
+            <a:xfrm>
+              <a:off x="10371666" y="3589867"/>
+              <a:ext cx="1817159" cy="3268133"/>
+            </a:xfrm>
+            <a:prstGeom prst="triangle">
+              <a:avLst>
+                <a:gd name="adj" fmla="val 100000"/>
+              </a:avLst>
+            </a:prstGeom>
+            <a:solidFill>
+              <a:schemeClr val="accent1">
                 <a:alpha val="80000"/>
               </a:schemeClr>
             </a:solidFill>
-          </a:ln>
-        </p:spPr>
-        <p:style>
-          <a:lnRef idx="2">
-            <a:schemeClr val="accent1"/>
-          </a:lnRef>
-          <a:fillRef idx="0">
-            <a:schemeClr val="accent1"/>
-          </a:fillRef>
-          <a:effectRef idx="1">
-            <a:schemeClr val="accent1"/>
-          </a:effectRef>
-          <a:fontRef idx="minor">
-            <a:schemeClr val="tx1"/>
-          </a:fontRef>
-        </p:style>
-      </p:cxnSp>
+            <a:ln>
+              <a:noFill/>
+            </a:ln>
+            <a:effectLst/>
+          </p:spPr>
+          <p:style>
+            <a:lnRef idx="1">
+              <a:schemeClr val="accent1"/>
+            </a:lnRef>
+            <a:fillRef idx="3">
+              <a:schemeClr val="accent1"/>
+            </a:fillRef>
+            <a:effectRef idx="2">
+              <a:schemeClr val="accent1"/>
+            </a:effectRef>
+            <a:fontRef idx="minor">
+              <a:schemeClr val="lt1"/>
+            </a:fontRef>
+          </p:style>
+          <p:txBody>
+            <a:bodyPr/>
+            <a:lstStyle/>
+            <a:p>
+              <a:pPr marL="0" marR="0" lvl="0" indent="0" algn="l" defTabSz="914400" rtl="0" eaLnBrk="1" fontAlgn="auto" latinLnBrk="0" hangingPunct="1">
+                <a:lnSpc>
+                  <a:spcPct val="100000"/>
+                </a:lnSpc>
+                <a:spcBef>
+                  <a:spcPts val="0"/>
+                </a:spcBef>
+                <a:spcAft>
+                  <a:spcPts val="0"/>
+                </a:spcAft>
+                <a:buClrTx/>
+                <a:buSzTx/>
+                <a:buFontTx/>
+                <a:buNone/>
+                <a:tabLst/>
+                <a:defRPr/>
+              </a:pPr>
+              <a:endParaRPr kumimoji="0" lang="en-US" sz="1800" b="0" i="0" u="none" strike="noStrike" kern="1200" cap="none" spc="0" normalizeH="0" baseline="0" noProof="0">
+                <a:ln>
+                  <a:noFill/>
+                </a:ln>
+                <a:solidFill>
+                  <a:prstClr val="white"/>
+                </a:solidFill>
+                <a:effectLst/>
+                <a:uLnTx/>
+                <a:uFillTx/>
+                <a:latin typeface="Trebuchet MS" panose="020B0603020202020204"/>
+                <a:ea typeface="+mn-ea"/>
+                <a:cs typeface="+mn-cs"/>
+              </a:endParaRPr>
+            </a:p>
+          </p:txBody>
+        </p:sp>
+      </p:grpSp>
       <p:sp>
         <p:nvSpPr>
-          <p:cNvPr id="16" name="Rectangle 23">
+          <p:cNvPr id="22" name="Rectangle 21">
             <a:extLst>
               <a:ext uri="{FF2B5EF4-FFF2-40B4-BE49-F238E27FC236}">
-                <a16:creationId xmlns:a16="http://schemas.microsoft.com/office/drawing/2014/main" id="{7E018740-5C2B-4A41-AC1A-7E68D1EC1954}"/>
+                <a16:creationId xmlns:a16="http://schemas.microsoft.com/office/drawing/2014/main" id="{8A20745B-2A46-27C2-A616-B35DE98FAF96}"/>
               </a:ext>
               <a:ext uri="{C183D7F6-B498-43B3-948B-1728B52AA6E4}">
                 <adec:decorative xmlns:adec="http://schemas.microsoft.com/office/drawing/2017/decorative" val="1"/>
@@ -20763,481 +19754,12 @@
         </p:nvSpPr>
         <p:spPr>
           <a:xfrm>
-            <a:off x="3324631" y="-8467"/>
-            <a:ext cx="3007349" cy="6866467"/>
+            <a:off x="5977719" y="0"/>
+            <a:ext cx="6214281" cy="6858000"/>
           </a:xfrm>
-          <a:custGeom>
+          <a:prstGeom prst="rect">
             <a:avLst/>
-            <a:gdLst/>
-            <a:ahLst/>
-            <a:cxnLst/>
-            <a:rect l="l" t="t" r="r" b="b"/>
-            <a:pathLst>
-              <a:path w="3007349" h="6866467">
-                <a:moveTo>
-                  <a:pt x="2045532" y="0"/>
-                </a:moveTo>
-                <a:lnTo>
-                  <a:pt x="3007349" y="0"/>
-                </a:lnTo>
-                <a:lnTo>
-                  <a:pt x="3007349" y="6866467"/>
-                </a:lnTo>
-                <a:lnTo>
-                  <a:pt x="0" y="6866467"/>
-                </a:lnTo>
-                <a:lnTo>
-                  <a:pt x="2045532" y="0"/>
-                </a:lnTo>
-                <a:close/>
-              </a:path>
-            </a:pathLst>
-          </a:custGeom>
-          <a:solidFill>
-            <a:schemeClr val="accent1">
-              <a:alpha val="30000"/>
-            </a:schemeClr>
-          </a:solidFill>
-          <a:ln>
-            <a:noFill/>
-          </a:ln>
-          <a:effectLst/>
-        </p:spPr>
-        <p:style>
-          <a:lnRef idx="1">
-            <a:schemeClr val="accent1"/>
-          </a:lnRef>
-          <a:fillRef idx="3">
-            <a:schemeClr val="accent1"/>
-          </a:fillRef>
-          <a:effectRef idx="2">
-            <a:schemeClr val="accent1"/>
-          </a:effectRef>
-          <a:fontRef idx="minor">
-            <a:schemeClr val="lt1"/>
-          </a:fontRef>
-        </p:style>
-      </p:sp>
-      <p:sp>
-        <p:nvSpPr>
-          <p:cNvPr id="18" name="Rectangle 25">
-            <a:extLst>
-              <a:ext uri="{FF2B5EF4-FFF2-40B4-BE49-F238E27FC236}">
-                <a16:creationId xmlns:a16="http://schemas.microsoft.com/office/drawing/2014/main" id="{166F75A4-C475-4941-8EE2-B80A06A2C1BB}"/>
-              </a:ext>
-              <a:ext uri="{C183D7F6-B498-43B3-948B-1728B52AA6E4}">
-                <adec:decorative xmlns:adec="http://schemas.microsoft.com/office/drawing/2017/decorative" val="1"/>
-              </a:ext>
-            </a:extLst>
-          </p:cNvPr>
-          <p:cNvSpPr>
-            <a:spLocks noGrp="1" noRot="1" noChangeAspect="1" noMove="1" noResize="1" noEditPoints="1" noAdjustHandles="1" noChangeArrowheads="1" noChangeShapeType="1" noTextEdit="1"/>
-          </p:cNvSpPr>
-          <p:nvPr>
-            <p:extLst>
-              <p:ext uri="{386F3935-93C4-4BCD-93E2-E3B085C9AB24}">
-                <p16:designElem xmlns:p16="http://schemas.microsoft.com/office/powerpoint/2015/main" val="1"/>
-              </p:ext>
-            </p:extLst>
-          </p:nvPr>
-        </p:nvSpPr>
-        <p:spPr>
-          <a:xfrm>
-            <a:off x="3746597" y="-8467"/>
-            <a:ext cx="2588558" cy="6866467"/>
-          </a:xfrm>
-          <a:custGeom>
-            <a:avLst/>
-            <a:gdLst/>
-            <a:ahLst/>
-            <a:cxnLst/>
-            <a:rect l="l" t="t" r="r" b="b"/>
-            <a:pathLst>
-              <a:path w="2573311" h="6866467">
-                <a:moveTo>
-                  <a:pt x="0" y="0"/>
-                </a:moveTo>
-                <a:lnTo>
-                  <a:pt x="2573311" y="0"/>
-                </a:lnTo>
-                <a:lnTo>
-                  <a:pt x="2573311" y="6866467"/>
-                </a:lnTo>
-                <a:lnTo>
-                  <a:pt x="1202336" y="6866467"/>
-                </a:lnTo>
-                <a:lnTo>
-                  <a:pt x="0" y="0"/>
-                </a:lnTo>
-                <a:close/>
-              </a:path>
-            </a:pathLst>
-          </a:custGeom>
-          <a:solidFill>
-            <a:schemeClr val="accent1">
-              <a:alpha val="20000"/>
-            </a:schemeClr>
-          </a:solidFill>
-          <a:ln>
-            <a:noFill/>
-          </a:ln>
-          <a:effectLst/>
-        </p:spPr>
-        <p:style>
-          <a:lnRef idx="1">
-            <a:schemeClr val="accent1"/>
-          </a:lnRef>
-          <a:fillRef idx="3">
-            <a:schemeClr val="accent1"/>
-          </a:fillRef>
-          <a:effectRef idx="2">
-            <a:schemeClr val="accent1"/>
-          </a:effectRef>
-          <a:fontRef idx="minor">
-            <a:schemeClr val="lt1"/>
-          </a:fontRef>
-        </p:style>
-      </p:sp>
-      <p:sp>
-        <p:nvSpPr>
-          <p:cNvPr id="20" name="Isosceles Triangle 19">
-            <a:extLst>
-              <a:ext uri="{FF2B5EF4-FFF2-40B4-BE49-F238E27FC236}">
-                <a16:creationId xmlns:a16="http://schemas.microsoft.com/office/drawing/2014/main" id="{A032553A-72E8-4B0D-8405-FF9771C9AF05}"/>
-              </a:ext>
-              <a:ext uri="{C183D7F6-B498-43B3-948B-1728B52AA6E4}">
-                <adec:decorative xmlns:adec="http://schemas.microsoft.com/office/drawing/2017/decorative" val="1"/>
-              </a:ext>
-            </a:extLst>
-          </p:cNvPr>
-          <p:cNvSpPr>
-            <a:spLocks noGrp="1" noRot="1" noChangeAspect="1" noMove="1" noResize="1" noEditPoints="1" noAdjustHandles="1" noChangeArrowheads="1" noChangeShapeType="1" noTextEdit="1"/>
-          </p:cNvSpPr>
-          <p:nvPr>
-            <p:extLst>
-              <p:ext uri="{386F3935-93C4-4BCD-93E2-E3B085C9AB24}">
-                <p16:designElem xmlns:p16="http://schemas.microsoft.com/office/powerpoint/2015/main" val="1"/>
-              </p:ext>
-            </p:extLst>
-          </p:nvPr>
-        </p:nvSpPr>
-        <p:spPr>
-          <a:xfrm>
-            <a:off x="3075488" y="3048000"/>
-            <a:ext cx="3259667" cy="3810000"/>
-          </a:xfrm>
-          <a:prstGeom prst="triangle">
-            <a:avLst>
-              <a:gd name="adj" fmla="val 100000"/>
-            </a:avLst>
           </a:prstGeom>
-          <a:solidFill>
-            <a:schemeClr val="accent2">
-              <a:alpha val="72000"/>
-            </a:schemeClr>
-          </a:solidFill>
-          <a:ln>
-            <a:noFill/>
-          </a:ln>
-          <a:effectLst/>
-        </p:spPr>
-        <p:style>
-          <a:lnRef idx="1">
-            <a:schemeClr val="accent1"/>
-          </a:lnRef>
-          <a:fillRef idx="3">
-            <a:schemeClr val="accent1"/>
-          </a:fillRef>
-          <a:effectRef idx="2">
-            <a:schemeClr val="accent1"/>
-          </a:effectRef>
-          <a:fontRef idx="minor">
-            <a:schemeClr val="lt1"/>
-          </a:fontRef>
-        </p:style>
-      </p:sp>
-      <p:sp>
-        <p:nvSpPr>
-          <p:cNvPr id="22" name="Rectangle 27">
-            <a:extLst>
-              <a:ext uri="{FF2B5EF4-FFF2-40B4-BE49-F238E27FC236}">
-                <a16:creationId xmlns:a16="http://schemas.microsoft.com/office/drawing/2014/main" id="{765800AC-C3B9-498E-87BC-29FAE4C76B21}"/>
-              </a:ext>
-              <a:ext uri="{C183D7F6-B498-43B3-948B-1728B52AA6E4}">
-                <adec:decorative xmlns:adec="http://schemas.microsoft.com/office/drawing/2017/decorative" val="1"/>
-              </a:ext>
-            </a:extLst>
-          </p:cNvPr>
-          <p:cNvSpPr>
-            <a:spLocks noGrp="1" noRot="1" noChangeAspect="1" noMove="1" noResize="1" noEditPoints="1" noAdjustHandles="1" noChangeArrowheads="1" noChangeShapeType="1" noTextEdit="1"/>
-          </p:cNvSpPr>
-          <p:nvPr>
-            <p:extLst>
-              <p:ext uri="{386F3935-93C4-4BCD-93E2-E3B085C9AB24}">
-                <p16:designElem xmlns:p16="http://schemas.microsoft.com/office/powerpoint/2015/main" val="1"/>
-              </p:ext>
-            </p:extLst>
-          </p:nvPr>
-        </p:nvSpPr>
-        <p:spPr>
-          <a:xfrm>
-            <a:off x="3477655" y="-8467"/>
-            <a:ext cx="2854326" cy="6866467"/>
-          </a:xfrm>
-          <a:custGeom>
-            <a:avLst/>
-            <a:gdLst/>
-            <a:ahLst/>
-            <a:cxnLst/>
-            <a:rect l="l" t="t" r="r" b="b"/>
-            <a:pathLst>
-              <a:path w="2858013" h="6866467">
-                <a:moveTo>
-                  <a:pt x="0" y="0"/>
-                </a:moveTo>
-                <a:lnTo>
-                  <a:pt x="2858013" y="0"/>
-                </a:lnTo>
-                <a:lnTo>
-                  <a:pt x="2858013" y="6866467"/>
-                </a:lnTo>
-                <a:lnTo>
-                  <a:pt x="2473942" y="6866467"/>
-                </a:lnTo>
-                <a:lnTo>
-                  <a:pt x="0" y="0"/>
-                </a:lnTo>
-                <a:close/>
-              </a:path>
-            </a:pathLst>
-          </a:custGeom>
-          <a:solidFill>
-            <a:schemeClr val="accent2">
-              <a:lumMod val="75000"/>
-              <a:alpha val="70000"/>
-            </a:schemeClr>
-          </a:solidFill>
-          <a:ln>
-            <a:noFill/>
-          </a:ln>
-          <a:effectLst/>
-        </p:spPr>
-        <p:style>
-          <a:lnRef idx="1">
-            <a:schemeClr val="accent1"/>
-          </a:lnRef>
-          <a:fillRef idx="3">
-            <a:schemeClr val="accent1"/>
-          </a:fillRef>
-          <a:effectRef idx="2">
-            <a:schemeClr val="accent1"/>
-          </a:effectRef>
-          <a:fontRef idx="minor">
-            <a:schemeClr val="lt1"/>
-          </a:fontRef>
-        </p:style>
-      </p:sp>
-      <p:sp>
-        <p:nvSpPr>
-          <p:cNvPr id="24" name="Isosceles Triangle 23">
-            <a:extLst>
-              <a:ext uri="{FF2B5EF4-FFF2-40B4-BE49-F238E27FC236}">
-                <a16:creationId xmlns:a16="http://schemas.microsoft.com/office/drawing/2014/main" id="{1F9D6ACB-2FF4-49F9-978A-E0D5327FC635}"/>
-              </a:ext>
-              <a:ext uri="{C183D7F6-B498-43B3-948B-1728B52AA6E4}">
-                <adec:decorative xmlns:adec="http://schemas.microsoft.com/office/drawing/2017/decorative" val="1"/>
-              </a:ext>
-            </a:extLst>
-          </p:cNvPr>
-          <p:cNvSpPr>
-            <a:spLocks noGrp="1" noRot="1" noChangeAspect="1" noMove="1" noResize="1" noEditPoints="1" noAdjustHandles="1" noChangeArrowheads="1" noChangeShapeType="1" noTextEdit="1"/>
-          </p:cNvSpPr>
-          <p:nvPr>
-            <p:extLst>
-              <p:ext uri="{386F3935-93C4-4BCD-93E2-E3B085C9AB24}">
-                <p16:designElem xmlns:p16="http://schemas.microsoft.com/office/powerpoint/2015/main" val="1"/>
-              </p:ext>
-            </p:extLst>
-          </p:nvPr>
-        </p:nvSpPr>
-        <p:spPr>
-          <a:xfrm>
-            <a:off x="4514821" y="3589867"/>
-            <a:ext cx="1817159" cy="3268133"/>
-          </a:xfrm>
-          <a:prstGeom prst="triangle">
-            <a:avLst>
-              <a:gd name="adj" fmla="val 100000"/>
-            </a:avLst>
-          </a:prstGeom>
-          <a:solidFill>
-            <a:schemeClr val="accent1">
-              <a:alpha val="80000"/>
-            </a:schemeClr>
-          </a:solidFill>
-          <a:ln>
-            <a:noFill/>
-          </a:ln>
-          <a:effectLst/>
-        </p:spPr>
-        <p:style>
-          <a:lnRef idx="1">
-            <a:schemeClr val="accent1"/>
-          </a:lnRef>
-          <a:fillRef idx="3">
-            <a:schemeClr val="accent1"/>
-          </a:fillRef>
-          <a:effectRef idx="2">
-            <a:schemeClr val="accent1"/>
-          </a:effectRef>
-          <a:fontRef idx="minor">
-            <a:schemeClr val="lt1"/>
-          </a:fontRef>
-        </p:style>
-      </p:sp>
-      <p:sp>
-        <p:nvSpPr>
-          <p:cNvPr id="2" name="Title 1">
-            <a:extLst>
-              <a:ext uri="{FF2B5EF4-FFF2-40B4-BE49-F238E27FC236}">
-                <a16:creationId xmlns:a16="http://schemas.microsoft.com/office/drawing/2014/main" id="{B6FF3B1F-E0DA-764D-F813-255D8D0D11D1}"/>
-              </a:ext>
-            </a:extLst>
-          </p:cNvPr>
-          <p:cNvSpPr>
-            <a:spLocks noGrp="1"/>
-          </p:cNvSpPr>
-          <p:nvPr>
-            <p:ph type="title"/>
-          </p:nvPr>
-        </p:nvSpPr>
-        <p:spPr>
-          <a:xfrm>
-            <a:off x="677334" y="609600"/>
-            <a:ext cx="3843375" cy="5175624"/>
-          </a:xfrm>
-        </p:spPr>
-        <p:txBody>
-          <a:bodyPr anchor="ctr">
-            <a:normAutofit/>
-          </a:bodyPr>
-          <a:lstStyle/>
-          <a:p>
-            <a:r>
-              <a:rPr lang="en-US">
-                <a:solidFill>
-                  <a:schemeClr val="tx1">
-                    <a:lumMod val="85000"/>
-                    <a:lumOff val="15000"/>
-                  </a:schemeClr>
-                </a:solidFill>
-              </a:rPr>
-              <a:t>Presentation guidelines</a:t>
-            </a:r>
-          </a:p>
-        </p:txBody>
-      </p:sp>
-      <p:sp>
-        <p:nvSpPr>
-          <p:cNvPr id="26" name="Freeform: Shape 25">
-            <a:extLst>
-              <a:ext uri="{FF2B5EF4-FFF2-40B4-BE49-F238E27FC236}">
-                <a16:creationId xmlns:a16="http://schemas.microsoft.com/office/drawing/2014/main" id="{142BFA2A-77A0-4F60-A32A-685681C84889}"/>
-              </a:ext>
-              <a:ext uri="{C183D7F6-B498-43B3-948B-1728B52AA6E4}">
-                <adec:decorative xmlns:adec="http://schemas.microsoft.com/office/drawing/2017/decorative" val="1"/>
-              </a:ext>
-            </a:extLst>
-          </p:cNvPr>
-          <p:cNvSpPr>
-            <a:spLocks noGrp="1" noRot="1" noChangeAspect="1" noMove="1" noResize="1" noEditPoints="1" noAdjustHandles="1" noChangeArrowheads="1" noChangeShapeType="1" noTextEdit="1"/>
-          </p:cNvSpPr>
-          <p:nvPr>
-            <p:extLst>
-              <p:ext uri="{386F3935-93C4-4BCD-93E2-E3B085C9AB24}">
-                <p16:designElem xmlns:p16="http://schemas.microsoft.com/office/powerpoint/2015/main" val="1"/>
-              </p:ext>
-            </p:extLst>
-          </p:nvPr>
-        </p:nvSpPr>
-        <p:spPr>
-          <a:xfrm>
-            <a:off x="5082154" y="-8467"/>
-            <a:ext cx="7109846" cy="6866467"/>
-          </a:xfrm>
-          <a:custGeom>
-            <a:avLst/>
-            <a:gdLst>
-              <a:gd name="connsiteX0" fmla="*/ 0 w 7109846"/>
-              <a:gd name="connsiteY0" fmla="*/ 0 h 6866467"/>
-              <a:gd name="connsiteX1" fmla="*/ 1249825 w 7109846"/>
-              <a:gd name="connsiteY1" fmla="*/ 0 h 6866467"/>
-              <a:gd name="connsiteX2" fmla="*/ 1249825 w 7109846"/>
-              <a:gd name="connsiteY2" fmla="*/ 8467 h 6866467"/>
-              <a:gd name="connsiteX3" fmla="*/ 7109846 w 7109846"/>
-              <a:gd name="connsiteY3" fmla="*/ 8467 h 6866467"/>
-              <a:gd name="connsiteX4" fmla="*/ 7109846 w 7109846"/>
-              <a:gd name="connsiteY4" fmla="*/ 6866467 h 6866467"/>
-              <a:gd name="connsiteX5" fmla="*/ 1249825 w 7109846"/>
-              <a:gd name="connsiteY5" fmla="*/ 6866467 h 6866467"/>
-              <a:gd name="connsiteX6" fmla="*/ 1109382 w 7109846"/>
-              <a:gd name="connsiteY6" fmla="*/ 6866467 h 6866467"/>
-            </a:gdLst>
-            <a:ahLst/>
-            <a:cxnLst>
-              <a:cxn ang="0">
-                <a:pos x="connsiteX0" y="connsiteY0"/>
-              </a:cxn>
-              <a:cxn ang="0">
-                <a:pos x="connsiteX1" y="connsiteY1"/>
-              </a:cxn>
-              <a:cxn ang="0">
-                <a:pos x="connsiteX2" y="connsiteY2"/>
-              </a:cxn>
-              <a:cxn ang="0">
-                <a:pos x="connsiteX3" y="connsiteY3"/>
-              </a:cxn>
-              <a:cxn ang="0">
-                <a:pos x="connsiteX4" y="connsiteY4"/>
-              </a:cxn>
-              <a:cxn ang="0">
-                <a:pos x="connsiteX5" y="connsiteY5"/>
-              </a:cxn>
-              <a:cxn ang="0">
-                <a:pos x="connsiteX6" y="connsiteY6"/>
-              </a:cxn>
-            </a:cxnLst>
-            <a:rect l="l" t="t" r="r" b="b"/>
-            <a:pathLst>
-              <a:path w="7109846" h="6866467">
-                <a:moveTo>
-                  <a:pt x="0" y="0"/>
-                </a:moveTo>
-                <a:lnTo>
-                  <a:pt x="1249825" y="0"/>
-                </a:lnTo>
-                <a:lnTo>
-                  <a:pt x="1249825" y="8467"/>
-                </a:lnTo>
-                <a:lnTo>
-                  <a:pt x="7109846" y="8467"/>
-                </a:lnTo>
-                <a:lnTo>
-                  <a:pt x="7109846" y="6866467"/>
-                </a:lnTo>
-                <a:lnTo>
-                  <a:pt x="1249825" y="6866467"/>
-                </a:lnTo>
-                <a:lnTo>
-                  <a:pt x="1109382" y="6866467"/>
-                </a:lnTo>
-                <a:close/>
-              </a:path>
-            </a:pathLst>
-          </a:custGeom>
-          <a:solidFill>
-            <a:schemeClr val="accent1"/>
-          </a:solidFill>
           <a:ln>
             <a:noFill/>
           </a:ln>
@@ -21259,183 +19781,40 @@
           </a:fontRef>
         </p:style>
         <p:txBody>
-          <a:bodyPr wrap="square" rtlCol="0" anchor="ctr">
-            <a:noAutofit/>
-          </a:bodyPr>
+          <a:bodyPr rtlCol="0" anchor="ctr"/>
           <a:lstStyle/>
           <a:p>
-            <a:pPr algn="ctr"/>
-            <a:endParaRPr lang="en-US"/>
-          </a:p>
-        </p:txBody>
-      </p:sp>
-      <p:sp>
-        <p:nvSpPr>
-          <p:cNvPr id="3" name="Content Placeholder 2">
-            <a:extLst>
-              <a:ext uri="{FF2B5EF4-FFF2-40B4-BE49-F238E27FC236}">
-                <a16:creationId xmlns:a16="http://schemas.microsoft.com/office/drawing/2014/main" id="{C8254388-EC98-31E1-D491-A076CE8F4667}"/>
-              </a:ext>
-            </a:extLst>
-          </p:cNvPr>
-          <p:cNvSpPr>
-            <a:spLocks noGrp="1"/>
-          </p:cNvSpPr>
-          <p:nvPr>
-            <p:ph idx="1"/>
-          </p:nvPr>
-        </p:nvSpPr>
-        <p:spPr>
-          <a:xfrm>
-            <a:off x="6116084" y="609601"/>
-            <a:ext cx="5511296" cy="5175624"/>
-          </a:xfrm>
-        </p:spPr>
-        <p:txBody>
-          <a:bodyPr anchor="ctr">
-            <a:normAutofit/>
-          </a:bodyPr>
-          <a:lstStyle/>
-          <a:p>
-            <a:r>
-              <a:rPr lang="en-US">
-                <a:solidFill>
-                  <a:srgbClr val="FFFFFF"/>
-                </a:solidFill>
-              </a:rPr>
-              <a:t>Team up with two other people (for four teams of three people) and pick your favorite instrument in the OI Lab. Give a short (three to five minute presentation) in class on Sep. 8 on the following:</a:t>
-            </a:r>
-          </a:p>
-          <a:p>
-            <a:pPr lvl="1"/>
-            <a:r>
-              <a:rPr lang="en-US">
-                <a:solidFill>
-                  <a:srgbClr val="FFFFFF"/>
-                </a:solidFill>
-              </a:rPr>
-              <a:t>What the instrument is</a:t>
-            </a:r>
-          </a:p>
-          <a:p>
-            <a:pPr lvl="1"/>
-            <a:r>
-              <a:rPr lang="en-US">
-                <a:solidFill>
-                  <a:srgbClr val="FFFFFF"/>
-                </a:solidFill>
-              </a:rPr>
-              <a:t>What it can measure</a:t>
-            </a:r>
-          </a:p>
-          <a:p>
-            <a:pPr lvl="1"/>
-            <a:r>
-              <a:rPr lang="en-US">
-                <a:solidFill>
-                  <a:srgbClr val="FFFFFF"/>
-                </a:solidFill>
-              </a:rPr>
-              <a:t>What studies it would likely be used for</a:t>
-            </a:r>
-          </a:p>
-          <a:p>
-            <a:pPr lvl="1"/>
-            <a:r>
-              <a:rPr lang="en-US">
-                <a:solidFill>
-                  <a:srgbClr val="FFFFFF"/>
-                </a:solidFill>
-              </a:rPr>
-              <a:t>Important technical specifications (look up on website and/or product datasheets)</a:t>
-            </a:r>
-          </a:p>
-          <a:p>
-            <a:pPr lvl="1"/>
-            <a:r>
-              <a:rPr lang="en-US">
-                <a:solidFill>
-                  <a:srgbClr val="FFFFFF"/>
-                </a:solidFill>
-              </a:rPr>
-              <a:t>Why you picked it</a:t>
-            </a:r>
-          </a:p>
-          <a:p>
-            <a:r>
-              <a:rPr lang="en-US">
-                <a:solidFill>
-                  <a:srgbClr val="FFFFFF"/>
-                </a:solidFill>
-              </a:rPr>
-              <a:t>Your presentation should be no more than one or two slides which you will submit on Canvas (via the Assignment post).</a:t>
-            </a:r>
-          </a:p>
-          <a:p>
-            <a:endParaRPr lang="en-US">
+            <a:pPr marL="0" marR="0" lvl="0" indent="0" algn="ctr" defTabSz="914400" rtl="0" eaLnBrk="1" fontAlgn="auto" latinLnBrk="0" hangingPunct="1">
+              <a:lnSpc>
+                <a:spcPct val="100000"/>
+              </a:lnSpc>
+              <a:spcBef>
+                <a:spcPts val="0"/>
+              </a:spcBef>
+              <a:spcAft>
+                <a:spcPts val="0"/>
+              </a:spcAft>
+              <a:buClrTx/>
+              <a:buSzTx/>
+              <a:buFontTx/>
+              <a:buNone/>
+              <a:tabLst/>
+              <a:defRPr/>
+            </a:pPr>
+            <a:endParaRPr kumimoji="0" lang="en-US" sz="1800" b="0" i="0" u="none" strike="noStrike" kern="1200" cap="none" spc="0" normalizeH="0" baseline="0" noProof="0">
+              <a:ln>
+                <a:noFill/>
+              </a:ln>
               <a:solidFill>
-                <a:srgbClr val="FFFFFF"/>
+                <a:prstClr val="white"/>
               </a:solidFill>
+              <a:effectLst/>
+              <a:uLnTx/>
+              <a:uFillTx/>
+              <a:latin typeface="Trebuchet MS" panose="020B0603020202020204"/>
+              <a:ea typeface="+mn-ea"/>
+              <a:cs typeface="+mn-cs"/>
             </a:endParaRPr>
-          </a:p>
-        </p:txBody>
-      </p:sp>
-    </p:spTree>
-    <p:extLst>
-      <p:ext uri="{BB962C8B-B14F-4D97-AF65-F5344CB8AC3E}">
-        <p14:creationId xmlns:p14="http://schemas.microsoft.com/office/powerpoint/2010/main" val="802729723"/>
-      </p:ext>
-    </p:extLst>
-  </p:cSld>
-  <p:clrMapOvr>
-    <a:overrideClrMapping bg1="dk1" tx1="lt1" bg2="dk2" tx2="lt2" accent1="accent1" accent2="accent2" accent3="accent3" accent4="accent4" accent5="accent5" accent6="accent6" hlink="hlink" folHlink="folHlink"/>
-  </p:clrMapOvr>
-</p:sld>
-</file>
-
-<file path=ppt/slides/slide5.xml><?xml version="1.0" encoding="utf-8"?>
-<p:sld xmlns:a="http://schemas.openxmlformats.org/drawingml/2006/main" xmlns:r="http://schemas.openxmlformats.org/officeDocument/2006/relationships" xmlns:p="http://schemas.openxmlformats.org/presentationml/2006/main">
-  <p:cSld>
-    <p:spTree>
-      <p:nvGrpSpPr>
-        <p:cNvPr id="1" name=""/>
-        <p:cNvGrpSpPr/>
-        <p:nvPr/>
-      </p:nvGrpSpPr>
-      <p:grpSpPr>
-        <a:xfrm>
-          <a:off x="0" y="0"/>
-          <a:ext cx="0" cy="0"/>
-          <a:chOff x="0" y="0"/>
-          <a:chExt cx="0" cy="0"/>
-        </a:xfrm>
-      </p:grpSpPr>
-      <p:sp>
-        <p:nvSpPr>
-          <p:cNvPr id="2" name="Title 1">
-            <a:extLst>
-              <a:ext uri="{FF2B5EF4-FFF2-40B4-BE49-F238E27FC236}">
-                <a16:creationId xmlns:a16="http://schemas.microsoft.com/office/drawing/2014/main" id="{463450F8-9A7F-805B-9087-F134647E3FCB}"/>
-              </a:ext>
-            </a:extLst>
-          </p:cNvPr>
-          <p:cNvSpPr>
-            <a:spLocks noGrp="1"/>
-          </p:cNvSpPr>
-          <p:nvPr>
-            <p:ph type="title"/>
-          </p:nvPr>
-        </p:nvSpPr>
-        <p:spPr/>
-        <p:txBody>
-          <a:bodyPr/>
-          <a:lstStyle/>
-          <a:p>
-            <a:r>
-              <a:rPr lang="en-US"/>
-              <a:t>PRESENTATION ORDER TBD…</a:t>
-            </a:r>
-            <a:endParaRPr lang="en-US" dirty="0"/>
           </a:p>
         </p:txBody>
       </p:sp>
@@ -21444,7 +19823,7 @@
           <p:cNvPr id="5" name="Content Placeholder 2">
             <a:extLst>
               <a:ext uri="{FF2B5EF4-FFF2-40B4-BE49-F238E27FC236}">
-                <a16:creationId xmlns:a16="http://schemas.microsoft.com/office/drawing/2014/main" id="{5B5AABB7-1D3A-022F-B126-A9F7B430580C}"/>
+                <a16:creationId xmlns:a16="http://schemas.microsoft.com/office/drawing/2014/main" id="{A860D61F-4108-6A9A-9083-978A0F1D40AD}"/>
               </a:ext>
             </a:extLst>
           </p:cNvPr>
@@ -21455,14 +19834,14 @@
             <p:ph idx="1"/>
             <p:extLst>
               <p:ext uri="{D42A27DB-BD31-4B8C-83A1-F6EECF244321}">
-                <p14:modId xmlns:p14="http://schemas.microsoft.com/office/powerpoint/2010/main" val="4238996654"/>
+                <p14:modId xmlns:p14="http://schemas.microsoft.com/office/powerpoint/2010/main" val="1201484606"/>
               </p:ext>
             </p:extLst>
           </p:nvPr>
         </p:nvGraphicFramePr>
         <p:xfrm>
-          <a:off x="677334" y="2160589"/>
-          <a:ext cx="8596668" cy="3880773"/>
+          <a:off x="4916553" y="944563"/>
+          <a:ext cx="6628804" cy="4979581"/>
         </p:xfrm>
         <a:graphic>
           <a:graphicData uri="http://schemas.openxmlformats.org/drawingml/2006/diagram">
@@ -21473,96 +19852,7 @@
     </p:spTree>
     <p:extLst>
       <p:ext uri="{BB962C8B-B14F-4D97-AF65-F5344CB8AC3E}">
-        <p14:creationId xmlns:p14="http://schemas.microsoft.com/office/powerpoint/2010/main" val="2632909650"/>
-      </p:ext>
-    </p:extLst>
-  </p:cSld>
-  <p:clrMapOvr>
-    <a:masterClrMapping/>
-  </p:clrMapOvr>
-</p:sld>
-</file>
-
-<file path=ppt/slides/slide6.xml><?xml version="1.0" encoding="utf-8"?>
-<p:sld xmlns:a="http://schemas.openxmlformats.org/drawingml/2006/main" xmlns:r="http://schemas.openxmlformats.org/officeDocument/2006/relationships" xmlns:p="http://schemas.openxmlformats.org/presentationml/2006/main">
-  <p:cSld>
-    <p:spTree>
-      <p:nvGrpSpPr>
-        <p:cNvPr id="1" name=""/>
-        <p:cNvGrpSpPr/>
-        <p:nvPr/>
-      </p:nvGrpSpPr>
-      <p:grpSpPr>
-        <a:xfrm>
-          <a:off x="0" y="0"/>
-          <a:ext cx="0" cy="0"/>
-          <a:chOff x="0" y="0"/>
-          <a:chExt cx="0" cy="0"/>
-        </a:xfrm>
-      </p:grpSpPr>
-      <p:sp>
-        <p:nvSpPr>
-          <p:cNvPr id="2" name="Title 1">
-            <a:extLst>
-              <a:ext uri="{FF2B5EF4-FFF2-40B4-BE49-F238E27FC236}">
-                <a16:creationId xmlns:a16="http://schemas.microsoft.com/office/drawing/2014/main" id="{113638D6-9D1C-E1BF-12E5-01826EB5D7DD}"/>
-              </a:ext>
-            </a:extLst>
-          </p:cNvPr>
-          <p:cNvSpPr>
-            <a:spLocks noGrp="1"/>
-          </p:cNvSpPr>
-          <p:nvPr>
-            <p:ph type="title"/>
-          </p:nvPr>
-        </p:nvSpPr>
-        <p:spPr/>
-        <p:txBody>
-          <a:bodyPr/>
-          <a:lstStyle/>
-          <a:p>
-            <a:r>
-              <a:rPr lang="en-US" dirty="0"/>
-              <a:t>Today’s plan</a:t>
-            </a:r>
-          </a:p>
-        </p:txBody>
-      </p:sp>
-      <p:graphicFrame>
-        <p:nvGraphicFramePr>
-          <p:cNvPr id="7" name="Content Placeholder 2">
-            <a:extLst>
-              <a:ext uri="{FF2B5EF4-FFF2-40B4-BE49-F238E27FC236}">
-                <a16:creationId xmlns:a16="http://schemas.microsoft.com/office/drawing/2014/main" id="{614FEF76-57A5-3DA4-CDFA-6CC28483E0E7}"/>
-              </a:ext>
-            </a:extLst>
-          </p:cNvPr>
-          <p:cNvGraphicFramePr>
-            <a:graphicFrameLocks noGrp="1"/>
-          </p:cNvGraphicFramePr>
-          <p:nvPr>
-            <p:ph idx="1"/>
-            <p:extLst>
-              <p:ext uri="{D42A27DB-BD31-4B8C-83A1-F6EECF244321}">
-                <p14:modId xmlns:p14="http://schemas.microsoft.com/office/powerpoint/2010/main" val="372394548"/>
-              </p:ext>
-            </p:extLst>
-          </p:nvPr>
-        </p:nvGraphicFramePr>
-        <p:xfrm>
-          <a:off x="677334" y="2160589"/>
-          <a:ext cx="8596668" cy="3880773"/>
-        </p:xfrm>
-        <a:graphic>
-          <a:graphicData uri="http://schemas.openxmlformats.org/drawingml/2006/diagram">
-            <dgm:relIds xmlns:dgm="http://schemas.openxmlformats.org/drawingml/2006/diagram" xmlns:r="http://schemas.openxmlformats.org/officeDocument/2006/relationships" r:dm="rId2" r:lo="rId3" r:qs="rId4" r:cs="rId5"/>
-          </a:graphicData>
-        </a:graphic>
-      </p:graphicFrame>
-    </p:spTree>
-    <p:extLst>
-      <p:ext uri="{BB962C8B-B14F-4D97-AF65-F5344CB8AC3E}">
-        <p14:creationId xmlns:p14="http://schemas.microsoft.com/office/powerpoint/2010/main" val="235467214"/>
+        <p14:creationId xmlns:p14="http://schemas.microsoft.com/office/powerpoint/2010/main" val="972239426"/>
       </p:ext>
     </p:extLst>
   </p:cSld>
@@ -22122,4 +20412,10 @@
     </a:ext>
   </a:extLst>
 </a:theme>
+</file>
+
+<file path=docMetadata/LabelInfo.xml><?xml version="1.0" encoding="utf-8"?>
+<clbl:labelList xmlns:clbl="http://schemas.microsoft.com/office/2020/mipLabelMetadata">
+  <clbl:label id="{4e32bd2a-1ccd-49c1-a814-de8553946415}" enabled="1" method="Standard" siteId="{22136781-9753-4c75-af28-68a078871ebf}" contentBits="0" removed="0"/>
+</clbl:labelList>
 </file>